--- a/Документы по проекту/презентация.pptx
+++ b/Документы по проекту/презентация.pptx
@@ -1,28 +1,28 @@
 
 <file path=ppt/presentation.xml><?xml version="1.0" encoding="utf-8"?>
-<p:presentation xmlns:a="http://schemas.openxmlformats.org/drawingml/2006/main" xmlns:r="http://schemas.openxmlformats.org/officeDocument/2006/relationships" xmlns:mc="http://schemas.openxmlformats.org/markup-compatibility/2006" xmlns:mv="urn:schemas-microsoft-com:mac:vml" xmlns:p="http://schemas.openxmlformats.org/presentationml/2006/main" xmlns:c="http://schemas.openxmlformats.org/drawingml/2006/chart" xmlns:dgm="http://schemas.openxmlformats.org/drawingml/2006/diagram" xmlns:o="urn:schemas-microsoft-com:office:office" xmlns:v="urn:schemas-microsoft-com:vml" xmlns:pvml="urn:schemas-microsoft-com:office:powerpoint" xmlns:com="http://schemas.openxmlformats.org/drawingml/2006/compatibility" xmlns:p14="http://schemas.microsoft.com/office/powerpoint/2010/main" xmlns:p15="http://schemas.microsoft.com/office/powerpoint/2012/main" xmlns:ahyp="http://schemas.microsoft.com/office/drawing/2018/hyperlinkcolor" autoCompressPictures="0" strictFirstAndLastChars="0" saveSubsetFonts="1">
+<p:presentation xmlns:a="http://schemas.openxmlformats.org/drawingml/2006/main" xmlns:r="http://schemas.openxmlformats.org/officeDocument/2006/relationships" xmlns:p="http://schemas.openxmlformats.org/presentationml/2006/main" strictFirstAndLastChars="0" saveSubsetFonts="1" autoCompressPictures="0">
   <p:sldMasterIdLst>
-    <p:sldMasterId id="2147483648" r:id="rId4"/>
+    <p:sldMasterId id="2147483648" r:id="rId1"/>
   </p:sldMasterIdLst>
   <p:notesMasterIdLst>
-    <p:notesMasterId r:id="rId5"/>
+    <p:notesMasterId r:id="rId12"/>
   </p:notesMasterIdLst>
   <p:sldIdLst>
-    <p:sldId id="256" r:id="rId6"/>
-    <p:sldId id="257" r:id="rId7"/>
-    <p:sldId id="258" r:id="rId8"/>
-    <p:sldId id="259" r:id="rId9"/>
-    <p:sldId id="260" r:id="rId10"/>
-    <p:sldId id="261" r:id="rId11"/>
-    <p:sldId id="262" r:id="rId12"/>
-    <p:sldId id="263" r:id="rId13"/>
-    <p:sldId id="264" r:id="rId14"/>
-    <p:sldId id="265" r:id="rId15"/>
+    <p:sldId id="256" r:id="rId2"/>
+    <p:sldId id="257" r:id="rId3"/>
+    <p:sldId id="258" r:id="rId4"/>
+    <p:sldId id="259" r:id="rId5"/>
+    <p:sldId id="260" r:id="rId6"/>
+    <p:sldId id="261" r:id="rId7"/>
+    <p:sldId id="262" r:id="rId8"/>
+    <p:sldId id="263" r:id="rId9"/>
+    <p:sldId id="264" r:id="rId10"/>
+    <p:sldId id="265" r:id="rId11"/>
   </p:sldIdLst>
-  <p:sldSz cy="6858000" cx="9144000"/>
+  <p:sldSz cx="9144000" cy="6858000" type="screen4x3"/>
   <p:notesSz cx="6858000" cy="9144000"/>
   <p:defaultTextStyle>
-    <a:defPPr lvl="0" marR="0" rtl="0" algn="l">
+    <a:defPPr marR="0" lvl="0" algn="l" rtl="0">
       <a:lnSpc>
         <a:spcPct val="100000"/>
       </a:lnSpc>
@@ -33,7 +33,7 @@
         <a:spcPts val="0"/>
       </a:spcAft>
     </a:defPPr>
-    <a:lvl1pPr lvl="0" marR="0" rtl="0" algn="l">
+    <a:lvl1pPr marR="0" lvl="0" algn="l" rtl="0">
       <a:lnSpc>
         <a:spcPct val="100000"/>
       </a:lnSpc>
@@ -47,7 +47,7 @@
         <a:srgbClr val="000000"/>
       </a:buClr>
       <a:buFont typeface="Arial"/>
-      <a:defRPr b="0" i="0" sz="1400" u="none" cap="none" strike="noStrike">
+      <a:defRPr sz="1400" b="0" i="0" u="none" strike="noStrike" cap="none">
         <a:solidFill>
           <a:srgbClr val="000000"/>
         </a:solidFill>
@@ -57,7 +57,7 @@
         <a:sym typeface="Arial"/>
       </a:defRPr>
     </a:lvl1pPr>
-    <a:lvl2pPr lvl="1" marR="0" rtl="0" algn="l">
+    <a:lvl2pPr marR="0" lvl="1" algn="l" rtl="0">
       <a:lnSpc>
         <a:spcPct val="100000"/>
       </a:lnSpc>
@@ -71,7 +71,7 @@
         <a:srgbClr val="000000"/>
       </a:buClr>
       <a:buFont typeface="Arial"/>
-      <a:defRPr b="0" i="0" sz="1400" u="none" cap="none" strike="noStrike">
+      <a:defRPr sz="1400" b="0" i="0" u="none" strike="noStrike" cap="none">
         <a:solidFill>
           <a:srgbClr val="000000"/>
         </a:solidFill>
@@ -81,7 +81,7 @@
         <a:sym typeface="Arial"/>
       </a:defRPr>
     </a:lvl2pPr>
-    <a:lvl3pPr lvl="2" marR="0" rtl="0" algn="l">
+    <a:lvl3pPr marR="0" lvl="2" algn="l" rtl="0">
       <a:lnSpc>
         <a:spcPct val="100000"/>
       </a:lnSpc>
@@ -95,7 +95,7 @@
         <a:srgbClr val="000000"/>
       </a:buClr>
       <a:buFont typeface="Arial"/>
-      <a:defRPr b="0" i="0" sz="1400" u="none" cap="none" strike="noStrike">
+      <a:defRPr sz="1400" b="0" i="0" u="none" strike="noStrike" cap="none">
         <a:solidFill>
           <a:srgbClr val="000000"/>
         </a:solidFill>
@@ -105,7 +105,7 @@
         <a:sym typeface="Arial"/>
       </a:defRPr>
     </a:lvl3pPr>
-    <a:lvl4pPr lvl="3" marR="0" rtl="0" algn="l">
+    <a:lvl4pPr marR="0" lvl="3" algn="l" rtl="0">
       <a:lnSpc>
         <a:spcPct val="100000"/>
       </a:lnSpc>
@@ -119,7 +119,7 @@
         <a:srgbClr val="000000"/>
       </a:buClr>
       <a:buFont typeface="Arial"/>
-      <a:defRPr b="0" i="0" sz="1400" u="none" cap="none" strike="noStrike">
+      <a:defRPr sz="1400" b="0" i="0" u="none" strike="noStrike" cap="none">
         <a:solidFill>
           <a:srgbClr val="000000"/>
         </a:solidFill>
@@ -129,7 +129,7 @@
         <a:sym typeface="Arial"/>
       </a:defRPr>
     </a:lvl4pPr>
-    <a:lvl5pPr lvl="4" marR="0" rtl="0" algn="l">
+    <a:lvl5pPr marR="0" lvl="4" algn="l" rtl="0">
       <a:lnSpc>
         <a:spcPct val="100000"/>
       </a:lnSpc>
@@ -143,7 +143,7 @@
         <a:srgbClr val="000000"/>
       </a:buClr>
       <a:buFont typeface="Arial"/>
-      <a:defRPr b="0" i="0" sz="1400" u="none" cap="none" strike="noStrike">
+      <a:defRPr sz="1400" b="0" i="0" u="none" strike="noStrike" cap="none">
         <a:solidFill>
           <a:srgbClr val="000000"/>
         </a:solidFill>
@@ -153,7 +153,7 @@
         <a:sym typeface="Arial"/>
       </a:defRPr>
     </a:lvl5pPr>
-    <a:lvl6pPr lvl="5" marR="0" rtl="0" algn="l">
+    <a:lvl6pPr marR="0" lvl="5" algn="l" rtl="0">
       <a:lnSpc>
         <a:spcPct val="100000"/>
       </a:lnSpc>
@@ -167,7 +167,7 @@
         <a:srgbClr val="000000"/>
       </a:buClr>
       <a:buFont typeface="Arial"/>
-      <a:defRPr b="0" i="0" sz="1400" u="none" cap="none" strike="noStrike">
+      <a:defRPr sz="1400" b="0" i="0" u="none" strike="noStrike" cap="none">
         <a:solidFill>
           <a:srgbClr val="000000"/>
         </a:solidFill>
@@ -177,7 +177,7 @@
         <a:sym typeface="Arial"/>
       </a:defRPr>
     </a:lvl6pPr>
-    <a:lvl7pPr lvl="6" marR="0" rtl="0" algn="l">
+    <a:lvl7pPr marR="0" lvl="6" algn="l" rtl="0">
       <a:lnSpc>
         <a:spcPct val="100000"/>
       </a:lnSpc>
@@ -191,7 +191,7 @@
         <a:srgbClr val="000000"/>
       </a:buClr>
       <a:buFont typeface="Arial"/>
-      <a:defRPr b="0" i="0" sz="1400" u="none" cap="none" strike="noStrike">
+      <a:defRPr sz="1400" b="0" i="0" u="none" strike="noStrike" cap="none">
         <a:solidFill>
           <a:srgbClr val="000000"/>
         </a:solidFill>
@@ -201,7 +201,7 @@
         <a:sym typeface="Arial"/>
       </a:defRPr>
     </a:lvl7pPr>
-    <a:lvl8pPr lvl="7" marR="0" rtl="0" algn="l">
+    <a:lvl8pPr marR="0" lvl="7" algn="l" rtl="0">
       <a:lnSpc>
         <a:spcPct val="100000"/>
       </a:lnSpc>
@@ -215,7 +215,7 @@
         <a:srgbClr val="000000"/>
       </a:buClr>
       <a:buFont typeface="Arial"/>
-      <a:defRPr b="0" i="0" sz="1400" u="none" cap="none" strike="noStrike">
+      <a:defRPr sz="1400" b="0" i="0" u="none" strike="noStrike" cap="none">
         <a:solidFill>
           <a:srgbClr val="000000"/>
         </a:solidFill>
@@ -225,7 +225,7 @@
         <a:sym typeface="Arial"/>
       </a:defRPr>
     </a:lvl8pPr>
-    <a:lvl9pPr lvl="8" marR="0" rtl="0" algn="l">
+    <a:lvl9pPr marR="0" lvl="8" algn="l" rtl="0">
       <a:lnSpc>
         <a:spcPct val="100000"/>
       </a:lnSpc>
@@ -239,7 +239,7 @@
         <a:srgbClr val="000000"/>
       </a:buClr>
       <a:buFont typeface="Arial"/>
-      <a:defRPr b="0" i="0" sz="1400" u="none" cap="none" strike="noStrike">
+      <a:defRPr sz="1400" b="0" i="0" u="none" strike="noStrike" cap="none">
         <a:solidFill>
           <a:srgbClr val="000000"/>
         </a:solidFill>
@@ -252,7 +252,7 @@
   </p:defaultTextStyle>
   <p:extLst>
     <p:ext uri="{EFAFB233-063F-42B5-8137-9DF3F51BA10A}">
-      <p15:sldGuideLst>
+      <p15:sldGuideLst xmlns:ahyp="http://schemas.microsoft.com/office/drawing/2018/hyperlinkcolor" xmlns:p15="http://schemas.microsoft.com/office/powerpoint/2012/main" xmlns:p14="http://schemas.microsoft.com/office/powerpoint/2010/main" xmlns:com="http://schemas.openxmlformats.org/drawingml/2006/compatibility" xmlns:pvml="urn:schemas-microsoft-com:office:powerpoint" xmlns:v="urn:schemas-microsoft-com:vml" xmlns:o="urn:schemas-microsoft-com:office:office" xmlns:dgm="http://schemas.openxmlformats.org/drawingml/2006/diagram" xmlns:c="http://schemas.openxmlformats.org/drawingml/2006/chart" xmlns:mv="urn:schemas-microsoft-com:mac:vml" xmlns:mc="http://schemas.openxmlformats.org/markup-compatibility/2006" xmlns="">
         <p15:guide id="1" orient="horz" pos="2160">
           <p15:clr>
             <a:srgbClr val="000000"/>
@@ -266,18 +266,23 @@
       </p15:sldGuideLst>
     </p:ext>
     <p:ext uri="GoogleSlidesCustomDataVersion2">
-      <go:slidesCustomData xmlns:go="http://customooxmlschemas.google.com/" r:id="rId16" roundtripDataSignature="AMtx7mjQioeFkD7wa85/DXSOR6ciOEB2yQ=="/>
+      <go:slidesCustomData xmlns:go="http://customooxmlschemas.google.com/" xmlns:ahyp="http://schemas.microsoft.com/office/drawing/2018/hyperlinkcolor" xmlns:p15="http://schemas.microsoft.com/office/powerpoint/2012/main" xmlns:p14="http://schemas.microsoft.com/office/powerpoint/2010/main" xmlns:com="http://schemas.openxmlformats.org/drawingml/2006/compatibility" xmlns:pvml="urn:schemas-microsoft-com:office:powerpoint" xmlns:v="urn:schemas-microsoft-com:vml" xmlns:o="urn:schemas-microsoft-com:office:office" xmlns:dgm="http://schemas.openxmlformats.org/drawingml/2006/diagram" xmlns:c="http://schemas.openxmlformats.org/drawingml/2006/chart" xmlns:mv="urn:schemas-microsoft-com:mac:vml" xmlns:mc="http://schemas.openxmlformats.org/markup-compatibility/2006" xmlns="" r:id="rId16" roundtripDataSignature="AMtx7mjQioeFkD7wa85/DXSOR6ciOEB2yQ=="/>
     </p:ext>
   </p:extLst>
 </p:presentation>
 </file>
 
 <file path=ppt/notesMasters/notesMaster1.xml><?xml version="1.0" encoding="utf-8"?>
-<p:notesMaster xmlns:a="http://schemas.openxmlformats.org/drawingml/2006/main" xmlns:r="http://schemas.openxmlformats.org/officeDocument/2006/relationships" xmlns:mc="http://schemas.openxmlformats.org/markup-compatibility/2006" xmlns:mv="urn:schemas-microsoft-com:mac:vml" xmlns:p="http://schemas.openxmlformats.org/presentationml/2006/main" xmlns:c="http://schemas.openxmlformats.org/drawingml/2006/chart" xmlns:dgm="http://schemas.openxmlformats.org/drawingml/2006/diagram" xmlns:o="urn:schemas-microsoft-com:office:office" xmlns:v="urn:schemas-microsoft-com:vml" xmlns:pvml="urn:schemas-microsoft-com:office:powerpoint" xmlns:com="http://schemas.openxmlformats.org/drawingml/2006/compatibility" xmlns:p14="http://schemas.microsoft.com/office/powerpoint/2010/main" xmlns:p15="http://schemas.microsoft.com/office/powerpoint/2012/main" xmlns:ahyp="http://schemas.microsoft.com/office/drawing/2018/hyperlinkcolor">
+<p:notesMaster xmlns:a="http://schemas.openxmlformats.org/drawingml/2006/main" xmlns:r="http://schemas.openxmlformats.org/officeDocument/2006/relationships" xmlns:p="http://schemas.openxmlformats.org/presentationml/2006/main">
   <p:cSld>
+    <p:bg>
+      <p:bgRef idx="1001">
+        <a:schemeClr val="bg1"/>
+      </p:bgRef>
+    </p:bg>
     <p:spTree>
       <p:nvGrpSpPr>
-        <p:cNvPr id="2" name="Shape 2"/>
+        <p:cNvPr id="1" name="Shape 2"/>
         <p:cNvGrpSpPr/>
         <p:nvPr/>
       </p:nvGrpSpPr>
@@ -292,9 +297,11 @@
       <p:sp>
         <p:nvSpPr>
           <p:cNvPr id="3" name="Google Shape;3;n"/>
-          <p:cNvSpPr/>
+          <p:cNvSpPr>
+            <a:spLocks noGrp="1" noRot="1" noChangeAspect="1"/>
+          </p:cNvSpPr>
           <p:nvPr>
-            <p:ph idx="2" type="sldImg"/>
+            <p:ph type="sldImg" idx="2"/>
           </p:nvPr>
         </p:nvSpPr>
         <p:spPr>
@@ -303,9 +310,13 @@
             <a:ext cx="4572225" cy="3429000"/>
           </a:xfrm>
           <a:custGeom>
-            <a:rect b="b" l="l" r="r" t="t"/>
+            <a:avLst/>
+            <a:gdLst/>
+            <a:ahLst/>
+            <a:cxnLst/>
+            <a:rect l="l" t="t" r="r" b="b"/>
             <a:pathLst>
-              <a:path extrusionOk="0" h="120000" w="120000">
+              <a:path w="120000" h="120000" extrusionOk="0">
                 <a:moveTo>
                   <a:pt x="0" y="0"/>
                 </a:moveTo>
@@ -323,23 +334,25 @@
             </a:pathLst>
           </a:custGeom>
           <a:noFill/>
-          <a:ln cap="flat" cmpd="sng" w="9525">
+          <a:ln w="9525" cap="flat" cmpd="sng">
             <a:solidFill>
               <a:srgbClr val="000000"/>
             </a:solidFill>
             <a:prstDash val="solid"/>
             <a:round/>
-            <a:headEnd len="sm" w="sm" type="none"/>
-            <a:tailEnd len="sm" w="sm" type="none"/>
+            <a:headEnd type="none" w="sm" len="sm"/>
+            <a:tailEnd type="none" w="sm" len="sm"/>
           </a:ln>
         </p:spPr>
       </p:sp>
       <p:sp>
         <p:nvSpPr>
           <p:cNvPr id="4" name="Google Shape;4;n"/>
-          <p:cNvSpPr txBox="1"/>
+          <p:cNvSpPr txBox="1">
+            <a:spLocks noGrp="1"/>
+          </p:cNvSpPr>
           <p:nvPr>
-            <p:ph idx="1" type="body"/>
+            <p:ph type="body" idx="1"/>
           </p:nvPr>
         </p:nvSpPr>
         <p:spPr>
@@ -356,11 +369,11 @@
           </a:ln>
         </p:spPr>
         <p:txBody>
-          <a:bodyPr anchorCtr="0" anchor="t" bIns="91425" lIns="91425" spcFirstLastPara="1" rIns="91425" wrap="square" tIns="91425">
+          <a:bodyPr spcFirstLastPara="1" wrap="square" lIns="91425" tIns="91425" rIns="91425" bIns="91425" anchor="t" anchorCtr="0">
             <a:noAutofit/>
           </a:bodyPr>
           <a:lstStyle>
-            <a:lvl1pPr indent="-298450" lvl="0" marL="457200">
+            <a:lvl1pPr marL="457200" lvl="0" indent="-298450">
               <a:spcBef>
                 <a:spcPts val="0"/>
               </a:spcBef>
@@ -371,7 +384,7 @@
               <a:buChar char="●"/>
               <a:defRPr sz="1100"/>
             </a:lvl1pPr>
-            <a:lvl2pPr indent="-298450" lvl="1" marL="914400">
+            <a:lvl2pPr marL="914400" lvl="1" indent="-298450">
               <a:spcBef>
                 <a:spcPts val="0"/>
               </a:spcBef>
@@ -382,7 +395,7 @@
               <a:buChar char="○"/>
               <a:defRPr sz="1100"/>
             </a:lvl2pPr>
-            <a:lvl3pPr indent="-298450" lvl="2" marL="1371600">
+            <a:lvl3pPr marL="1371600" lvl="2" indent="-298450">
               <a:spcBef>
                 <a:spcPts val="0"/>
               </a:spcBef>
@@ -393,7 +406,7 @@
               <a:buChar char="■"/>
               <a:defRPr sz="1100"/>
             </a:lvl3pPr>
-            <a:lvl4pPr indent="-298450" lvl="3" marL="1828800">
+            <a:lvl4pPr marL="1828800" lvl="3" indent="-298450">
               <a:spcBef>
                 <a:spcPts val="0"/>
               </a:spcBef>
@@ -404,7 +417,7 @@
               <a:buChar char="●"/>
               <a:defRPr sz="1100"/>
             </a:lvl4pPr>
-            <a:lvl5pPr indent="-298450" lvl="4" marL="2286000">
+            <a:lvl5pPr marL="2286000" lvl="4" indent="-298450">
               <a:spcBef>
                 <a:spcPts val="0"/>
               </a:spcBef>
@@ -415,7 +428,7 @@
               <a:buChar char="○"/>
               <a:defRPr sz="1100"/>
             </a:lvl5pPr>
-            <a:lvl6pPr indent="-298450" lvl="5" marL="2743200">
+            <a:lvl6pPr marL="2743200" lvl="5" indent="-298450">
               <a:spcBef>
                 <a:spcPts val="0"/>
               </a:spcBef>
@@ -426,7 +439,7 @@
               <a:buChar char="■"/>
               <a:defRPr sz="1100"/>
             </a:lvl6pPr>
-            <a:lvl7pPr indent="-298450" lvl="6" marL="3200400">
+            <a:lvl7pPr marL="3200400" lvl="6" indent="-298450">
               <a:spcBef>
                 <a:spcPts val="0"/>
               </a:spcBef>
@@ -437,7 +450,7 @@
               <a:buChar char="●"/>
               <a:defRPr sz="1100"/>
             </a:lvl7pPr>
-            <a:lvl8pPr indent="-298450" lvl="7" marL="3657600">
+            <a:lvl8pPr marL="3657600" lvl="7" indent="-298450">
               <a:spcBef>
                 <a:spcPts val="0"/>
               </a:spcBef>
@@ -448,7 +461,7 @@
               <a:buChar char="○"/>
               <a:defRPr sz="1100"/>
             </a:lvl8pPr>
-            <a:lvl9pPr indent="-298450" lvl="8" marL="4114800">
+            <a:lvl9pPr marL="4114800" lvl="8" indent="-298450">
               <a:spcBef>
                 <a:spcPts val="0"/>
               </a:spcBef>
@@ -460,14 +473,16 @@
               <a:defRPr sz="1100"/>
             </a:lvl9pPr>
           </a:lstStyle>
-          <a:p/>
+          <a:p>
+            <a:endParaRPr/>
+          </a:p>
         </p:txBody>
       </p:sp>
     </p:spTree>
   </p:cSld>
-  <p:clrMap accent1="accent1" accent2="accent2" accent3="accent3" accent4="accent4" accent5="accent5" accent6="accent6" bg1="lt1" bg2="dk2" tx1="dk1" tx2="lt2" folHlink="folHlink" hlink="hlink"/>
+  <p:clrMap bg1="lt1" tx1="dk1" bg2="dk2" tx2="lt2" accent1="accent1" accent2="accent2" accent3="accent3" accent4="accent4" accent5="accent5" accent6="accent6" hlink="hlink" folHlink="folHlink"/>
   <p:notesStyle>
-    <a:defPPr lvl="0" marR="0" rtl="0" algn="l">
+    <a:defPPr marR="0" lvl="0" algn="l" rtl="0">
       <a:lnSpc>
         <a:spcPct val="100000"/>
       </a:lnSpc>
@@ -478,7 +493,7 @@
         <a:spcPts val="0"/>
       </a:spcAft>
     </a:defPPr>
-    <a:lvl1pPr lvl="0" marR="0" rtl="0" algn="l">
+    <a:lvl1pPr marR="0" lvl="0" algn="l" rtl="0">
       <a:lnSpc>
         <a:spcPct val="100000"/>
       </a:lnSpc>
@@ -492,7 +507,7 @@
         <a:srgbClr val="000000"/>
       </a:buClr>
       <a:buFont typeface="Arial"/>
-      <a:defRPr b="0" i="0" sz="1400" u="none" cap="none" strike="noStrike">
+      <a:defRPr sz="1400" b="0" i="0" u="none" strike="noStrike" cap="none">
         <a:solidFill>
           <a:srgbClr val="000000"/>
         </a:solidFill>
@@ -502,7 +517,7 @@
         <a:sym typeface="Arial"/>
       </a:defRPr>
     </a:lvl1pPr>
-    <a:lvl2pPr lvl="1" marR="0" rtl="0" algn="l">
+    <a:lvl2pPr marR="0" lvl="1" algn="l" rtl="0">
       <a:lnSpc>
         <a:spcPct val="100000"/>
       </a:lnSpc>
@@ -516,7 +531,7 @@
         <a:srgbClr val="000000"/>
       </a:buClr>
       <a:buFont typeface="Arial"/>
-      <a:defRPr b="0" i="0" sz="1400" u="none" cap="none" strike="noStrike">
+      <a:defRPr sz="1400" b="0" i="0" u="none" strike="noStrike" cap="none">
         <a:solidFill>
           <a:srgbClr val="000000"/>
         </a:solidFill>
@@ -526,7 +541,7 @@
         <a:sym typeface="Arial"/>
       </a:defRPr>
     </a:lvl2pPr>
-    <a:lvl3pPr lvl="2" marR="0" rtl="0" algn="l">
+    <a:lvl3pPr marR="0" lvl="2" algn="l" rtl="0">
       <a:lnSpc>
         <a:spcPct val="100000"/>
       </a:lnSpc>
@@ -540,7 +555,7 @@
         <a:srgbClr val="000000"/>
       </a:buClr>
       <a:buFont typeface="Arial"/>
-      <a:defRPr b="0" i="0" sz="1400" u="none" cap="none" strike="noStrike">
+      <a:defRPr sz="1400" b="0" i="0" u="none" strike="noStrike" cap="none">
         <a:solidFill>
           <a:srgbClr val="000000"/>
         </a:solidFill>
@@ -550,7 +565,7 @@
         <a:sym typeface="Arial"/>
       </a:defRPr>
     </a:lvl3pPr>
-    <a:lvl4pPr lvl="3" marR="0" rtl="0" algn="l">
+    <a:lvl4pPr marR="0" lvl="3" algn="l" rtl="0">
       <a:lnSpc>
         <a:spcPct val="100000"/>
       </a:lnSpc>
@@ -564,7 +579,7 @@
         <a:srgbClr val="000000"/>
       </a:buClr>
       <a:buFont typeface="Arial"/>
-      <a:defRPr b="0" i="0" sz="1400" u="none" cap="none" strike="noStrike">
+      <a:defRPr sz="1400" b="0" i="0" u="none" strike="noStrike" cap="none">
         <a:solidFill>
           <a:srgbClr val="000000"/>
         </a:solidFill>
@@ -574,7 +589,7 @@
         <a:sym typeface="Arial"/>
       </a:defRPr>
     </a:lvl4pPr>
-    <a:lvl5pPr lvl="4" marR="0" rtl="0" algn="l">
+    <a:lvl5pPr marR="0" lvl="4" algn="l" rtl="0">
       <a:lnSpc>
         <a:spcPct val="100000"/>
       </a:lnSpc>
@@ -588,7 +603,7 @@
         <a:srgbClr val="000000"/>
       </a:buClr>
       <a:buFont typeface="Arial"/>
-      <a:defRPr b="0" i="0" sz="1400" u="none" cap="none" strike="noStrike">
+      <a:defRPr sz="1400" b="0" i="0" u="none" strike="noStrike" cap="none">
         <a:solidFill>
           <a:srgbClr val="000000"/>
         </a:solidFill>
@@ -598,7 +613,7 @@
         <a:sym typeface="Arial"/>
       </a:defRPr>
     </a:lvl5pPr>
-    <a:lvl6pPr lvl="5" marR="0" rtl="0" algn="l">
+    <a:lvl6pPr marR="0" lvl="5" algn="l" rtl="0">
       <a:lnSpc>
         <a:spcPct val="100000"/>
       </a:lnSpc>
@@ -612,7 +627,7 @@
         <a:srgbClr val="000000"/>
       </a:buClr>
       <a:buFont typeface="Arial"/>
-      <a:defRPr b="0" i="0" sz="1400" u="none" cap="none" strike="noStrike">
+      <a:defRPr sz="1400" b="0" i="0" u="none" strike="noStrike" cap="none">
         <a:solidFill>
           <a:srgbClr val="000000"/>
         </a:solidFill>
@@ -622,7 +637,7 @@
         <a:sym typeface="Arial"/>
       </a:defRPr>
     </a:lvl6pPr>
-    <a:lvl7pPr lvl="6" marR="0" rtl="0" algn="l">
+    <a:lvl7pPr marR="0" lvl="6" algn="l" rtl="0">
       <a:lnSpc>
         <a:spcPct val="100000"/>
       </a:lnSpc>
@@ -636,7 +651,7 @@
         <a:srgbClr val="000000"/>
       </a:buClr>
       <a:buFont typeface="Arial"/>
-      <a:defRPr b="0" i="0" sz="1400" u="none" cap="none" strike="noStrike">
+      <a:defRPr sz="1400" b="0" i="0" u="none" strike="noStrike" cap="none">
         <a:solidFill>
           <a:srgbClr val="000000"/>
         </a:solidFill>
@@ -646,7 +661,7 @@
         <a:sym typeface="Arial"/>
       </a:defRPr>
     </a:lvl7pPr>
-    <a:lvl8pPr lvl="7" marR="0" rtl="0" algn="l">
+    <a:lvl8pPr marR="0" lvl="7" algn="l" rtl="0">
       <a:lnSpc>
         <a:spcPct val="100000"/>
       </a:lnSpc>
@@ -660,7 +675,7 @@
         <a:srgbClr val="000000"/>
       </a:buClr>
       <a:buFont typeface="Arial"/>
-      <a:defRPr b="0" i="0" sz="1400" u="none" cap="none" strike="noStrike">
+      <a:defRPr sz="1400" b="0" i="0" u="none" strike="noStrike" cap="none">
         <a:solidFill>
           <a:srgbClr val="000000"/>
         </a:solidFill>
@@ -670,7 +685,7 @@
         <a:sym typeface="Arial"/>
       </a:defRPr>
     </a:lvl8pPr>
-    <a:lvl9pPr lvl="8" marR="0" rtl="0" algn="l">
+    <a:lvl9pPr marR="0" lvl="8" algn="l" rtl="0">
       <a:lnSpc>
         <a:spcPct val="100000"/>
       </a:lnSpc>
@@ -684,7 +699,7 @@
         <a:srgbClr val="000000"/>
       </a:buClr>
       <a:buFont typeface="Arial"/>
-      <a:defRPr b="0" i="0" sz="1400" u="none" cap="none" strike="noStrike">
+      <a:defRPr sz="1400" b="0" i="0" u="none" strike="noStrike" cap="none">
         <a:solidFill>
           <a:srgbClr val="000000"/>
         </a:solidFill>
@@ -699,11 +714,11 @@
 </file>
 
 <file path=ppt/notesSlides/notesSlide1.xml><?xml version="1.0" encoding="utf-8"?>
-<p:notes xmlns:a="http://schemas.openxmlformats.org/drawingml/2006/main" xmlns:r="http://schemas.openxmlformats.org/officeDocument/2006/relationships" xmlns:mc="http://schemas.openxmlformats.org/markup-compatibility/2006" xmlns:mv="urn:schemas-microsoft-com:mac:vml" xmlns:p="http://schemas.openxmlformats.org/presentationml/2006/main" xmlns:c="http://schemas.openxmlformats.org/drawingml/2006/chart" xmlns:dgm="http://schemas.openxmlformats.org/drawingml/2006/diagram" xmlns:o="urn:schemas-microsoft-com:office:office" xmlns:v="urn:schemas-microsoft-com:vml" xmlns:pvml="urn:schemas-microsoft-com:office:powerpoint" xmlns:com="http://schemas.openxmlformats.org/drawingml/2006/compatibility" xmlns:p14="http://schemas.microsoft.com/office/powerpoint/2010/main" xmlns:p15="http://schemas.microsoft.com/office/powerpoint/2012/main" xmlns:ahyp="http://schemas.microsoft.com/office/drawing/2018/hyperlinkcolor" showMasterPhAnim="0" showMasterSp="0">
+<p:notes xmlns:a="http://schemas.openxmlformats.org/drawingml/2006/main" xmlns:r="http://schemas.openxmlformats.org/officeDocument/2006/relationships" xmlns:p="http://schemas.openxmlformats.org/presentationml/2006/main" showMasterSp="0" showMasterPhAnim="0">
   <p:cSld>
     <p:spTree>
       <p:nvGrpSpPr>
-        <p:cNvPr id="98" name="Shape 98"/>
+        <p:cNvPr id="1" name="Shape 98"/>
         <p:cNvGrpSpPr/>
         <p:nvPr/>
       </p:nvGrpSpPr>
@@ -718,9 +733,11 @@
       <p:sp>
         <p:nvSpPr>
           <p:cNvPr id="99" name="Google Shape;99;p1:notes"/>
-          <p:cNvSpPr txBox="1"/>
+          <p:cNvSpPr txBox="1">
+            <a:spLocks noGrp="1"/>
+          </p:cNvSpPr>
           <p:nvPr>
-            <p:ph idx="1" type="body"/>
+            <p:ph type="body" idx="1"/>
           </p:nvPr>
         </p:nvSpPr>
         <p:spPr>
@@ -733,12 +750,12 @@
           </a:prstGeom>
         </p:spPr>
         <p:txBody>
-          <a:bodyPr anchorCtr="0" anchor="t" bIns="91425" lIns="91425" spcFirstLastPara="1" rIns="91425" wrap="square" tIns="91425">
+          <a:bodyPr spcFirstLastPara="1" wrap="square" lIns="91425" tIns="91425" rIns="91425" bIns="91425" anchor="t" anchorCtr="0">
             <a:noAutofit/>
           </a:bodyPr>
           <a:lstStyle/>
           <a:p>
-            <a:pPr indent="0" lvl="0" marL="0" rtl="0" algn="l">
+            <a:pPr marL="0" lvl="0" indent="0" algn="l" rtl="0">
               <a:spcBef>
                 <a:spcPts val="0"/>
               </a:spcBef>
@@ -747,9 +764,6 @@
               </a:spcAft>
               <a:buNone/>
             </a:pPr>
-            <a:r>
-              <a:t/>
-            </a:r>
             <a:endParaRPr/>
           </a:p>
         </p:txBody>
@@ -757,9 +771,11 @@
       <p:sp>
         <p:nvSpPr>
           <p:cNvPr id="100" name="Google Shape;100;p1:notes"/>
-          <p:cNvSpPr/>
+          <p:cNvSpPr>
+            <a:spLocks noGrp="1" noRot="1" noChangeAspect="1"/>
+          </p:cNvSpPr>
           <p:nvPr>
-            <p:ph idx="2" type="sldImg"/>
+            <p:ph type="sldImg" idx="2"/>
           </p:nvPr>
         </p:nvSpPr>
         <p:spPr>
@@ -768,9 +784,13 @@
             <a:ext cx="4572225" cy="3429000"/>
           </a:xfrm>
           <a:custGeom>
-            <a:rect b="b" l="l" r="r" t="t"/>
+            <a:avLst/>
+            <a:gdLst/>
+            <a:ahLst/>
+            <a:cxnLst/>
+            <a:rect l="l" t="t" r="r" b="b"/>
             <a:pathLst>
-              <a:path extrusionOk="0" h="120000" w="120000">
+              <a:path w="120000" h="120000" extrusionOk="0">
                 <a:moveTo>
                   <a:pt x="0" y="0"/>
                 </a:moveTo>
@@ -798,11 +818,11 @@
 </file>
 
 <file path=ppt/notesSlides/notesSlide10.xml><?xml version="1.0" encoding="utf-8"?>
-<p:notes xmlns:a="http://schemas.openxmlformats.org/drawingml/2006/main" xmlns:r="http://schemas.openxmlformats.org/officeDocument/2006/relationships" xmlns:mc="http://schemas.openxmlformats.org/markup-compatibility/2006" xmlns:mv="urn:schemas-microsoft-com:mac:vml" xmlns:p="http://schemas.openxmlformats.org/presentationml/2006/main" xmlns:c="http://schemas.openxmlformats.org/drawingml/2006/chart" xmlns:dgm="http://schemas.openxmlformats.org/drawingml/2006/diagram" xmlns:o="urn:schemas-microsoft-com:office:office" xmlns:v="urn:schemas-microsoft-com:vml" xmlns:pvml="urn:schemas-microsoft-com:office:powerpoint" xmlns:com="http://schemas.openxmlformats.org/drawingml/2006/compatibility" xmlns:p14="http://schemas.microsoft.com/office/powerpoint/2010/main" xmlns:p15="http://schemas.microsoft.com/office/powerpoint/2012/main" xmlns:ahyp="http://schemas.microsoft.com/office/drawing/2018/hyperlinkcolor" showMasterPhAnim="0" showMasterSp="0">
+<p:notes xmlns:a="http://schemas.openxmlformats.org/drawingml/2006/main" xmlns:r="http://schemas.openxmlformats.org/officeDocument/2006/relationships" xmlns:p="http://schemas.openxmlformats.org/presentationml/2006/main" showMasterSp="0" showMasterPhAnim="0">
   <p:cSld>
     <p:spTree>
       <p:nvGrpSpPr>
-        <p:cNvPr id="159" name="Shape 159"/>
+        <p:cNvPr id="1" name="Shape 159"/>
         <p:cNvGrpSpPr/>
         <p:nvPr/>
       </p:nvGrpSpPr>
@@ -817,9 +837,11 @@
       <p:sp>
         <p:nvSpPr>
           <p:cNvPr id="160" name="Google Shape;160;p10:notes"/>
-          <p:cNvSpPr txBox="1"/>
+          <p:cNvSpPr txBox="1">
+            <a:spLocks noGrp="1"/>
+          </p:cNvSpPr>
           <p:nvPr>
-            <p:ph idx="1" type="body"/>
+            <p:ph type="body" idx="1"/>
           </p:nvPr>
         </p:nvSpPr>
         <p:spPr>
@@ -832,12 +854,12 @@
           </a:prstGeom>
         </p:spPr>
         <p:txBody>
-          <a:bodyPr anchorCtr="0" anchor="t" bIns="91425" lIns="91425" spcFirstLastPara="1" rIns="91425" wrap="square" tIns="91425">
+          <a:bodyPr spcFirstLastPara="1" wrap="square" lIns="91425" tIns="91425" rIns="91425" bIns="91425" anchor="t" anchorCtr="0">
             <a:noAutofit/>
           </a:bodyPr>
           <a:lstStyle/>
           <a:p>
-            <a:pPr indent="0" lvl="0" marL="0" rtl="0" algn="l">
+            <a:pPr marL="0" lvl="0" indent="0" algn="l" rtl="0">
               <a:spcBef>
                 <a:spcPts val="0"/>
               </a:spcBef>
@@ -846,9 +868,6 @@
               </a:spcAft>
               <a:buNone/>
             </a:pPr>
-            <a:r>
-              <a:t/>
-            </a:r>
             <a:endParaRPr/>
           </a:p>
         </p:txBody>
@@ -856,9 +875,11 @@
       <p:sp>
         <p:nvSpPr>
           <p:cNvPr id="161" name="Google Shape;161;p10:notes"/>
-          <p:cNvSpPr/>
+          <p:cNvSpPr>
+            <a:spLocks noGrp="1" noRot="1" noChangeAspect="1"/>
+          </p:cNvSpPr>
           <p:nvPr>
-            <p:ph idx="2" type="sldImg"/>
+            <p:ph type="sldImg" idx="2"/>
           </p:nvPr>
         </p:nvSpPr>
         <p:spPr>
@@ -867,9 +888,13 @@
             <a:ext cx="4572225" cy="3429000"/>
           </a:xfrm>
           <a:custGeom>
-            <a:rect b="b" l="l" r="r" t="t"/>
+            <a:avLst/>
+            <a:gdLst/>
+            <a:ahLst/>
+            <a:cxnLst/>
+            <a:rect l="l" t="t" r="r" b="b"/>
             <a:pathLst>
-              <a:path extrusionOk="0" h="120000" w="120000">
+              <a:path w="120000" h="120000" extrusionOk="0">
                 <a:moveTo>
                   <a:pt x="0" y="0"/>
                 </a:moveTo>
@@ -897,11 +922,11 @@
 </file>
 
 <file path=ppt/notesSlides/notesSlide2.xml><?xml version="1.0" encoding="utf-8"?>
-<p:notes xmlns:a="http://schemas.openxmlformats.org/drawingml/2006/main" xmlns:r="http://schemas.openxmlformats.org/officeDocument/2006/relationships" xmlns:mc="http://schemas.openxmlformats.org/markup-compatibility/2006" xmlns:mv="urn:schemas-microsoft-com:mac:vml" xmlns:p="http://schemas.openxmlformats.org/presentationml/2006/main" xmlns:c="http://schemas.openxmlformats.org/drawingml/2006/chart" xmlns:dgm="http://schemas.openxmlformats.org/drawingml/2006/diagram" xmlns:o="urn:schemas-microsoft-com:office:office" xmlns:v="urn:schemas-microsoft-com:vml" xmlns:pvml="urn:schemas-microsoft-com:office:powerpoint" xmlns:com="http://schemas.openxmlformats.org/drawingml/2006/compatibility" xmlns:p14="http://schemas.microsoft.com/office/powerpoint/2010/main" xmlns:p15="http://schemas.microsoft.com/office/powerpoint/2012/main" xmlns:ahyp="http://schemas.microsoft.com/office/drawing/2018/hyperlinkcolor" showMasterPhAnim="0" showMasterSp="0">
+<p:notes xmlns:a="http://schemas.openxmlformats.org/drawingml/2006/main" xmlns:r="http://schemas.openxmlformats.org/officeDocument/2006/relationships" xmlns:p="http://schemas.openxmlformats.org/presentationml/2006/main" showMasterSp="0" showMasterPhAnim="0">
   <p:cSld>
     <p:spTree>
       <p:nvGrpSpPr>
-        <p:cNvPr id="104" name="Shape 104"/>
+        <p:cNvPr id="1" name="Shape 104"/>
         <p:cNvGrpSpPr/>
         <p:nvPr/>
       </p:nvGrpSpPr>
@@ -916,9 +941,11 @@
       <p:sp>
         <p:nvSpPr>
           <p:cNvPr id="105" name="Google Shape;105;p2:notes"/>
-          <p:cNvSpPr txBox="1"/>
+          <p:cNvSpPr txBox="1">
+            <a:spLocks noGrp="1"/>
+          </p:cNvSpPr>
           <p:nvPr>
-            <p:ph idx="1" type="body"/>
+            <p:ph type="body" idx="1"/>
           </p:nvPr>
         </p:nvSpPr>
         <p:spPr>
@@ -931,12 +958,12 @@
           </a:prstGeom>
         </p:spPr>
         <p:txBody>
-          <a:bodyPr anchorCtr="0" anchor="t" bIns="91425" lIns="91425" spcFirstLastPara="1" rIns="91425" wrap="square" tIns="91425">
+          <a:bodyPr spcFirstLastPara="1" wrap="square" lIns="91425" tIns="91425" rIns="91425" bIns="91425" anchor="t" anchorCtr="0">
             <a:noAutofit/>
           </a:bodyPr>
           <a:lstStyle/>
           <a:p>
-            <a:pPr indent="0" lvl="0" marL="0" rtl="0" algn="l">
+            <a:pPr marL="0" lvl="0" indent="0" algn="l" rtl="0">
               <a:spcBef>
                 <a:spcPts val="0"/>
               </a:spcBef>
@@ -945,9 +972,6 @@
               </a:spcAft>
               <a:buNone/>
             </a:pPr>
-            <a:r>
-              <a:t/>
-            </a:r>
             <a:endParaRPr/>
           </a:p>
         </p:txBody>
@@ -955,9 +979,11 @@
       <p:sp>
         <p:nvSpPr>
           <p:cNvPr id="106" name="Google Shape;106;p2:notes"/>
-          <p:cNvSpPr/>
+          <p:cNvSpPr>
+            <a:spLocks noGrp="1" noRot="1" noChangeAspect="1"/>
+          </p:cNvSpPr>
           <p:nvPr>
-            <p:ph idx="2" type="sldImg"/>
+            <p:ph type="sldImg" idx="2"/>
           </p:nvPr>
         </p:nvSpPr>
         <p:spPr>
@@ -966,9 +992,13 @@
             <a:ext cx="4572225" cy="3429000"/>
           </a:xfrm>
           <a:custGeom>
-            <a:rect b="b" l="l" r="r" t="t"/>
+            <a:avLst/>
+            <a:gdLst/>
+            <a:ahLst/>
+            <a:cxnLst/>
+            <a:rect l="l" t="t" r="r" b="b"/>
             <a:pathLst>
-              <a:path extrusionOk="0" h="120000" w="120000">
+              <a:path w="120000" h="120000" extrusionOk="0">
                 <a:moveTo>
                   <a:pt x="0" y="0"/>
                 </a:moveTo>
@@ -996,11 +1026,11 @@
 </file>
 
 <file path=ppt/notesSlides/notesSlide3.xml><?xml version="1.0" encoding="utf-8"?>
-<p:notes xmlns:a="http://schemas.openxmlformats.org/drawingml/2006/main" xmlns:r="http://schemas.openxmlformats.org/officeDocument/2006/relationships" xmlns:mc="http://schemas.openxmlformats.org/markup-compatibility/2006" xmlns:mv="urn:schemas-microsoft-com:mac:vml" xmlns:p="http://schemas.openxmlformats.org/presentationml/2006/main" xmlns:c="http://schemas.openxmlformats.org/drawingml/2006/chart" xmlns:dgm="http://schemas.openxmlformats.org/drawingml/2006/diagram" xmlns:o="urn:schemas-microsoft-com:office:office" xmlns:v="urn:schemas-microsoft-com:vml" xmlns:pvml="urn:schemas-microsoft-com:office:powerpoint" xmlns:com="http://schemas.openxmlformats.org/drawingml/2006/compatibility" xmlns:p14="http://schemas.microsoft.com/office/powerpoint/2010/main" xmlns:p15="http://schemas.microsoft.com/office/powerpoint/2012/main" xmlns:ahyp="http://schemas.microsoft.com/office/drawing/2018/hyperlinkcolor" showMasterPhAnim="0" showMasterSp="0">
+<p:notes xmlns:a="http://schemas.openxmlformats.org/drawingml/2006/main" xmlns:r="http://schemas.openxmlformats.org/officeDocument/2006/relationships" xmlns:p="http://schemas.openxmlformats.org/presentationml/2006/main" showMasterSp="0" showMasterPhAnim="0">
   <p:cSld>
     <p:spTree>
       <p:nvGrpSpPr>
-        <p:cNvPr id="110" name="Shape 110"/>
+        <p:cNvPr id="1" name="Shape 110"/>
         <p:cNvGrpSpPr/>
         <p:nvPr/>
       </p:nvGrpSpPr>
@@ -1015,9 +1045,11 @@
       <p:sp>
         <p:nvSpPr>
           <p:cNvPr id="111" name="Google Shape;111;p3:notes"/>
-          <p:cNvSpPr txBox="1"/>
+          <p:cNvSpPr txBox="1">
+            <a:spLocks noGrp="1"/>
+          </p:cNvSpPr>
           <p:nvPr>
-            <p:ph idx="1" type="body"/>
+            <p:ph type="body" idx="1"/>
           </p:nvPr>
         </p:nvSpPr>
         <p:spPr>
@@ -1030,12 +1062,12 @@
           </a:prstGeom>
         </p:spPr>
         <p:txBody>
-          <a:bodyPr anchorCtr="0" anchor="t" bIns="91425" lIns="91425" spcFirstLastPara="1" rIns="91425" wrap="square" tIns="91425">
+          <a:bodyPr spcFirstLastPara="1" wrap="square" lIns="91425" tIns="91425" rIns="91425" bIns="91425" anchor="t" anchorCtr="0">
             <a:noAutofit/>
           </a:bodyPr>
           <a:lstStyle/>
           <a:p>
-            <a:pPr indent="0" lvl="0" marL="0" rtl="0" algn="l">
+            <a:pPr marL="0" lvl="0" indent="0" algn="l" rtl="0">
               <a:spcBef>
                 <a:spcPts val="0"/>
               </a:spcBef>
@@ -1044,9 +1076,6 @@
               </a:spcAft>
               <a:buNone/>
             </a:pPr>
-            <a:r>
-              <a:t/>
-            </a:r>
             <a:endParaRPr/>
           </a:p>
         </p:txBody>
@@ -1054,9 +1083,11 @@
       <p:sp>
         <p:nvSpPr>
           <p:cNvPr id="112" name="Google Shape;112;p3:notes"/>
-          <p:cNvSpPr/>
+          <p:cNvSpPr>
+            <a:spLocks noGrp="1" noRot="1" noChangeAspect="1"/>
+          </p:cNvSpPr>
           <p:nvPr>
-            <p:ph idx="2" type="sldImg"/>
+            <p:ph type="sldImg" idx="2"/>
           </p:nvPr>
         </p:nvSpPr>
         <p:spPr>
@@ -1065,9 +1096,13 @@
             <a:ext cx="4572225" cy="3429000"/>
           </a:xfrm>
           <a:custGeom>
-            <a:rect b="b" l="l" r="r" t="t"/>
+            <a:avLst/>
+            <a:gdLst/>
+            <a:ahLst/>
+            <a:cxnLst/>
+            <a:rect l="l" t="t" r="r" b="b"/>
             <a:pathLst>
-              <a:path extrusionOk="0" h="120000" w="120000">
+              <a:path w="120000" h="120000" extrusionOk="0">
                 <a:moveTo>
                   <a:pt x="0" y="0"/>
                 </a:moveTo>
@@ -1095,11 +1130,11 @@
 </file>
 
 <file path=ppt/notesSlides/notesSlide4.xml><?xml version="1.0" encoding="utf-8"?>
-<p:notes xmlns:a="http://schemas.openxmlformats.org/drawingml/2006/main" xmlns:r="http://schemas.openxmlformats.org/officeDocument/2006/relationships" xmlns:mc="http://schemas.openxmlformats.org/markup-compatibility/2006" xmlns:mv="urn:schemas-microsoft-com:mac:vml" xmlns:p="http://schemas.openxmlformats.org/presentationml/2006/main" xmlns:c="http://schemas.openxmlformats.org/drawingml/2006/chart" xmlns:dgm="http://schemas.openxmlformats.org/drawingml/2006/diagram" xmlns:o="urn:schemas-microsoft-com:office:office" xmlns:v="urn:schemas-microsoft-com:vml" xmlns:pvml="urn:schemas-microsoft-com:office:powerpoint" xmlns:com="http://schemas.openxmlformats.org/drawingml/2006/compatibility" xmlns:p14="http://schemas.microsoft.com/office/powerpoint/2010/main" xmlns:p15="http://schemas.microsoft.com/office/powerpoint/2012/main" xmlns:ahyp="http://schemas.microsoft.com/office/drawing/2018/hyperlinkcolor" showMasterPhAnim="0" showMasterSp="0">
+<p:notes xmlns:a="http://schemas.openxmlformats.org/drawingml/2006/main" xmlns:r="http://schemas.openxmlformats.org/officeDocument/2006/relationships" xmlns:p="http://schemas.openxmlformats.org/presentationml/2006/main" showMasterSp="0" showMasterPhAnim="0">
   <p:cSld>
     <p:spTree>
       <p:nvGrpSpPr>
-        <p:cNvPr id="117" name="Shape 117"/>
+        <p:cNvPr id="1" name="Shape 117"/>
         <p:cNvGrpSpPr/>
         <p:nvPr/>
       </p:nvGrpSpPr>
@@ -1114,9 +1149,11 @@
       <p:sp>
         <p:nvSpPr>
           <p:cNvPr id="118" name="Google Shape;118;p4:notes"/>
-          <p:cNvSpPr txBox="1"/>
+          <p:cNvSpPr txBox="1">
+            <a:spLocks noGrp="1"/>
+          </p:cNvSpPr>
           <p:nvPr>
-            <p:ph idx="1" type="body"/>
+            <p:ph type="body" idx="1"/>
           </p:nvPr>
         </p:nvSpPr>
         <p:spPr>
@@ -1129,12 +1166,12 @@
           </a:prstGeom>
         </p:spPr>
         <p:txBody>
-          <a:bodyPr anchorCtr="0" anchor="t" bIns="91425" lIns="91425" spcFirstLastPara="1" rIns="91425" wrap="square" tIns="91425">
+          <a:bodyPr spcFirstLastPara="1" wrap="square" lIns="91425" tIns="91425" rIns="91425" bIns="91425" anchor="t" anchorCtr="0">
             <a:noAutofit/>
           </a:bodyPr>
           <a:lstStyle/>
           <a:p>
-            <a:pPr indent="0" lvl="0" marL="0" rtl="0" algn="l">
+            <a:pPr marL="0" lvl="0" indent="0" algn="l" rtl="0">
               <a:spcBef>
                 <a:spcPts val="0"/>
               </a:spcBef>
@@ -1143,9 +1180,6 @@
               </a:spcAft>
               <a:buNone/>
             </a:pPr>
-            <a:r>
-              <a:t/>
-            </a:r>
             <a:endParaRPr/>
           </a:p>
         </p:txBody>
@@ -1153,9 +1187,11 @@
       <p:sp>
         <p:nvSpPr>
           <p:cNvPr id="119" name="Google Shape;119;p4:notes"/>
-          <p:cNvSpPr/>
+          <p:cNvSpPr>
+            <a:spLocks noGrp="1" noRot="1" noChangeAspect="1"/>
+          </p:cNvSpPr>
           <p:nvPr>
-            <p:ph idx="2" type="sldImg"/>
+            <p:ph type="sldImg" idx="2"/>
           </p:nvPr>
         </p:nvSpPr>
         <p:spPr>
@@ -1164,9 +1200,13 @@
             <a:ext cx="4572225" cy="3429000"/>
           </a:xfrm>
           <a:custGeom>
-            <a:rect b="b" l="l" r="r" t="t"/>
+            <a:avLst/>
+            <a:gdLst/>
+            <a:ahLst/>
+            <a:cxnLst/>
+            <a:rect l="l" t="t" r="r" b="b"/>
             <a:pathLst>
-              <a:path extrusionOk="0" h="120000" w="120000">
+              <a:path w="120000" h="120000" extrusionOk="0">
                 <a:moveTo>
                   <a:pt x="0" y="0"/>
                 </a:moveTo>
@@ -1194,11 +1234,11 @@
 </file>
 
 <file path=ppt/notesSlides/notesSlide5.xml><?xml version="1.0" encoding="utf-8"?>
-<p:notes xmlns:a="http://schemas.openxmlformats.org/drawingml/2006/main" xmlns:r="http://schemas.openxmlformats.org/officeDocument/2006/relationships" xmlns:mc="http://schemas.openxmlformats.org/markup-compatibility/2006" xmlns:mv="urn:schemas-microsoft-com:mac:vml" xmlns:p="http://schemas.openxmlformats.org/presentationml/2006/main" xmlns:c="http://schemas.openxmlformats.org/drawingml/2006/chart" xmlns:dgm="http://schemas.openxmlformats.org/drawingml/2006/diagram" xmlns:o="urn:schemas-microsoft-com:office:office" xmlns:v="urn:schemas-microsoft-com:vml" xmlns:pvml="urn:schemas-microsoft-com:office:powerpoint" xmlns:com="http://schemas.openxmlformats.org/drawingml/2006/compatibility" xmlns:p14="http://schemas.microsoft.com/office/powerpoint/2010/main" xmlns:p15="http://schemas.microsoft.com/office/powerpoint/2012/main" xmlns:ahyp="http://schemas.microsoft.com/office/drawing/2018/hyperlinkcolor" showMasterPhAnim="0" showMasterSp="0">
+<p:notes xmlns:a="http://schemas.openxmlformats.org/drawingml/2006/main" xmlns:r="http://schemas.openxmlformats.org/officeDocument/2006/relationships" xmlns:p="http://schemas.openxmlformats.org/presentationml/2006/main" showMasterSp="0" showMasterPhAnim="0">
   <p:cSld>
     <p:spTree>
       <p:nvGrpSpPr>
-        <p:cNvPr id="124" name="Shape 124"/>
+        <p:cNvPr id="1" name="Shape 124"/>
         <p:cNvGrpSpPr/>
         <p:nvPr/>
       </p:nvGrpSpPr>
@@ -1213,9 +1253,11 @@
       <p:sp>
         <p:nvSpPr>
           <p:cNvPr id="125" name="Google Shape;125;p5:notes"/>
-          <p:cNvSpPr txBox="1"/>
+          <p:cNvSpPr txBox="1">
+            <a:spLocks noGrp="1"/>
+          </p:cNvSpPr>
           <p:nvPr>
-            <p:ph idx="1" type="body"/>
+            <p:ph type="body" idx="1"/>
           </p:nvPr>
         </p:nvSpPr>
         <p:spPr>
@@ -1228,12 +1270,12 @@
           </a:prstGeom>
         </p:spPr>
         <p:txBody>
-          <a:bodyPr anchorCtr="0" anchor="t" bIns="91425" lIns="91425" spcFirstLastPara="1" rIns="91425" wrap="square" tIns="91425">
+          <a:bodyPr spcFirstLastPara="1" wrap="square" lIns="91425" tIns="91425" rIns="91425" bIns="91425" anchor="t" anchorCtr="0">
             <a:noAutofit/>
           </a:bodyPr>
           <a:lstStyle/>
           <a:p>
-            <a:pPr indent="0" lvl="0" marL="0" rtl="0" algn="l">
+            <a:pPr marL="0" lvl="0" indent="0" algn="l" rtl="0">
               <a:spcBef>
                 <a:spcPts val="0"/>
               </a:spcBef>
@@ -1242,9 +1284,6 @@
               </a:spcAft>
               <a:buNone/>
             </a:pPr>
-            <a:r>
-              <a:t/>
-            </a:r>
             <a:endParaRPr/>
           </a:p>
         </p:txBody>
@@ -1252,9 +1291,11 @@
       <p:sp>
         <p:nvSpPr>
           <p:cNvPr id="126" name="Google Shape;126;p5:notes"/>
-          <p:cNvSpPr/>
+          <p:cNvSpPr>
+            <a:spLocks noGrp="1" noRot="1" noChangeAspect="1"/>
+          </p:cNvSpPr>
           <p:nvPr>
-            <p:ph idx="2" type="sldImg"/>
+            <p:ph type="sldImg" idx="2"/>
           </p:nvPr>
         </p:nvSpPr>
         <p:spPr>
@@ -1263,9 +1304,13 @@
             <a:ext cx="4572225" cy="3429000"/>
           </a:xfrm>
           <a:custGeom>
-            <a:rect b="b" l="l" r="r" t="t"/>
+            <a:avLst/>
+            <a:gdLst/>
+            <a:ahLst/>
+            <a:cxnLst/>
+            <a:rect l="l" t="t" r="r" b="b"/>
             <a:pathLst>
-              <a:path extrusionOk="0" h="120000" w="120000">
+              <a:path w="120000" h="120000" extrusionOk="0">
                 <a:moveTo>
                   <a:pt x="0" y="0"/>
                 </a:moveTo>
@@ -1293,11 +1338,11 @@
 </file>
 
 <file path=ppt/notesSlides/notesSlide6.xml><?xml version="1.0" encoding="utf-8"?>
-<p:notes xmlns:a="http://schemas.openxmlformats.org/drawingml/2006/main" xmlns:r="http://schemas.openxmlformats.org/officeDocument/2006/relationships" xmlns:mc="http://schemas.openxmlformats.org/markup-compatibility/2006" xmlns:mv="urn:schemas-microsoft-com:mac:vml" xmlns:p="http://schemas.openxmlformats.org/presentationml/2006/main" xmlns:c="http://schemas.openxmlformats.org/drawingml/2006/chart" xmlns:dgm="http://schemas.openxmlformats.org/drawingml/2006/diagram" xmlns:o="urn:schemas-microsoft-com:office:office" xmlns:v="urn:schemas-microsoft-com:vml" xmlns:pvml="urn:schemas-microsoft-com:office:powerpoint" xmlns:com="http://schemas.openxmlformats.org/drawingml/2006/compatibility" xmlns:p14="http://schemas.microsoft.com/office/powerpoint/2010/main" xmlns:p15="http://schemas.microsoft.com/office/powerpoint/2012/main" xmlns:ahyp="http://schemas.microsoft.com/office/drawing/2018/hyperlinkcolor" showMasterPhAnim="0" showMasterSp="0">
+<p:notes xmlns:a="http://schemas.openxmlformats.org/drawingml/2006/main" xmlns:r="http://schemas.openxmlformats.org/officeDocument/2006/relationships" xmlns:p="http://schemas.openxmlformats.org/presentationml/2006/main" showMasterSp="0" showMasterPhAnim="0">
   <p:cSld>
     <p:spTree>
       <p:nvGrpSpPr>
-        <p:cNvPr id="131" name="Shape 131"/>
+        <p:cNvPr id="1" name="Shape 131"/>
         <p:cNvGrpSpPr/>
         <p:nvPr/>
       </p:nvGrpSpPr>
@@ -1312,9 +1357,11 @@
       <p:sp>
         <p:nvSpPr>
           <p:cNvPr id="132" name="Google Shape;132;p6:notes"/>
-          <p:cNvSpPr txBox="1"/>
+          <p:cNvSpPr txBox="1">
+            <a:spLocks noGrp="1"/>
+          </p:cNvSpPr>
           <p:nvPr>
-            <p:ph idx="1" type="body"/>
+            <p:ph type="body" idx="1"/>
           </p:nvPr>
         </p:nvSpPr>
         <p:spPr>
@@ -1327,12 +1374,12 @@
           </a:prstGeom>
         </p:spPr>
         <p:txBody>
-          <a:bodyPr anchorCtr="0" anchor="t" bIns="91425" lIns="91425" spcFirstLastPara="1" rIns="91425" wrap="square" tIns="91425">
+          <a:bodyPr spcFirstLastPara="1" wrap="square" lIns="91425" tIns="91425" rIns="91425" bIns="91425" anchor="t" anchorCtr="0">
             <a:noAutofit/>
           </a:bodyPr>
           <a:lstStyle/>
           <a:p>
-            <a:pPr indent="0" lvl="0" marL="0" rtl="0" algn="l">
+            <a:pPr marL="0" lvl="0" indent="0" algn="l" rtl="0">
               <a:spcBef>
                 <a:spcPts val="0"/>
               </a:spcBef>
@@ -1341,9 +1388,6 @@
               </a:spcAft>
               <a:buNone/>
             </a:pPr>
-            <a:r>
-              <a:t/>
-            </a:r>
             <a:endParaRPr/>
           </a:p>
         </p:txBody>
@@ -1351,9 +1395,11 @@
       <p:sp>
         <p:nvSpPr>
           <p:cNvPr id="133" name="Google Shape;133;p6:notes"/>
-          <p:cNvSpPr/>
+          <p:cNvSpPr>
+            <a:spLocks noGrp="1" noRot="1" noChangeAspect="1"/>
+          </p:cNvSpPr>
           <p:nvPr>
-            <p:ph idx="2" type="sldImg"/>
+            <p:ph type="sldImg" idx="2"/>
           </p:nvPr>
         </p:nvSpPr>
         <p:spPr>
@@ -1362,9 +1408,13 @@
             <a:ext cx="4572225" cy="3429000"/>
           </a:xfrm>
           <a:custGeom>
-            <a:rect b="b" l="l" r="r" t="t"/>
+            <a:avLst/>
+            <a:gdLst/>
+            <a:ahLst/>
+            <a:cxnLst/>
+            <a:rect l="l" t="t" r="r" b="b"/>
             <a:pathLst>
-              <a:path extrusionOk="0" h="120000" w="120000">
+              <a:path w="120000" h="120000" extrusionOk="0">
                 <a:moveTo>
                   <a:pt x="0" y="0"/>
                 </a:moveTo>
@@ -1392,11 +1442,11 @@
 </file>
 
 <file path=ppt/notesSlides/notesSlide7.xml><?xml version="1.0" encoding="utf-8"?>
-<p:notes xmlns:a="http://schemas.openxmlformats.org/drawingml/2006/main" xmlns:r="http://schemas.openxmlformats.org/officeDocument/2006/relationships" xmlns:mc="http://schemas.openxmlformats.org/markup-compatibility/2006" xmlns:mv="urn:schemas-microsoft-com:mac:vml" xmlns:p="http://schemas.openxmlformats.org/presentationml/2006/main" xmlns:c="http://schemas.openxmlformats.org/drawingml/2006/chart" xmlns:dgm="http://schemas.openxmlformats.org/drawingml/2006/diagram" xmlns:o="urn:schemas-microsoft-com:office:office" xmlns:v="urn:schemas-microsoft-com:vml" xmlns:pvml="urn:schemas-microsoft-com:office:powerpoint" xmlns:com="http://schemas.openxmlformats.org/drawingml/2006/compatibility" xmlns:p14="http://schemas.microsoft.com/office/powerpoint/2010/main" xmlns:p15="http://schemas.microsoft.com/office/powerpoint/2012/main" xmlns:ahyp="http://schemas.microsoft.com/office/drawing/2018/hyperlinkcolor" showMasterPhAnim="0" showMasterSp="0">
+<p:notes xmlns:a="http://schemas.openxmlformats.org/drawingml/2006/main" xmlns:r="http://schemas.openxmlformats.org/officeDocument/2006/relationships" xmlns:p="http://schemas.openxmlformats.org/presentationml/2006/main" showMasterSp="0" showMasterPhAnim="0">
   <p:cSld>
     <p:spTree>
       <p:nvGrpSpPr>
-        <p:cNvPr id="138" name="Shape 138"/>
+        <p:cNvPr id="1" name="Shape 138"/>
         <p:cNvGrpSpPr/>
         <p:nvPr/>
       </p:nvGrpSpPr>
@@ -1411,9 +1461,11 @@
       <p:sp>
         <p:nvSpPr>
           <p:cNvPr id="139" name="Google Shape;139;p7:notes"/>
-          <p:cNvSpPr txBox="1"/>
+          <p:cNvSpPr txBox="1">
+            <a:spLocks noGrp="1"/>
+          </p:cNvSpPr>
           <p:nvPr>
-            <p:ph idx="1" type="body"/>
+            <p:ph type="body" idx="1"/>
           </p:nvPr>
         </p:nvSpPr>
         <p:spPr>
@@ -1426,12 +1478,12 @@
           </a:prstGeom>
         </p:spPr>
         <p:txBody>
-          <a:bodyPr anchorCtr="0" anchor="t" bIns="91425" lIns="91425" spcFirstLastPara="1" rIns="91425" wrap="square" tIns="91425">
+          <a:bodyPr spcFirstLastPara="1" wrap="square" lIns="91425" tIns="91425" rIns="91425" bIns="91425" anchor="t" anchorCtr="0">
             <a:noAutofit/>
           </a:bodyPr>
           <a:lstStyle/>
           <a:p>
-            <a:pPr indent="0" lvl="0" marL="0" rtl="0" algn="l">
+            <a:pPr marL="0" lvl="0" indent="0" algn="l" rtl="0">
               <a:spcBef>
                 <a:spcPts val="0"/>
               </a:spcBef>
@@ -1440,9 +1492,6 @@
               </a:spcAft>
               <a:buNone/>
             </a:pPr>
-            <a:r>
-              <a:t/>
-            </a:r>
             <a:endParaRPr/>
           </a:p>
         </p:txBody>
@@ -1450,9 +1499,11 @@
       <p:sp>
         <p:nvSpPr>
           <p:cNvPr id="140" name="Google Shape;140;p7:notes"/>
-          <p:cNvSpPr/>
+          <p:cNvSpPr>
+            <a:spLocks noGrp="1" noRot="1" noChangeAspect="1"/>
+          </p:cNvSpPr>
           <p:nvPr>
-            <p:ph idx="2" type="sldImg"/>
+            <p:ph type="sldImg" idx="2"/>
           </p:nvPr>
         </p:nvSpPr>
         <p:spPr>
@@ -1461,9 +1512,13 @@
             <a:ext cx="4572225" cy="3429000"/>
           </a:xfrm>
           <a:custGeom>
-            <a:rect b="b" l="l" r="r" t="t"/>
+            <a:avLst/>
+            <a:gdLst/>
+            <a:ahLst/>
+            <a:cxnLst/>
+            <a:rect l="l" t="t" r="r" b="b"/>
             <a:pathLst>
-              <a:path extrusionOk="0" h="120000" w="120000">
+              <a:path w="120000" h="120000" extrusionOk="0">
                 <a:moveTo>
                   <a:pt x="0" y="0"/>
                 </a:moveTo>
@@ -1491,11 +1546,11 @@
 </file>
 
 <file path=ppt/notesSlides/notesSlide8.xml><?xml version="1.0" encoding="utf-8"?>
-<p:notes xmlns:a="http://schemas.openxmlformats.org/drawingml/2006/main" xmlns:r="http://schemas.openxmlformats.org/officeDocument/2006/relationships" xmlns:mc="http://schemas.openxmlformats.org/markup-compatibility/2006" xmlns:mv="urn:schemas-microsoft-com:mac:vml" xmlns:p="http://schemas.openxmlformats.org/presentationml/2006/main" xmlns:c="http://schemas.openxmlformats.org/drawingml/2006/chart" xmlns:dgm="http://schemas.openxmlformats.org/drawingml/2006/diagram" xmlns:o="urn:schemas-microsoft-com:office:office" xmlns:v="urn:schemas-microsoft-com:vml" xmlns:pvml="urn:schemas-microsoft-com:office:powerpoint" xmlns:com="http://schemas.openxmlformats.org/drawingml/2006/compatibility" xmlns:p14="http://schemas.microsoft.com/office/powerpoint/2010/main" xmlns:p15="http://schemas.microsoft.com/office/powerpoint/2012/main" xmlns:ahyp="http://schemas.microsoft.com/office/drawing/2018/hyperlinkcolor" showMasterPhAnim="0" showMasterSp="0">
+<p:notes xmlns:a="http://schemas.openxmlformats.org/drawingml/2006/main" xmlns:r="http://schemas.openxmlformats.org/officeDocument/2006/relationships" xmlns:p="http://schemas.openxmlformats.org/presentationml/2006/main" showMasterSp="0" showMasterPhAnim="0">
   <p:cSld>
     <p:spTree>
       <p:nvGrpSpPr>
-        <p:cNvPr id="145" name="Shape 145"/>
+        <p:cNvPr id="1" name="Shape 145"/>
         <p:cNvGrpSpPr/>
         <p:nvPr/>
       </p:nvGrpSpPr>
@@ -1510,9 +1565,11 @@
       <p:sp>
         <p:nvSpPr>
           <p:cNvPr id="146" name="Google Shape;146;p8:notes"/>
-          <p:cNvSpPr txBox="1"/>
+          <p:cNvSpPr txBox="1">
+            <a:spLocks noGrp="1"/>
+          </p:cNvSpPr>
           <p:nvPr>
-            <p:ph idx="1" type="body"/>
+            <p:ph type="body" idx="1"/>
           </p:nvPr>
         </p:nvSpPr>
         <p:spPr>
@@ -1525,12 +1582,12 @@
           </a:prstGeom>
         </p:spPr>
         <p:txBody>
-          <a:bodyPr anchorCtr="0" anchor="t" bIns="91425" lIns="91425" spcFirstLastPara="1" rIns="91425" wrap="square" tIns="91425">
+          <a:bodyPr spcFirstLastPara="1" wrap="square" lIns="91425" tIns="91425" rIns="91425" bIns="91425" anchor="t" anchorCtr="0">
             <a:noAutofit/>
           </a:bodyPr>
           <a:lstStyle/>
           <a:p>
-            <a:pPr indent="0" lvl="0" marL="0" rtl="0" algn="l">
+            <a:pPr marL="0" lvl="0" indent="0" algn="l" rtl="0">
               <a:spcBef>
                 <a:spcPts val="0"/>
               </a:spcBef>
@@ -1539,9 +1596,6 @@
               </a:spcAft>
               <a:buNone/>
             </a:pPr>
-            <a:r>
-              <a:t/>
-            </a:r>
             <a:endParaRPr/>
           </a:p>
         </p:txBody>
@@ -1549,9 +1603,11 @@
       <p:sp>
         <p:nvSpPr>
           <p:cNvPr id="147" name="Google Shape;147;p8:notes"/>
-          <p:cNvSpPr/>
+          <p:cNvSpPr>
+            <a:spLocks noGrp="1" noRot="1" noChangeAspect="1"/>
+          </p:cNvSpPr>
           <p:nvPr>
-            <p:ph idx="2" type="sldImg"/>
+            <p:ph type="sldImg" idx="2"/>
           </p:nvPr>
         </p:nvSpPr>
         <p:spPr>
@@ -1560,9 +1616,13 @@
             <a:ext cx="4572225" cy="3429000"/>
           </a:xfrm>
           <a:custGeom>
-            <a:rect b="b" l="l" r="r" t="t"/>
+            <a:avLst/>
+            <a:gdLst/>
+            <a:ahLst/>
+            <a:cxnLst/>
+            <a:rect l="l" t="t" r="r" b="b"/>
             <a:pathLst>
-              <a:path extrusionOk="0" h="120000" w="120000">
+              <a:path w="120000" h="120000" extrusionOk="0">
                 <a:moveTo>
                   <a:pt x="0" y="0"/>
                 </a:moveTo>
@@ -1590,11 +1650,11 @@
 </file>
 
 <file path=ppt/notesSlides/notesSlide9.xml><?xml version="1.0" encoding="utf-8"?>
-<p:notes xmlns:a="http://schemas.openxmlformats.org/drawingml/2006/main" xmlns:r="http://schemas.openxmlformats.org/officeDocument/2006/relationships" xmlns:mc="http://schemas.openxmlformats.org/markup-compatibility/2006" xmlns:mv="urn:schemas-microsoft-com:mac:vml" xmlns:p="http://schemas.openxmlformats.org/presentationml/2006/main" xmlns:c="http://schemas.openxmlformats.org/drawingml/2006/chart" xmlns:dgm="http://schemas.openxmlformats.org/drawingml/2006/diagram" xmlns:o="urn:schemas-microsoft-com:office:office" xmlns:v="urn:schemas-microsoft-com:vml" xmlns:pvml="urn:schemas-microsoft-com:office:powerpoint" xmlns:com="http://schemas.openxmlformats.org/drawingml/2006/compatibility" xmlns:p14="http://schemas.microsoft.com/office/powerpoint/2010/main" xmlns:p15="http://schemas.microsoft.com/office/powerpoint/2012/main" xmlns:ahyp="http://schemas.microsoft.com/office/drawing/2018/hyperlinkcolor" showMasterPhAnim="0" showMasterSp="0">
+<p:notes xmlns:a="http://schemas.openxmlformats.org/drawingml/2006/main" xmlns:r="http://schemas.openxmlformats.org/officeDocument/2006/relationships" xmlns:p="http://schemas.openxmlformats.org/presentationml/2006/main" showMasterSp="0" showMasterPhAnim="0">
   <p:cSld>
     <p:spTree>
       <p:nvGrpSpPr>
-        <p:cNvPr id="152" name="Shape 152"/>
+        <p:cNvPr id="1" name="Shape 152"/>
         <p:cNvGrpSpPr/>
         <p:nvPr/>
       </p:nvGrpSpPr>
@@ -1609,9 +1669,11 @@
       <p:sp>
         <p:nvSpPr>
           <p:cNvPr id="153" name="Google Shape;153;p9:notes"/>
-          <p:cNvSpPr txBox="1"/>
+          <p:cNvSpPr txBox="1">
+            <a:spLocks noGrp="1"/>
+          </p:cNvSpPr>
           <p:nvPr>
-            <p:ph idx="1" type="body"/>
+            <p:ph type="body" idx="1"/>
           </p:nvPr>
         </p:nvSpPr>
         <p:spPr>
@@ -1624,12 +1686,12 @@
           </a:prstGeom>
         </p:spPr>
         <p:txBody>
-          <a:bodyPr anchorCtr="0" anchor="t" bIns="91425" lIns="91425" spcFirstLastPara="1" rIns="91425" wrap="square" tIns="91425">
+          <a:bodyPr spcFirstLastPara="1" wrap="square" lIns="91425" tIns="91425" rIns="91425" bIns="91425" anchor="t" anchorCtr="0">
             <a:noAutofit/>
           </a:bodyPr>
           <a:lstStyle/>
           <a:p>
-            <a:pPr indent="0" lvl="0" marL="0" rtl="0" algn="l">
+            <a:pPr marL="0" lvl="0" indent="0" algn="l" rtl="0">
               <a:spcBef>
                 <a:spcPts val="0"/>
               </a:spcBef>
@@ -1638,9 +1700,6 @@
               </a:spcAft>
               <a:buNone/>
             </a:pPr>
-            <a:r>
-              <a:t/>
-            </a:r>
             <a:endParaRPr/>
           </a:p>
         </p:txBody>
@@ -1648,20 +1707,26 @@
       <p:sp>
         <p:nvSpPr>
           <p:cNvPr id="154" name="Google Shape;154;p9:notes"/>
-          <p:cNvSpPr/>
+          <p:cNvSpPr>
+            <a:spLocks noGrp="1" noRot="1" noChangeAspect="1"/>
+          </p:cNvSpPr>
           <p:nvPr>
-            <p:ph idx="2" type="sldImg"/>
+            <p:ph type="sldImg" idx="2"/>
           </p:nvPr>
         </p:nvSpPr>
         <p:spPr>
           <a:xfrm>
-            <a:off x="1143225" y="685800"/>
-            <a:ext cx="4572225" cy="3429000"/>
+            <a:off x="1143000" y="685800"/>
+            <a:ext cx="4572000" cy="3429000"/>
           </a:xfrm>
           <a:custGeom>
-            <a:rect b="b" l="l" r="r" t="t"/>
+            <a:avLst/>
+            <a:gdLst/>
+            <a:ahLst/>
+            <a:cxnLst/>
+            <a:rect l="l" t="t" r="r" b="b"/>
             <a:pathLst>
-              <a:path extrusionOk="0" h="120000" w="120000">
+              <a:path w="120000" h="120000" extrusionOk="0">
                 <a:moveTo>
                   <a:pt x="0" y="0"/>
                 </a:moveTo>
@@ -1689,11 +1754,11 @@
 </file>
 
 <file path=ppt/slideLayouts/slideLayout1.xml><?xml version="1.0" encoding="utf-8"?>
-<p:sldLayout xmlns:a="http://schemas.openxmlformats.org/drawingml/2006/main" xmlns:r="http://schemas.openxmlformats.org/officeDocument/2006/relationships" xmlns:mc="http://schemas.openxmlformats.org/markup-compatibility/2006" xmlns:mv="urn:schemas-microsoft-com:mac:vml" xmlns:p="http://schemas.openxmlformats.org/presentationml/2006/main" xmlns:c="http://schemas.openxmlformats.org/drawingml/2006/chart" xmlns:dgm="http://schemas.openxmlformats.org/drawingml/2006/diagram" xmlns:o="urn:schemas-microsoft-com:office:office" xmlns:v="urn:schemas-microsoft-com:vml" xmlns:pvml="urn:schemas-microsoft-com:office:powerpoint" xmlns:com="http://schemas.openxmlformats.org/drawingml/2006/compatibility" xmlns:p14="http://schemas.microsoft.com/office/powerpoint/2010/main" xmlns:p15="http://schemas.microsoft.com/office/powerpoint/2012/main" xmlns:ahyp="http://schemas.microsoft.com/office/drawing/2018/hyperlinkcolor" matchingName="Титульный слайд" showMasterSp="0" type="title">
+<p:sldLayout xmlns:a="http://schemas.openxmlformats.org/drawingml/2006/main" xmlns:r="http://schemas.openxmlformats.org/officeDocument/2006/relationships" xmlns:p="http://schemas.openxmlformats.org/presentationml/2006/main" showMasterSp="0" matchingName="Титульный слайд" type="title">
   <p:cSld name="TITLE">
     <p:spTree>
       <p:nvGrpSpPr>
-        <p:cNvPr id="15" name="Shape 15"/>
+        <p:cNvPr id="1" name="Shape 15"/>
         <p:cNvGrpSpPr/>
         <p:nvPr/>
       </p:nvGrpSpPr>
@@ -1738,12 +1803,12 @@
           </a:ln>
         </p:spPr>
         <p:txBody>
-          <a:bodyPr anchorCtr="0" anchor="ctr" bIns="45700" lIns="91425" spcFirstLastPara="1" rIns="91425" wrap="square" tIns="45700">
+          <a:bodyPr spcFirstLastPara="1" wrap="square" lIns="91425" tIns="45700" rIns="91425" bIns="45700" anchor="ctr" anchorCtr="0">
             <a:noAutofit/>
           </a:bodyPr>
           <a:lstStyle/>
           <a:p>
-            <a:pPr indent="0" lvl="0" marL="0" marR="0" rtl="0" algn="ctr">
+            <a:pPr marL="0" marR="0" lvl="0" indent="0" algn="ctr" rtl="0">
               <a:spcBef>
                 <a:spcPts val="0"/>
               </a:spcBef>
@@ -1752,9 +1817,6 @@
               </a:spcAft>
               <a:buNone/>
             </a:pPr>
-            <a:r>
-              <a:t/>
-            </a:r>
             <a:endParaRPr sz="1800">
               <a:solidFill>
                 <a:schemeClr val="lt1"/>
@@ -1770,7 +1832,9 @@
       <p:sp>
         <p:nvSpPr>
           <p:cNvPr id="17" name="Google Shape;17;p12"/>
-          <p:cNvSpPr txBox="1"/>
+          <p:cNvSpPr txBox="1">
+            <a:spLocks noGrp="1"/>
+          </p:cNvSpPr>
           <p:nvPr>
             <p:ph type="ctrTitle"/>
           </p:nvPr>
@@ -1789,7 +1853,7 @@
           </a:ln>
         </p:spPr>
         <p:txBody>
-          <a:bodyPr anchorCtr="0" anchor="b" bIns="45700" lIns="91425" spcFirstLastPara="1" rIns="91425" wrap="square" tIns="45700">
+          <a:bodyPr spcFirstLastPara="1" wrap="square" lIns="91425" tIns="45700" rIns="91425" bIns="45700" anchor="b" anchorCtr="0">
             <a:normAutofit/>
           </a:bodyPr>
           <a:lstStyle>
@@ -1806,7 +1870,7 @@
               <a:buSzPts val="4800"/>
               <a:buFont typeface="Lucida Sans"/>
               <a:buNone/>
-              <a:defRPr b="1" sz="4800">
+              <a:defRPr sz="4800" b="1">
                 <a:solidFill>
                   <a:schemeClr val="dk2"/>
                 </a:solidFill>
@@ -1901,15 +1965,19 @@
               <a:defRPr/>
             </a:lvl9pPr>
           </a:lstStyle>
-          <a:p/>
+          <a:p>
+            <a:endParaRPr/>
+          </a:p>
         </p:txBody>
       </p:sp>
       <p:sp>
         <p:nvSpPr>
           <p:cNvPr id="18" name="Google Shape;18;p12"/>
-          <p:cNvSpPr txBox="1"/>
+          <p:cNvSpPr txBox="1">
+            <a:spLocks noGrp="1"/>
+          </p:cNvSpPr>
           <p:nvPr>
-            <p:ph idx="1" type="subTitle"/>
+            <p:ph type="subTitle" idx="1"/>
           </p:nvPr>
         </p:nvSpPr>
         <p:spPr>
@@ -1926,11 +1994,11 @@
           </a:ln>
         </p:spPr>
         <p:txBody>
-          <a:bodyPr anchorCtr="0" anchor="t" bIns="45700" lIns="45700" spcFirstLastPara="1" rIns="45700" wrap="square" tIns="45700">
+          <a:bodyPr spcFirstLastPara="1" wrap="square" lIns="45700" tIns="45700" rIns="45700" bIns="45700" anchor="t" anchorCtr="0">
             <a:normAutofit/>
           </a:bodyPr>
           <a:lstStyle>
-            <a:lvl1pPr lvl="0" marR="64008" algn="r">
+            <a:lvl1pPr marR="64008" lvl="0" algn="r">
               <a:spcBef>
                 <a:spcPts val="400"/>
               </a:spcBef>
@@ -2034,7 +2102,9 @@
               <a:defRPr/>
             </a:lvl9pPr>
           </a:lstStyle>
-          <a:p/>
+          <a:p>
+            <a:endParaRPr/>
+          </a:p>
         </p:txBody>
       </p:sp>
       <p:grpSp>
@@ -2063,9 +2133,13 @@
               <a:ext cx="7456487" cy="518816"/>
             </a:xfrm>
             <a:custGeom>
-              <a:rect b="b" l="l" r="r" t="t"/>
+              <a:avLst/>
+              <a:gdLst/>
+              <a:ahLst/>
+              <a:cxnLst/>
+              <a:rect l="l" t="t" r="r" b="b"/>
               <a:pathLst>
-                <a:path extrusionOk="0" h="367" w="4697">
+                <a:path w="4697" h="367" extrusionOk="0">
                   <a:moveTo>
                     <a:pt x="4697" y="0"/>
                   </a:moveTo>
@@ -2092,12 +2166,12 @@
             </a:ln>
           </p:spPr>
           <p:txBody>
-            <a:bodyPr anchorCtr="0" anchor="t" bIns="45700" lIns="91425" spcFirstLastPara="1" rIns="91425" wrap="square" tIns="45700">
+            <a:bodyPr spcFirstLastPara="1" wrap="square" lIns="91425" tIns="45700" rIns="91425" bIns="45700" anchor="t" anchorCtr="0">
               <a:noAutofit/>
             </a:bodyPr>
             <a:lstStyle/>
             <a:p>
-              <a:pPr indent="0" lvl="0" marL="0" marR="0" rtl="0" algn="l">
+              <a:pPr marL="0" marR="0" lvl="0" indent="0" algn="l" rtl="0">
                 <a:spcBef>
                   <a:spcPts val="0"/>
                 </a:spcBef>
@@ -2106,9 +2180,6 @@
                 </a:spcAft>
                 <a:buNone/>
               </a:pPr>
-              <a:r>
-                <a:t/>
-              </a:r>
               <a:endParaRPr sz="1800">
                 <a:solidFill>
                   <a:schemeClr val="dk1"/>
@@ -2133,9 +2204,13 @@
               <a:ext cx="9108557" cy="838200"/>
             </a:xfrm>
             <a:custGeom>
-              <a:rect b="b" l="l" r="r" t="t"/>
+              <a:avLst/>
+              <a:gdLst/>
+              <a:ahLst/>
+              <a:cxnLst/>
+              <a:rect l="l" t="t" r="r" b="b"/>
               <a:pathLst>
-                <a:path extrusionOk="0" h="528" w="5760">
+                <a:path w="5760" h="528" extrusionOk="0">
                   <a:moveTo>
                     <a:pt x="0" y="0"/>
                   </a:moveTo>
@@ -2159,12 +2234,12 @@
             </a:ln>
           </p:spPr>
           <p:txBody>
-            <a:bodyPr anchorCtr="0" anchor="t" bIns="45700" lIns="91425" spcFirstLastPara="1" rIns="91425" wrap="square" tIns="45700">
+            <a:bodyPr spcFirstLastPara="1" wrap="square" lIns="91425" tIns="45700" rIns="91425" bIns="45700" anchor="t" anchorCtr="0">
               <a:noAutofit/>
             </a:bodyPr>
             <a:lstStyle/>
             <a:p>
-              <a:pPr indent="0" lvl="0" marL="0" marR="0" rtl="0" algn="l">
+              <a:pPr marL="0" marR="0" lvl="0" indent="0" algn="l" rtl="0">
                 <a:spcBef>
                   <a:spcPts val="0"/>
                 </a:spcBef>
@@ -2173,9 +2248,6 @@
                 </a:spcAft>
                 <a:buNone/>
               </a:pPr>
-              <a:r>
-                <a:t/>
-              </a:r>
               <a:endParaRPr sz="1800">
                 <a:solidFill>
                   <a:schemeClr val="dk1"/>
@@ -2200,9 +2272,13 @@
               <a:ext cx="9144000" cy="1981200"/>
             </a:xfrm>
             <a:custGeom>
-              <a:rect b="b" l="l" r="r" t="t"/>
+              <a:avLst/>
+              <a:gdLst/>
+              <a:ahLst/>
+              <a:cxnLst/>
+              <a:rect l="l" t="t" r="r" b="b"/>
               <a:pathLst>
-                <a:path extrusionOk="0" h="1248" w="5760">
+                <a:path w="5760" h="1248" extrusionOk="0">
                   <a:moveTo>
                     <a:pt x="0" y="0"/>
                   </a:moveTo>
@@ -2226,19 +2302,19 @@
               <a:blip r:embed="rId2">
                 <a:alphaModFix amt="50000"/>
               </a:blip>
-              <a:tile algn="t" flip="none" tx="0" sx="50000" ty="0" sy="50000"/>
+              <a:tile tx="0" ty="0" sx="50000" sy="50000" flip="none" algn="t"/>
             </a:blipFill>
             <a:ln>
               <a:noFill/>
             </a:ln>
           </p:spPr>
           <p:txBody>
-            <a:bodyPr anchorCtr="0" anchor="ctr" bIns="45700" lIns="91425" spcFirstLastPara="1" rIns="91425" wrap="square" tIns="45700">
+            <a:bodyPr spcFirstLastPara="1" wrap="square" lIns="91425" tIns="45700" rIns="91425" bIns="45700" anchor="ctr" anchorCtr="0">
               <a:noAutofit/>
             </a:bodyPr>
             <a:lstStyle/>
             <a:p>
-              <a:pPr indent="0" lvl="0" marL="0" marR="0" rtl="0" algn="ctr">
+              <a:pPr marL="0" marR="0" lvl="0" indent="0" algn="ctr" rtl="0">
                 <a:spcBef>
                   <a:spcPts val="0"/>
                 </a:spcBef>
@@ -2247,9 +2323,6 @@
                 </a:spcAft>
                 <a:buNone/>
               </a:pPr>
-              <a:r>
-                <a:t/>
-              </a:r>
               <a:endParaRPr sz="1800">
                 <a:solidFill>
                   <a:schemeClr val="lt1"/>
@@ -2277,14 +2350,14 @@
               <a:avLst/>
             </a:prstGeom>
             <a:noFill/>
-            <a:ln cap="flat" cmpd="sng" w="12050">
+            <a:ln w="12050" cap="flat" cmpd="sng">
               <a:solidFill>
                 <a:srgbClr val="93C5D8"/>
               </a:solidFill>
               <a:prstDash val="solid"/>
               <a:miter lim="800000"/>
-              <a:headEnd len="sm" w="sm" type="none"/>
-              <a:tailEnd len="sm" w="sm" type="none"/>
+              <a:headEnd type="none" w="sm" len="sm"/>
+              <a:tailEnd type="none" w="sm" len="sm"/>
             </a:ln>
           </p:spPr>
         </p:cxnSp>
@@ -2292,9 +2365,11 @@
       <p:sp>
         <p:nvSpPr>
           <p:cNvPr id="24" name="Google Shape;24;p12"/>
-          <p:cNvSpPr txBox="1"/>
+          <p:cNvSpPr txBox="1">
+            <a:spLocks noGrp="1"/>
+          </p:cNvSpPr>
           <p:nvPr>
-            <p:ph idx="10" type="dt"/>
+            <p:ph type="dt" idx="10"/>
           </p:nvPr>
         </p:nvSpPr>
         <p:spPr>
@@ -2311,7 +2386,7 @@
           </a:ln>
         </p:spPr>
         <p:txBody>
-          <a:bodyPr anchorCtr="0" anchor="b" bIns="45700" lIns="91425" spcFirstLastPara="1" rIns="91425" wrap="square" tIns="45700">
+          <a:bodyPr spcFirstLastPara="1" wrap="square" lIns="91425" tIns="45700" rIns="91425" bIns="45700" anchor="b" anchorCtr="0">
             <a:noAutofit/>
           </a:bodyPr>
           <a:lstStyle>
@@ -2419,15 +2494,19 @@
               <a:defRPr/>
             </a:lvl9pPr>
           </a:lstStyle>
-          <a:p/>
+          <a:p>
+            <a:endParaRPr/>
+          </a:p>
         </p:txBody>
       </p:sp>
       <p:sp>
         <p:nvSpPr>
           <p:cNvPr id="25" name="Google Shape;25;p12"/>
-          <p:cNvSpPr txBox="1"/>
+          <p:cNvSpPr txBox="1">
+            <a:spLocks noGrp="1"/>
+          </p:cNvSpPr>
           <p:nvPr>
-            <p:ph idx="11" type="ftr"/>
+            <p:ph type="ftr" idx="11"/>
           </p:nvPr>
         </p:nvSpPr>
         <p:spPr>
@@ -2444,7 +2523,7 @@
           </a:ln>
         </p:spPr>
         <p:txBody>
-          <a:bodyPr anchorCtr="0" anchor="b" bIns="45700" lIns="91425" spcFirstLastPara="1" rIns="91425" wrap="square" tIns="45700">
+          <a:bodyPr spcFirstLastPara="1" wrap="square" lIns="91425" tIns="45700" rIns="91425" bIns="45700" anchor="b" anchorCtr="0">
             <a:noAutofit/>
           </a:bodyPr>
           <a:lstStyle>
@@ -2552,15 +2631,19 @@
               <a:defRPr/>
             </a:lvl9pPr>
           </a:lstStyle>
-          <a:p/>
+          <a:p>
+            <a:endParaRPr/>
+          </a:p>
         </p:txBody>
       </p:sp>
       <p:sp>
         <p:nvSpPr>
           <p:cNvPr id="26" name="Google Shape;26;p12"/>
-          <p:cNvSpPr txBox="1"/>
+          <p:cNvSpPr txBox="1">
+            <a:spLocks noGrp="1"/>
+          </p:cNvSpPr>
           <p:nvPr>
-            <p:ph idx="12" type="sldNum"/>
+            <p:ph type="sldNum" idx="12"/>
           </p:nvPr>
         </p:nvSpPr>
         <p:spPr>
@@ -2577,16 +2660,16 @@
           </a:ln>
         </p:spPr>
         <p:txBody>
-          <a:bodyPr anchorCtr="0" anchor="b" bIns="45700" lIns="91425" spcFirstLastPara="1" rIns="91425" wrap="square" tIns="45700">
+          <a:bodyPr spcFirstLastPara="1" wrap="square" lIns="91425" tIns="45700" rIns="91425" bIns="45700" anchor="b" anchorCtr="0">
             <a:noAutofit/>
           </a:bodyPr>
           <a:lstStyle>
-            <a:lvl1pPr indent="0" lvl="0" marL="0" algn="r">
-              <a:spcBef>
-                <a:spcPts val="0"/>
-              </a:spcBef>
-              <a:buNone/>
-              <a:defRPr b="0" sz="1000">
+            <a:lvl1pPr marL="0" lvl="0" indent="0" algn="r">
+              <a:spcBef>
+                <a:spcPts val="0"/>
+              </a:spcBef>
+              <a:buNone/>
+              <a:defRPr sz="1000" b="0">
                 <a:solidFill>
                   <a:srgbClr val="FFFFFF"/>
                 </a:solidFill>
@@ -2596,12 +2679,12 @@
                 <a:sym typeface="Lucida Sans"/>
               </a:defRPr>
             </a:lvl1pPr>
-            <a:lvl2pPr indent="0" lvl="1" marL="0" algn="r">
-              <a:spcBef>
-                <a:spcPts val="0"/>
-              </a:spcBef>
-              <a:buNone/>
-              <a:defRPr b="0" sz="1000">
+            <a:lvl2pPr marL="0" lvl="1" indent="0" algn="r">
+              <a:spcBef>
+                <a:spcPts val="0"/>
+              </a:spcBef>
+              <a:buNone/>
+              <a:defRPr sz="1000" b="0">
                 <a:solidFill>
                   <a:srgbClr val="FFFFFF"/>
                 </a:solidFill>
@@ -2611,12 +2694,12 @@
                 <a:sym typeface="Lucida Sans"/>
               </a:defRPr>
             </a:lvl2pPr>
-            <a:lvl3pPr indent="0" lvl="2" marL="0" algn="r">
-              <a:spcBef>
-                <a:spcPts val="0"/>
-              </a:spcBef>
-              <a:buNone/>
-              <a:defRPr b="0" sz="1000">
+            <a:lvl3pPr marL="0" lvl="2" indent="0" algn="r">
+              <a:spcBef>
+                <a:spcPts val="0"/>
+              </a:spcBef>
+              <a:buNone/>
+              <a:defRPr sz="1000" b="0">
                 <a:solidFill>
                   <a:srgbClr val="FFFFFF"/>
                 </a:solidFill>
@@ -2626,12 +2709,12 @@
                 <a:sym typeface="Lucida Sans"/>
               </a:defRPr>
             </a:lvl3pPr>
-            <a:lvl4pPr indent="0" lvl="3" marL="0" algn="r">
-              <a:spcBef>
-                <a:spcPts val="0"/>
-              </a:spcBef>
-              <a:buNone/>
-              <a:defRPr b="0" sz="1000">
+            <a:lvl4pPr marL="0" lvl="3" indent="0" algn="r">
+              <a:spcBef>
+                <a:spcPts val="0"/>
+              </a:spcBef>
+              <a:buNone/>
+              <a:defRPr sz="1000" b="0">
                 <a:solidFill>
                   <a:srgbClr val="FFFFFF"/>
                 </a:solidFill>
@@ -2641,12 +2724,12 @@
                 <a:sym typeface="Lucida Sans"/>
               </a:defRPr>
             </a:lvl4pPr>
-            <a:lvl5pPr indent="0" lvl="4" marL="0" algn="r">
-              <a:spcBef>
-                <a:spcPts val="0"/>
-              </a:spcBef>
-              <a:buNone/>
-              <a:defRPr b="0" sz="1000">
+            <a:lvl5pPr marL="0" lvl="4" indent="0" algn="r">
+              <a:spcBef>
+                <a:spcPts val="0"/>
+              </a:spcBef>
+              <a:buNone/>
+              <a:defRPr sz="1000" b="0">
                 <a:solidFill>
                   <a:srgbClr val="FFFFFF"/>
                 </a:solidFill>
@@ -2656,12 +2739,12 @@
                 <a:sym typeface="Lucida Sans"/>
               </a:defRPr>
             </a:lvl5pPr>
-            <a:lvl6pPr indent="0" lvl="5" marL="0" algn="r">
-              <a:spcBef>
-                <a:spcPts val="0"/>
-              </a:spcBef>
-              <a:buNone/>
-              <a:defRPr b="0" sz="1000">
+            <a:lvl6pPr marL="0" lvl="5" indent="0" algn="r">
+              <a:spcBef>
+                <a:spcPts val="0"/>
+              </a:spcBef>
+              <a:buNone/>
+              <a:defRPr sz="1000" b="0">
                 <a:solidFill>
                   <a:srgbClr val="FFFFFF"/>
                 </a:solidFill>
@@ -2671,12 +2754,12 @@
                 <a:sym typeface="Lucida Sans"/>
               </a:defRPr>
             </a:lvl6pPr>
-            <a:lvl7pPr indent="0" lvl="6" marL="0" algn="r">
-              <a:spcBef>
-                <a:spcPts val="0"/>
-              </a:spcBef>
-              <a:buNone/>
-              <a:defRPr b="0" sz="1000">
+            <a:lvl7pPr marL="0" lvl="6" indent="0" algn="r">
+              <a:spcBef>
+                <a:spcPts val="0"/>
+              </a:spcBef>
+              <a:buNone/>
+              <a:defRPr sz="1000" b="0">
                 <a:solidFill>
                   <a:srgbClr val="FFFFFF"/>
                 </a:solidFill>
@@ -2686,12 +2769,12 @@
                 <a:sym typeface="Lucida Sans"/>
               </a:defRPr>
             </a:lvl7pPr>
-            <a:lvl8pPr indent="0" lvl="7" marL="0" algn="r">
-              <a:spcBef>
-                <a:spcPts val="0"/>
-              </a:spcBef>
-              <a:buNone/>
-              <a:defRPr b="0" sz="1000">
+            <a:lvl8pPr marL="0" lvl="7" indent="0" algn="r">
+              <a:spcBef>
+                <a:spcPts val="0"/>
+              </a:spcBef>
+              <a:buNone/>
+              <a:defRPr sz="1000" b="0">
                 <a:solidFill>
                   <a:srgbClr val="FFFFFF"/>
                 </a:solidFill>
@@ -2701,12 +2784,12 @@
                 <a:sym typeface="Lucida Sans"/>
               </a:defRPr>
             </a:lvl8pPr>
-            <a:lvl9pPr indent="0" lvl="8" marL="0" algn="r">
-              <a:spcBef>
-                <a:spcPts val="0"/>
-              </a:spcBef>
-              <a:buNone/>
-              <a:defRPr b="0" sz="1000">
+            <a:lvl9pPr marL="0" lvl="8" indent="0" algn="r">
+              <a:spcBef>
+                <a:spcPts val="0"/>
+              </a:spcBef>
+              <a:buNone/>
+              <a:defRPr sz="1000" b="0">
                 <a:solidFill>
                   <a:srgbClr val="FFFFFF"/>
                 </a:solidFill>
@@ -2718,7 +2801,7 @@
             </a:lvl9pPr>
           </a:lstStyle>
           <a:p>
-            <a:pPr indent="0" lvl="0" marL="0" rtl="0" algn="r">
+            <a:pPr marL="0" lvl="0" indent="0" algn="r" rtl="0">
               <a:spcBef>
                 <a:spcPts val="0"/>
               </a:spcBef>
@@ -2729,6 +2812,15 @@
             </a:pPr>
             <a:fld id="{00000000-1234-1234-1234-123412341234}" type="slidenum">
               <a:rPr lang="ru-RU"/>
+              <a:pPr marL="0" lvl="0" indent="0" algn="r" rtl="0">
+                <a:spcBef>
+                  <a:spcPts val="0"/>
+                </a:spcBef>
+                <a:spcAft>
+                  <a:spcPts val="0"/>
+                </a:spcAft>
+                <a:buNone/>
+              </a:pPr>
               <a:t>‹#›</a:t>
             </a:fld>
             <a:endParaRPr/>
@@ -2744,11 +2836,11 @@
 </file>
 
 <file path=ppt/slideLayouts/slideLayout10.xml><?xml version="1.0" encoding="utf-8"?>
-<p:sldLayout xmlns:a="http://schemas.openxmlformats.org/drawingml/2006/main" xmlns:r="http://schemas.openxmlformats.org/officeDocument/2006/relationships" xmlns:mc="http://schemas.openxmlformats.org/markup-compatibility/2006" xmlns:mv="urn:schemas-microsoft-com:mac:vml" xmlns:p="http://schemas.openxmlformats.org/presentationml/2006/main" xmlns:c="http://schemas.openxmlformats.org/drawingml/2006/chart" xmlns:dgm="http://schemas.openxmlformats.org/drawingml/2006/diagram" xmlns:o="urn:schemas-microsoft-com:office:office" xmlns:v="urn:schemas-microsoft-com:vml" xmlns:pvml="urn:schemas-microsoft-com:office:powerpoint" xmlns:com="http://schemas.openxmlformats.org/drawingml/2006/compatibility" xmlns:p14="http://schemas.microsoft.com/office/powerpoint/2010/main" xmlns:p15="http://schemas.microsoft.com/office/powerpoint/2012/main" xmlns:ahyp="http://schemas.microsoft.com/office/drawing/2018/hyperlinkcolor" matchingName="Заголовок и вертикальный текст" type="vertTx">
+<p:sldLayout xmlns:a="http://schemas.openxmlformats.org/drawingml/2006/main" xmlns:r="http://schemas.openxmlformats.org/officeDocument/2006/relationships" xmlns:p="http://schemas.openxmlformats.org/presentationml/2006/main" matchingName="Заголовок и вертикальный текст" type="vertTx">
   <p:cSld name="VERTICAL_TEXT">
     <p:spTree>
       <p:nvGrpSpPr>
-        <p:cNvPr id="86" name="Shape 86"/>
+        <p:cNvPr id="1" name="Shape 86"/>
         <p:cNvGrpSpPr/>
         <p:nvPr/>
       </p:nvGrpSpPr>
@@ -2763,7 +2855,9 @@
       <p:sp>
         <p:nvSpPr>
           <p:cNvPr id="87" name="Google Shape;87;p21"/>
-          <p:cNvSpPr txBox="1"/>
+          <p:cNvSpPr txBox="1">
+            <a:spLocks noGrp="1"/>
+          </p:cNvSpPr>
           <p:nvPr>
             <p:ph type="title"/>
           </p:nvPr>
@@ -2782,7 +2876,7 @@
           </a:ln>
         </p:spPr>
         <p:txBody>
-          <a:bodyPr anchorCtr="0" anchor="ctr" bIns="45700" lIns="91425" spcFirstLastPara="1" rIns="91425" wrap="square" tIns="45700">
+          <a:bodyPr spcFirstLastPara="1" wrap="square" lIns="91425" tIns="45700" rIns="91425" bIns="45700" anchor="ctr" anchorCtr="0">
             <a:normAutofit/>
           </a:bodyPr>
           <a:lstStyle>
@@ -2889,15 +2983,19 @@
               <a:defRPr/>
             </a:lvl9pPr>
           </a:lstStyle>
-          <a:p/>
+          <a:p>
+            <a:endParaRPr/>
+          </a:p>
         </p:txBody>
       </p:sp>
       <p:sp>
         <p:nvSpPr>
           <p:cNvPr id="88" name="Google Shape;88;p21"/>
-          <p:cNvSpPr txBox="1"/>
+          <p:cNvSpPr txBox="1">
+            <a:spLocks noGrp="1"/>
+          </p:cNvSpPr>
           <p:nvPr>
-            <p:ph idx="1" type="body"/>
+            <p:ph type="body" idx="1"/>
           </p:nvPr>
         </p:nvSpPr>
         <p:spPr>
@@ -2914,11 +3012,11 @@
           </a:ln>
         </p:spPr>
         <p:txBody>
-          <a:bodyPr anchorCtr="0" anchor="t" bIns="45700" lIns="91425" spcFirstLastPara="1" rIns="91425" wrap="square" tIns="45700">
+          <a:bodyPr spcFirstLastPara="1" wrap="square" lIns="91425" tIns="45700" rIns="91425" bIns="45700" anchor="t" anchorCtr="0">
             <a:normAutofit/>
           </a:bodyPr>
           <a:lstStyle>
-            <a:lvl1pPr indent="-306324" lvl="0" marL="457200" algn="l">
+            <a:lvl1pPr marL="457200" lvl="0" indent="-306324" algn="l">
               <a:spcBef>
                 <a:spcPts val="400"/>
               </a:spcBef>
@@ -2929,7 +3027,7 @@
               <a:buChar char="🞂"/>
               <a:defRPr/>
             </a:lvl1pPr>
-            <a:lvl2pPr indent="-342900" lvl="1" marL="914400" algn="l">
+            <a:lvl2pPr marL="914400" lvl="1" indent="-342900" algn="l">
               <a:spcBef>
                 <a:spcPts val="324"/>
               </a:spcBef>
@@ -2940,7 +3038,7 @@
               <a:buChar char="◦"/>
               <a:defRPr/>
             </a:lvl2pPr>
-            <a:lvl3pPr indent="-342900" lvl="2" marL="1371600" algn="l">
+            <a:lvl3pPr marL="1371600" lvl="2" indent="-342900" algn="l">
               <a:spcBef>
                 <a:spcPts val="350"/>
               </a:spcBef>
@@ -2951,7 +3049,7 @@
               <a:buChar char="●"/>
               <a:defRPr/>
             </a:lvl3pPr>
-            <a:lvl4pPr indent="-342900" lvl="3" marL="1828800" algn="l">
+            <a:lvl4pPr marL="1828800" lvl="3" indent="-342900" algn="l">
               <a:spcBef>
                 <a:spcPts val="350"/>
               </a:spcBef>
@@ -2962,7 +3060,7 @@
               <a:buChar char="●"/>
               <a:defRPr/>
             </a:lvl4pPr>
-            <a:lvl5pPr indent="-342900" lvl="4" marL="2286000" algn="l">
+            <a:lvl5pPr marL="2286000" lvl="4" indent="-342900" algn="l">
               <a:spcBef>
                 <a:spcPts val="350"/>
               </a:spcBef>
@@ -2973,7 +3071,7 @@
               <a:buChar char="●"/>
               <a:defRPr/>
             </a:lvl5pPr>
-            <a:lvl6pPr indent="-342900" lvl="5" marL="2743200" algn="l">
+            <a:lvl6pPr marL="2743200" lvl="5" indent="-342900" algn="l">
               <a:spcBef>
                 <a:spcPts val="350"/>
               </a:spcBef>
@@ -2984,7 +3082,7 @@
               <a:buChar char="■"/>
               <a:defRPr/>
             </a:lvl6pPr>
-            <a:lvl7pPr indent="-342900" lvl="6" marL="3200400" algn="l">
+            <a:lvl7pPr marL="3200400" lvl="6" indent="-342900" algn="l">
               <a:spcBef>
                 <a:spcPts val="350"/>
               </a:spcBef>
@@ -2995,7 +3093,7 @@
               <a:buChar char="■"/>
               <a:defRPr/>
             </a:lvl7pPr>
-            <a:lvl8pPr indent="-342900" lvl="7" marL="3657600" algn="l">
+            <a:lvl8pPr marL="3657600" lvl="7" indent="-342900" algn="l">
               <a:spcBef>
                 <a:spcPts val="350"/>
               </a:spcBef>
@@ -3006,7 +3104,7 @@
               <a:buChar char="■"/>
               <a:defRPr/>
             </a:lvl8pPr>
-            <a:lvl9pPr indent="-342900" lvl="8" marL="4114800" algn="l">
+            <a:lvl9pPr marL="4114800" lvl="8" indent="-342900" algn="l">
               <a:spcBef>
                 <a:spcPts val="350"/>
               </a:spcBef>
@@ -3018,15 +3116,19 @@
               <a:defRPr/>
             </a:lvl9pPr>
           </a:lstStyle>
-          <a:p/>
+          <a:p>
+            <a:endParaRPr/>
+          </a:p>
         </p:txBody>
       </p:sp>
       <p:sp>
         <p:nvSpPr>
           <p:cNvPr id="89" name="Google Shape;89;p21"/>
-          <p:cNvSpPr txBox="1"/>
+          <p:cNvSpPr txBox="1">
+            <a:spLocks noGrp="1"/>
+          </p:cNvSpPr>
           <p:nvPr>
-            <p:ph idx="10" type="dt"/>
+            <p:ph type="dt" idx="10"/>
           </p:nvPr>
         </p:nvSpPr>
         <p:spPr>
@@ -3043,7 +3145,7 @@
           </a:ln>
         </p:spPr>
         <p:txBody>
-          <a:bodyPr anchorCtr="0" anchor="b" bIns="45700" lIns="91425" spcFirstLastPara="1" rIns="91425" wrap="square" tIns="45700">
+          <a:bodyPr spcFirstLastPara="1" wrap="square" lIns="91425" tIns="45700" rIns="91425" bIns="45700" anchor="b" anchorCtr="0">
             <a:noAutofit/>
           </a:bodyPr>
           <a:lstStyle>
@@ -3147,15 +3249,19 @@
               <a:defRPr/>
             </a:lvl9pPr>
           </a:lstStyle>
-          <a:p/>
+          <a:p>
+            <a:endParaRPr/>
+          </a:p>
         </p:txBody>
       </p:sp>
       <p:sp>
         <p:nvSpPr>
           <p:cNvPr id="90" name="Google Shape;90;p21"/>
-          <p:cNvSpPr txBox="1"/>
+          <p:cNvSpPr txBox="1">
+            <a:spLocks noGrp="1"/>
+          </p:cNvSpPr>
           <p:nvPr>
-            <p:ph idx="11" type="ftr"/>
+            <p:ph type="ftr" idx="11"/>
           </p:nvPr>
         </p:nvSpPr>
         <p:spPr>
@@ -3172,7 +3278,7 @@
           </a:ln>
         </p:spPr>
         <p:txBody>
-          <a:bodyPr anchorCtr="0" anchor="b" bIns="45700" lIns="91425" spcFirstLastPara="1" rIns="91425" wrap="square" tIns="45700">
+          <a:bodyPr spcFirstLastPara="1" wrap="square" lIns="91425" tIns="45700" rIns="91425" bIns="45700" anchor="b" anchorCtr="0">
             <a:noAutofit/>
           </a:bodyPr>
           <a:lstStyle>
@@ -3276,15 +3382,19 @@
               <a:defRPr/>
             </a:lvl9pPr>
           </a:lstStyle>
-          <a:p/>
+          <a:p>
+            <a:endParaRPr/>
+          </a:p>
         </p:txBody>
       </p:sp>
       <p:sp>
         <p:nvSpPr>
           <p:cNvPr id="91" name="Google Shape;91;p21"/>
-          <p:cNvSpPr txBox="1"/>
+          <p:cNvSpPr txBox="1">
+            <a:spLocks noGrp="1"/>
+          </p:cNvSpPr>
           <p:nvPr>
-            <p:ph idx="12" type="sldNum"/>
+            <p:ph type="sldNum" idx="12"/>
           </p:nvPr>
         </p:nvSpPr>
         <p:spPr>
@@ -3301,67 +3411,67 @@
           </a:ln>
         </p:spPr>
         <p:txBody>
-          <a:bodyPr anchorCtr="0" anchor="b" bIns="45700" lIns="91425" spcFirstLastPara="1" rIns="91425" wrap="square" tIns="45700">
+          <a:bodyPr spcFirstLastPara="1" wrap="square" lIns="91425" tIns="45700" rIns="91425" bIns="45700" anchor="b" anchorCtr="0">
             <a:noAutofit/>
           </a:bodyPr>
           <a:lstStyle>
-            <a:lvl1pPr indent="0" lvl="0" marL="0" algn="r">
+            <a:lvl1pPr marL="0" lvl="0" indent="0" algn="r">
               <a:spcBef>
                 <a:spcPts val="0"/>
               </a:spcBef>
               <a:buNone/>
               <a:defRPr/>
             </a:lvl1pPr>
-            <a:lvl2pPr indent="0" lvl="1" marL="0" algn="r">
+            <a:lvl2pPr marL="0" lvl="1" indent="0" algn="r">
               <a:spcBef>
                 <a:spcPts val="0"/>
               </a:spcBef>
               <a:buNone/>
               <a:defRPr/>
             </a:lvl2pPr>
-            <a:lvl3pPr indent="0" lvl="2" marL="0" algn="r">
+            <a:lvl3pPr marL="0" lvl="2" indent="0" algn="r">
               <a:spcBef>
                 <a:spcPts val="0"/>
               </a:spcBef>
               <a:buNone/>
               <a:defRPr/>
             </a:lvl3pPr>
-            <a:lvl4pPr indent="0" lvl="3" marL="0" algn="r">
+            <a:lvl4pPr marL="0" lvl="3" indent="0" algn="r">
               <a:spcBef>
                 <a:spcPts val="0"/>
               </a:spcBef>
               <a:buNone/>
               <a:defRPr/>
             </a:lvl4pPr>
-            <a:lvl5pPr indent="0" lvl="4" marL="0" algn="r">
+            <a:lvl5pPr marL="0" lvl="4" indent="0" algn="r">
               <a:spcBef>
                 <a:spcPts val="0"/>
               </a:spcBef>
               <a:buNone/>
               <a:defRPr/>
             </a:lvl5pPr>
-            <a:lvl6pPr indent="0" lvl="5" marL="0" algn="r">
+            <a:lvl6pPr marL="0" lvl="5" indent="0" algn="r">
               <a:spcBef>
                 <a:spcPts val="0"/>
               </a:spcBef>
               <a:buNone/>
               <a:defRPr/>
             </a:lvl6pPr>
-            <a:lvl7pPr indent="0" lvl="6" marL="0" algn="r">
+            <a:lvl7pPr marL="0" lvl="6" indent="0" algn="r">
               <a:spcBef>
                 <a:spcPts val="0"/>
               </a:spcBef>
               <a:buNone/>
               <a:defRPr/>
             </a:lvl7pPr>
-            <a:lvl8pPr indent="0" lvl="7" marL="0" algn="r">
+            <a:lvl8pPr marL="0" lvl="7" indent="0" algn="r">
               <a:spcBef>
                 <a:spcPts val="0"/>
               </a:spcBef>
               <a:buNone/>
               <a:defRPr/>
             </a:lvl8pPr>
-            <a:lvl9pPr indent="0" lvl="8" marL="0" algn="r">
+            <a:lvl9pPr marL="0" lvl="8" indent="0" algn="r">
               <a:spcBef>
                 <a:spcPts val="0"/>
               </a:spcBef>
@@ -3370,7 +3480,7 @@
             </a:lvl9pPr>
           </a:lstStyle>
           <a:p>
-            <a:pPr indent="0" lvl="0" marL="0" rtl="0" algn="r">
+            <a:pPr marL="0" lvl="0" indent="0" algn="r" rtl="0">
               <a:spcBef>
                 <a:spcPts val="0"/>
               </a:spcBef>
@@ -3381,6 +3491,15 @@
             </a:pPr>
             <a:fld id="{00000000-1234-1234-1234-123412341234}" type="slidenum">
               <a:rPr lang="ru-RU"/>
+              <a:pPr marL="0" lvl="0" indent="0" algn="r" rtl="0">
+                <a:spcBef>
+                  <a:spcPts val="0"/>
+                </a:spcBef>
+                <a:spcAft>
+                  <a:spcPts val="0"/>
+                </a:spcAft>
+                <a:buNone/>
+              </a:pPr>
               <a:t>‹#›</a:t>
             </a:fld>
             <a:endParaRPr/>
@@ -3396,11 +3515,11 @@
 </file>
 
 <file path=ppt/slideLayouts/slideLayout11.xml><?xml version="1.0" encoding="utf-8"?>
-<p:sldLayout xmlns:a="http://schemas.openxmlformats.org/drawingml/2006/main" xmlns:r="http://schemas.openxmlformats.org/officeDocument/2006/relationships" xmlns:mc="http://schemas.openxmlformats.org/markup-compatibility/2006" xmlns:mv="urn:schemas-microsoft-com:mac:vml" xmlns:p="http://schemas.openxmlformats.org/presentationml/2006/main" xmlns:c="http://schemas.openxmlformats.org/drawingml/2006/chart" xmlns:dgm="http://schemas.openxmlformats.org/drawingml/2006/diagram" xmlns:o="urn:schemas-microsoft-com:office:office" xmlns:v="urn:schemas-microsoft-com:vml" xmlns:pvml="urn:schemas-microsoft-com:office:powerpoint" xmlns:com="http://schemas.openxmlformats.org/drawingml/2006/compatibility" xmlns:p14="http://schemas.microsoft.com/office/powerpoint/2010/main" xmlns:p15="http://schemas.microsoft.com/office/powerpoint/2012/main" xmlns:ahyp="http://schemas.microsoft.com/office/drawing/2018/hyperlinkcolor" matchingName="Вертикальный заголовок и текст" type="vertTitleAndTx">
+<p:sldLayout xmlns:a="http://schemas.openxmlformats.org/drawingml/2006/main" xmlns:r="http://schemas.openxmlformats.org/officeDocument/2006/relationships" xmlns:p="http://schemas.openxmlformats.org/presentationml/2006/main" matchingName="Вертикальный заголовок и текст" type="vertTitleAndTx">
   <p:cSld name="VERTICAL_TITLE_AND_VERTICAL_TEXT">
     <p:spTree>
       <p:nvGrpSpPr>
-        <p:cNvPr id="92" name="Shape 92"/>
+        <p:cNvPr id="1" name="Shape 92"/>
         <p:cNvGrpSpPr/>
         <p:nvPr/>
       </p:nvGrpSpPr>
@@ -3415,7 +3534,9 @@
       <p:sp>
         <p:nvSpPr>
           <p:cNvPr id="93" name="Google Shape;93;p22"/>
-          <p:cNvSpPr txBox="1"/>
+          <p:cNvSpPr txBox="1">
+            <a:spLocks noGrp="1"/>
+          </p:cNvSpPr>
           <p:nvPr>
             <p:ph type="title"/>
           </p:nvPr>
@@ -3434,7 +3555,7 @@
           </a:ln>
         </p:spPr>
         <p:txBody>
-          <a:bodyPr anchorCtr="0" anchor="ctr" bIns="45700" lIns="91425" spcFirstLastPara="1" rIns="91425" wrap="square" tIns="45700">
+          <a:bodyPr spcFirstLastPara="1" wrap="square" lIns="91425" tIns="45700" rIns="91425" bIns="45700" anchor="ctr" anchorCtr="0">
             <a:normAutofit/>
           </a:bodyPr>
           <a:lstStyle>
@@ -3541,15 +3662,19 @@
               <a:defRPr/>
             </a:lvl9pPr>
           </a:lstStyle>
-          <a:p/>
+          <a:p>
+            <a:endParaRPr/>
+          </a:p>
         </p:txBody>
       </p:sp>
       <p:sp>
         <p:nvSpPr>
           <p:cNvPr id="94" name="Google Shape;94;p22"/>
-          <p:cNvSpPr txBox="1"/>
+          <p:cNvSpPr txBox="1">
+            <a:spLocks noGrp="1"/>
+          </p:cNvSpPr>
           <p:nvPr>
-            <p:ph idx="1" type="body"/>
+            <p:ph type="body" idx="1"/>
           </p:nvPr>
         </p:nvSpPr>
         <p:spPr>
@@ -3566,11 +3691,11 @@
           </a:ln>
         </p:spPr>
         <p:txBody>
-          <a:bodyPr anchorCtr="0" anchor="t" bIns="45700" lIns="91425" spcFirstLastPara="1" rIns="91425" wrap="square" tIns="45700">
+          <a:bodyPr spcFirstLastPara="1" wrap="square" lIns="91425" tIns="45700" rIns="91425" bIns="45700" anchor="t" anchorCtr="0">
             <a:normAutofit/>
           </a:bodyPr>
           <a:lstStyle>
-            <a:lvl1pPr indent="-306324" lvl="0" marL="457200" algn="l">
+            <a:lvl1pPr marL="457200" lvl="0" indent="-306324" algn="l">
               <a:spcBef>
                 <a:spcPts val="400"/>
               </a:spcBef>
@@ -3581,7 +3706,7 @@
               <a:buChar char="🞂"/>
               <a:defRPr/>
             </a:lvl1pPr>
-            <a:lvl2pPr indent="-342900" lvl="1" marL="914400" algn="l">
+            <a:lvl2pPr marL="914400" lvl="1" indent="-342900" algn="l">
               <a:spcBef>
                 <a:spcPts val="324"/>
               </a:spcBef>
@@ -3592,7 +3717,7 @@
               <a:buChar char="◦"/>
               <a:defRPr/>
             </a:lvl2pPr>
-            <a:lvl3pPr indent="-342900" lvl="2" marL="1371600" algn="l">
+            <a:lvl3pPr marL="1371600" lvl="2" indent="-342900" algn="l">
               <a:spcBef>
                 <a:spcPts val="350"/>
               </a:spcBef>
@@ -3603,7 +3728,7 @@
               <a:buChar char="●"/>
               <a:defRPr/>
             </a:lvl3pPr>
-            <a:lvl4pPr indent="-342900" lvl="3" marL="1828800" algn="l">
+            <a:lvl4pPr marL="1828800" lvl="3" indent="-342900" algn="l">
               <a:spcBef>
                 <a:spcPts val="350"/>
               </a:spcBef>
@@ -3614,7 +3739,7 @@
               <a:buChar char="●"/>
               <a:defRPr/>
             </a:lvl4pPr>
-            <a:lvl5pPr indent="-342900" lvl="4" marL="2286000" algn="l">
+            <a:lvl5pPr marL="2286000" lvl="4" indent="-342900" algn="l">
               <a:spcBef>
                 <a:spcPts val="350"/>
               </a:spcBef>
@@ -3625,7 +3750,7 @@
               <a:buChar char="●"/>
               <a:defRPr/>
             </a:lvl5pPr>
-            <a:lvl6pPr indent="-342900" lvl="5" marL="2743200" algn="l">
+            <a:lvl6pPr marL="2743200" lvl="5" indent="-342900" algn="l">
               <a:spcBef>
                 <a:spcPts val="350"/>
               </a:spcBef>
@@ -3636,7 +3761,7 @@
               <a:buChar char="■"/>
               <a:defRPr/>
             </a:lvl6pPr>
-            <a:lvl7pPr indent="-342900" lvl="6" marL="3200400" algn="l">
+            <a:lvl7pPr marL="3200400" lvl="6" indent="-342900" algn="l">
               <a:spcBef>
                 <a:spcPts val="350"/>
               </a:spcBef>
@@ -3647,7 +3772,7 @@
               <a:buChar char="■"/>
               <a:defRPr/>
             </a:lvl7pPr>
-            <a:lvl8pPr indent="-342900" lvl="7" marL="3657600" algn="l">
+            <a:lvl8pPr marL="3657600" lvl="7" indent="-342900" algn="l">
               <a:spcBef>
                 <a:spcPts val="350"/>
               </a:spcBef>
@@ -3658,7 +3783,7 @@
               <a:buChar char="■"/>
               <a:defRPr/>
             </a:lvl8pPr>
-            <a:lvl9pPr indent="-342900" lvl="8" marL="4114800" algn="l">
+            <a:lvl9pPr marL="4114800" lvl="8" indent="-342900" algn="l">
               <a:spcBef>
                 <a:spcPts val="350"/>
               </a:spcBef>
@@ -3670,15 +3795,19 @@
               <a:defRPr/>
             </a:lvl9pPr>
           </a:lstStyle>
-          <a:p/>
+          <a:p>
+            <a:endParaRPr/>
+          </a:p>
         </p:txBody>
       </p:sp>
       <p:sp>
         <p:nvSpPr>
           <p:cNvPr id="95" name="Google Shape;95;p22"/>
-          <p:cNvSpPr txBox="1"/>
+          <p:cNvSpPr txBox="1">
+            <a:spLocks noGrp="1"/>
+          </p:cNvSpPr>
           <p:nvPr>
-            <p:ph idx="10" type="dt"/>
+            <p:ph type="dt" idx="10"/>
           </p:nvPr>
         </p:nvSpPr>
         <p:spPr>
@@ -3695,7 +3824,7 @@
           </a:ln>
         </p:spPr>
         <p:txBody>
-          <a:bodyPr anchorCtr="0" anchor="b" bIns="45700" lIns="91425" spcFirstLastPara="1" rIns="91425" wrap="square" tIns="45700">
+          <a:bodyPr spcFirstLastPara="1" wrap="square" lIns="91425" tIns="45700" rIns="91425" bIns="45700" anchor="b" anchorCtr="0">
             <a:noAutofit/>
           </a:bodyPr>
           <a:lstStyle>
@@ -3799,15 +3928,19 @@
               <a:defRPr/>
             </a:lvl9pPr>
           </a:lstStyle>
-          <a:p/>
+          <a:p>
+            <a:endParaRPr/>
+          </a:p>
         </p:txBody>
       </p:sp>
       <p:sp>
         <p:nvSpPr>
           <p:cNvPr id="96" name="Google Shape;96;p22"/>
-          <p:cNvSpPr txBox="1"/>
+          <p:cNvSpPr txBox="1">
+            <a:spLocks noGrp="1"/>
+          </p:cNvSpPr>
           <p:nvPr>
-            <p:ph idx="11" type="ftr"/>
+            <p:ph type="ftr" idx="11"/>
           </p:nvPr>
         </p:nvSpPr>
         <p:spPr>
@@ -3824,7 +3957,7 @@
           </a:ln>
         </p:spPr>
         <p:txBody>
-          <a:bodyPr anchorCtr="0" anchor="b" bIns="45700" lIns="91425" spcFirstLastPara="1" rIns="91425" wrap="square" tIns="45700">
+          <a:bodyPr spcFirstLastPara="1" wrap="square" lIns="91425" tIns="45700" rIns="91425" bIns="45700" anchor="b" anchorCtr="0">
             <a:noAutofit/>
           </a:bodyPr>
           <a:lstStyle>
@@ -3928,15 +4061,19 @@
               <a:defRPr/>
             </a:lvl9pPr>
           </a:lstStyle>
-          <a:p/>
+          <a:p>
+            <a:endParaRPr/>
+          </a:p>
         </p:txBody>
       </p:sp>
       <p:sp>
         <p:nvSpPr>
           <p:cNvPr id="97" name="Google Shape;97;p22"/>
-          <p:cNvSpPr txBox="1"/>
+          <p:cNvSpPr txBox="1">
+            <a:spLocks noGrp="1"/>
+          </p:cNvSpPr>
           <p:nvPr>
-            <p:ph idx="12" type="sldNum"/>
+            <p:ph type="sldNum" idx="12"/>
           </p:nvPr>
         </p:nvSpPr>
         <p:spPr>
@@ -3953,67 +4090,67 @@
           </a:ln>
         </p:spPr>
         <p:txBody>
-          <a:bodyPr anchorCtr="0" anchor="b" bIns="45700" lIns="91425" spcFirstLastPara="1" rIns="91425" wrap="square" tIns="45700">
+          <a:bodyPr spcFirstLastPara="1" wrap="square" lIns="91425" tIns="45700" rIns="91425" bIns="45700" anchor="b" anchorCtr="0">
             <a:noAutofit/>
           </a:bodyPr>
           <a:lstStyle>
-            <a:lvl1pPr indent="0" lvl="0" marL="0" algn="r">
+            <a:lvl1pPr marL="0" lvl="0" indent="0" algn="r">
               <a:spcBef>
                 <a:spcPts val="0"/>
               </a:spcBef>
               <a:buNone/>
               <a:defRPr/>
             </a:lvl1pPr>
-            <a:lvl2pPr indent="0" lvl="1" marL="0" algn="r">
+            <a:lvl2pPr marL="0" lvl="1" indent="0" algn="r">
               <a:spcBef>
                 <a:spcPts val="0"/>
               </a:spcBef>
               <a:buNone/>
               <a:defRPr/>
             </a:lvl2pPr>
-            <a:lvl3pPr indent="0" lvl="2" marL="0" algn="r">
+            <a:lvl3pPr marL="0" lvl="2" indent="0" algn="r">
               <a:spcBef>
                 <a:spcPts val="0"/>
               </a:spcBef>
               <a:buNone/>
               <a:defRPr/>
             </a:lvl3pPr>
-            <a:lvl4pPr indent="0" lvl="3" marL="0" algn="r">
+            <a:lvl4pPr marL="0" lvl="3" indent="0" algn="r">
               <a:spcBef>
                 <a:spcPts val="0"/>
               </a:spcBef>
               <a:buNone/>
               <a:defRPr/>
             </a:lvl4pPr>
-            <a:lvl5pPr indent="0" lvl="4" marL="0" algn="r">
+            <a:lvl5pPr marL="0" lvl="4" indent="0" algn="r">
               <a:spcBef>
                 <a:spcPts val="0"/>
               </a:spcBef>
               <a:buNone/>
               <a:defRPr/>
             </a:lvl5pPr>
-            <a:lvl6pPr indent="0" lvl="5" marL="0" algn="r">
+            <a:lvl6pPr marL="0" lvl="5" indent="0" algn="r">
               <a:spcBef>
                 <a:spcPts val="0"/>
               </a:spcBef>
               <a:buNone/>
               <a:defRPr/>
             </a:lvl6pPr>
-            <a:lvl7pPr indent="0" lvl="6" marL="0" algn="r">
+            <a:lvl7pPr marL="0" lvl="6" indent="0" algn="r">
               <a:spcBef>
                 <a:spcPts val="0"/>
               </a:spcBef>
               <a:buNone/>
               <a:defRPr/>
             </a:lvl7pPr>
-            <a:lvl8pPr indent="0" lvl="7" marL="0" algn="r">
+            <a:lvl8pPr marL="0" lvl="7" indent="0" algn="r">
               <a:spcBef>
                 <a:spcPts val="0"/>
               </a:spcBef>
               <a:buNone/>
               <a:defRPr/>
             </a:lvl8pPr>
-            <a:lvl9pPr indent="0" lvl="8" marL="0" algn="r">
+            <a:lvl9pPr marL="0" lvl="8" indent="0" algn="r">
               <a:spcBef>
                 <a:spcPts val="0"/>
               </a:spcBef>
@@ -4022,7 +4159,7 @@
             </a:lvl9pPr>
           </a:lstStyle>
           <a:p>
-            <a:pPr indent="0" lvl="0" marL="0" rtl="0" algn="r">
+            <a:pPr marL="0" lvl="0" indent="0" algn="r" rtl="0">
               <a:spcBef>
                 <a:spcPts val="0"/>
               </a:spcBef>
@@ -4033,6 +4170,15 @@
             </a:pPr>
             <a:fld id="{00000000-1234-1234-1234-123412341234}" type="slidenum">
               <a:rPr lang="ru-RU"/>
+              <a:pPr marL="0" lvl="0" indent="0" algn="r" rtl="0">
+                <a:spcBef>
+                  <a:spcPts val="0"/>
+                </a:spcBef>
+                <a:spcAft>
+                  <a:spcPts val="0"/>
+                </a:spcAft>
+                <a:buNone/>
+              </a:pPr>
               <a:t>‹#›</a:t>
             </a:fld>
             <a:endParaRPr/>
@@ -4048,11 +4194,11 @@
 </file>
 
 <file path=ppt/slideLayouts/slideLayout2.xml><?xml version="1.0" encoding="utf-8"?>
-<p:sldLayout xmlns:a="http://schemas.openxmlformats.org/drawingml/2006/main" xmlns:r="http://schemas.openxmlformats.org/officeDocument/2006/relationships" xmlns:mc="http://schemas.openxmlformats.org/markup-compatibility/2006" xmlns:mv="urn:schemas-microsoft-com:mac:vml" xmlns:p="http://schemas.openxmlformats.org/presentationml/2006/main" xmlns:c="http://schemas.openxmlformats.org/drawingml/2006/chart" xmlns:dgm="http://schemas.openxmlformats.org/drawingml/2006/diagram" xmlns:o="urn:schemas-microsoft-com:office:office" xmlns:v="urn:schemas-microsoft-com:vml" xmlns:pvml="urn:schemas-microsoft-com:office:powerpoint" xmlns:com="http://schemas.openxmlformats.org/drawingml/2006/compatibility" xmlns:p14="http://schemas.microsoft.com/office/powerpoint/2010/main" xmlns:p15="http://schemas.microsoft.com/office/powerpoint/2012/main" xmlns:ahyp="http://schemas.microsoft.com/office/drawing/2018/hyperlinkcolor" matchingName="Заголовок и объект" type="obj">
+<p:sldLayout xmlns:a="http://schemas.openxmlformats.org/drawingml/2006/main" xmlns:r="http://schemas.openxmlformats.org/officeDocument/2006/relationships" xmlns:p="http://schemas.openxmlformats.org/presentationml/2006/main" matchingName="Заголовок и объект" type="obj">
   <p:cSld name="OBJECT">
     <p:spTree>
       <p:nvGrpSpPr>
-        <p:cNvPr id="27" name="Shape 27"/>
+        <p:cNvPr id="1" name="Shape 27"/>
         <p:cNvGrpSpPr/>
         <p:nvPr/>
       </p:nvGrpSpPr>
@@ -4067,9 +4213,11 @@
       <p:sp>
         <p:nvSpPr>
           <p:cNvPr id="28" name="Google Shape;28;p13"/>
-          <p:cNvSpPr txBox="1"/>
+          <p:cNvSpPr txBox="1">
+            <a:spLocks noGrp="1"/>
+          </p:cNvSpPr>
           <p:nvPr>
-            <p:ph idx="1" type="body"/>
+            <p:ph type="body" idx="1"/>
           </p:nvPr>
         </p:nvSpPr>
         <p:spPr>
@@ -4086,11 +4234,11 @@
           </a:ln>
         </p:spPr>
         <p:txBody>
-          <a:bodyPr anchorCtr="0" anchor="t" bIns="45700" lIns="91425" spcFirstLastPara="1" rIns="91425" wrap="square" tIns="45700">
+          <a:bodyPr spcFirstLastPara="1" wrap="square" lIns="91425" tIns="45700" rIns="91425" bIns="45700" anchor="t" anchorCtr="0">
             <a:normAutofit/>
           </a:bodyPr>
           <a:lstStyle>
-            <a:lvl1pPr indent="-306324" lvl="0" marL="457200" algn="l">
+            <a:lvl1pPr marL="457200" lvl="0" indent="-306324" algn="l">
               <a:spcBef>
                 <a:spcPts val="400"/>
               </a:spcBef>
@@ -4101,7 +4249,7 @@
               <a:buChar char="🞂"/>
               <a:defRPr/>
             </a:lvl1pPr>
-            <a:lvl2pPr indent="-342900" lvl="1" marL="914400" algn="l">
+            <a:lvl2pPr marL="914400" lvl="1" indent="-342900" algn="l">
               <a:spcBef>
                 <a:spcPts val="324"/>
               </a:spcBef>
@@ -4112,7 +4260,7 @@
               <a:buChar char="◦"/>
               <a:defRPr/>
             </a:lvl2pPr>
-            <a:lvl3pPr indent="-342900" lvl="2" marL="1371600" algn="l">
+            <a:lvl3pPr marL="1371600" lvl="2" indent="-342900" algn="l">
               <a:spcBef>
                 <a:spcPts val="350"/>
               </a:spcBef>
@@ -4123,7 +4271,7 @@
               <a:buChar char="●"/>
               <a:defRPr/>
             </a:lvl3pPr>
-            <a:lvl4pPr indent="-342900" lvl="3" marL="1828800" algn="l">
+            <a:lvl4pPr marL="1828800" lvl="3" indent="-342900" algn="l">
               <a:spcBef>
                 <a:spcPts val="350"/>
               </a:spcBef>
@@ -4134,7 +4282,7 @@
               <a:buChar char="●"/>
               <a:defRPr/>
             </a:lvl4pPr>
-            <a:lvl5pPr indent="-342900" lvl="4" marL="2286000" algn="l">
+            <a:lvl5pPr marL="2286000" lvl="4" indent="-342900" algn="l">
               <a:spcBef>
                 <a:spcPts val="350"/>
               </a:spcBef>
@@ -4145,7 +4293,7 @@
               <a:buChar char="●"/>
               <a:defRPr/>
             </a:lvl5pPr>
-            <a:lvl6pPr indent="-342900" lvl="5" marL="2743200" algn="l">
+            <a:lvl6pPr marL="2743200" lvl="5" indent="-342900" algn="l">
               <a:spcBef>
                 <a:spcPts val="350"/>
               </a:spcBef>
@@ -4156,7 +4304,7 @@
               <a:buChar char="■"/>
               <a:defRPr/>
             </a:lvl6pPr>
-            <a:lvl7pPr indent="-342900" lvl="6" marL="3200400" algn="l">
+            <a:lvl7pPr marL="3200400" lvl="6" indent="-342900" algn="l">
               <a:spcBef>
                 <a:spcPts val="350"/>
               </a:spcBef>
@@ -4167,7 +4315,7 @@
               <a:buChar char="■"/>
               <a:defRPr/>
             </a:lvl7pPr>
-            <a:lvl8pPr indent="-342900" lvl="7" marL="3657600" algn="l">
+            <a:lvl8pPr marL="3657600" lvl="7" indent="-342900" algn="l">
               <a:spcBef>
                 <a:spcPts val="350"/>
               </a:spcBef>
@@ -4178,7 +4326,7 @@
               <a:buChar char="■"/>
               <a:defRPr/>
             </a:lvl8pPr>
-            <a:lvl9pPr indent="-342900" lvl="8" marL="4114800" algn="l">
+            <a:lvl9pPr marL="4114800" lvl="8" indent="-342900" algn="l">
               <a:spcBef>
                 <a:spcPts val="350"/>
               </a:spcBef>
@@ -4190,15 +4338,19 @@
               <a:defRPr/>
             </a:lvl9pPr>
           </a:lstStyle>
-          <a:p/>
+          <a:p>
+            <a:endParaRPr/>
+          </a:p>
         </p:txBody>
       </p:sp>
       <p:sp>
         <p:nvSpPr>
           <p:cNvPr id="29" name="Google Shape;29;p13"/>
-          <p:cNvSpPr txBox="1"/>
+          <p:cNvSpPr txBox="1">
+            <a:spLocks noGrp="1"/>
+          </p:cNvSpPr>
           <p:nvPr>
-            <p:ph idx="10" type="dt"/>
+            <p:ph type="dt" idx="10"/>
           </p:nvPr>
         </p:nvSpPr>
         <p:spPr>
@@ -4215,7 +4367,7 @@
           </a:ln>
         </p:spPr>
         <p:txBody>
-          <a:bodyPr anchorCtr="0" anchor="b" bIns="45700" lIns="91425" spcFirstLastPara="1" rIns="91425" wrap="square" tIns="45700">
+          <a:bodyPr spcFirstLastPara="1" wrap="square" lIns="91425" tIns="45700" rIns="91425" bIns="45700" anchor="b" anchorCtr="0">
             <a:noAutofit/>
           </a:bodyPr>
           <a:lstStyle>
@@ -4319,15 +4471,19 @@
               <a:defRPr/>
             </a:lvl9pPr>
           </a:lstStyle>
-          <a:p/>
+          <a:p>
+            <a:endParaRPr/>
+          </a:p>
         </p:txBody>
       </p:sp>
       <p:sp>
         <p:nvSpPr>
           <p:cNvPr id="30" name="Google Shape;30;p13"/>
-          <p:cNvSpPr txBox="1"/>
+          <p:cNvSpPr txBox="1">
+            <a:spLocks noGrp="1"/>
+          </p:cNvSpPr>
           <p:nvPr>
-            <p:ph idx="11" type="ftr"/>
+            <p:ph type="ftr" idx="11"/>
           </p:nvPr>
         </p:nvSpPr>
         <p:spPr>
@@ -4344,7 +4500,7 @@
           </a:ln>
         </p:spPr>
         <p:txBody>
-          <a:bodyPr anchorCtr="0" anchor="b" bIns="45700" lIns="91425" spcFirstLastPara="1" rIns="91425" wrap="square" tIns="45700">
+          <a:bodyPr spcFirstLastPara="1" wrap="square" lIns="91425" tIns="45700" rIns="91425" bIns="45700" anchor="b" anchorCtr="0">
             <a:noAutofit/>
           </a:bodyPr>
           <a:lstStyle>
@@ -4448,15 +4604,19 @@
               <a:defRPr/>
             </a:lvl9pPr>
           </a:lstStyle>
-          <a:p/>
+          <a:p>
+            <a:endParaRPr/>
+          </a:p>
         </p:txBody>
       </p:sp>
       <p:sp>
         <p:nvSpPr>
           <p:cNvPr id="31" name="Google Shape;31;p13"/>
-          <p:cNvSpPr txBox="1"/>
+          <p:cNvSpPr txBox="1">
+            <a:spLocks noGrp="1"/>
+          </p:cNvSpPr>
           <p:nvPr>
-            <p:ph idx="12" type="sldNum"/>
+            <p:ph type="sldNum" idx="12"/>
           </p:nvPr>
         </p:nvSpPr>
         <p:spPr>
@@ -4473,67 +4633,67 @@
           </a:ln>
         </p:spPr>
         <p:txBody>
-          <a:bodyPr anchorCtr="0" anchor="b" bIns="45700" lIns="91425" spcFirstLastPara="1" rIns="91425" wrap="square" tIns="45700">
+          <a:bodyPr spcFirstLastPara="1" wrap="square" lIns="91425" tIns="45700" rIns="91425" bIns="45700" anchor="b" anchorCtr="0">
             <a:noAutofit/>
           </a:bodyPr>
           <a:lstStyle>
-            <a:lvl1pPr indent="0" lvl="0" marL="0" algn="r">
+            <a:lvl1pPr marL="0" lvl="0" indent="0" algn="r">
               <a:spcBef>
                 <a:spcPts val="0"/>
               </a:spcBef>
               <a:buNone/>
               <a:defRPr/>
             </a:lvl1pPr>
-            <a:lvl2pPr indent="0" lvl="1" marL="0" algn="r">
+            <a:lvl2pPr marL="0" lvl="1" indent="0" algn="r">
               <a:spcBef>
                 <a:spcPts val="0"/>
               </a:spcBef>
               <a:buNone/>
               <a:defRPr/>
             </a:lvl2pPr>
-            <a:lvl3pPr indent="0" lvl="2" marL="0" algn="r">
+            <a:lvl3pPr marL="0" lvl="2" indent="0" algn="r">
               <a:spcBef>
                 <a:spcPts val="0"/>
               </a:spcBef>
               <a:buNone/>
               <a:defRPr/>
             </a:lvl3pPr>
-            <a:lvl4pPr indent="0" lvl="3" marL="0" algn="r">
+            <a:lvl4pPr marL="0" lvl="3" indent="0" algn="r">
               <a:spcBef>
                 <a:spcPts val="0"/>
               </a:spcBef>
               <a:buNone/>
               <a:defRPr/>
             </a:lvl4pPr>
-            <a:lvl5pPr indent="0" lvl="4" marL="0" algn="r">
+            <a:lvl5pPr marL="0" lvl="4" indent="0" algn="r">
               <a:spcBef>
                 <a:spcPts val="0"/>
               </a:spcBef>
               <a:buNone/>
               <a:defRPr/>
             </a:lvl5pPr>
-            <a:lvl6pPr indent="0" lvl="5" marL="0" algn="r">
+            <a:lvl6pPr marL="0" lvl="5" indent="0" algn="r">
               <a:spcBef>
                 <a:spcPts val="0"/>
               </a:spcBef>
               <a:buNone/>
               <a:defRPr/>
             </a:lvl6pPr>
-            <a:lvl7pPr indent="0" lvl="6" marL="0" algn="r">
+            <a:lvl7pPr marL="0" lvl="6" indent="0" algn="r">
               <a:spcBef>
                 <a:spcPts val="0"/>
               </a:spcBef>
               <a:buNone/>
               <a:defRPr/>
             </a:lvl7pPr>
-            <a:lvl8pPr indent="0" lvl="7" marL="0" algn="r">
+            <a:lvl8pPr marL="0" lvl="7" indent="0" algn="r">
               <a:spcBef>
                 <a:spcPts val="0"/>
               </a:spcBef>
               <a:buNone/>
               <a:defRPr/>
             </a:lvl8pPr>
-            <a:lvl9pPr indent="0" lvl="8" marL="0" algn="r">
+            <a:lvl9pPr marL="0" lvl="8" indent="0" algn="r">
               <a:spcBef>
                 <a:spcPts val="0"/>
               </a:spcBef>
@@ -4542,7 +4702,7 @@
             </a:lvl9pPr>
           </a:lstStyle>
           <a:p>
-            <a:pPr indent="0" lvl="0" marL="0" rtl="0" algn="r">
+            <a:pPr marL="0" lvl="0" indent="0" algn="r" rtl="0">
               <a:spcBef>
                 <a:spcPts val="0"/>
               </a:spcBef>
@@ -4553,6 +4713,15 @@
             </a:pPr>
             <a:fld id="{00000000-1234-1234-1234-123412341234}" type="slidenum">
               <a:rPr lang="ru-RU"/>
+              <a:pPr marL="0" lvl="0" indent="0" algn="r" rtl="0">
+                <a:spcBef>
+                  <a:spcPts val="0"/>
+                </a:spcBef>
+                <a:spcAft>
+                  <a:spcPts val="0"/>
+                </a:spcAft>
+                <a:buNone/>
+              </a:pPr>
               <a:t>‹#›</a:t>
             </a:fld>
             <a:endParaRPr/>
@@ -4562,7 +4731,9 @@
       <p:sp>
         <p:nvSpPr>
           <p:cNvPr id="32" name="Google Shape;32;p13"/>
-          <p:cNvSpPr txBox="1"/>
+          <p:cNvSpPr txBox="1">
+            <a:spLocks noGrp="1"/>
+          </p:cNvSpPr>
           <p:nvPr>
             <p:ph type="title"/>
           </p:nvPr>
@@ -4581,7 +4752,7 @@
           </a:ln>
         </p:spPr>
         <p:txBody>
-          <a:bodyPr anchorCtr="0" anchor="ctr" bIns="45700" lIns="91425" spcFirstLastPara="1" rIns="91425" wrap="square" tIns="45700">
+          <a:bodyPr spcFirstLastPara="1" wrap="square" lIns="91425" tIns="45700" rIns="91425" bIns="45700" anchor="ctr" anchorCtr="0">
             <a:normAutofit/>
           </a:bodyPr>
           <a:lstStyle>
@@ -4688,7 +4859,9 @@
               <a:defRPr/>
             </a:lvl9pPr>
           </a:lstStyle>
-          <a:p/>
+          <a:p>
+            <a:endParaRPr/>
+          </a:p>
         </p:txBody>
       </p:sp>
     </p:spTree>
@@ -4700,7 +4873,7 @@
 </file>
 
 <file path=ppt/slideLayouts/slideLayout3.xml><?xml version="1.0" encoding="utf-8"?>
-<p:sldLayout xmlns:a="http://schemas.openxmlformats.org/drawingml/2006/main" xmlns:r="http://schemas.openxmlformats.org/officeDocument/2006/relationships" xmlns:mc="http://schemas.openxmlformats.org/markup-compatibility/2006" xmlns:mv="urn:schemas-microsoft-com:mac:vml" xmlns:p="http://schemas.openxmlformats.org/presentationml/2006/main" xmlns:c="http://schemas.openxmlformats.org/drawingml/2006/chart" xmlns:dgm="http://schemas.openxmlformats.org/drawingml/2006/diagram" xmlns:o="urn:schemas-microsoft-com:office:office" xmlns:v="urn:schemas-microsoft-com:vml" xmlns:pvml="urn:schemas-microsoft-com:office:powerpoint" xmlns:com="http://schemas.openxmlformats.org/drawingml/2006/compatibility" xmlns:p14="http://schemas.microsoft.com/office/powerpoint/2010/main" xmlns:p15="http://schemas.microsoft.com/office/powerpoint/2012/main" xmlns:ahyp="http://schemas.microsoft.com/office/drawing/2018/hyperlinkcolor" matchingName="Заголовок раздела" type="secHead">
+<p:sldLayout xmlns:a="http://schemas.openxmlformats.org/drawingml/2006/main" xmlns:r="http://schemas.openxmlformats.org/officeDocument/2006/relationships" xmlns:p="http://schemas.openxmlformats.org/presentationml/2006/main" matchingName="Заголовок раздела" type="secHead">
   <p:cSld name="SECTION_HEADER">
     <p:bg>
       <p:bgPr>
@@ -4717,15 +4890,16 @@
             </a:gs>
           </a:gsLst>
           <a:path path="circle">
-            <a:fillToRect b="100%" l="100%"/>
+            <a:fillToRect l="100000" b="100000"/>
           </a:path>
-          <a:tileRect r="-100%" t="-100%"/>
+          <a:tileRect t="-100000" r="-100000"/>
         </a:gradFill>
+        <a:effectLst/>
       </p:bgPr>
     </p:bg>
     <p:spTree>
       <p:nvGrpSpPr>
-        <p:cNvPr id="33" name="Shape 33"/>
+        <p:cNvPr id="1" name="Shape 33"/>
         <p:cNvGrpSpPr/>
         <p:nvPr/>
       </p:nvGrpSpPr>
@@ -4740,7 +4914,9 @@
       <p:sp>
         <p:nvSpPr>
           <p:cNvPr id="34" name="Google Shape;34;p14"/>
-          <p:cNvSpPr txBox="1"/>
+          <p:cNvSpPr txBox="1">
+            <a:spLocks noGrp="1"/>
+          </p:cNvSpPr>
           <p:nvPr>
             <p:ph type="title"/>
           </p:nvPr>
@@ -4759,7 +4935,7 @@
           </a:ln>
         </p:spPr>
         <p:txBody>
-          <a:bodyPr anchorCtr="0" anchor="b" bIns="45700" lIns="91425" spcFirstLastPara="1" rIns="91425" wrap="square" tIns="45700">
+          <a:bodyPr spcFirstLastPara="1" wrap="square" lIns="91425" tIns="45700" rIns="91425" bIns="45700" anchor="b" anchorCtr="0">
             <a:normAutofit/>
           </a:bodyPr>
           <a:lstStyle>
@@ -4776,7 +4952,7 @@
               <a:buSzPts val="4800"/>
               <a:buFont typeface="Lucida Sans"/>
               <a:buNone/>
-              <a:defRPr b="1" sz="4800" cap="none"/>
+              <a:defRPr sz="4800" b="1" cap="none"/>
             </a:lvl1pPr>
             <a:lvl2pPr lvl="1">
               <a:spcBef>
@@ -4867,15 +5043,19 @@
               <a:defRPr/>
             </a:lvl9pPr>
           </a:lstStyle>
-          <a:p/>
+          <a:p>
+            <a:endParaRPr/>
+          </a:p>
         </p:txBody>
       </p:sp>
       <p:sp>
         <p:nvSpPr>
           <p:cNvPr id="35" name="Google Shape;35;p14"/>
-          <p:cNvSpPr txBox="1"/>
+          <p:cNvSpPr txBox="1">
+            <a:spLocks noGrp="1"/>
+          </p:cNvSpPr>
           <p:nvPr>
-            <p:ph idx="1" type="body"/>
+            <p:ph type="body" idx="1"/>
           </p:nvPr>
         </p:nvSpPr>
         <p:spPr>
@@ -4892,11 +5072,11 @@
           </a:ln>
         </p:spPr>
         <p:txBody>
-          <a:bodyPr anchorCtr="0" anchor="t" bIns="45700" lIns="91425" spcFirstLastPara="1" rIns="91425" wrap="square" tIns="45700">
+          <a:bodyPr spcFirstLastPara="1" wrap="square" lIns="91425" tIns="45700" rIns="91425" bIns="45700" anchor="t" anchorCtr="0">
             <a:normAutofit/>
           </a:bodyPr>
           <a:lstStyle>
-            <a:lvl1pPr indent="-228600" lvl="0" marL="457200" algn="l">
+            <a:lvl1pPr marL="457200" lvl="0" indent="-228600" algn="l">
               <a:spcBef>
                 <a:spcPts val="400"/>
               </a:spcBef>
@@ -4911,7 +5091,7 @@
                 </a:solidFill>
               </a:defRPr>
             </a:lvl1pPr>
-            <a:lvl2pPr indent="-228600" lvl="1" marL="914400" algn="l">
+            <a:lvl2pPr marL="914400" lvl="1" indent="-228600" algn="l">
               <a:spcBef>
                 <a:spcPts val="324"/>
               </a:spcBef>
@@ -4926,7 +5106,7 @@
                 </a:solidFill>
               </a:defRPr>
             </a:lvl2pPr>
-            <a:lvl3pPr indent="-228600" lvl="2" marL="1371600" algn="l">
+            <a:lvl3pPr marL="1371600" lvl="2" indent="-228600" algn="l">
               <a:spcBef>
                 <a:spcPts val="350"/>
               </a:spcBef>
@@ -4941,7 +5121,7 @@
                 </a:solidFill>
               </a:defRPr>
             </a:lvl3pPr>
-            <a:lvl4pPr indent="-228600" lvl="3" marL="1828800" algn="l">
+            <a:lvl4pPr marL="1828800" lvl="3" indent="-228600" algn="l">
               <a:spcBef>
                 <a:spcPts val="350"/>
               </a:spcBef>
@@ -4956,7 +5136,7 @@
                 </a:solidFill>
               </a:defRPr>
             </a:lvl4pPr>
-            <a:lvl5pPr indent="-228600" lvl="4" marL="2286000" algn="l">
+            <a:lvl5pPr marL="2286000" lvl="4" indent="-228600" algn="l">
               <a:spcBef>
                 <a:spcPts val="350"/>
               </a:spcBef>
@@ -4971,7 +5151,7 @@
                 </a:solidFill>
               </a:defRPr>
             </a:lvl5pPr>
-            <a:lvl6pPr indent="-342900" lvl="5" marL="2743200" algn="l">
+            <a:lvl6pPr marL="2743200" lvl="5" indent="-342900" algn="l">
               <a:spcBef>
                 <a:spcPts val="350"/>
               </a:spcBef>
@@ -4982,7 +5162,7 @@
               <a:buChar char="■"/>
               <a:defRPr/>
             </a:lvl6pPr>
-            <a:lvl7pPr indent="-342900" lvl="6" marL="3200400" algn="l">
+            <a:lvl7pPr marL="3200400" lvl="6" indent="-342900" algn="l">
               <a:spcBef>
                 <a:spcPts val="350"/>
               </a:spcBef>
@@ -4993,7 +5173,7 @@
               <a:buChar char="■"/>
               <a:defRPr/>
             </a:lvl7pPr>
-            <a:lvl8pPr indent="-342900" lvl="7" marL="3657600" algn="l">
+            <a:lvl8pPr marL="3657600" lvl="7" indent="-342900" algn="l">
               <a:spcBef>
                 <a:spcPts val="350"/>
               </a:spcBef>
@@ -5004,7 +5184,7 @@
               <a:buChar char="■"/>
               <a:defRPr/>
             </a:lvl8pPr>
-            <a:lvl9pPr indent="-342900" lvl="8" marL="4114800" algn="l">
+            <a:lvl9pPr marL="4114800" lvl="8" indent="-342900" algn="l">
               <a:spcBef>
                 <a:spcPts val="350"/>
               </a:spcBef>
@@ -5016,15 +5196,19 @@
               <a:defRPr/>
             </a:lvl9pPr>
           </a:lstStyle>
-          <a:p/>
+          <a:p>
+            <a:endParaRPr/>
+          </a:p>
         </p:txBody>
       </p:sp>
       <p:sp>
         <p:nvSpPr>
           <p:cNvPr id="36" name="Google Shape;36;p14"/>
-          <p:cNvSpPr txBox="1"/>
+          <p:cNvSpPr txBox="1">
+            <a:spLocks noGrp="1"/>
+          </p:cNvSpPr>
           <p:nvPr>
-            <p:ph idx="10" type="dt"/>
+            <p:ph type="dt" idx="10"/>
           </p:nvPr>
         </p:nvSpPr>
         <p:spPr>
@@ -5041,7 +5225,7 @@
           </a:ln>
         </p:spPr>
         <p:txBody>
-          <a:bodyPr anchorCtr="0" anchor="b" bIns="45700" lIns="91425" spcFirstLastPara="1" rIns="91425" wrap="square" tIns="45700">
+          <a:bodyPr spcFirstLastPara="1" wrap="square" lIns="91425" tIns="45700" rIns="91425" bIns="45700" anchor="b" anchorCtr="0">
             <a:noAutofit/>
           </a:bodyPr>
           <a:lstStyle>
@@ -5145,15 +5329,19 @@
               <a:defRPr/>
             </a:lvl9pPr>
           </a:lstStyle>
-          <a:p/>
+          <a:p>
+            <a:endParaRPr/>
+          </a:p>
         </p:txBody>
       </p:sp>
       <p:sp>
         <p:nvSpPr>
           <p:cNvPr id="37" name="Google Shape;37;p14"/>
-          <p:cNvSpPr txBox="1"/>
+          <p:cNvSpPr txBox="1">
+            <a:spLocks noGrp="1"/>
+          </p:cNvSpPr>
           <p:nvPr>
-            <p:ph idx="11" type="ftr"/>
+            <p:ph type="ftr" idx="11"/>
           </p:nvPr>
         </p:nvSpPr>
         <p:spPr>
@@ -5170,7 +5358,7 @@
           </a:ln>
         </p:spPr>
         <p:txBody>
-          <a:bodyPr anchorCtr="0" anchor="b" bIns="45700" lIns="91425" spcFirstLastPara="1" rIns="91425" wrap="square" tIns="45700">
+          <a:bodyPr spcFirstLastPara="1" wrap="square" lIns="91425" tIns="45700" rIns="91425" bIns="45700" anchor="b" anchorCtr="0">
             <a:noAutofit/>
           </a:bodyPr>
           <a:lstStyle>
@@ -5274,15 +5462,19 @@
               <a:defRPr/>
             </a:lvl9pPr>
           </a:lstStyle>
-          <a:p/>
+          <a:p>
+            <a:endParaRPr/>
+          </a:p>
         </p:txBody>
       </p:sp>
       <p:sp>
         <p:nvSpPr>
           <p:cNvPr id="38" name="Google Shape;38;p14"/>
-          <p:cNvSpPr txBox="1"/>
+          <p:cNvSpPr txBox="1">
+            <a:spLocks noGrp="1"/>
+          </p:cNvSpPr>
           <p:nvPr>
-            <p:ph idx="12" type="sldNum"/>
+            <p:ph type="sldNum" idx="12"/>
           </p:nvPr>
         </p:nvSpPr>
         <p:spPr>
@@ -5299,67 +5491,67 @@
           </a:ln>
         </p:spPr>
         <p:txBody>
-          <a:bodyPr anchorCtr="0" anchor="b" bIns="45700" lIns="91425" spcFirstLastPara="1" rIns="91425" wrap="square" tIns="45700">
+          <a:bodyPr spcFirstLastPara="1" wrap="square" lIns="91425" tIns="45700" rIns="91425" bIns="45700" anchor="b" anchorCtr="0">
             <a:noAutofit/>
           </a:bodyPr>
           <a:lstStyle>
-            <a:lvl1pPr indent="0" lvl="0" marL="0" algn="r">
+            <a:lvl1pPr marL="0" lvl="0" indent="0" algn="r">
               <a:spcBef>
                 <a:spcPts val="0"/>
               </a:spcBef>
               <a:buNone/>
               <a:defRPr/>
             </a:lvl1pPr>
-            <a:lvl2pPr indent="0" lvl="1" marL="0" algn="r">
+            <a:lvl2pPr marL="0" lvl="1" indent="0" algn="r">
               <a:spcBef>
                 <a:spcPts val="0"/>
               </a:spcBef>
               <a:buNone/>
               <a:defRPr/>
             </a:lvl2pPr>
-            <a:lvl3pPr indent="0" lvl="2" marL="0" algn="r">
+            <a:lvl3pPr marL="0" lvl="2" indent="0" algn="r">
               <a:spcBef>
                 <a:spcPts val="0"/>
               </a:spcBef>
               <a:buNone/>
               <a:defRPr/>
             </a:lvl3pPr>
-            <a:lvl4pPr indent="0" lvl="3" marL="0" algn="r">
+            <a:lvl4pPr marL="0" lvl="3" indent="0" algn="r">
               <a:spcBef>
                 <a:spcPts val="0"/>
               </a:spcBef>
               <a:buNone/>
               <a:defRPr/>
             </a:lvl4pPr>
-            <a:lvl5pPr indent="0" lvl="4" marL="0" algn="r">
+            <a:lvl5pPr marL="0" lvl="4" indent="0" algn="r">
               <a:spcBef>
                 <a:spcPts val="0"/>
               </a:spcBef>
               <a:buNone/>
               <a:defRPr/>
             </a:lvl5pPr>
-            <a:lvl6pPr indent="0" lvl="5" marL="0" algn="r">
+            <a:lvl6pPr marL="0" lvl="5" indent="0" algn="r">
               <a:spcBef>
                 <a:spcPts val="0"/>
               </a:spcBef>
               <a:buNone/>
               <a:defRPr/>
             </a:lvl6pPr>
-            <a:lvl7pPr indent="0" lvl="6" marL="0" algn="r">
+            <a:lvl7pPr marL="0" lvl="6" indent="0" algn="r">
               <a:spcBef>
                 <a:spcPts val="0"/>
               </a:spcBef>
               <a:buNone/>
               <a:defRPr/>
             </a:lvl7pPr>
-            <a:lvl8pPr indent="0" lvl="7" marL="0" algn="r">
+            <a:lvl8pPr marL="0" lvl="7" indent="0" algn="r">
               <a:spcBef>
                 <a:spcPts val="0"/>
               </a:spcBef>
               <a:buNone/>
               <a:defRPr/>
             </a:lvl8pPr>
-            <a:lvl9pPr indent="0" lvl="8" marL="0" algn="r">
+            <a:lvl9pPr marL="0" lvl="8" indent="0" algn="r">
               <a:spcBef>
                 <a:spcPts val="0"/>
               </a:spcBef>
@@ -5368,7 +5560,7 @@
             </a:lvl9pPr>
           </a:lstStyle>
           <a:p>
-            <a:pPr indent="0" lvl="0" marL="0" rtl="0" algn="r">
+            <a:pPr marL="0" lvl="0" indent="0" algn="r" rtl="0">
               <a:spcBef>
                 <a:spcPts val="0"/>
               </a:spcBef>
@@ -5379,6 +5571,15 @@
             </a:pPr>
             <a:fld id="{00000000-1234-1234-1234-123412341234}" type="slidenum">
               <a:rPr lang="ru-RU"/>
+              <a:pPr marL="0" lvl="0" indent="0" algn="r" rtl="0">
+                <a:spcBef>
+                  <a:spcPts val="0"/>
+                </a:spcBef>
+                <a:spcAft>
+                  <a:spcPts val="0"/>
+                </a:spcAft>
+                <a:buNone/>
+              </a:pPr>
               <a:t>‹#›</a:t>
             </a:fld>
             <a:endParaRPr/>
@@ -5398,7 +5599,7 @@
           </a:xfrm>
           <a:prstGeom prst="chevron">
             <a:avLst>
-              <a:gd fmla="val 50000" name="adj"/>
+              <a:gd name="adj" fmla="val 50000"/>
             </a:avLst>
           </a:prstGeom>
           <a:gradFill>
@@ -5415,17 +5616,17 @@
             </a:gsLst>
             <a:lin ang="16200000" scaled="0"/>
           </a:gradFill>
-          <a:ln cap="rnd" cmpd="sng" w="9525">
+          <a:ln w="9525" cap="rnd" cmpd="sng">
             <a:solidFill>
               <a:srgbClr val="20768B"/>
             </a:solidFill>
             <a:prstDash val="solid"/>
             <a:round/>
-            <a:headEnd len="sm" w="sm" type="none"/>
-            <a:tailEnd len="sm" w="sm" type="none"/>
+            <a:headEnd type="none" w="sm" len="sm"/>
+            <a:tailEnd type="none" w="sm" len="sm"/>
           </a:ln>
           <a:effectLst>
-            <a:outerShdw blurRad="50800" dir="5400000" dist="25400">
+            <a:outerShdw blurRad="50800" dist="25400" dir="5400000">
               <a:srgbClr val="000000">
                 <a:alpha val="45882"/>
               </a:srgbClr>
@@ -5433,12 +5634,12 @@
           </a:effectLst>
         </p:spPr>
         <p:txBody>
-          <a:bodyPr anchorCtr="0" anchor="ctr" bIns="45700" lIns="91425" spcFirstLastPara="1" rIns="91425" wrap="square" tIns="45700">
+          <a:bodyPr spcFirstLastPara="1" wrap="square" lIns="91425" tIns="45700" rIns="91425" bIns="45700" anchor="ctr" anchorCtr="0">
             <a:noAutofit/>
           </a:bodyPr>
           <a:lstStyle/>
           <a:p>
-            <a:pPr indent="0" lvl="0" marL="0" marR="0" rtl="0" algn="l">
+            <a:pPr marL="0" marR="0" lvl="0" indent="0" algn="l" rtl="0">
               <a:spcBef>
                 <a:spcPts val="0"/>
               </a:spcBef>
@@ -5447,9 +5648,6 @@
               </a:spcAft>
               <a:buNone/>
             </a:pPr>
-            <a:r>
-              <a:t/>
-            </a:r>
             <a:endParaRPr sz="1800">
               <a:solidFill>
                 <a:schemeClr val="lt1"/>
@@ -5475,7 +5673,7 @@
           </a:xfrm>
           <a:prstGeom prst="chevron">
             <a:avLst>
-              <a:gd fmla="val 50000" name="adj"/>
+              <a:gd name="adj" fmla="val 50000"/>
             </a:avLst>
           </a:prstGeom>
           <a:gradFill>
@@ -5492,17 +5690,17 @@
             </a:gsLst>
             <a:lin ang="16200000" scaled="0"/>
           </a:gradFill>
-          <a:ln cap="rnd" cmpd="sng" w="9525">
+          <a:ln w="9525" cap="rnd" cmpd="sng">
             <a:solidFill>
               <a:srgbClr val="20768B"/>
             </a:solidFill>
             <a:prstDash val="solid"/>
             <a:round/>
-            <a:headEnd len="sm" w="sm" type="none"/>
-            <a:tailEnd len="sm" w="sm" type="none"/>
+            <a:headEnd type="none" w="sm" len="sm"/>
+            <a:tailEnd type="none" w="sm" len="sm"/>
           </a:ln>
           <a:effectLst>
-            <a:outerShdw blurRad="50800" dir="5400000" dist="25400">
+            <a:outerShdw blurRad="50800" dist="25400" dir="5400000">
               <a:srgbClr val="000000">
                 <a:alpha val="45882"/>
               </a:srgbClr>
@@ -5510,12 +5708,12 @@
           </a:effectLst>
         </p:spPr>
         <p:txBody>
-          <a:bodyPr anchorCtr="0" anchor="ctr" bIns="45700" lIns="91425" spcFirstLastPara="1" rIns="91425" wrap="square" tIns="45700">
+          <a:bodyPr spcFirstLastPara="1" wrap="square" lIns="91425" tIns="45700" rIns="91425" bIns="45700" anchor="ctr" anchorCtr="0">
             <a:noAutofit/>
           </a:bodyPr>
           <a:lstStyle/>
           <a:p>
-            <a:pPr indent="0" lvl="0" marL="0" marR="0" rtl="0" algn="l">
+            <a:pPr marL="0" marR="0" lvl="0" indent="0" algn="l" rtl="0">
               <a:spcBef>
                 <a:spcPts val="0"/>
               </a:spcBef>
@@ -5524,9 +5722,6 @@
               </a:spcAft>
               <a:buNone/>
             </a:pPr>
-            <a:r>
-              <a:t/>
-            </a:r>
             <a:endParaRPr sz="1800">
               <a:solidFill>
                 <a:schemeClr val="lt1"/>
@@ -5548,7 +5743,7 @@
 </file>
 
 <file path=ppt/slideLayouts/slideLayout4.xml><?xml version="1.0" encoding="utf-8"?>
-<p:sldLayout xmlns:a="http://schemas.openxmlformats.org/drawingml/2006/main" xmlns:r="http://schemas.openxmlformats.org/officeDocument/2006/relationships" xmlns:mc="http://schemas.openxmlformats.org/markup-compatibility/2006" xmlns:mv="urn:schemas-microsoft-com:mac:vml" xmlns:p="http://schemas.openxmlformats.org/presentationml/2006/main" xmlns:c="http://schemas.openxmlformats.org/drawingml/2006/chart" xmlns:dgm="http://schemas.openxmlformats.org/drawingml/2006/diagram" xmlns:o="urn:schemas-microsoft-com:office:office" xmlns:v="urn:schemas-microsoft-com:vml" xmlns:pvml="urn:schemas-microsoft-com:office:powerpoint" xmlns:com="http://schemas.openxmlformats.org/drawingml/2006/compatibility" xmlns:p14="http://schemas.microsoft.com/office/powerpoint/2010/main" xmlns:p15="http://schemas.microsoft.com/office/powerpoint/2012/main" xmlns:ahyp="http://schemas.microsoft.com/office/drawing/2018/hyperlinkcolor" matchingName="Два объекта" type="twoObj">
+<p:sldLayout xmlns:a="http://schemas.openxmlformats.org/drawingml/2006/main" xmlns:r="http://schemas.openxmlformats.org/officeDocument/2006/relationships" xmlns:p="http://schemas.openxmlformats.org/presentationml/2006/main" matchingName="Два объекта" type="twoObj">
   <p:cSld name="TWO_OBJECTS">
     <p:bg>
       <p:bgPr>
@@ -5565,15 +5760,16 @@
             </a:gs>
           </a:gsLst>
           <a:path path="circle">
-            <a:fillToRect b="100%" l="100%"/>
+            <a:fillToRect l="100000" b="100000"/>
           </a:path>
-          <a:tileRect r="-100%" t="-100%"/>
+          <a:tileRect t="-100000" r="-100000"/>
         </a:gradFill>
+        <a:effectLst/>
       </p:bgPr>
     </p:bg>
     <p:spTree>
       <p:nvGrpSpPr>
-        <p:cNvPr id="41" name="Shape 41"/>
+        <p:cNvPr id="1" name="Shape 41"/>
         <p:cNvGrpSpPr/>
         <p:nvPr/>
       </p:nvGrpSpPr>
@@ -5588,9 +5784,11 @@
       <p:sp>
         <p:nvSpPr>
           <p:cNvPr id="42" name="Google Shape;42;p15"/>
-          <p:cNvSpPr txBox="1"/>
+          <p:cNvSpPr txBox="1">
+            <a:spLocks noGrp="1"/>
+          </p:cNvSpPr>
           <p:nvPr>
-            <p:ph idx="1" type="body"/>
+            <p:ph type="body" idx="1"/>
           </p:nvPr>
         </p:nvSpPr>
         <p:spPr>
@@ -5607,11 +5805,11 @@
           </a:ln>
         </p:spPr>
         <p:txBody>
-          <a:bodyPr anchorCtr="0" anchor="t" bIns="45700" lIns="91425" spcFirstLastPara="1" rIns="91425" wrap="square" tIns="45700">
+          <a:bodyPr spcFirstLastPara="1" wrap="square" lIns="91425" tIns="45700" rIns="91425" bIns="45700" anchor="t" anchorCtr="0">
             <a:normAutofit/>
           </a:bodyPr>
           <a:lstStyle>
-            <a:lvl1pPr indent="-349504" lvl="0" marL="457200" algn="l">
+            <a:lvl1pPr marL="457200" lvl="0" indent="-349504" algn="l">
               <a:spcBef>
                 <a:spcPts val="400"/>
               </a:spcBef>
@@ -5622,7 +5820,7 @@
               <a:buChar char="🞂"/>
               <a:defRPr sz="2800"/>
             </a:lvl1pPr>
-            <a:lvl2pPr indent="-381000" lvl="1" marL="914400" algn="l">
+            <a:lvl2pPr marL="914400" lvl="1" indent="-381000" algn="l">
               <a:spcBef>
                 <a:spcPts val="324"/>
               </a:spcBef>
@@ -5633,7 +5831,7 @@
               <a:buChar char="◦"/>
               <a:defRPr sz="2400"/>
             </a:lvl2pPr>
-            <a:lvl3pPr indent="-355600" lvl="2" marL="1371600" algn="l">
+            <a:lvl3pPr marL="1371600" lvl="2" indent="-355600" algn="l">
               <a:spcBef>
                 <a:spcPts val="350"/>
               </a:spcBef>
@@ -5644,7 +5842,7 @@
               <a:buChar char="●"/>
               <a:defRPr sz="2000"/>
             </a:lvl3pPr>
-            <a:lvl4pPr indent="-342900" lvl="3" marL="1828800" algn="l">
+            <a:lvl4pPr marL="1828800" lvl="3" indent="-342900" algn="l">
               <a:spcBef>
                 <a:spcPts val="350"/>
               </a:spcBef>
@@ -5655,7 +5853,7 @@
               <a:buChar char="●"/>
               <a:defRPr sz="1800"/>
             </a:lvl4pPr>
-            <a:lvl5pPr indent="-342900" lvl="4" marL="2286000" algn="l">
+            <a:lvl5pPr marL="2286000" lvl="4" indent="-342900" algn="l">
               <a:spcBef>
                 <a:spcPts val="350"/>
               </a:spcBef>
@@ -5666,7 +5864,7 @@
               <a:buChar char="●"/>
               <a:defRPr sz="1800"/>
             </a:lvl5pPr>
-            <a:lvl6pPr indent="-342900" lvl="5" marL="2743200" algn="l">
+            <a:lvl6pPr marL="2743200" lvl="5" indent="-342900" algn="l">
               <a:spcBef>
                 <a:spcPts val="350"/>
               </a:spcBef>
@@ -5677,7 +5875,7 @@
               <a:buChar char="■"/>
               <a:defRPr/>
             </a:lvl6pPr>
-            <a:lvl7pPr indent="-342900" lvl="6" marL="3200400" algn="l">
+            <a:lvl7pPr marL="3200400" lvl="6" indent="-342900" algn="l">
               <a:spcBef>
                 <a:spcPts val="350"/>
               </a:spcBef>
@@ -5688,7 +5886,7 @@
               <a:buChar char="■"/>
               <a:defRPr/>
             </a:lvl7pPr>
-            <a:lvl8pPr indent="-342900" lvl="7" marL="3657600" algn="l">
+            <a:lvl8pPr marL="3657600" lvl="7" indent="-342900" algn="l">
               <a:spcBef>
                 <a:spcPts val="350"/>
               </a:spcBef>
@@ -5699,7 +5897,7 @@
               <a:buChar char="■"/>
               <a:defRPr/>
             </a:lvl8pPr>
-            <a:lvl9pPr indent="-342900" lvl="8" marL="4114800" algn="l">
+            <a:lvl9pPr marL="4114800" lvl="8" indent="-342900" algn="l">
               <a:spcBef>
                 <a:spcPts val="350"/>
               </a:spcBef>
@@ -5711,15 +5909,19 @@
               <a:defRPr/>
             </a:lvl9pPr>
           </a:lstStyle>
-          <a:p/>
+          <a:p>
+            <a:endParaRPr/>
+          </a:p>
         </p:txBody>
       </p:sp>
       <p:sp>
         <p:nvSpPr>
           <p:cNvPr id="43" name="Google Shape;43;p15"/>
-          <p:cNvSpPr txBox="1"/>
+          <p:cNvSpPr txBox="1">
+            <a:spLocks noGrp="1"/>
+          </p:cNvSpPr>
           <p:nvPr>
-            <p:ph idx="2" type="body"/>
+            <p:ph type="body" idx="2"/>
           </p:nvPr>
         </p:nvSpPr>
         <p:spPr>
@@ -5736,11 +5938,11 @@
           </a:ln>
         </p:spPr>
         <p:txBody>
-          <a:bodyPr anchorCtr="0" anchor="t" bIns="45700" lIns="91425" spcFirstLastPara="1" rIns="91425" wrap="square" tIns="45700">
+          <a:bodyPr spcFirstLastPara="1" wrap="square" lIns="91425" tIns="45700" rIns="91425" bIns="45700" anchor="t" anchorCtr="0">
             <a:normAutofit/>
           </a:bodyPr>
           <a:lstStyle>
-            <a:lvl1pPr indent="-349504" lvl="0" marL="457200" algn="l">
+            <a:lvl1pPr marL="457200" lvl="0" indent="-349504" algn="l">
               <a:spcBef>
                 <a:spcPts val="400"/>
               </a:spcBef>
@@ -5751,7 +5953,7 @@
               <a:buChar char="🞂"/>
               <a:defRPr sz="2800"/>
             </a:lvl1pPr>
-            <a:lvl2pPr indent="-381000" lvl="1" marL="914400" algn="l">
+            <a:lvl2pPr marL="914400" lvl="1" indent="-381000" algn="l">
               <a:spcBef>
                 <a:spcPts val="324"/>
               </a:spcBef>
@@ -5762,7 +5964,7 @@
               <a:buChar char="◦"/>
               <a:defRPr sz="2400"/>
             </a:lvl2pPr>
-            <a:lvl3pPr indent="-355600" lvl="2" marL="1371600" algn="l">
+            <a:lvl3pPr marL="1371600" lvl="2" indent="-355600" algn="l">
               <a:spcBef>
                 <a:spcPts val="350"/>
               </a:spcBef>
@@ -5773,7 +5975,7 @@
               <a:buChar char="●"/>
               <a:defRPr sz="2000"/>
             </a:lvl3pPr>
-            <a:lvl4pPr indent="-342900" lvl="3" marL="1828800" algn="l">
+            <a:lvl4pPr marL="1828800" lvl="3" indent="-342900" algn="l">
               <a:spcBef>
                 <a:spcPts val="350"/>
               </a:spcBef>
@@ -5784,7 +5986,7 @@
               <a:buChar char="●"/>
               <a:defRPr sz="1800"/>
             </a:lvl4pPr>
-            <a:lvl5pPr indent="-342900" lvl="4" marL="2286000" algn="l">
+            <a:lvl5pPr marL="2286000" lvl="4" indent="-342900" algn="l">
               <a:spcBef>
                 <a:spcPts val="350"/>
               </a:spcBef>
@@ -5795,7 +5997,7 @@
               <a:buChar char="●"/>
               <a:defRPr sz="1800"/>
             </a:lvl5pPr>
-            <a:lvl6pPr indent="-342900" lvl="5" marL="2743200" algn="l">
+            <a:lvl6pPr marL="2743200" lvl="5" indent="-342900" algn="l">
               <a:spcBef>
                 <a:spcPts val="350"/>
               </a:spcBef>
@@ -5806,7 +6008,7 @@
               <a:buChar char="■"/>
               <a:defRPr/>
             </a:lvl6pPr>
-            <a:lvl7pPr indent="-342900" lvl="6" marL="3200400" algn="l">
+            <a:lvl7pPr marL="3200400" lvl="6" indent="-342900" algn="l">
               <a:spcBef>
                 <a:spcPts val="350"/>
               </a:spcBef>
@@ -5817,7 +6019,7 @@
               <a:buChar char="■"/>
               <a:defRPr/>
             </a:lvl7pPr>
-            <a:lvl8pPr indent="-342900" lvl="7" marL="3657600" algn="l">
+            <a:lvl8pPr marL="3657600" lvl="7" indent="-342900" algn="l">
               <a:spcBef>
                 <a:spcPts val="350"/>
               </a:spcBef>
@@ -5828,7 +6030,7 @@
               <a:buChar char="■"/>
               <a:defRPr/>
             </a:lvl8pPr>
-            <a:lvl9pPr indent="-342900" lvl="8" marL="4114800" algn="l">
+            <a:lvl9pPr marL="4114800" lvl="8" indent="-342900" algn="l">
               <a:spcBef>
                 <a:spcPts val="350"/>
               </a:spcBef>
@@ -5840,15 +6042,19 @@
               <a:defRPr/>
             </a:lvl9pPr>
           </a:lstStyle>
-          <a:p/>
+          <a:p>
+            <a:endParaRPr/>
+          </a:p>
         </p:txBody>
       </p:sp>
       <p:sp>
         <p:nvSpPr>
           <p:cNvPr id="44" name="Google Shape;44;p15"/>
-          <p:cNvSpPr txBox="1"/>
+          <p:cNvSpPr txBox="1">
+            <a:spLocks noGrp="1"/>
+          </p:cNvSpPr>
           <p:nvPr>
-            <p:ph idx="10" type="dt"/>
+            <p:ph type="dt" idx="10"/>
           </p:nvPr>
         </p:nvSpPr>
         <p:spPr>
@@ -5865,7 +6071,7 @@
           </a:ln>
         </p:spPr>
         <p:txBody>
-          <a:bodyPr anchorCtr="0" anchor="b" bIns="45700" lIns="91425" spcFirstLastPara="1" rIns="91425" wrap="square" tIns="45700">
+          <a:bodyPr spcFirstLastPara="1" wrap="square" lIns="91425" tIns="45700" rIns="91425" bIns="45700" anchor="b" anchorCtr="0">
             <a:noAutofit/>
           </a:bodyPr>
           <a:lstStyle>
@@ -5969,15 +6175,19 @@
               <a:defRPr/>
             </a:lvl9pPr>
           </a:lstStyle>
-          <a:p/>
+          <a:p>
+            <a:endParaRPr/>
+          </a:p>
         </p:txBody>
       </p:sp>
       <p:sp>
         <p:nvSpPr>
           <p:cNvPr id="45" name="Google Shape;45;p15"/>
-          <p:cNvSpPr txBox="1"/>
+          <p:cNvSpPr txBox="1">
+            <a:spLocks noGrp="1"/>
+          </p:cNvSpPr>
           <p:nvPr>
-            <p:ph idx="11" type="ftr"/>
+            <p:ph type="ftr" idx="11"/>
           </p:nvPr>
         </p:nvSpPr>
         <p:spPr>
@@ -5994,7 +6204,7 @@
           </a:ln>
         </p:spPr>
         <p:txBody>
-          <a:bodyPr anchorCtr="0" anchor="b" bIns="45700" lIns="91425" spcFirstLastPara="1" rIns="91425" wrap="square" tIns="45700">
+          <a:bodyPr spcFirstLastPara="1" wrap="square" lIns="91425" tIns="45700" rIns="91425" bIns="45700" anchor="b" anchorCtr="0">
             <a:noAutofit/>
           </a:bodyPr>
           <a:lstStyle>
@@ -6098,15 +6308,19 @@
               <a:defRPr/>
             </a:lvl9pPr>
           </a:lstStyle>
-          <a:p/>
+          <a:p>
+            <a:endParaRPr/>
+          </a:p>
         </p:txBody>
       </p:sp>
       <p:sp>
         <p:nvSpPr>
           <p:cNvPr id="46" name="Google Shape;46;p15"/>
-          <p:cNvSpPr txBox="1"/>
+          <p:cNvSpPr txBox="1">
+            <a:spLocks noGrp="1"/>
+          </p:cNvSpPr>
           <p:nvPr>
-            <p:ph idx="12" type="sldNum"/>
+            <p:ph type="sldNum" idx="12"/>
           </p:nvPr>
         </p:nvSpPr>
         <p:spPr>
@@ -6123,67 +6337,67 @@
           </a:ln>
         </p:spPr>
         <p:txBody>
-          <a:bodyPr anchorCtr="0" anchor="b" bIns="45700" lIns="91425" spcFirstLastPara="1" rIns="91425" wrap="square" tIns="45700">
+          <a:bodyPr spcFirstLastPara="1" wrap="square" lIns="91425" tIns="45700" rIns="91425" bIns="45700" anchor="b" anchorCtr="0">
             <a:noAutofit/>
           </a:bodyPr>
           <a:lstStyle>
-            <a:lvl1pPr indent="0" lvl="0" marL="0" algn="r">
+            <a:lvl1pPr marL="0" lvl="0" indent="0" algn="r">
               <a:spcBef>
                 <a:spcPts val="0"/>
               </a:spcBef>
               <a:buNone/>
               <a:defRPr/>
             </a:lvl1pPr>
-            <a:lvl2pPr indent="0" lvl="1" marL="0" algn="r">
+            <a:lvl2pPr marL="0" lvl="1" indent="0" algn="r">
               <a:spcBef>
                 <a:spcPts val="0"/>
               </a:spcBef>
               <a:buNone/>
               <a:defRPr/>
             </a:lvl2pPr>
-            <a:lvl3pPr indent="0" lvl="2" marL="0" algn="r">
+            <a:lvl3pPr marL="0" lvl="2" indent="0" algn="r">
               <a:spcBef>
                 <a:spcPts val="0"/>
               </a:spcBef>
               <a:buNone/>
               <a:defRPr/>
             </a:lvl3pPr>
-            <a:lvl4pPr indent="0" lvl="3" marL="0" algn="r">
+            <a:lvl4pPr marL="0" lvl="3" indent="0" algn="r">
               <a:spcBef>
                 <a:spcPts val="0"/>
               </a:spcBef>
               <a:buNone/>
               <a:defRPr/>
             </a:lvl4pPr>
-            <a:lvl5pPr indent="0" lvl="4" marL="0" algn="r">
+            <a:lvl5pPr marL="0" lvl="4" indent="0" algn="r">
               <a:spcBef>
                 <a:spcPts val="0"/>
               </a:spcBef>
               <a:buNone/>
               <a:defRPr/>
             </a:lvl5pPr>
-            <a:lvl6pPr indent="0" lvl="5" marL="0" algn="r">
+            <a:lvl6pPr marL="0" lvl="5" indent="0" algn="r">
               <a:spcBef>
                 <a:spcPts val="0"/>
               </a:spcBef>
               <a:buNone/>
               <a:defRPr/>
             </a:lvl6pPr>
-            <a:lvl7pPr indent="0" lvl="6" marL="0" algn="r">
+            <a:lvl7pPr marL="0" lvl="6" indent="0" algn="r">
               <a:spcBef>
                 <a:spcPts val="0"/>
               </a:spcBef>
               <a:buNone/>
               <a:defRPr/>
             </a:lvl7pPr>
-            <a:lvl8pPr indent="0" lvl="7" marL="0" algn="r">
+            <a:lvl8pPr marL="0" lvl="7" indent="0" algn="r">
               <a:spcBef>
                 <a:spcPts val="0"/>
               </a:spcBef>
               <a:buNone/>
               <a:defRPr/>
             </a:lvl8pPr>
-            <a:lvl9pPr indent="0" lvl="8" marL="0" algn="r">
+            <a:lvl9pPr marL="0" lvl="8" indent="0" algn="r">
               <a:spcBef>
                 <a:spcPts val="0"/>
               </a:spcBef>
@@ -6192,7 +6406,7 @@
             </a:lvl9pPr>
           </a:lstStyle>
           <a:p>
-            <a:pPr indent="0" lvl="0" marL="0" rtl="0" algn="r">
+            <a:pPr marL="0" lvl="0" indent="0" algn="r" rtl="0">
               <a:spcBef>
                 <a:spcPts val="0"/>
               </a:spcBef>
@@ -6203,6 +6417,15 @@
             </a:pPr>
             <a:fld id="{00000000-1234-1234-1234-123412341234}" type="slidenum">
               <a:rPr lang="ru-RU"/>
+              <a:pPr marL="0" lvl="0" indent="0" algn="r" rtl="0">
+                <a:spcBef>
+                  <a:spcPts val="0"/>
+                </a:spcBef>
+                <a:spcAft>
+                  <a:spcPts val="0"/>
+                </a:spcAft>
+                <a:buNone/>
+              </a:pPr>
               <a:t>‹#›</a:t>
             </a:fld>
             <a:endParaRPr/>
@@ -6212,7 +6435,9 @@
       <p:sp>
         <p:nvSpPr>
           <p:cNvPr id="47" name="Google Shape;47;p15"/>
-          <p:cNvSpPr txBox="1"/>
+          <p:cNvSpPr txBox="1">
+            <a:spLocks noGrp="1"/>
+          </p:cNvSpPr>
           <p:nvPr>
             <p:ph type="title"/>
           </p:nvPr>
@@ -6231,7 +6456,7 @@
           </a:ln>
         </p:spPr>
         <p:txBody>
-          <a:bodyPr anchorCtr="0" anchor="ctr" bIns="45700" lIns="91425" spcFirstLastPara="1" rIns="91425" wrap="square" tIns="45700">
+          <a:bodyPr spcFirstLastPara="1" wrap="square" lIns="91425" tIns="45700" rIns="91425" bIns="45700" anchor="ctr" anchorCtr="0">
             <a:normAutofit/>
           </a:bodyPr>
           <a:lstStyle>
@@ -6338,7 +6563,9 @@
               <a:defRPr/>
             </a:lvl9pPr>
           </a:lstStyle>
-          <a:p/>
+          <a:p>
+            <a:endParaRPr/>
+          </a:p>
         </p:txBody>
       </p:sp>
     </p:spTree>
@@ -6350,7 +6577,7 @@
 </file>
 
 <file path=ppt/slideLayouts/slideLayout5.xml><?xml version="1.0" encoding="utf-8"?>
-<p:sldLayout xmlns:a="http://schemas.openxmlformats.org/drawingml/2006/main" xmlns:r="http://schemas.openxmlformats.org/officeDocument/2006/relationships" xmlns:mc="http://schemas.openxmlformats.org/markup-compatibility/2006" xmlns:mv="urn:schemas-microsoft-com:mac:vml" xmlns:p="http://schemas.openxmlformats.org/presentationml/2006/main" xmlns:c="http://schemas.openxmlformats.org/drawingml/2006/chart" xmlns:dgm="http://schemas.openxmlformats.org/drawingml/2006/diagram" xmlns:o="urn:schemas-microsoft-com:office:office" xmlns:v="urn:schemas-microsoft-com:vml" xmlns:pvml="urn:schemas-microsoft-com:office:powerpoint" xmlns:com="http://schemas.openxmlformats.org/drawingml/2006/compatibility" xmlns:p14="http://schemas.microsoft.com/office/powerpoint/2010/main" xmlns:p15="http://schemas.microsoft.com/office/powerpoint/2012/main" xmlns:ahyp="http://schemas.microsoft.com/office/drawing/2018/hyperlinkcolor" matchingName="Сравнение" showMasterSp="0" type="twoTxTwoObj">
+<p:sldLayout xmlns:a="http://schemas.openxmlformats.org/drawingml/2006/main" xmlns:r="http://schemas.openxmlformats.org/officeDocument/2006/relationships" xmlns:p="http://schemas.openxmlformats.org/presentationml/2006/main" showMasterSp="0" matchingName="Сравнение" type="twoTxTwoObj">
   <p:cSld name="TWO_OBJECTS_WITH_TEXT">
     <p:bg>
       <p:bgPr>
@@ -6358,13 +6585,14 @@
           <a:blip r:embed="rId2">
             <a:alphaModFix/>
           </a:blip>
-          <a:tile algn="tl" flip="none" tx="0" sx="50000" ty="0" sy="50000"/>
+          <a:tile tx="0" ty="0" sx="50000" sy="50000" flip="none" algn="tl"/>
         </a:blipFill>
+        <a:effectLst/>
       </p:bgPr>
     </p:bg>
     <p:spTree>
       <p:nvGrpSpPr>
-        <p:cNvPr id="48" name="Shape 48"/>
+        <p:cNvPr id="1" name="Shape 48"/>
         <p:cNvGrpSpPr/>
         <p:nvPr/>
       </p:nvGrpSpPr>
@@ -6379,7 +6607,9 @@
       <p:sp>
         <p:nvSpPr>
           <p:cNvPr id="49" name="Google Shape;49;p16"/>
-          <p:cNvSpPr txBox="1"/>
+          <p:cNvSpPr txBox="1">
+            <a:spLocks noGrp="1"/>
+          </p:cNvSpPr>
           <p:nvPr>
             <p:ph type="title"/>
           </p:nvPr>
@@ -6398,7 +6628,7 @@
           </a:ln>
         </p:spPr>
         <p:txBody>
-          <a:bodyPr anchorCtr="0" anchor="ctr" bIns="45700" lIns="91425" spcFirstLastPara="1" rIns="91425" wrap="square" tIns="45700">
+          <a:bodyPr spcFirstLastPara="1" wrap="square" lIns="91425" tIns="45700" rIns="91425" bIns="45700" anchor="ctr" anchorCtr="0">
             <a:normAutofit/>
           </a:bodyPr>
           <a:lstStyle>
@@ -6506,15 +6736,19 @@
               <a:defRPr/>
             </a:lvl9pPr>
           </a:lstStyle>
-          <a:p/>
+          <a:p>
+            <a:endParaRPr/>
+          </a:p>
         </p:txBody>
       </p:sp>
       <p:sp>
         <p:nvSpPr>
           <p:cNvPr id="50" name="Google Shape;50;p16"/>
-          <p:cNvSpPr txBox="1"/>
+          <p:cNvSpPr txBox="1">
+            <a:spLocks noGrp="1"/>
+          </p:cNvSpPr>
           <p:nvPr>
-            <p:ph idx="1" type="body"/>
+            <p:ph type="body" idx="1"/>
           </p:nvPr>
         </p:nvSpPr>
         <p:spPr>
@@ -6528,22 +6762,22 @@
           <a:solidFill>
             <a:schemeClr val="accent1"/>
           </a:solidFill>
-          <a:ln cap="flat" cmpd="sng" w="9650">
+          <a:ln w="9650" cap="flat" cmpd="sng">
             <a:solidFill>
               <a:schemeClr val="accent1"/>
             </a:solidFill>
             <a:prstDash val="solid"/>
             <a:miter lim="800000"/>
-            <a:headEnd len="sm" w="sm" type="none"/>
-            <a:tailEnd len="sm" w="sm" type="none"/>
+            <a:headEnd type="none" w="sm" len="sm"/>
+            <a:tailEnd type="none" w="sm" len="sm"/>
           </a:ln>
         </p:spPr>
         <p:txBody>
-          <a:bodyPr anchorCtr="0" anchor="ctr" bIns="45700" lIns="182875" spcFirstLastPara="1" rIns="91425" wrap="square" tIns="45700">
+          <a:bodyPr spcFirstLastPara="1" wrap="square" lIns="182875" tIns="45700" rIns="91425" bIns="45700" anchor="ctr" anchorCtr="0">
             <a:normAutofit/>
           </a:bodyPr>
           <a:lstStyle>
-            <a:lvl1pPr indent="-228600" lvl="0" marL="457200" algn="l">
+            <a:lvl1pPr marL="457200" lvl="0" indent="-228600" algn="l">
               <a:spcBef>
                 <a:spcPts val="400"/>
               </a:spcBef>
@@ -6552,13 +6786,13 @@
               </a:spcAft>
               <a:buSzPts val="1632"/>
               <a:buNone/>
-              <a:defRPr b="0" sz="2400">
+              <a:defRPr sz="2400" b="0">
                 <a:solidFill>
                   <a:schemeClr val="lt1"/>
                 </a:solidFill>
               </a:defRPr>
             </a:lvl1pPr>
-            <a:lvl2pPr indent="-228600" lvl="1" marL="914400" algn="l">
+            <a:lvl2pPr marL="914400" lvl="1" indent="-228600" algn="l">
               <a:spcBef>
                 <a:spcPts val="324"/>
               </a:spcBef>
@@ -6567,9 +6801,9 @@
               </a:spcAft>
               <a:buSzPts val="2000"/>
               <a:buNone/>
-              <a:defRPr b="1" sz="2000"/>
+              <a:defRPr sz="2000" b="1"/>
             </a:lvl2pPr>
-            <a:lvl3pPr indent="-228600" lvl="2" marL="1371600" algn="l">
+            <a:lvl3pPr marL="1371600" lvl="2" indent="-228600" algn="l">
               <a:spcBef>
                 <a:spcPts val="350"/>
               </a:spcBef>
@@ -6578,9 +6812,9 @@
               </a:spcAft>
               <a:buSzPts val="1800"/>
               <a:buNone/>
-              <a:defRPr b="1" sz="1800"/>
+              <a:defRPr sz="1800" b="1"/>
             </a:lvl3pPr>
-            <a:lvl4pPr indent="-228600" lvl="3" marL="1828800" algn="l">
+            <a:lvl4pPr marL="1828800" lvl="3" indent="-228600" algn="l">
               <a:spcBef>
                 <a:spcPts val="350"/>
               </a:spcBef>
@@ -6589,9 +6823,9 @@
               </a:spcAft>
               <a:buSzPts val="1600"/>
               <a:buNone/>
-              <a:defRPr b="1" sz="1600"/>
+              <a:defRPr sz="1600" b="1"/>
             </a:lvl4pPr>
-            <a:lvl5pPr indent="-228600" lvl="4" marL="2286000" algn="l">
+            <a:lvl5pPr marL="2286000" lvl="4" indent="-228600" algn="l">
               <a:spcBef>
                 <a:spcPts val="350"/>
               </a:spcBef>
@@ -6600,9 +6834,9 @@
               </a:spcAft>
               <a:buSzPts val="1600"/>
               <a:buNone/>
-              <a:defRPr b="1" sz="1600"/>
+              <a:defRPr sz="1600" b="1"/>
             </a:lvl5pPr>
-            <a:lvl6pPr indent="-342900" lvl="5" marL="2743200" algn="l">
+            <a:lvl6pPr marL="2743200" lvl="5" indent="-342900" algn="l">
               <a:spcBef>
                 <a:spcPts val="350"/>
               </a:spcBef>
@@ -6613,7 +6847,7 @@
               <a:buChar char="■"/>
               <a:defRPr/>
             </a:lvl6pPr>
-            <a:lvl7pPr indent="-342900" lvl="6" marL="3200400" algn="l">
+            <a:lvl7pPr marL="3200400" lvl="6" indent="-342900" algn="l">
               <a:spcBef>
                 <a:spcPts val="350"/>
               </a:spcBef>
@@ -6624,7 +6858,7 @@
               <a:buChar char="■"/>
               <a:defRPr/>
             </a:lvl7pPr>
-            <a:lvl8pPr indent="-342900" lvl="7" marL="3657600" algn="l">
+            <a:lvl8pPr marL="3657600" lvl="7" indent="-342900" algn="l">
               <a:spcBef>
                 <a:spcPts val="350"/>
               </a:spcBef>
@@ -6635,7 +6869,7 @@
               <a:buChar char="■"/>
               <a:defRPr/>
             </a:lvl8pPr>
-            <a:lvl9pPr indent="-342900" lvl="8" marL="4114800" algn="l">
+            <a:lvl9pPr marL="4114800" lvl="8" indent="-342900" algn="l">
               <a:spcBef>
                 <a:spcPts val="350"/>
               </a:spcBef>
@@ -6647,15 +6881,19 @@
               <a:defRPr/>
             </a:lvl9pPr>
           </a:lstStyle>
-          <a:p/>
+          <a:p>
+            <a:endParaRPr/>
+          </a:p>
         </p:txBody>
       </p:sp>
       <p:sp>
         <p:nvSpPr>
           <p:cNvPr id="51" name="Google Shape;51;p16"/>
-          <p:cNvSpPr txBox="1"/>
+          <p:cNvSpPr txBox="1">
+            <a:spLocks noGrp="1"/>
+          </p:cNvSpPr>
           <p:nvPr>
-            <p:ph idx="2" type="body"/>
+            <p:ph type="body" idx="2"/>
           </p:nvPr>
         </p:nvSpPr>
         <p:spPr>
@@ -6669,22 +6907,22 @@
           <a:solidFill>
             <a:schemeClr val="accent1"/>
           </a:solidFill>
-          <a:ln cap="flat" cmpd="sng" w="9650">
+          <a:ln w="9650" cap="flat" cmpd="sng">
             <a:solidFill>
               <a:schemeClr val="accent1"/>
             </a:solidFill>
             <a:prstDash val="solid"/>
             <a:miter lim="800000"/>
-            <a:headEnd len="sm" w="sm" type="none"/>
-            <a:tailEnd len="sm" w="sm" type="none"/>
+            <a:headEnd type="none" w="sm" len="sm"/>
+            <a:tailEnd type="none" w="sm" len="sm"/>
           </a:ln>
         </p:spPr>
         <p:txBody>
-          <a:bodyPr anchorCtr="0" anchor="ctr" bIns="45700" lIns="182875" spcFirstLastPara="1" rIns="91425" wrap="square" tIns="45700">
+          <a:bodyPr spcFirstLastPara="1" wrap="square" lIns="182875" tIns="45700" rIns="91425" bIns="45700" anchor="ctr" anchorCtr="0">
             <a:normAutofit/>
           </a:bodyPr>
           <a:lstStyle>
-            <a:lvl1pPr indent="-228600" lvl="0" marL="457200" algn="l">
+            <a:lvl1pPr marL="457200" lvl="0" indent="-228600" algn="l">
               <a:spcBef>
                 <a:spcPts val="400"/>
               </a:spcBef>
@@ -6693,13 +6931,13 @@
               </a:spcAft>
               <a:buSzPts val="1632"/>
               <a:buNone/>
-              <a:defRPr b="0" sz="2400">
+              <a:defRPr sz="2400" b="0">
                 <a:solidFill>
                   <a:schemeClr val="lt1"/>
                 </a:solidFill>
               </a:defRPr>
             </a:lvl1pPr>
-            <a:lvl2pPr indent="-228600" lvl="1" marL="914400" algn="l">
+            <a:lvl2pPr marL="914400" lvl="1" indent="-228600" algn="l">
               <a:spcBef>
                 <a:spcPts val="324"/>
               </a:spcBef>
@@ -6708,9 +6946,9 @@
               </a:spcAft>
               <a:buSzPts val="2000"/>
               <a:buNone/>
-              <a:defRPr b="1" sz="2000"/>
+              <a:defRPr sz="2000" b="1"/>
             </a:lvl2pPr>
-            <a:lvl3pPr indent="-228600" lvl="2" marL="1371600" algn="l">
+            <a:lvl3pPr marL="1371600" lvl="2" indent="-228600" algn="l">
               <a:spcBef>
                 <a:spcPts val="350"/>
               </a:spcBef>
@@ -6719,9 +6957,9 @@
               </a:spcAft>
               <a:buSzPts val="1800"/>
               <a:buNone/>
-              <a:defRPr b="1" sz="1800"/>
+              <a:defRPr sz="1800" b="1"/>
             </a:lvl3pPr>
-            <a:lvl4pPr indent="-228600" lvl="3" marL="1828800" algn="l">
+            <a:lvl4pPr marL="1828800" lvl="3" indent="-228600" algn="l">
               <a:spcBef>
                 <a:spcPts val="350"/>
               </a:spcBef>
@@ -6730,9 +6968,9 @@
               </a:spcAft>
               <a:buSzPts val="1600"/>
               <a:buNone/>
-              <a:defRPr b="1" sz="1600"/>
+              <a:defRPr sz="1600" b="1"/>
             </a:lvl4pPr>
-            <a:lvl5pPr indent="-228600" lvl="4" marL="2286000" algn="l">
+            <a:lvl5pPr marL="2286000" lvl="4" indent="-228600" algn="l">
               <a:spcBef>
                 <a:spcPts val="350"/>
               </a:spcBef>
@@ -6741,9 +6979,9 @@
               </a:spcAft>
               <a:buSzPts val="1600"/>
               <a:buNone/>
-              <a:defRPr b="1" sz="1600"/>
+              <a:defRPr sz="1600" b="1"/>
             </a:lvl5pPr>
-            <a:lvl6pPr indent="-342900" lvl="5" marL="2743200" algn="l">
+            <a:lvl6pPr marL="2743200" lvl="5" indent="-342900" algn="l">
               <a:spcBef>
                 <a:spcPts val="350"/>
               </a:spcBef>
@@ -6754,7 +6992,7 @@
               <a:buChar char="■"/>
               <a:defRPr/>
             </a:lvl6pPr>
-            <a:lvl7pPr indent="-342900" lvl="6" marL="3200400" algn="l">
+            <a:lvl7pPr marL="3200400" lvl="6" indent="-342900" algn="l">
               <a:spcBef>
                 <a:spcPts val="350"/>
               </a:spcBef>
@@ -6765,7 +7003,7 @@
               <a:buChar char="■"/>
               <a:defRPr/>
             </a:lvl7pPr>
-            <a:lvl8pPr indent="-342900" lvl="7" marL="3657600" algn="l">
+            <a:lvl8pPr marL="3657600" lvl="7" indent="-342900" algn="l">
               <a:spcBef>
                 <a:spcPts val="350"/>
               </a:spcBef>
@@ -6776,7 +7014,7 @@
               <a:buChar char="■"/>
               <a:defRPr/>
             </a:lvl8pPr>
-            <a:lvl9pPr indent="-342900" lvl="8" marL="4114800" algn="l">
+            <a:lvl9pPr marL="4114800" lvl="8" indent="-342900" algn="l">
               <a:spcBef>
                 <a:spcPts val="350"/>
               </a:spcBef>
@@ -6788,15 +7026,19 @@
               <a:defRPr/>
             </a:lvl9pPr>
           </a:lstStyle>
-          <a:p/>
+          <a:p>
+            <a:endParaRPr/>
+          </a:p>
         </p:txBody>
       </p:sp>
       <p:sp>
         <p:nvSpPr>
           <p:cNvPr id="52" name="Google Shape;52;p16"/>
-          <p:cNvSpPr txBox="1"/>
+          <p:cNvSpPr txBox="1">
+            <a:spLocks noGrp="1"/>
+          </p:cNvSpPr>
           <p:nvPr>
-            <p:ph idx="3" type="body"/>
+            <p:ph type="body" idx="3"/>
           </p:nvPr>
         </p:nvSpPr>
         <p:spPr>
@@ -6813,11 +7055,11 @@
           </a:ln>
         </p:spPr>
         <p:txBody>
-          <a:bodyPr anchorCtr="0" anchor="t" bIns="45700" lIns="91425" spcFirstLastPara="1" rIns="91425" wrap="square" tIns="45700">
+          <a:bodyPr spcFirstLastPara="1" wrap="square" lIns="91425" tIns="45700" rIns="91425" bIns="45700" anchor="t" anchorCtr="0">
             <a:normAutofit/>
           </a:bodyPr>
           <a:lstStyle>
-            <a:lvl1pPr indent="-332232" lvl="0" marL="457200" algn="l">
+            <a:lvl1pPr marL="457200" lvl="0" indent="-332232" algn="l">
               <a:spcBef>
                 <a:spcPts val="400"/>
               </a:spcBef>
@@ -6828,7 +7070,7 @@
               <a:buChar char="🞂"/>
               <a:defRPr sz="2400"/>
             </a:lvl1pPr>
-            <a:lvl2pPr indent="-355600" lvl="1" marL="914400" algn="l">
+            <a:lvl2pPr marL="914400" lvl="1" indent="-355600" algn="l">
               <a:spcBef>
                 <a:spcPts val="324"/>
               </a:spcBef>
@@ -6839,7 +7081,7 @@
               <a:buChar char="◦"/>
               <a:defRPr sz="2000"/>
             </a:lvl2pPr>
-            <a:lvl3pPr indent="-342900" lvl="2" marL="1371600" algn="l">
+            <a:lvl3pPr marL="1371600" lvl="2" indent="-342900" algn="l">
               <a:spcBef>
                 <a:spcPts val="350"/>
               </a:spcBef>
@@ -6850,7 +7092,7 @@
               <a:buChar char="●"/>
               <a:defRPr sz="1800"/>
             </a:lvl3pPr>
-            <a:lvl4pPr indent="-330200" lvl="3" marL="1828800" algn="l">
+            <a:lvl4pPr marL="1828800" lvl="3" indent="-330200" algn="l">
               <a:spcBef>
                 <a:spcPts val="350"/>
               </a:spcBef>
@@ -6861,7 +7103,7 @@
               <a:buChar char="●"/>
               <a:defRPr sz="1600"/>
             </a:lvl4pPr>
-            <a:lvl5pPr indent="-330200" lvl="4" marL="2286000" algn="l">
+            <a:lvl5pPr marL="2286000" lvl="4" indent="-330200" algn="l">
               <a:spcBef>
                 <a:spcPts val="350"/>
               </a:spcBef>
@@ -6872,7 +7114,7 @@
               <a:buChar char="●"/>
               <a:defRPr sz="1600"/>
             </a:lvl5pPr>
-            <a:lvl6pPr indent="-342900" lvl="5" marL="2743200" algn="l">
+            <a:lvl6pPr marL="2743200" lvl="5" indent="-342900" algn="l">
               <a:spcBef>
                 <a:spcPts val="350"/>
               </a:spcBef>
@@ -6883,7 +7125,7 @@
               <a:buChar char="■"/>
               <a:defRPr/>
             </a:lvl6pPr>
-            <a:lvl7pPr indent="-342900" lvl="6" marL="3200400" algn="l">
+            <a:lvl7pPr marL="3200400" lvl="6" indent="-342900" algn="l">
               <a:spcBef>
                 <a:spcPts val="350"/>
               </a:spcBef>
@@ -6894,7 +7136,7 @@
               <a:buChar char="■"/>
               <a:defRPr/>
             </a:lvl7pPr>
-            <a:lvl8pPr indent="-342900" lvl="7" marL="3657600" algn="l">
+            <a:lvl8pPr marL="3657600" lvl="7" indent="-342900" algn="l">
               <a:spcBef>
                 <a:spcPts val="350"/>
               </a:spcBef>
@@ -6905,7 +7147,7 @@
               <a:buChar char="■"/>
               <a:defRPr/>
             </a:lvl8pPr>
-            <a:lvl9pPr indent="-342900" lvl="8" marL="4114800" algn="l">
+            <a:lvl9pPr marL="4114800" lvl="8" indent="-342900" algn="l">
               <a:spcBef>
                 <a:spcPts val="350"/>
               </a:spcBef>
@@ -6917,15 +7159,19 @@
               <a:defRPr/>
             </a:lvl9pPr>
           </a:lstStyle>
-          <a:p/>
+          <a:p>
+            <a:endParaRPr/>
+          </a:p>
         </p:txBody>
       </p:sp>
       <p:sp>
         <p:nvSpPr>
           <p:cNvPr id="53" name="Google Shape;53;p16"/>
-          <p:cNvSpPr txBox="1"/>
+          <p:cNvSpPr txBox="1">
+            <a:spLocks noGrp="1"/>
+          </p:cNvSpPr>
           <p:nvPr>
-            <p:ph idx="4" type="body"/>
+            <p:ph type="body" idx="4"/>
           </p:nvPr>
         </p:nvSpPr>
         <p:spPr>
@@ -6942,11 +7188,11 @@
           </a:ln>
         </p:spPr>
         <p:txBody>
-          <a:bodyPr anchorCtr="0" anchor="t" bIns="45700" lIns="91425" spcFirstLastPara="1" rIns="91425" wrap="square" tIns="45700">
+          <a:bodyPr spcFirstLastPara="1" wrap="square" lIns="91425" tIns="45700" rIns="91425" bIns="45700" anchor="t" anchorCtr="0">
             <a:normAutofit/>
           </a:bodyPr>
           <a:lstStyle>
-            <a:lvl1pPr indent="-332232" lvl="0" marL="457200" algn="l">
+            <a:lvl1pPr marL="457200" lvl="0" indent="-332232" algn="l">
               <a:spcBef>
                 <a:spcPts val="0"/>
               </a:spcBef>
@@ -6957,7 +7203,7 @@
               <a:buChar char="🞂"/>
               <a:defRPr sz="2400"/>
             </a:lvl1pPr>
-            <a:lvl2pPr indent="-355600" lvl="1" marL="914400" algn="l">
+            <a:lvl2pPr marL="914400" lvl="1" indent="-355600" algn="l">
               <a:spcBef>
                 <a:spcPts val="324"/>
               </a:spcBef>
@@ -6968,7 +7214,7 @@
               <a:buChar char="◦"/>
               <a:defRPr sz="2000"/>
             </a:lvl2pPr>
-            <a:lvl3pPr indent="-342900" lvl="2" marL="1371600" algn="l">
+            <a:lvl3pPr marL="1371600" lvl="2" indent="-342900" algn="l">
               <a:spcBef>
                 <a:spcPts val="350"/>
               </a:spcBef>
@@ -6979,7 +7225,7 @@
               <a:buChar char="●"/>
               <a:defRPr sz="1800"/>
             </a:lvl3pPr>
-            <a:lvl4pPr indent="-330200" lvl="3" marL="1828800" algn="l">
+            <a:lvl4pPr marL="1828800" lvl="3" indent="-330200" algn="l">
               <a:spcBef>
                 <a:spcPts val="350"/>
               </a:spcBef>
@@ -6990,7 +7236,7 @@
               <a:buChar char="●"/>
               <a:defRPr sz="1600"/>
             </a:lvl4pPr>
-            <a:lvl5pPr indent="-330200" lvl="4" marL="2286000" algn="l">
+            <a:lvl5pPr marL="2286000" lvl="4" indent="-330200" algn="l">
               <a:spcBef>
                 <a:spcPts val="350"/>
               </a:spcBef>
@@ -7001,7 +7247,7 @@
               <a:buChar char="●"/>
               <a:defRPr sz="1600"/>
             </a:lvl5pPr>
-            <a:lvl6pPr indent="-342900" lvl="5" marL="2743200" algn="l">
+            <a:lvl6pPr marL="2743200" lvl="5" indent="-342900" algn="l">
               <a:spcBef>
                 <a:spcPts val="350"/>
               </a:spcBef>
@@ -7012,7 +7258,7 @@
               <a:buChar char="■"/>
               <a:defRPr/>
             </a:lvl6pPr>
-            <a:lvl7pPr indent="-342900" lvl="6" marL="3200400" algn="l">
+            <a:lvl7pPr marL="3200400" lvl="6" indent="-342900" algn="l">
               <a:spcBef>
                 <a:spcPts val="350"/>
               </a:spcBef>
@@ -7023,7 +7269,7 @@
               <a:buChar char="■"/>
               <a:defRPr/>
             </a:lvl7pPr>
-            <a:lvl8pPr indent="-342900" lvl="7" marL="3657600" algn="l">
+            <a:lvl8pPr marL="3657600" lvl="7" indent="-342900" algn="l">
               <a:spcBef>
                 <a:spcPts val="350"/>
               </a:spcBef>
@@ -7034,7 +7280,7 @@
               <a:buChar char="■"/>
               <a:defRPr/>
             </a:lvl8pPr>
-            <a:lvl9pPr indent="-342900" lvl="8" marL="4114800" algn="l">
+            <a:lvl9pPr marL="4114800" lvl="8" indent="-342900" algn="l">
               <a:spcBef>
                 <a:spcPts val="350"/>
               </a:spcBef>
@@ -7046,15 +7292,19 @@
               <a:defRPr/>
             </a:lvl9pPr>
           </a:lstStyle>
-          <a:p/>
+          <a:p>
+            <a:endParaRPr/>
+          </a:p>
         </p:txBody>
       </p:sp>
       <p:sp>
         <p:nvSpPr>
           <p:cNvPr id="54" name="Google Shape;54;p16"/>
-          <p:cNvSpPr txBox="1"/>
+          <p:cNvSpPr txBox="1">
+            <a:spLocks noGrp="1"/>
+          </p:cNvSpPr>
           <p:nvPr>
-            <p:ph idx="10" type="dt"/>
+            <p:ph type="dt" idx="10"/>
           </p:nvPr>
         </p:nvSpPr>
         <p:spPr>
@@ -7071,7 +7321,7 @@
           </a:ln>
         </p:spPr>
         <p:txBody>
-          <a:bodyPr anchorCtr="0" anchor="b" bIns="45700" lIns="91425" spcFirstLastPara="1" rIns="91425" wrap="square" tIns="45700">
+          <a:bodyPr spcFirstLastPara="1" wrap="square" lIns="91425" tIns="45700" rIns="91425" bIns="45700" anchor="b" anchorCtr="0">
             <a:noAutofit/>
           </a:bodyPr>
           <a:lstStyle>
@@ -7175,15 +7425,19 @@
               <a:defRPr/>
             </a:lvl9pPr>
           </a:lstStyle>
-          <a:p/>
+          <a:p>
+            <a:endParaRPr/>
+          </a:p>
         </p:txBody>
       </p:sp>
       <p:sp>
         <p:nvSpPr>
           <p:cNvPr id="55" name="Google Shape;55;p16"/>
-          <p:cNvSpPr txBox="1"/>
+          <p:cNvSpPr txBox="1">
+            <a:spLocks noGrp="1"/>
+          </p:cNvSpPr>
           <p:nvPr>
-            <p:ph idx="11" type="ftr"/>
+            <p:ph type="ftr" idx="11"/>
           </p:nvPr>
         </p:nvSpPr>
         <p:spPr>
@@ -7200,7 +7454,7 @@
           </a:ln>
         </p:spPr>
         <p:txBody>
-          <a:bodyPr anchorCtr="0" anchor="b" bIns="45700" lIns="91425" spcFirstLastPara="1" rIns="91425" wrap="square" tIns="45700">
+          <a:bodyPr spcFirstLastPara="1" wrap="square" lIns="91425" tIns="45700" rIns="91425" bIns="45700" anchor="b" anchorCtr="0">
             <a:noAutofit/>
           </a:bodyPr>
           <a:lstStyle>
@@ -7304,15 +7558,19 @@
               <a:defRPr/>
             </a:lvl9pPr>
           </a:lstStyle>
-          <a:p/>
+          <a:p>
+            <a:endParaRPr/>
+          </a:p>
         </p:txBody>
       </p:sp>
       <p:sp>
         <p:nvSpPr>
           <p:cNvPr id="56" name="Google Shape;56;p16"/>
-          <p:cNvSpPr txBox="1"/>
+          <p:cNvSpPr txBox="1">
+            <a:spLocks noGrp="1"/>
+          </p:cNvSpPr>
           <p:nvPr>
-            <p:ph idx="12" type="sldNum"/>
+            <p:ph type="sldNum" idx="12"/>
           </p:nvPr>
         </p:nvSpPr>
         <p:spPr>
@@ -7329,67 +7587,67 @@
           </a:ln>
         </p:spPr>
         <p:txBody>
-          <a:bodyPr anchorCtr="0" anchor="b" bIns="45700" lIns="91425" spcFirstLastPara="1" rIns="91425" wrap="square" tIns="45700">
+          <a:bodyPr spcFirstLastPara="1" wrap="square" lIns="91425" tIns="45700" rIns="91425" bIns="45700" anchor="b" anchorCtr="0">
             <a:noAutofit/>
           </a:bodyPr>
           <a:lstStyle>
-            <a:lvl1pPr indent="0" lvl="0" marL="0" algn="r">
+            <a:lvl1pPr marL="0" lvl="0" indent="0" algn="r">
               <a:spcBef>
                 <a:spcPts val="0"/>
               </a:spcBef>
               <a:buNone/>
               <a:defRPr/>
             </a:lvl1pPr>
-            <a:lvl2pPr indent="0" lvl="1" marL="0" algn="r">
+            <a:lvl2pPr marL="0" lvl="1" indent="0" algn="r">
               <a:spcBef>
                 <a:spcPts val="0"/>
               </a:spcBef>
               <a:buNone/>
               <a:defRPr/>
             </a:lvl2pPr>
-            <a:lvl3pPr indent="0" lvl="2" marL="0" algn="r">
+            <a:lvl3pPr marL="0" lvl="2" indent="0" algn="r">
               <a:spcBef>
                 <a:spcPts val="0"/>
               </a:spcBef>
               <a:buNone/>
               <a:defRPr/>
             </a:lvl3pPr>
-            <a:lvl4pPr indent="0" lvl="3" marL="0" algn="r">
+            <a:lvl4pPr marL="0" lvl="3" indent="0" algn="r">
               <a:spcBef>
                 <a:spcPts val="0"/>
               </a:spcBef>
               <a:buNone/>
               <a:defRPr/>
             </a:lvl4pPr>
-            <a:lvl5pPr indent="0" lvl="4" marL="0" algn="r">
+            <a:lvl5pPr marL="0" lvl="4" indent="0" algn="r">
               <a:spcBef>
                 <a:spcPts val="0"/>
               </a:spcBef>
               <a:buNone/>
               <a:defRPr/>
             </a:lvl5pPr>
-            <a:lvl6pPr indent="0" lvl="5" marL="0" algn="r">
+            <a:lvl6pPr marL="0" lvl="5" indent="0" algn="r">
               <a:spcBef>
                 <a:spcPts val="0"/>
               </a:spcBef>
               <a:buNone/>
               <a:defRPr/>
             </a:lvl6pPr>
-            <a:lvl7pPr indent="0" lvl="6" marL="0" algn="r">
+            <a:lvl7pPr marL="0" lvl="6" indent="0" algn="r">
               <a:spcBef>
                 <a:spcPts val="0"/>
               </a:spcBef>
               <a:buNone/>
               <a:defRPr/>
             </a:lvl7pPr>
-            <a:lvl8pPr indent="0" lvl="7" marL="0" algn="r">
+            <a:lvl8pPr marL="0" lvl="7" indent="0" algn="r">
               <a:spcBef>
                 <a:spcPts val="0"/>
               </a:spcBef>
               <a:buNone/>
               <a:defRPr/>
             </a:lvl8pPr>
-            <a:lvl9pPr indent="0" lvl="8" marL="0" algn="r">
+            <a:lvl9pPr marL="0" lvl="8" indent="0" algn="r">
               <a:spcBef>
                 <a:spcPts val="0"/>
               </a:spcBef>
@@ -7398,7 +7656,7 @@
             </a:lvl9pPr>
           </a:lstStyle>
           <a:p>
-            <a:pPr indent="0" lvl="0" marL="0" rtl="0" algn="r">
+            <a:pPr marL="0" lvl="0" indent="0" algn="r" rtl="0">
               <a:spcBef>
                 <a:spcPts val="0"/>
               </a:spcBef>
@@ -7409,6 +7667,15 @@
             </a:pPr>
             <a:fld id="{00000000-1234-1234-1234-123412341234}" type="slidenum">
               <a:rPr lang="ru-RU"/>
+              <a:pPr marL="0" lvl="0" indent="0" algn="r" rtl="0">
+                <a:spcBef>
+                  <a:spcPts val="0"/>
+                </a:spcBef>
+                <a:spcAft>
+                  <a:spcPts val="0"/>
+                </a:spcAft>
+                <a:buNone/>
+              </a:pPr>
               <a:t>‹#›</a:t>
             </a:fld>
             <a:endParaRPr/>
@@ -7424,7 +7691,7 @@
 </file>
 
 <file path=ppt/slideLayouts/slideLayout6.xml><?xml version="1.0" encoding="utf-8"?>
-<p:sldLayout xmlns:a="http://schemas.openxmlformats.org/drawingml/2006/main" xmlns:r="http://schemas.openxmlformats.org/officeDocument/2006/relationships" xmlns:mc="http://schemas.openxmlformats.org/markup-compatibility/2006" xmlns:mv="urn:schemas-microsoft-com:mac:vml" xmlns:p="http://schemas.openxmlformats.org/presentationml/2006/main" xmlns:c="http://schemas.openxmlformats.org/drawingml/2006/chart" xmlns:dgm="http://schemas.openxmlformats.org/drawingml/2006/diagram" xmlns:o="urn:schemas-microsoft-com:office:office" xmlns:v="urn:schemas-microsoft-com:vml" xmlns:pvml="urn:schemas-microsoft-com:office:powerpoint" xmlns:com="http://schemas.openxmlformats.org/drawingml/2006/compatibility" xmlns:p14="http://schemas.microsoft.com/office/powerpoint/2010/main" xmlns:p15="http://schemas.microsoft.com/office/powerpoint/2012/main" xmlns:ahyp="http://schemas.microsoft.com/office/drawing/2018/hyperlinkcolor" matchingName="Только заголовок" type="titleOnly">
+<p:sldLayout xmlns:a="http://schemas.openxmlformats.org/drawingml/2006/main" xmlns:r="http://schemas.openxmlformats.org/officeDocument/2006/relationships" xmlns:p="http://schemas.openxmlformats.org/presentationml/2006/main" matchingName="Только заголовок" type="titleOnly">
   <p:cSld name="TITLE_ONLY">
     <p:bg>
       <p:bgPr>
@@ -7441,15 +7708,16 @@
             </a:gs>
           </a:gsLst>
           <a:path path="circle">
-            <a:fillToRect b="100%" l="100%"/>
+            <a:fillToRect l="100000" b="100000"/>
           </a:path>
-          <a:tileRect r="-100%" t="-100%"/>
+          <a:tileRect t="-100000" r="-100000"/>
         </a:gradFill>
+        <a:effectLst/>
       </p:bgPr>
     </p:bg>
     <p:spTree>
       <p:nvGrpSpPr>
-        <p:cNvPr id="57" name="Shape 57"/>
+        <p:cNvPr id="1" name="Shape 57"/>
         <p:cNvGrpSpPr/>
         <p:nvPr/>
       </p:nvGrpSpPr>
@@ -7464,9 +7732,11 @@
       <p:sp>
         <p:nvSpPr>
           <p:cNvPr id="58" name="Google Shape;58;p17"/>
-          <p:cNvSpPr txBox="1"/>
+          <p:cNvSpPr txBox="1">
+            <a:spLocks noGrp="1"/>
+          </p:cNvSpPr>
           <p:nvPr>
-            <p:ph idx="10" type="dt"/>
+            <p:ph type="dt" idx="10"/>
           </p:nvPr>
         </p:nvSpPr>
         <p:spPr>
@@ -7483,7 +7753,7 @@
           </a:ln>
         </p:spPr>
         <p:txBody>
-          <a:bodyPr anchorCtr="0" anchor="b" bIns="45700" lIns="91425" spcFirstLastPara="1" rIns="91425" wrap="square" tIns="45700">
+          <a:bodyPr spcFirstLastPara="1" wrap="square" lIns="91425" tIns="45700" rIns="91425" bIns="45700" anchor="b" anchorCtr="0">
             <a:noAutofit/>
           </a:bodyPr>
           <a:lstStyle>
@@ -7587,15 +7857,19 @@
               <a:defRPr/>
             </a:lvl9pPr>
           </a:lstStyle>
-          <a:p/>
+          <a:p>
+            <a:endParaRPr/>
+          </a:p>
         </p:txBody>
       </p:sp>
       <p:sp>
         <p:nvSpPr>
           <p:cNvPr id="59" name="Google Shape;59;p17"/>
-          <p:cNvSpPr txBox="1"/>
+          <p:cNvSpPr txBox="1">
+            <a:spLocks noGrp="1"/>
+          </p:cNvSpPr>
           <p:nvPr>
-            <p:ph idx="11" type="ftr"/>
+            <p:ph type="ftr" idx="11"/>
           </p:nvPr>
         </p:nvSpPr>
         <p:spPr>
@@ -7612,7 +7886,7 @@
           </a:ln>
         </p:spPr>
         <p:txBody>
-          <a:bodyPr anchorCtr="0" anchor="b" bIns="45700" lIns="91425" spcFirstLastPara="1" rIns="91425" wrap="square" tIns="45700">
+          <a:bodyPr spcFirstLastPara="1" wrap="square" lIns="91425" tIns="45700" rIns="91425" bIns="45700" anchor="b" anchorCtr="0">
             <a:noAutofit/>
           </a:bodyPr>
           <a:lstStyle>
@@ -7716,15 +7990,19 @@
               <a:defRPr/>
             </a:lvl9pPr>
           </a:lstStyle>
-          <a:p/>
+          <a:p>
+            <a:endParaRPr/>
+          </a:p>
         </p:txBody>
       </p:sp>
       <p:sp>
         <p:nvSpPr>
           <p:cNvPr id="60" name="Google Shape;60;p17"/>
-          <p:cNvSpPr txBox="1"/>
+          <p:cNvSpPr txBox="1">
+            <a:spLocks noGrp="1"/>
+          </p:cNvSpPr>
           <p:nvPr>
-            <p:ph idx="12" type="sldNum"/>
+            <p:ph type="sldNum" idx="12"/>
           </p:nvPr>
         </p:nvSpPr>
         <p:spPr>
@@ -7741,67 +8019,67 @@
           </a:ln>
         </p:spPr>
         <p:txBody>
-          <a:bodyPr anchorCtr="0" anchor="b" bIns="45700" lIns="91425" spcFirstLastPara="1" rIns="91425" wrap="square" tIns="45700">
+          <a:bodyPr spcFirstLastPara="1" wrap="square" lIns="91425" tIns="45700" rIns="91425" bIns="45700" anchor="b" anchorCtr="0">
             <a:noAutofit/>
           </a:bodyPr>
           <a:lstStyle>
-            <a:lvl1pPr indent="0" lvl="0" marL="0" algn="r">
+            <a:lvl1pPr marL="0" lvl="0" indent="0" algn="r">
               <a:spcBef>
                 <a:spcPts val="0"/>
               </a:spcBef>
               <a:buNone/>
               <a:defRPr/>
             </a:lvl1pPr>
-            <a:lvl2pPr indent="0" lvl="1" marL="0" algn="r">
+            <a:lvl2pPr marL="0" lvl="1" indent="0" algn="r">
               <a:spcBef>
                 <a:spcPts val="0"/>
               </a:spcBef>
               <a:buNone/>
               <a:defRPr/>
             </a:lvl2pPr>
-            <a:lvl3pPr indent="0" lvl="2" marL="0" algn="r">
+            <a:lvl3pPr marL="0" lvl="2" indent="0" algn="r">
               <a:spcBef>
                 <a:spcPts val="0"/>
               </a:spcBef>
               <a:buNone/>
               <a:defRPr/>
             </a:lvl3pPr>
-            <a:lvl4pPr indent="0" lvl="3" marL="0" algn="r">
+            <a:lvl4pPr marL="0" lvl="3" indent="0" algn="r">
               <a:spcBef>
                 <a:spcPts val="0"/>
               </a:spcBef>
               <a:buNone/>
               <a:defRPr/>
             </a:lvl4pPr>
-            <a:lvl5pPr indent="0" lvl="4" marL="0" algn="r">
+            <a:lvl5pPr marL="0" lvl="4" indent="0" algn="r">
               <a:spcBef>
                 <a:spcPts val="0"/>
               </a:spcBef>
               <a:buNone/>
               <a:defRPr/>
             </a:lvl5pPr>
-            <a:lvl6pPr indent="0" lvl="5" marL="0" algn="r">
+            <a:lvl6pPr marL="0" lvl="5" indent="0" algn="r">
               <a:spcBef>
                 <a:spcPts val="0"/>
               </a:spcBef>
               <a:buNone/>
               <a:defRPr/>
             </a:lvl6pPr>
-            <a:lvl7pPr indent="0" lvl="6" marL="0" algn="r">
+            <a:lvl7pPr marL="0" lvl="6" indent="0" algn="r">
               <a:spcBef>
                 <a:spcPts val="0"/>
               </a:spcBef>
               <a:buNone/>
               <a:defRPr/>
             </a:lvl7pPr>
-            <a:lvl8pPr indent="0" lvl="7" marL="0" algn="r">
+            <a:lvl8pPr marL="0" lvl="7" indent="0" algn="r">
               <a:spcBef>
                 <a:spcPts val="0"/>
               </a:spcBef>
               <a:buNone/>
               <a:defRPr/>
             </a:lvl8pPr>
-            <a:lvl9pPr indent="0" lvl="8" marL="0" algn="r">
+            <a:lvl9pPr marL="0" lvl="8" indent="0" algn="r">
               <a:spcBef>
                 <a:spcPts val="0"/>
               </a:spcBef>
@@ -7810,7 +8088,7 @@
             </a:lvl9pPr>
           </a:lstStyle>
           <a:p>
-            <a:pPr indent="0" lvl="0" marL="0" rtl="0" algn="r">
+            <a:pPr marL="0" lvl="0" indent="0" algn="r" rtl="0">
               <a:spcBef>
                 <a:spcPts val="0"/>
               </a:spcBef>
@@ -7821,6 +8099,15 @@
             </a:pPr>
             <a:fld id="{00000000-1234-1234-1234-123412341234}" type="slidenum">
               <a:rPr lang="ru-RU"/>
+              <a:pPr marL="0" lvl="0" indent="0" algn="r" rtl="0">
+                <a:spcBef>
+                  <a:spcPts val="0"/>
+                </a:spcBef>
+                <a:spcAft>
+                  <a:spcPts val="0"/>
+                </a:spcAft>
+                <a:buNone/>
+              </a:pPr>
               <a:t>‹#›</a:t>
             </a:fld>
             <a:endParaRPr/>
@@ -7830,7 +8117,9 @@
       <p:sp>
         <p:nvSpPr>
           <p:cNvPr id="61" name="Google Shape;61;p17"/>
-          <p:cNvSpPr txBox="1"/>
+          <p:cNvSpPr txBox="1">
+            <a:spLocks noGrp="1"/>
+          </p:cNvSpPr>
           <p:nvPr>
             <p:ph type="title"/>
           </p:nvPr>
@@ -7849,7 +8138,7 @@
           </a:ln>
         </p:spPr>
         <p:txBody>
-          <a:bodyPr anchorCtr="0" anchor="ctr" bIns="45700" lIns="91425" spcFirstLastPara="1" rIns="91425" wrap="square" tIns="45700">
+          <a:bodyPr spcFirstLastPara="1" wrap="square" lIns="91425" tIns="45700" rIns="91425" bIns="45700" anchor="ctr" anchorCtr="0">
             <a:normAutofit/>
           </a:bodyPr>
           <a:lstStyle>
@@ -7956,7 +8245,9 @@
               <a:defRPr/>
             </a:lvl9pPr>
           </a:lstStyle>
-          <a:p/>
+          <a:p>
+            <a:endParaRPr/>
+          </a:p>
         </p:txBody>
       </p:sp>
     </p:spTree>
@@ -7968,11 +8259,11 @@
 </file>
 
 <file path=ppt/slideLayouts/slideLayout7.xml><?xml version="1.0" encoding="utf-8"?>
-<p:sldLayout xmlns:a="http://schemas.openxmlformats.org/drawingml/2006/main" xmlns:r="http://schemas.openxmlformats.org/officeDocument/2006/relationships" xmlns:mc="http://schemas.openxmlformats.org/markup-compatibility/2006" xmlns:mv="urn:schemas-microsoft-com:mac:vml" xmlns:p="http://schemas.openxmlformats.org/presentationml/2006/main" xmlns:c="http://schemas.openxmlformats.org/drawingml/2006/chart" xmlns:dgm="http://schemas.openxmlformats.org/drawingml/2006/diagram" xmlns:o="urn:schemas-microsoft-com:office:office" xmlns:v="urn:schemas-microsoft-com:vml" xmlns:pvml="urn:schemas-microsoft-com:office:powerpoint" xmlns:com="http://schemas.openxmlformats.org/drawingml/2006/compatibility" xmlns:p14="http://schemas.microsoft.com/office/powerpoint/2010/main" xmlns:p15="http://schemas.microsoft.com/office/powerpoint/2012/main" xmlns:ahyp="http://schemas.microsoft.com/office/drawing/2018/hyperlinkcolor" matchingName="Пустой слайд" type="blank">
+<p:sldLayout xmlns:a="http://schemas.openxmlformats.org/drawingml/2006/main" xmlns:r="http://schemas.openxmlformats.org/officeDocument/2006/relationships" xmlns:p="http://schemas.openxmlformats.org/presentationml/2006/main" matchingName="Пустой слайд" type="blank">
   <p:cSld name="BLANK">
     <p:spTree>
       <p:nvGrpSpPr>
-        <p:cNvPr id="62" name="Shape 62"/>
+        <p:cNvPr id="1" name="Shape 62"/>
         <p:cNvGrpSpPr/>
         <p:nvPr/>
       </p:nvGrpSpPr>
@@ -7987,9 +8278,11 @@
       <p:sp>
         <p:nvSpPr>
           <p:cNvPr id="63" name="Google Shape;63;p18"/>
-          <p:cNvSpPr txBox="1"/>
+          <p:cNvSpPr txBox="1">
+            <a:spLocks noGrp="1"/>
+          </p:cNvSpPr>
           <p:nvPr>
-            <p:ph idx="10" type="dt"/>
+            <p:ph type="dt" idx="10"/>
           </p:nvPr>
         </p:nvSpPr>
         <p:spPr>
@@ -8006,7 +8299,7 @@
           </a:ln>
         </p:spPr>
         <p:txBody>
-          <a:bodyPr anchorCtr="0" anchor="b" bIns="45700" lIns="91425" spcFirstLastPara="1" rIns="91425" wrap="square" tIns="45700">
+          <a:bodyPr spcFirstLastPara="1" wrap="square" lIns="91425" tIns="45700" rIns="91425" bIns="45700" anchor="b" anchorCtr="0">
             <a:noAutofit/>
           </a:bodyPr>
           <a:lstStyle>
@@ -8110,15 +8403,19 @@
               <a:defRPr/>
             </a:lvl9pPr>
           </a:lstStyle>
-          <a:p/>
+          <a:p>
+            <a:endParaRPr/>
+          </a:p>
         </p:txBody>
       </p:sp>
       <p:sp>
         <p:nvSpPr>
           <p:cNvPr id="64" name="Google Shape;64;p18"/>
-          <p:cNvSpPr txBox="1"/>
+          <p:cNvSpPr txBox="1">
+            <a:spLocks noGrp="1"/>
+          </p:cNvSpPr>
           <p:nvPr>
-            <p:ph idx="11" type="ftr"/>
+            <p:ph type="ftr" idx="11"/>
           </p:nvPr>
         </p:nvSpPr>
         <p:spPr>
@@ -8135,7 +8432,7 @@
           </a:ln>
         </p:spPr>
         <p:txBody>
-          <a:bodyPr anchorCtr="0" anchor="b" bIns="45700" lIns="91425" spcFirstLastPara="1" rIns="91425" wrap="square" tIns="45700">
+          <a:bodyPr spcFirstLastPara="1" wrap="square" lIns="91425" tIns="45700" rIns="91425" bIns="45700" anchor="b" anchorCtr="0">
             <a:noAutofit/>
           </a:bodyPr>
           <a:lstStyle>
@@ -8239,15 +8536,19 @@
               <a:defRPr/>
             </a:lvl9pPr>
           </a:lstStyle>
-          <a:p/>
+          <a:p>
+            <a:endParaRPr/>
+          </a:p>
         </p:txBody>
       </p:sp>
       <p:sp>
         <p:nvSpPr>
           <p:cNvPr id="65" name="Google Shape;65;p18"/>
-          <p:cNvSpPr txBox="1"/>
+          <p:cNvSpPr txBox="1">
+            <a:spLocks noGrp="1"/>
+          </p:cNvSpPr>
           <p:nvPr>
-            <p:ph idx="12" type="sldNum"/>
+            <p:ph type="sldNum" idx="12"/>
           </p:nvPr>
         </p:nvSpPr>
         <p:spPr>
@@ -8264,67 +8565,67 @@
           </a:ln>
         </p:spPr>
         <p:txBody>
-          <a:bodyPr anchorCtr="0" anchor="b" bIns="45700" lIns="91425" spcFirstLastPara="1" rIns="91425" wrap="square" tIns="45700">
+          <a:bodyPr spcFirstLastPara="1" wrap="square" lIns="91425" tIns="45700" rIns="91425" bIns="45700" anchor="b" anchorCtr="0">
             <a:noAutofit/>
           </a:bodyPr>
           <a:lstStyle>
-            <a:lvl1pPr indent="0" lvl="0" marL="0" algn="r">
+            <a:lvl1pPr marL="0" lvl="0" indent="0" algn="r">
               <a:spcBef>
                 <a:spcPts val="0"/>
               </a:spcBef>
               <a:buNone/>
               <a:defRPr/>
             </a:lvl1pPr>
-            <a:lvl2pPr indent="0" lvl="1" marL="0" algn="r">
+            <a:lvl2pPr marL="0" lvl="1" indent="0" algn="r">
               <a:spcBef>
                 <a:spcPts val="0"/>
               </a:spcBef>
               <a:buNone/>
               <a:defRPr/>
             </a:lvl2pPr>
-            <a:lvl3pPr indent="0" lvl="2" marL="0" algn="r">
+            <a:lvl3pPr marL="0" lvl="2" indent="0" algn="r">
               <a:spcBef>
                 <a:spcPts val="0"/>
               </a:spcBef>
               <a:buNone/>
               <a:defRPr/>
             </a:lvl3pPr>
-            <a:lvl4pPr indent="0" lvl="3" marL="0" algn="r">
+            <a:lvl4pPr marL="0" lvl="3" indent="0" algn="r">
               <a:spcBef>
                 <a:spcPts val="0"/>
               </a:spcBef>
               <a:buNone/>
               <a:defRPr/>
             </a:lvl4pPr>
-            <a:lvl5pPr indent="0" lvl="4" marL="0" algn="r">
+            <a:lvl5pPr marL="0" lvl="4" indent="0" algn="r">
               <a:spcBef>
                 <a:spcPts val="0"/>
               </a:spcBef>
               <a:buNone/>
               <a:defRPr/>
             </a:lvl5pPr>
-            <a:lvl6pPr indent="0" lvl="5" marL="0" algn="r">
+            <a:lvl6pPr marL="0" lvl="5" indent="0" algn="r">
               <a:spcBef>
                 <a:spcPts val="0"/>
               </a:spcBef>
               <a:buNone/>
               <a:defRPr/>
             </a:lvl6pPr>
-            <a:lvl7pPr indent="0" lvl="6" marL="0" algn="r">
+            <a:lvl7pPr marL="0" lvl="6" indent="0" algn="r">
               <a:spcBef>
                 <a:spcPts val="0"/>
               </a:spcBef>
               <a:buNone/>
               <a:defRPr/>
             </a:lvl7pPr>
-            <a:lvl8pPr indent="0" lvl="7" marL="0" algn="r">
+            <a:lvl8pPr marL="0" lvl="7" indent="0" algn="r">
               <a:spcBef>
                 <a:spcPts val="0"/>
               </a:spcBef>
               <a:buNone/>
               <a:defRPr/>
             </a:lvl8pPr>
-            <a:lvl9pPr indent="0" lvl="8" marL="0" algn="r">
+            <a:lvl9pPr marL="0" lvl="8" indent="0" algn="r">
               <a:spcBef>
                 <a:spcPts val="0"/>
               </a:spcBef>
@@ -8333,7 +8634,7 @@
             </a:lvl9pPr>
           </a:lstStyle>
           <a:p>
-            <a:pPr indent="0" lvl="0" marL="0" rtl="0" algn="r">
+            <a:pPr marL="0" lvl="0" indent="0" algn="r" rtl="0">
               <a:spcBef>
                 <a:spcPts val="0"/>
               </a:spcBef>
@@ -8344,6 +8645,15 @@
             </a:pPr>
             <a:fld id="{00000000-1234-1234-1234-123412341234}" type="slidenum">
               <a:rPr lang="ru-RU"/>
+              <a:pPr marL="0" lvl="0" indent="0" algn="r" rtl="0">
+                <a:spcBef>
+                  <a:spcPts val="0"/>
+                </a:spcBef>
+                <a:spcAft>
+                  <a:spcPts val="0"/>
+                </a:spcAft>
+                <a:buNone/>
+              </a:pPr>
               <a:t>‹#›</a:t>
             </a:fld>
             <a:endParaRPr/>
@@ -8359,7 +8669,7 @@
 </file>
 
 <file path=ppt/slideLayouts/slideLayout8.xml><?xml version="1.0" encoding="utf-8"?>
-<p:sldLayout xmlns:a="http://schemas.openxmlformats.org/drawingml/2006/main" xmlns:r="http://schemas.openxmlformats.org/officeDocument/2006/relationships" xmlns:mc="http://schemas.openxmlformats.org/markup-compatibility/2006" xmlns:mv="urn:schemas-microsoft-com:mac:vml" xmlns:p="http://schemas.openxmlformats.org/presentationml/2006/main" xmlns:c="http://schemas.openxmlformats.org/drawingml/2006/chart" xmlns:dgm="http://schemas.openxmlformats.org/drawingml/2006/diagram" xmlns:o="urn:schemas-microsoft-com:office:office" xmlns:v="urn:schemas-microsoft-com:vml" xmlns:pvml="urn:schemas-microsoft-com:office:powerpoint" xmlns:com="http://schemas.openxmlformats.org/drawingml/2006/compatibility" xmlns:p14="http://schemas.microsoft.com/office/powerpoint/2010/main" xmlns:p15="http://schemas.microsoft.com/office/powerpoint/2012/main" xmlns:ahyp="http://schemas.microsoft.com/office/drawing/2018/hyperlinkcolor" matchingName="Объект с подписью" showMasterSp="0" type="objTx">
+<p:sldLayout xmlns:a="http://schemas.openxmlformats.org/drawingml/2006/main" xmlns:r="http://schemas.openxmlformats.org/officeDocument/2006/relationships" xmlns:p="http://schemas.openxmlformats.org/presentationml/2006/main" showMasterSp="0" matchingName="Объект с подписью" type="objTx">
   <p:cSld name="OBJECT_WITH_CAPTION_TEXT">
     <p:bg>
       <p:bgPr>
@@ -8367,13 +8677,14 @@
           <a:blip r:embed="rId2">
             <a:alphaModFix/>
           </a:blip>
-          <a:tile algn="tl" flip="none" tx="0" sx="50000" ty="0" sy="50000"/>
+          <a:tile tx="0" ty="0" sx="50000" sy="50000" flip="none" algn="tl"/>
         </a:blipFill>
+        <a:effectLst/>
       </p:bgPr>
     </p:bg>
     <p:spTree>
       <p:nvGrpSpPr>
-        <p:cNvPr id="66" name="Shape 66"/>
+        <p:cNvPr id="1" name="Shape 66"/>
         <p:cNvGrpSpPr/>
         <p:nvPr/>
       </p:nvGrpSpPr>
@@ -8388,7 +8699,9 @@
       <p:sp>
         <p:nvSpPr>
           <p:cNvPr id="67" name="Google Shape;67;p19"/>
-          <p:cNvSpPr txBox="1"/>
+          <p:cNvSpPr txBox="1">
+            <a:spLocks noGrp="1"/>
+          </p:cNvSpPr>
           <p:nvPr>
             <p:ph type="title"/>
           </p:nvPr>
@@ -8407,7 +8720,7 @@
           </a:ln>
         </p:spPr>
         <p:txBody>
-          <a:bodyPr anchorCtr="0" anchor="t" bIns="45700" lIns="91425" spcFirstLastPara="1" rIns="91425" wrap="square" tIns="45700">
+          <a:bodyPr spcFirstLastPara="1" wrap="square" lIns="91425" tIns="45700" rIns="91425" bIns="45700" anchor="t" anchorCtr="0">
             <a:noAutofit/>
           </a:bodyPr>
           <a:lstStyle>
@@ -8424,7 +8737,7 @@
               <a:buSzPts val="2500"/>
               <a:buFont typeface="Lucida Sans"/>
               <a:buNone/>
-              <a:defRPr b="0" sz="2500">
+              <a:defRPr sz="2500" b="0">
                 <a:solidFill>
                   <a:schemeClr val="accent1"/>
                 </a:solidFill>
@@ -8519,15 +8832,19 @@
               <a:defRPr/>
             </a:lvl9pPr>
           </a:lstStyle>
-          <a:p/>
+          <a:p>
+            <a:endParaRPr/>
+          </a:p>
         </p:txBody>
       </p:sp>
       <p:sp>
         <p:nvSpPr>
           <p:cNvPr id="68" name="Google Shape;68;p19"/>
-          <p:cNvSpPr txBox="1"/>
+          <p:cNvSpPr txBox="1">
+            <a:spLocks noGrp="1"/>
+          </p:cNvSpPr>
           <p:nvPr>
-            <p:ph idx="1" type="body"/>
+            <p:ph type="body" idx="1"/>
           </p:nvPr>
         </p:nvSpPr>
         <p:spPr>
@@ -8544,11 +8861,11 @@
           </a:ln>
         </p:spPr>
         <p:txBody>
-          <a:bodyPr anchorCtr="0" anchor="t" bIns="45700" lIns="91425" spcFirstLastPara="1" rIns="91425" wrap="square" tIns="45700">
+          <a:bodyPr spcFirstLastPara="1" wrap="square" lIns="91425" tIns="45700" rIns="91425" bIns="45700" anchor="t" anchorCtr="0">
             <a:normAutofit/>
           </a:bodyPr>
           <a:lstStyle>
-            <a:lvl1pPr indent="-228600" lvl="0" marL="457200" algn="r">
+            <a:lvl1pPr marL="457200" lvl="0" indent="-228600" algn="r">
               <a:spcBef>
                 <a:spcPts val="400"/>
               </a:spcBef>
@@ -8559,7 +8876,7 @@
               <a:buNone/>
               <a:defRPr sz="1600"/>
             </a:lvl1pPr>
-            <a:lvl2pPr indent="-228600" lvl="1" marL="914400" algn="l">
+            <a:lvl2pPr marL="914400" lvl="1" indent="-228600" algn="l">
               <a:spcBef>
                 <a:spcPts val="324"/>
               </a:spcBef>
@@ -8570,7 +8887,7 @@
               <a:buNone/>
               <a:defRPr sz="1200"/>
             </a:lvl2pPr>
-            <a:lvl3pPr indent="-228600" lvl="2" marL="1371600" algn="l">
+            <a:lvl3pPr marL="1371600" lvl="2" indent="-228600" algn="l">
               <a:spcBef>
                 <a:spcPts val="350"/>
               </a:spcBef>
@@ -8581,7 +8898,7 @@
               <a:buNone/>
               <a:defRPr sz="1000"/>
             </a:lvl3pPr>
-            <a:lvl4pPr indent="-228600" lvl="3" marL="1828800" algn="l">
+            <a:lvl4pPr marL="1828800" lvl="3" indent="-228600" algn="l">
               <a:spcBef>
                 <a:spcPts val="350"/>
               </a:spcBef>
@@ -8592,7 +8909,7 @@
               <a:buNone/>
               <a:defRPr sz="900"/>
             </a:lvl4pPr>
-            <a:lvl5pPr indent="-228600" lvl="4" marL="2286000" algn="l">
+            <a:lvl5pPr marL="2286000" lvl="4" indent="-228600" algn="l">
               <a:spcBef>
                 <a:spcPts val="350"/>
               </a:spcBef>
@@ -8603,7 +8920,7 @@
               <a:buNone/>
               <a:defRPr sz="900"/>
             </a:lvl5pPr>
-            <a:lvl6pPr indent="-342900" lvl="5" marL="2743200" algn="l">
+            <a:lvl6pPr marL="2743200" lvl="5" indent="-342900" algn="l">
               <a:spcBef>
                 <a:spcPts val="350"/>
               </a:spcBef>
@@ -8614,7 +8931,7 @@
               <a:buChar char="■"/>
               <a:defRPr/>
             </a:lvl6pPr>
-            <a:lvl7pPr indent="-342900" lvl="6" marL="3200400" algn="l">
+            <a:lvl7pPr marL="3200400" lvl="6" indent="-342900" algn="l">
               <a:spcBef>
                 <a:spcPts val="350"/>
               </a:spcBef>
@@ -8625,7 +8942,7 @@
               <a:buChar char="■"/>
               <a:defRPr/>
             </a:lvl7pPr>
-            <a:lvl8pPr indent="-342900" lvl="7" marL="3657600" algn="l">
+            <a:lvl8pPr marL="3657600" lvl="7" indent="-342900" algn="l">
               <a:spcBef>
                 <a:spcPts val="350"/>
               </a:spcBef>
@@ -8636,7 +8953,7 @@
               <a:buChar char="■"/>
               <a:defRPr/>
             </a:lvl8pPr>
-            <a:lvl9pPr indent="-342900" lvl="8" marL="4114800" algn="l">
+            <a:lvl9pPr marL="4114800" lvl="8" indent="-342900" algn="l">
               <a:spcBef>
                 <a:spcPts val="350"/>
               </a:spcBef>
@@ -8648,15 +8965,19 @@
               <a:defRPr/>
             </a:lvl9pPr>
           </a:lstStyle>
-          <a:p/>
+          <a:p>
+            <a:endParaRPr/>
+          </a:p>
         </p:txBody>
       </p:sp>
       <p:sp>
         <p:nvSpPr>
           <p:cNvPr id="69" name="Google Shape;69;p19"/>
-          <p:cNvSpPr txBox="1"/>
+          <p:cNvSpPr txBox="1">
+            <a:spLocks noGrp="1"/>
+          </p:cNvSpPr>
           <p:nvPr>
-            <p:ph idx="2" type="body"/>
+            <p:ph type="body" idx="2"/>
           </p:nvPr>
         </p:nvSpPr>
         <p:spPr>
@@ -8673,11 +8994,11 @@
           </a:ln>
         </p:spPr>
         <p:txBody>
-          <a:bodyPr anchorCtr="0" anchor="t" bIns="45700" lIns="91425" spcFirstLastPara="1" rIns="91425" wrap="square" tIns="45700">
+          <a:bodyPr spcFirstLastPara="1" wrap="square" lIns="91425" tIns="45700" rIns="91425" bIns="45700" anchor="t" anchorCtr="0">
             <a:normAutofit/>
           </a:bodyPr>
           <a:lstStyle>
-            <a:lvl1pPr indent="-366776" lvl="0" marL="457200" algn="l">
+            <a:lvl1pPr marL="457200" lvl="0" indent="-366776" algn="l">
               <a:spcBef>
                 <a:spcPts val="400"/>
               </a:spcBef>
@@ -8688,7 +9009,7 @@
               <a:buChar char="🞂"/>
               <a:defRPr sz="3200"/>
             </a:lvl1pPr>
-            <a:lvl2pPr indent="-406400" lvl="1" marL="914400" algn="l">
+            <a:lvl2pPr marL="914400" lvl="1" indent="-406400" algn="l">
               <a:spcBef>
                 <a:spcPts val="324"/>
               </a:spcBef>
@@ -8699,7 +9020,7 @@
               <a:buChar char="◦"/>
               <a:defRPr sz="2800"/>
             </a:lvl2pPr>
-            <a:lvl3pPr indent="-381000" lvl="2" marL="1371600" algn="l">
+            <a:lvl3pPr marL="1371600" lvl="2" indent="-381000" algn="l">
               <a:spcBef>
                 <a:spcPts val="350"/>
               </a:spcBef>
@@ -8710,7 +9031,7 @@
               <a:buChar char="●"/>
               <a:defRPr sz="2400"/>
             </a:lvl3pPr>
-            <a:lvl4pPr indent="-355600" lvl="3" marL="1828800" algn="l">
+            <a:lvl4pPr marL="1828800" lvl="3" indent="-355600" algn="l">
               <a:spcBef>
                 <a:spcPts val="350"/>
               </a:spcBef>
@@ -8721,7 +9042,7 @@
               <a:buChar char="●"/>
               <a:defRPr sz="2000"/>
             </a:lvl4pPr>
-            <a:lvl5pPr indent="-355600" lvl="4" marL="2286000" algn="l">
+            <a:lvl5pPr marL="2286000" lvl="4" indent="-355600" algn="l">
               <a:spcBef>
                 <a:spcPts val="350"/>
               </a:spcBef>
@@ -8732,7 +9053,7 @@
               <a:buChar char="●"/>
               <a:defRPr sz="2000"/>
             </a:lvl5pPr>
-            <a:lvl6pPr indent="-342900" lvl="5" marL="2743200" algn="l">
+            <a:lvl6pPr marL="2743200" lvl="5" indent="-342900" algn="l">
               <a:spcBef>
                 <a:spcPts val="350"/>
               </a:spcBef>
@@ -8743,7 +9064,7 @@
               <a:buChar char="■"/>
               <a:defRPr/>
             </a:lvl6pPr>
-            <a:lvl7pPr indent="-342900" lvl="6" marL="3200400" algn="l">
+            <a:lvl7pPr marL="3200400" lvl="6" indent="-342900" algn="l">
               <a:spcBef>
                 <a:spcPts val="350"/>
               </a:spcBef>
@@ -8754,7 +9075,7 @@
               <a:buChar char="■"/>
               <a:defRPr/>
             </a:lvl7pPr>
-            <a:lvl8pPr indent="-342900" lvl="7" marL="3657600" algn="l">
+            <a:lvl8pPr marL="3657600" lvl="7" indent="-342900" algn="l">
               <a:spcBef>
                 <a:spcPts val="350"/>
               </a:spcBef>
@@ -8765,7 +9086,7 @@
               <a:buChar char="■"/>
               <a:defRPr/>
             </a:lvl8pPr>
-            <a:lvl9pPr indent="-342900" lvl="8" marL="4114800" algn="l">
+            <a:lvl9pPr marL="4114800" lvl="8" indent="-342900" algn="l">
               <a:spcBef>
                 <a:spcPts val="350"/>
               </a:spcBef>
@@ -8777,15 +9098,19 @@
               <a:defRPr/>
             </a:lvl9pPr>
           </a:lstStyle>
-          <a:p/>
+          <a:p>
+            <a:endParaRPr/>
+          </a:p>
         </p:txBody>
       </p:sp>
       <p:sp>
         <p:nvSpPr>
           <p:cNvPr id="70" name="Google Shape;70;p19"/>
-          <p:cNvSpPr txBox="1"/>
+          <p:cNvSpPr txBox="1">
+            <a:spLocks noGrp="1"/>
+          </p:cNvSpPr>
           <p:nvPr>
-            <p:ph idx="10" type="dt"/>
+            <p:ph type="dt" idx="10"/>
           </p:nvPr>
         </p:nvSpPr>
         <p:spPr>
@@ -8802,7 +9127,7 @@
           </a:ln>
         </p:spPr>
         <p:txBody>
-          <a:bodyPr anchorCtr="0" anchor="b" bIns="45700" lIns="91425" spcFirstLastPara="1" rIns="91425" wrap="square" tIns="45700">
+          <a:bodyPr spcFirstLastPara="1" wrap="square" lIns="91425" tIns="45700" rIns="91425" bIns="45700" anchor="b" anchorCtr="0">
             <a:noAutofit/>
           </a:bodyPr>
           <a:lstStyle>
@@ -8906,15 +9231,19 @@
               <a:defRPr/>
             </a:lvl9pPr>
           </a:lstStyle>
-          <a:p/>
+          <a:p>
+            <a:endParaRPr/>
+          </a:p>
         </p:txBody>
       </p:sp>
       <p:sp>
         <p:nvSpPr>
           <p:cNvPr id="71" name="Google Shape;71;p19"/>
-          <p:cNvSpPr txBox="1"/>
+          <p:cNvSpPr txBox="1">
+            <a:spLocks noGrp="1"/>
+          </p:cNvSpPr>
           <p:nvPr>
-            <p:ph idx="11" type="ftr"/>
+            <p:ph type="ftr" idx="11"/>
           </p:nvPr>
         </p:nvSpPr>
         <p:spPr>
@@ -8931,7 +9260,7 @@
           </a:ln>
         </p:spPr>
         <p:txBody>
-          <a:bodyPr anchorCtr="0" anchor="b" bIns="45700" lIns="91425" spcFirstLastPara="1" rIns="91425" wrap="square" tIns="45700">
+          <a:bodyPr spcFirstLastPara="1" wrap="square" lIns="91425" tIns="45700" rIns="91425" bIns="45700" anchor="b" anchorCtr="0">
             <a:noAutofit/>
           </a:bodyPr>
           <a:lstStyle>
@@ -9035,15 +9364,19 @@
               <a:defRPr/>
             </a:lvl9pPr>
           </a:lstStyle>
-          <a:p/>
+          <a:p>
+            <a:endParaRPr/>
+          </a:p>
         </p:txBody>
       </p:sp>
       <p:sp>
         <p:nvSpPr>
           <p:cNvPr id="72" name="Google Shape;72;p19"/>
-          <p:cNvSpPr txBox="1"/>
+          <p:cNvSpPr txBox="1">
+            <a:spLocks noGrp="1"/>
+          </p:cNvSpPr>
           <p:nvPr>
-            <p:ph idx="12" type="sldNum"/>
+            <p:ph type="sldNum" idx="12"/>
           </p:nvPr>
         </p:nvSpPr>
         <p:spPr>
@@ -9060,67 +9393,67 @@
           </a:ln>
         </p:spPr>
         <p:txBody>
-          <a:bodyPr anchorCtr="0" anchor="b" bIns="45700" lIns="91425" spcFirstLastPara="1" rIns="91425" wrap="square" tIns="45700">
+          <a:bodyPr spcFirstLastPara="1" wrap="square" lIns="91425" tIns="45700" rIns="91425" bIns="45700" anchor="b" anchorCtr="0">
             <a:noAutofit/>
           </a:bodyPr>
           <a:lstStyle>
-            <a:lvl1pPr indent="0" lvl="0" marL="0" algn="r">
+            <a:lvl1pPr marL="0" lvl="0" indent="0" algn="r">
               <a:spcBef>
                 <a:spcPts val="0"/>
               </a:spcBef>
               <a:buNone/>
               <a:defRPr/>
             </a:lvl1pPr>
-            <a:lvl2pPr indent="0" lvl="1" marL="0" algn="r">
+            <a:lvl2pPr marL="0" lvl="1" indent="0" algn="r">
               <a:spcBef>
                 <a:spcPts val="0"/>
               </a:spcBef>
               <a:buNone/>
               <a:defRPr/>
             </a:lvl2pPr>
-            <a:lvl3pPr indent="0" lvl="2" marL="0" algn="r">
+            <a:lvl3pPr marL="0" lvl="2" indent="0" algn="r">
               <a:spcBef>
                 <a:spcPts val="0"/>
               </a:spcBef>
               <a:buNone/>
               <a:defRPr/>
             </a:lvl3pPr>
-            <a:lvl4pPr indent="0" lvl="3" marL="0" algn="r">
+            <a:lvl4pPr marL="0" lvl="3" indent="0" algn="r">
               <a:spcBef>
                 <a:spcPts val="0"/>
               </a:spcBef>
               <a:buNone/>
               <a:defRPr/>
             </a:lvl4pPr>
-            <a:lvl5pPr indent="0" lvl="4" marL="0" algn="r">
+            <a:lvl5pPr marL="0" lvl="4" indent="0" algn="r">
               <a:spcBef>
                 <a:spcPts val="0"/>
               </a:spcBef>
               <a:buNone/>
               <a:defRPr/>
             </a:lvl5pPr>
-            <a:lvl6pPr indent="0" lvl="5" marL="0" algn="r">
+            <a:lvl6pPr marL="0" lvl="5" indent="0" algn="r">
               <a:spcBef>
                 <a:spcPts val="0"/>
               </a:spcBef>
               <a:buNone/>
               <a:defRPr/>
             </a:lvl6pPr>
-            <a:lvl7pPr indent="0" lvl="6" marL="0" algn="r">
+            <a:lvl7pPr marL="0" lvl="6" indent="0" algn="r">
               <a:spcBef>
                 <a:spcPts val="0"/>
               </a:spcBef>
               <a:buNone/>
               <a:defRPr/>
             </a:lvl7pPr>
-            <a:lvl8pPr indent="0" lvl="7" marL="0" algn="r">
+            <a:lvl8pPr marL="0" lvl="7" indent="0" algn="r">
               <a:spcBef>
                 <a:spcPts val="0"/>
               </a:spcBef>
               <a:buNone/>
               <a:defRPr/>
             </a:lvl8pPr>
-            <a:lvl9pPr indent="0" lvl="8" marL="0" algn="r">
+            <a:lvl9pPr marL="0" lvl="8" indent="0" algn="r">
               <a:spcBef>
                 <a:spcPts val="0"/>
               </a:spcBef>
@@ -9129,7 +9462,7 @@
             </a:lvl9pPr>
           </a:lstStyle>
           <a:p>
-            <a:pPr indent="0" lvl="0" marL="0" rtl="0" algn="r">
+            <a:pPr marL="0" lvl="0" indent="0" algn="r" rtl="0">
               <a:spcBef>
                 <a:spcPts val="0"/>
               </a:spcBef>
@@ -9140,6 +9473,15 @@
             </a:pPr>
             <a:fld id="{00000000-1234-1234-1234-123412341234}" type="slidenum">
               <a:rPr lang="ru-RU"/>
+              <a:pPr marL="0" lvl="0" indent="0" algn="r" rtl="0">
+                <a:spcBef>
+                  <a:spcPts val="0"/>
+                </a:spcBef>
+                <a:spcAft>
+                  <a:spcPts val="0"/>
+                </a:spcAft>
+                <a:buNone/>
+              </a:pPr>
               <a:t>‹#›</a:t>
             </a:fld>
             <a:endParaRPr/>
@@ -9155,7 +9497,7 @@
 </file>
 
 <file path=ppt/slideLayouts/slideLayout9.xml><?xml version="1.0" encoding="utf-8"?>
-<p:sldLayout xmlns:a="http://schemas.openxmlformats.org/drawingml/2006/main" xmlns:r="http://schemas.openxmlformats.org/officeDocument/2006/relationships" xmlns:mc="http://schemas.openxmlformats.org/markup-compatibility/2006" xmlns:mv="urn:schemas-microsoft-com:mac:vml" xmlns:p="http://schemas.openxmlformats.org/presentationml/2006/main" xmlns:c="http://schemas.openxmlformats.org/drawingml/2006/chart" xmlns:dgm="http://schemas.openxmlformats.org/drawingml/2006/diagram" xmlns:o="urn:schemas-microsoft-com:office:office" xmlns:v="urn:schemas-microsoft-com:vml" xmlns:pvml="urn:schemas-microsoft-com:office:powerpoint" xmlns:com="http://schemas.openxmlformats.org/drawingml/2006/compatibility" xmlns:p14="http://schemas.microsoft.com/office/powerpoint/2010/main" xmlns:p15="http://schemas.microsoft.com/office/powerpoint/2012/main" xmlns:ahyp="http://schemas.microsoft.com/office/drawing/2018/hyperlinkcolor" matchingName="Рисунок с подписью" showMasterSp="0" type="picTx">
+<p:sldLayout xmlns:a="http://schemas.openxmlformats.org/drawingml/2006/main" xmlns:r="http://schemas.openxmlformats.org/officeDocument/2006/relationships" xmlns:p="http://schemas.openxmlformats.org/presentationml/2006/main" showMasterSp="0" matchingName="Рисунок с подписью" type="picTx">
   <p:cSld name="PICTURE_WITH_CAPTION_TEXT">
     <p:bg>
       <p:bgPr>
@@ -9172,15 +9514,16 @@
             </a:gs>
           </a:gsLst>
           <a:path path="circle">
-            <a:fillToRect b="100%" l="100%"/>
+            <a:fillToRect l="100000" b="100000"/>
           </a:path>
-          <a:tileRect r="-100%" t="-100%"/>
+          <a:tileRect t="-100000" r="-100000"/>
         </a:gradFill>
+        <a:effectLst/>
       </p:bgPr>
     </p:bg>
     <p:spTree>
       <p:nvGrpSpPr>
-        <p:cNvPr id="73" name="Shape 73"/>
+        <p:cNvPr id="1" name="Shape 73"/>
         <p:cNvGrpSpPr/>
         <p:nvPr/>
       </p:nvGrpSpPr>
@@ -9195,9 +9538,11 @@
       <p:sp>
         <p:nvSpPr>
           <p:cNvPr id="74" name="Google Shape;74;p20"/>
-          <p:cNvSpPr txBox="1"/>
+          <p:cNvSpPr txBox="1">
+            <a:spLocks noGrp="1"/>
+          </p:cNvSpPr>
           <p:nvPr>
-            <p:ph idx="1" type="body"/>
+            <p:ph type="body" idx="1"/>
           </p:nvPr>
         </p:nvSpPr>
         <p:spPr>
@@ -9214,11 +9559,11 @@
           </a:ln>
         </p:spPr>
         <p:txBody>
-          <a:bodyPr anchorCtr="0" anchor="t" bIns="45700" lIns="91425" spcFirstLastPara="1" rIns="91425" wrap="square" tIns="0">
+          <a:bodyPr spcFirstLastPara="1" wrap="square" lIns="91425" tIns="0" rIns="91425" bIns="45700" anchor="t" anchorCtr="0">
             <a:normAutofit/>
           </a:bodyPr>
           <a:lstStyle>
-            <a:lvl1pPr indent="-228600" lvl="0" marL="457200" marR="18288" algn="r">
+            <a:lvl1pPr marL="457200" marR="18288" lvl="0" indent="-228600" algn="r">
               <a:spcBef>
                 <a:spcPts val="400"/>
               </a:spcBef>
@@ -9229,7 +9574,7 @@
               <a:buNone/>
               <a:defRPr sz="1400"/>
             </a:lvl1pPr>
-            <a:lvl2pPr indent="-304800" lvl="1" marL="914400" algn="l">
+            <a:lvl2pPr marL="914400" lvl="1" indent="-304800" algn="l">
               <a:spcBef>
                 <a:spcPts val="324"/>
               </a:spcBef>
@@ -9240,7 +9585,7 @@
               <a:buChar char="◦"/>
               <a:defRPr sz="1200"/>
             </a:lvl2pPr>
-            <a:lvl3pPr indent="-292100" lvl="2" marL="1371600" algn="l">
+            <a:lvl3pPr marL="1371600" lvl="2" indent="-292100" algn="l">
               <a:spcBef>
                 <a:spcPts val="350"/>
               </a:spcBef>
@@ -9251,7 +9596,7 @@
               <a:buChar char="●"/>
               <a:defRPr sz="1000"/>
             </a:lvl3pPr>
-            <a:lvl4pPr indent="-285750" lvl="3" marL="1828800" algn="l">
+            <a:lvl4pPr marL="1828800" lvl="3" indent="-285750" algn="l">
               <a:spcBef>
                 <a:spcPts val="350"/>
               </a:spcBef>
@@ -9262,7 +9607,7 @@
               <a:buChar char="●"/>
               <a:defRPr sz="900"/>
             </a:lvl4pPr>
-            <a:lvl5pPr indent="-285750" lvl="4" marL="2286000" algn="l">
+            <a:lvl5pPr marL="2286000" lvl="4" indent="-285750" algn="l">
               <a:spcBef>
                 <a:spcPts val="350"/>
               </a:spcBef>
@@ -9273,7 +9618,7 @@
               <a:buChar char="●"/>
               <a:defRPr sz="900"/>
             </a:lvl5pPr>
-            <a:lvl6pPr indent="-342900" lvl="5" marL="2743200" algn="l">
+            <a:lvl6pPr marL="2743200" lvl="5" indent="-342900" algn="l">
               <a:spcBef>
                 <a:spcPts val="350"/>
               </a:spcBef>
@@ -9284,7 +9629,7 @@
               <a:buChar char="■"/>
               <a:defRPr/>
             </a:lvl6pPr>
-            <a:lvl7pPr indent="-342900" lvl="6" marL="3200400" algn="l">
+            <a:lvl7pPr marL="3200400" lvl="6" indent="-342900" algn="l">
               <a:spcBef>
                 <a:spcPts val="350"/>
               </a:spcBef>
@@ -9295,7 +9640,7 @@
               <a:buChar char="■"/>
               <a:defRPr/>
             </a:lvl7pPr>
-            <a:lvl8pPr indent="-342900" lvl="7" marL="3657600" algn="l">
+            <a:lvl8pPr marL="3657600" lvl="7" indent="-342900" algn="l">
               <a:spcBef>
                 <a:spcPts val="350"/>
               </a:spcBef>
@@ -9306,7 +9651,7 @@
               <a:buChar char="■"/>
               <a:defRPr/>
             </a:lvl8pPr>
-            <a:lvl9pPr indent="-342900" lvl="8" marL="4114800" algn="l">
+            <a:lvl9pPr marL="4114800" lvl="8" indent="-342900" algn="l">
               <a:spcBef>
                 <a:spcPts val="350"/>
               </a:spcBef>
@@ -9318,15 +9663,19 @@
               <a:defRPr/>
             </a:lvl9pPr>
           </a:lstStyle>
-          <a:p/>
+          <a:p>
+            <a:endParaRPr/>
+          </a:p>
         </p:txBody>
       </p:sp>
       <p:sp>
         <p:nvSpPr>
           <p:cNvPr id="75" name="Google Shape;75;p20"/>
-          <p:cNvSpPr/>
+          <p:cNvSpPr>
+            <a:spLocks noGrp="1"/>
+          </p:cNvSpPr>
           <p:nvPr>
-            <p:ph idx="2" type="pic"/>
+            <p:ph type="pic" idx="2"/>
           </p:nvPr>
         </p:nvSpPr>
         <p:spPr>
@@ -9340,23 +9689,25 @@
           <a:solidFill>
             <a:schemeClr val="dk2"/>
           </a:solidFill>
-          <a:ln cap="flat" cmpd="sng" w="9525">
+          <a:ln w="9525" cap="flat" cmpd="sng">
             <a:solidFill>
               <a:schemeClr val="dk1"/>
             </a:solidFill>
             <a:prstDash val="solid"/>
             <a:round/>
-            <a:headEnd len="sm" w="sm" type="none"/>
-            <a:tailEnd len="sm" w="sm" type="none"/>
+            <a:headEnd type="none" w="sm" len="sm"/>
+            <a:tailEnd type="none" w="sm" len="sm"/>
           </a:ln>
         </p:spPr>
       </p:sp>
       <p:sp>
         <p:nvSpPr>
           <p:cNvPr id="76" name="Google Shape;76;p20"/>
-          <p:cNvSpPr txBox="1"/>
+          <p:cNvSpPr txBox="1">
+            <a:spLocks noGrp="1"/>
+          </p:cNvSpPr>
           <p:nvPr>
-            <p:ph idx="10" type="dt"/>
+            <p:ph type="dt" idx="10"/>
           </p:nvPr>
         </p:nvSpPr>
         <p:spPr>
@@ -9373,7 +9724,7 @@
           </a:ln>
         </p:spPr>
         <p:txBody>
-          <a:bodyPr anchorCtr="0" anchor="b" bIns="45700" lIns="91425" spcFirstLastPara="1" rIns="91425" wrap="square" tIns="45700">
+          <a:bodyPr spcFirstLastPara="1" wrap="square" lIns="91425" tIns="45700" rIns="91425" bIns="45700" anchor="b" anchorCtr="0">
             <a:noAutofit/>
           </a:bodyPr>
           <a:lstStyle>
@@ -9481,15 +9832,19 @@
               <a:defRPr/>
             </a:lvl9pPr>
           </a:lstStyle>
-          <a:p/>
+          <a:p>
+            <a:endParaRPr/>
+          </a:p>
         </p:txBody>
       </p:sp>
       <p:sp>
         <p:nvSpPr>
           <p:cNvPr id="77" name="Google Shape;77;p20"/>
-          <p:cNvSpPr txBox="1"/>
+          <p:cNvSpPr txBox="1">
+            <a:spLocks noGrp="1"/>
+          </p:cNvSpPr>
           <p:nvPr>
-            <p:ph idx="11" type="ftr"/>
+            <p:ph type="ftr" idx="11"/>
           </p:nvPr>
         </p:nvSpPr>
         <p:spPr>
@@ -9506,7 +9861,7 @@
           </a:ln>
         </p:spPr>
         <p:txBody>
-          <a:bodyPr anchorCtr="0" anchor="b" bIns="45700" lIns="91425" spcFirstLastPara="1" rIns="91425" wrap="square" tIns="45700">
+          <a:bodyPr spcFirstLastPara="1" wrap="square" lIns="91425" tIns="45700" rIns="91425" bIns="45700" anchor="b" anchorCtr="0">
             <a:noAutofit/>
           </a:bodyPr>
           <a:lstStyle>
@@ -9614,15 +9969,19 @@
               <a:defRPr/>
             </a:lvl9pPr>
           </a:lstStyle>
-          <a:p/>
+          <a:p>
+            <a:endParaRPr/>
+          </a:p>
         </p:txBody>
       </p:sp>
       <p:sp>
         <p:nvSpPr>
           <p:cNvPr id="78" name="Google Shape;78;p20"/>
-          <p:cNvSpPr txBox="1"/>
+          <p:cNvSpPr txBox="1">
+            <a:spLocks noGrp="1"/>
+          </p:cNvSpPr>
           <p:nvPr>
-            <p:ph idx="12" type="sldNum"/>
+            <p:ph type="sldNum" idx="12"/>
           </p:nvPr>
         </p:nvSpPr>
         <p:spPr>
@@ -9639,16 +9998,16 @@
           </a:ln>
         </p:spPr>
         <p:txBody>
-          <a:bodyPr anchorCtr="0" anchor="b" bIns="45700" lIns="91425" spcFirstLastPara="1" rIns="91425" wrap="square" tIns="45700">
+          <a:bodyPr spcFirstLastPara="1" wrap="square" lIns="91425" tIns="45700" rIns="91425" bIns="45700" anchor="b" anchorCtr="0">
             <a:noAutofit/>
           </a:bodyPr>
           <a:lstStyle>
-            <a:lvl1pPr indent="0" lvl="0" marL="0" algn="r">
-              <a:spcBef>
-                <a:spcPts val="0"/>
-              </a:spcBef>
-              <a:buNone/>
-              <a:defRPr b="0" sz="1000">
+            <a:lvl1pPr marL="0" lvl="0" indent="0" algn="r">
+              <a:spcBef>
+                <a:spcPts val="0"/>
+              </a:spcBef>
+              <a:buNone/>
+              <a:defRPr sz="1000" b="0">
                 <a:solidFill>
                   <a:schemeClr val="lt1"/>
                 </a:solidFill>
@@ -9658,12 +10017,12 @@
                 <a:sym typeface="Lucida Sans"/>
               </a:defRPr>
             </a:lvl1pPr>
-            <a:lvl2pPr indent="0" lvl="1" marL="0" algn="r">
-              <a:spcBef>
-                <a:spcPts val="0"/>
-              </a:spcBef>
-              <a:buNone/>
-              <a:defRPr b="0" sz="1000">
+            <a:lvl2pPr marL="0" lvl="1" indent="0" algn="r">
+              <a:spcBef>
+                <a:spcPts val="0"/>
+              </a:spcBef>
+              <a:buNone/>
+              <a:defRPr sz="1000" b="0">
                 <a:solidFill>
                   <a:schemeClr val="lt1"/>
                 </a:solidFill>
@@ -9673,12 +10032,12 @@
                 <a:sym typeface="Lucida Sans"/>
               </a:defRPr>
             </a:lvl2pPr>
-            <a:lvl3pPr indent="0" lvl="2" marL="0" algn="r">
-              <a:spcBef>
-                <a:spcPts val="0"/>
-              </a:spcBef>
-              <a:buNone/>
-              <a:defRPr b="0" sz="1000">
+            <a:lvl3pPr marL="0" lvl="2" indent="0" algn="r">
+              <a:spcBef>
+                <a:spcPts val="0"/>
+              </a:spcBef>
+              <a:buNone/>
+              <a:defRPr sz="1000" b="0">
                 <a:solidFill>
                   <a:schemeClr val="lt1"/>
                 </a:solidFill>
@@ -9688,12 +10047,12 @@
                 <a:sym typeface="Lucida Sans"/>
               </a:defRPr>
             </a:lvl3pPr>
-            <a:lvl4pPr indent="0" lvl="3" marL="0" algn="r">
-              <a:spcBef>
-                <a:spcPts val="0"/>
-              </a:spcBef>
-              <a:buNone/>
-              <a:defRPr b="0" sz="1000">
+            <a:lvl4pPr marL="0" lvl="3" indent="0" algn="r">
+              <a:spcBef>
+                <a:spcPts val="0"/>
+              </a:spcBef>
+              <a:buNone/>
+              <a:defRPr sz="1000" b="0">
                 <a:solidFill>
                   <a:schemeClr val="lt1"/>
                 </a:solidFill>
@@ -9703,12 +10062,12 @@
                 <a:sym typeface="Lucida Sans"/>
               </a:defRPr>
             </a:lvl4pPr>
-            <a:lvl5pPr indent="0" lvl="4" marL="0" algn="r">
-              <a:spcBef>
-                <a:spcPts val="0"/>
-              </a:spcBef>
-              <a:buNone/>
-              <a:defRPr b="0" sz="1000">
+            <a:lvl5pPr marL="0" lvl="4" indent="0" algn="r">
+              <a:spcBef>
+                <a:spcPts val="0"/>
+              </a:spcBef>
+              <a:buNone/>
+              <a:defRPr sz="1000" b="0">
                 <a:solidFill>
                   <a:schemeClr val="lt1"/>
                 </a:solidFill>
@@ -9718,12 +10077,12 @@
                 <a:sym typeface="Lucida Sans"/>
               </a:defRPr>
             </a:lvl5pPr>
-            <a:lvl6pPr indent="0" lvl="5" marL="0" algn="r">
-              <a:spcBef>
-                <a:spcPts val="0"/>
-              </a:spcBef>
-              <a:buNone/>
-              <a:defRPr b="0" sz="1000">
+            <a:lvl6pPr marL="0" lvl="5" indent="0" algn="r">
+              <a:spcBef>
+                <a:spcPts val="0"/>
+              </a:spcBef>
+              <a:buNone/>
+              <a:defRPr sz="1000" b="0">
                 <a:solidFill>
                   <a:schemeClr val="lt1"/>
                 </a:solidFill>
@@ -9733,12 +10092,12 @@
                 <a:sym typeface="Lucida Sans"/>
               </a:defRPr>
             </a:lvl6pPr>
-            <a:lvl7pPr indent="0" lvl="6" marL="0" algn="r">
-              <a:spcBef>
-                <a:spcPts val="0"/>
-              </a:spcBef>
-              <a:buNone/>
-              <a:defRPr b="0" sz="1000">
+            <a:lvl7pPr marL="0" lvl="6" indent="0" algn="r">
+              <a:spcBef>
+                <a:spcPts val="0"/>
+              </a:spcBef>
+              <a:buNone/>
+              <a:defRPr sz="1000" b="0">
                 <a:solidFill>
                   <a:schemeClr val="lt1"/>
                 </a:solidFill>
@@ -9748,12 +10107,12 @@
                 <a:sym typeface="Lucida Sans"/>
               </a:defRPr>
             </a:lvl7pPr>
-            <a:lvl8pPr indent="0" lvl="7" marL="0" algn="r">
-              <a:spcBef>
-                <a:spcPts val="0"/>
-              </a:spcBef>
-              <a:buNone/>
-              <a:defRPr b="0" sz="1000">
+            <a:lvl8pPr marL="0" lvl="7" indent="0" algn="r">
+              <a:spcBef>
+                <a:spcPts val="0"/>
+              </a:spcBef>
+              <a:buNone/>
+              <a:defRPr sz="1000" b="0">
                 <a:solidFill>
                   <a:schemeClr val="lt1"/>
                 </a:solidFill>
@@ -9763,12 +10122,12 @@
                 <a:sym typeface="Lucida Sans"/>
               </a:defRPr>
             </a:lvl8pPr>
-            <a:lvl9pPr indent="0" lvl="8" marL="0" algn="r">
-              <a:spcBef>
-                <a:spcPts val="0"/>
-              </a:spcBef>
-              <a:buNone/>
-              <a:defRPr b="0" sz="1000">
+            <a:lvl9pPr marL="0" lvl="8" indent="0" algn="r">
+              <a:spcBef>
+                <a:spcPts val="0"/>
+              </a:spcBef>
+              <a:buNone/>
+              <a:defRPr sz="1000" b="0">
                 <a:solidFill>
                   <a:schemeClr val="lt1"/>
                 </a:solidFill>
@@ -9780,7 +10139,7 @@
             </a:lvl9pPr>
           </a:lstStyle>
           <a:p>
-            <a:pPr indent="0" lvl="0" marL="0" rtl="0" algn="r">
+            <a:pPr marL="0" lvl="0" indent="0" algn="r" rtl="0">
               <a:spcBef>
                 <a:spcPts val="0"/>
               </a:spcBef>
@@ -9791,6 +10150,15 @@
             </a:pPr>
             <a:fld id="{00000000-1234-1234-1234-123412341234}" type="slidenum">
               <a:rPr lang="ru-RU"/>
+              <a:pPr marL="0" lvl="0" indent="0" algn="r" rtl="0">
+                <a:spcBef>
+                  <a:spcPts val="0"/>
+                </a:spcBef>
+                <a:spcAft>
+                  <a:spcPts val="0"/>
+                </a:spcAft>
+                <a:buNone/>
+              </a:pPr>
               <a:t>‹#›</a:t>
             </a:fld>
             <a:endParaRPr/>
@@ -9800,7 +10168,9 @@
       <p:sp>
         <p:nvSpPr>
           <p:cNvPr id="79" name="Google Shape;79;p20"/>
-          <p:cNvSpPr txBox="1"/>
+          <p:cNvSpPr txBox="1">
+            <a:spLocks noGrp="1"/>
+          </p:cNvSpPr>
           <p:nvPr>
             <p:ph type="title"/>
           </p:nvPr>
@@ -9819,11 +10189,11 @@
           </a:ln>
         </p:spPr>
         <p:txBody>
-          <a:bodyPr anchorCtr="0" anchor="t" bIns="45700" lIns="91425" spcFirstLastPara="1" rIns="91425" wrap="square" tIns="45700">
+          <a:bodyPr spcFirstLastPara="1" wrap="square" lIns="91425" tIns="45700" rIns="91425" bIns="45700" anchor="t" anchorCtr="0">
             <a:normAutofit/>
           </a:bodyPr>
           <a:lstStyle>
-            <a:lvl1pPr lvl="0" marR="0" algn="r">
+            <a:lvl1pPr marR="0" lvl="0" algn="r">
               <a:spcBef>
                 <a:spcPts val="0"/>
               </a:spcBef>
@@ -9836,7 +10206,7 @@
               <a:buSzPts val="3000"/>
               <a:buFont typeface="Lucida Sans"/>
               <a:buNone/>
-              <a:defRPr b="0" sz="3000">
+              <a:defRPr sz="3000" b="0">
                 <a:solidFill>
                   <a:schemeClr val="accent1"/>
                 </a:solidFill>
@@ -9931,7 +10301,9 @@
               <a:defRPr/>
             </a:lvl9pPr>
           </a:lstStyle>
-          <a:p/>
+          <a:p>
+            <a:endParaRPr/>
+          </a:p>
         </p:txBody>
       </p:sp>
       <p:sp>
@@ -9946,9 +10318,13 @@
             <a:ext cx="4940624" cy="921076"/>
           </a:xfrm>
           <a:custGeom>
-            <a:rect b="b" l="l" r="r" t="t"/>
+            <a:avLst/>
+            <a:gdLst/>
+            <a:ahLst/>
+            <a:cxnLst/>
+            <a:rect l="l" t="t" r="r" b="b"/>
             <a:pathLst>
-              <a:path extrusionOk="0" h="337" w="7485">
+              <a:path w="7485" h="337" extrusionOk="0">
                 <a:moveTo>
                   <a:pt x="0" y="2"/>
                 </a:moveTo>
@@ -9974,12 +10350,12 @@
           </a:ln>
         </p:spPr>
         <p:txBody>
-          <a:bodyPr anchorCtr="0" anchor="t" bIns="45700" lIns="91425" spcFirstLastPara="1" rIns="91425" wrap="square" tIns="45700">
+          <a:bodyPr spcFirstLastPara="1" wrap="square" lIns="91425" tIns="45700" rIns="91425" bIns="45700" anchor="t" anchorCtr="0">
             <a:noAutofit/>
           </a:bodyPr>
           <a:lstStyle/>
           <a:p>
-            <a:pPr indent="0" lvl="0" marL="0" marR="0" rtl="0" algn="l">
+            <a:pPr marL="0" marR="0" lvl="0" indent="0" algn="l" rtl="0">
               <a:spcBef>
                 <a:spcPts val="0"/>
               </a:spcBef>
@@ -9988,9 +10364,6 @@
               </a:spcAft>
               <a:buNone/>
             </a:pPr>
-            <a:r>
-              <a:t/>
-            </a:r>
             <a:endParaRPr sz="1800">
               <a:solidFill>
                 <a:schemeClr val="lt1"/>
@@ -10015,9 +10388,13 @@
             <a:ext cx="3690451" cy="933450"/>
           </a:xfrm>
           <a:custGeom>
-            <a:rect b="b" l="l" r="r" t="t"/>
+            <a:avLst/>
+            <a:gdLst/>
+            <a:ahLst/>
+            <a:cxnLst/>
+            <a:rect l="l" t="t" r="r" b="b"/>
             <a:pathLst>
-              <a:path extrusionOk="0" h="588" w="5591">
+              <a:path w="5591" h="588" extrusionOk="0">
                 <a:moveTo>
                   <a:pt x="0" y="0"/>
                 </a:moveTo>
@@ -10041,12 +10418,12 @@
           </a:ln>
         </p:spPr>
         <p:txBody>
-          <a:bodyPr anchorCtr="0" anchor="t" bIns="45700" lIns="91425" spcFirstLastPara="1" rIns="91425" wrap="square" tIns="45700">
+          <a:bodyPr spcFirstLastPara="1" wrap="square" lIns="91425" tIns="45700" rIns="91425" bIns="45700" anchor="t" anchorCtr="0">
             <a:noAutofit/>
           </a:bodyPr>
           <a:lstStyle/>
           <a:p>
-            <a:pPr indent="0" lvl="0" marL="0" marR="0" rtl="0" algn="l">
+            <a:pPr marL="0" marR="0" lvl="0" indent="0" algn="l" rtl="0">
               <a:spcBef>
                 <a:spcPts val="0"/>
               </a:spcBef>
@@ -10055,9 +10432,6 @@
               </a:spcAft>
               <a:buNone/>
             </a:pPr>
-            <a:r>
-              <a:t/>
-            </a:r>
             <a:endParaRPr sz="1800">
               <a:solidFill>
                 <a:schemeClr val="lt1"/>
@@ -10088,19 +10462,19 @@
             <a:blip r:embed="rId2">
               <a:alphaModFix amt="50000"/>
             </a:blip>
-            <a:tile algn="t" flip="none" tx="0" sx="50000" ty="0" sy="50000"/>
+            <a:tile tx="0" ty="0" sx="50000" sy="50000" flip="none" algn="t"/>
           </a:blipFill>
           <a:ln>
             <a:noFill/>
           </a:ln>
         </p:spPr>
         <p:txBody>
-          <a:bodyPr anchorCtr="0" anchor="ctr" bIns="45700" lIns="91425" spcFirstLastPara="1" rIns="91425" wrap="square" tIns="45700">
+          <a:bodyPr spcFirstLastPara="1" wrap="square" lIns="91425" tIns="45700" rIns="91425" bIns="45700" anchor="ctr" anchorCtr="0">
             <a:noAutofit/>
           </a:bodyPr>
           <a:lstStyle/>
           <a:p>
-            <a:pPr indent="0" lvl="0" marL="0" marR="0" rtl="0" algn="ctr">
+            <a:pPr marL="0" marR="0" lvl="0" indent="0" algn="ctr" rtl="0">
               <a:spcBef>
                 <a:spcPts val="0"/>
               </a:spcBef>
@@ -10109,9 +10483,6 @@
               </a:spcAft>
               <a:buNone/>
             </a:pPr>
-            <a:r>
-              <a:t/>
-            </a:r>
             <a:endParaRPr sz="1800">
               <a:solidFill>
                 <a:schemeClr val="lt1"/>
@@ -10139,14 +10510,14 @@
             <a:avLst/>
           </a:prstGeom>
           <a:noFill/>
-          <a:ln cap="flat" cmpd="sng" w="12050">
+          <a:ln w="12050" cap="flat" cmpd="sng">
             <a:solidFill>
               <a:srgbClr val="93C5D8"/>
             </a:solidFill>
             <a:prstDash val="solid"/>
             <a:miter lim="800000"/>
-            <a:headEnd len="sm" w="sm" type="none"/>
-            <a:tailEnd len="sm" w="sm" type="none"/>
+            <a:headEnd type="none" w="sm" len="sm"/>
+            <a:tailEnd type="none" w="sm" len="sm"/>
           </a:ln>
         </p:spPr>
       </p:cxnSp>
@@ -10163,7 +10534,7 @@
           </a:xfrm>
           <a:prstGeom prst="chevron">
             <a:avLst>
-              <a:gd fmla="val 50000" name="adj"/>
+              <a:gd name="adj" fmla="val 50000"/>
             </a:avLst>
           </a:prstGeom>
           <a:gradFill>
@@ -10180,17 +10551,17 @@
             </a:gsLst>
             <a:lin ang="16200000" scaled="0"/>
           </a:gradFill>
-          <a:ln cap="rnd" cmpd="sng" w="9525">
+          <a:ln w="9525" cap="rnd" cmpd="sng">
             <a:solidFill>
               <a:srgbClr val="20768B"/>
             </a:solidFill>
             <a:prstDash val="solid"/>
             <a:round/>
-            <a:headEnd len="sm" w="sm" type="none"/>
-            <a:tailEnd len="sm" w="sm" type="none"/>
+            <a:headEnd type="none" w="sm" len="sm"/>
+            <a:tailEnd type="none" w="sm" len="sm"/>
           </a:ln>
           <a:effectLst>
-            <a:outerShdw blurRad="50800" dir="5400000" dist="25400">
+            <a:outerShdw blurRad="50800" dist="25400" dir="5400000">
               <a:srgbClr val="000000">
                 <a:alpha val="45882"/>
               </a:srgbClr>
@@ -10198,12 +10569,12 @@
           </a:effectLst>
         </p:spPr>
         <p:txBody>
-          <a:bodyPr anchorCtr="0" anchor="ctr" bIns="45700" lIns="91425" spcFirstLastPara="1" rIns="91425" wrap="square" tIns="45700">
+          <a:bodyPr spcFirstLastPara="1" wrap="square" lIns="91425" tIns="45700" rIns="91425" bIns="45700" anchor="ctr" anchorCtr="0">
             <a:noAutofit/>
           </a:bodyPr>
           <a:lstStyle/>
           <a:p>
-            <a:pPr indent="0" lvl="0" marL="0" marR="0" rtl="0" algn="l">
+            <a:pPr marL="0" marR="0" lvl="0" indent="0" algn="l" rtl="0">
               <a:spcBef>
                 <a:spcPts val="0"/>
               </a:spcBef>
@@ -10212,9 +10583,6 @@
               </a:spcAft>
               <a:buNone/>
             </a:pPr>
-            <a:r>
-              <a:t/>
-            </a:r>
             <a:endParaRPr sz="1800">
               <a:solidFill>
                 <a:schemeClr val="lt1"/>
@@ -10240,7 +10608,7 @@
           </a:xfrm>
           <a:prstGeom prst="chevron">
             <a:avLst>
-              <a:gd fmla="val 50000" name="adj"/>
+              <a:gd name="adj" fmla="val 50000"/>
             </a:avLst>
           </a:prstGeom>
           <a:gradFill>
@@ -10257,17 +10625,17 @@
             </a:gsLst>
             <a:lin ang="16200000" scaled="0"/>
           </a:gradFill>
-          <a:ln cap="rnd" cmpd="sng" w="9525">
+          <a:ln w="9525" cap="rnd" cmpd="sng">
             <a:solidFill>
               <a:srgbClr val="20768B"/>
             </a:solidFill>
             <a:prstDash val="solid"/>
             <a:round/>
-            <a:headEnd len="sm" w="sm" type="none"/>
-            <a:tailEnd len="sm" w="sm" type="none"/>
+            <a:headEnd type="none" w="sm" len="sm"/>
+            <a:tailEnd type="none" w="sm" len="sm"/>
           </a:ln>
           <a:effectLst>
-            <a:outerShdw blurRad="50800" dir="5400000" dist="25400">
+            <a:outerShdw blurRad="50800" dist="25400" dir="5400000">
               <a:srgbClr val="000000">
                 <a:alpha val="45882"/>
               </a:srgbClr>
@@ -10275,12 +10643,12 @@
           </a:effectLst>
         </p:spPr>
         <p:txBody>
-          <a:bodyPr anchorCtr="0" anchor="ctr" bIns="45700" lIns="91425" spcFirstLastPara="1" rIns="91425" wrap="square" tIns="45700">
+          <a:bodyPr spcFirstLastPara="1" wrap="square" lIns="91425" tIns="45700" rIns="91425" bIns="45700" anchor="ctr" anchorCtr="0">
             <a:noAutofit/>
           </a:bodyPr>
           <a:lstStyle/>
           <a:p>
-            <a:pPr indent="0" lvl="0" marL="0" marR="0" rtl="0" algn="l">
+            <a:pPr marL="0" marR="0" lvl="0" indent="0" algn="l" rtl="0">
               <a:spcBef>
                 <a:spcPts val="0"/>
               </a:spcBef>
@@ -10289,9 +10657,6 @@
               </a:spcAft>
               <a:buNone/>
             </a:pPr>
-            <a:r>
-              <a:t/>
-            </a:r>
             <a:endParaRPr sz="1800">
               <a:solidFill>
                 <a:schemeClr val="lt1"/>
@@ -10313,18 +10678,19 @@
 </file>
 
 <file path=ppt/slideMasters/slideMaster1.xml><?xml version="1.0" encoding="utf-8"?>
-<p:sldMaster xmlns:a="http://schemas.openxmlformats.org/drawingml/2006/main" xmlns:r="http://schemas.openxmlformats.org/officeDocument/2006/relationships" xmlns:mc="http://schemas.openxmlformats.org/markup-compatibility/2006" xmlns:mv="urn:schemas-microsoft-com:mac:vml" xmlns:p="http://schemas.openxmlformats.org/presentationml/2006/main" xmlns:c="http://schemas.openxmlformats.org/drawingml/2006/chart" xmlns:dgm="http://schemas.openxmlformats.org/drawingml/2006/diagram" xmlns:o="urn:schemas-microsoft-com:office:office" xmlns:v="urn:schemas-microsoft-com:vml" xmlns:pvml="urn:schemas-microsoft-com:office:powerpoint" xmlns:com="http://schemas.openxmlformats.org/drawingml/2006/compatibility" xmlns:p14="http://schemas.microsoft.com/office/powerpoint/2010/main" xmlns:p15="http://schemas.microsoft.com/office/powerpoint/2012/main" xmlns:ahyp="http://schemas.microsoft.com/office/drawing/2018/hyperlinkcolor">
+<p:sldMaster xmlns:a="http://schemas.openxmlformats.org/drawingml/2006/main" xmlns:r="http://schemas.openxmlformats.org/officeDocument/2006/relationships" xmlns:p="http://schemas.openxmlformats.org/presentationml/2006/main">
   <p:cSld>
     <p:bg>
       <p:bgPr>
         <a:solidFill>
           <a:schemeClr val="lt1"/>
         </a:solidFill>
+        <a:effectLst/>
       </p:bgPr>
     </p:bg>
     <p:spTree>
       <p:nvGrpSpPr>
-        <p:cNvPr id="5" name="Shape 5"/>
+        <p:cNvPr id="1" name="Shape 5"/>
         <p:cNvGrpSpPr/>
         <p:nvPr/>
       </p:nvGrpSpPr>
@@ -10348,9 +10714,13 @@
             <a:ext cx="4940624" cy="921076"/>
           </a:xfrm>
           <a:custGeom>
-            <a:rect b="b" l="l" r="r" t="t"/>
+            <a:avLst/>
+            <a:gdLst/>
+            <a:ahLst/>
+            <a:cxnLst/>
+            <a:rect l="l" t="t" r="r" b="b"/>
             <a:pathLst>
-              <a:path extrusionOk="0" h="337" w="7485">
+              <a:path w="7485" h="337" extrusionOk="0">
                 <a:moveTo>
                   <a:pt x="0" y="2"/>
                 </a:moveTo>
@@ -10376,12 +10746,12 @@
           </a:ln>
         </p:spPr>
         <p:txBody>
-          <a:bodyPr anchorCtr="0" anchor="t" bIns="45700" lIns="91425" spcFirstLastPara="1" rIns="91425" wrap="square" tIns="45700">
+          <a:bodyPr spcFirstLastPara="1" wrap="square" lIns="91425" tIns="45700" rIns="91425" bIns="45700" anchor="t" anchorCtr="0">
             <a:noAutofit/>
           </a:bodyPr>
           <a:lstStyle/>
           <a:p>
-            <a:pPr indent="0" lvl="0" marL="0" marR="0" rtl="0" algn="l">
+            <a:pPr marL="0" marR="0" lvl="0" indent="0" algn="l" rtl="0">
               <a:spcBef>
                 <a:spcPts val="0"/>
               </a:spcBef>
@@ -10390,9 +10760,6 @@
               </a:spcAft>
               <a:buNone/>
             </a:pPr>
-            <a:r>
-              <a:t/>
-            </a:r>
             <a:endParaRPr sz="1800">
               <a:solidFill>
                 <a:schemeClr val="dk1"/>
@@ -10417,9 +10784,13 @@
             <a:ext cx="3690451" cy="933450"/>
           </a:xfrm>
           <a:custGeom>
-            <a:rect b="b" l="l" r="r" t="t"/>
+            <a:avLst/>
+            <a:gdLst/>
+            <a:ahLst/>
+            <a:cxnLst/>
+            <a:rect l="l" t="t" r="r" b="b"/>
             <a:pathLst>
-              <a:path extrusionOk="0" h="588" w="5591">
+              <a:path w="5591" h="588" extrusionOk="0">
                 <a:moveTo>
                   <a:pt x="0" y="0"/>
                 </a:moveTo>
@@ -10443,12 +10814,12 @@
           </a:ln>
         </p:spPr>
         <p:txBody>
-          <a:bodyPr anchorCtr="0" anchor="t" bIns="45700" lIns="91425" spcFirstLastPara="1" rIns="91425" wrap="square" tIns="45700">
+          <a:bodyPr spcFirstLastPara="1" wrap="square" lIns="91425" tIns="45700" rIns="91425" bIns="45700" anchor="t" anchorCtr="0">
             <a:noAutofit/>
           </a:bodyPr>
           <a:lstStyle/>
           <a:p>
-            <a:pPr indent="0" lvl="0" marL="0" marR="0" rtl="0" algn="l">
+            <a:pPr marL="0" marR="0" lvl="0" indent="0" algn="l" rtl="0">
               <a:spcBef>
                 <a:spcPts val="0"/>
               </a:spcBef>
@@ -10457,9 +10828,6 @@
               </a:spcAft>
               <a:buNone/>
             </a:pPr>
-            <a:r>
-              <a:t/>
-            </a:r>
             <a:endParaRPr sz="1800">
               <a:solidFill>
                 <a:schemeClr val="dk1"/>
@@ -10487,22 +10855,22 @@
             <a:avLst/>
           </a:prstGeom>
           <a:blipFill rotWithShape="1">
-            <a:blip r:embed="rId1">
+            <a:blip r:embed="rId13">
               <a:alphaModFix amt="50000"/>
             </a:blip>
-            <a:tile algn="t" flip="none" tx="0" sx="50000" ty="0" sy="50000"/>
+            <a:tile tx="0" ty="0" sx="50000" sy="50000" flip="none" algn="t"/>
           </a:blipFill>
           <a:ln>
             <a:noFill/>
           </a:ln>
         </p:spPr>
         <p:txBody>
-          <a:bodyPr anchorCtr="0" anchor="ctr" bIns="45700" lIns="91425" spcFirstLastPara="1" rIns="91425" wrap="square" tIns="45700">
+          <a:bodyPr spcFirstLastPara="1" wrap="square" lIns="91425" tIns="45700" rIns="91425" bIns="45700" anchor="ctr" anchorCtr="0">
             <a:noAutofit/>
           </a:bodyPr>
           <a:lstStyle/>
           <a:p>
-            <a:pPr indent="0" lvl="0" marL="0" marR="0" rtl="0" algn="ctr">
+            <a:pPr marL="0" marR="0" lvl="0" indent="0" algn="ctr" rtl="0">
               <a:spcBef>
                 <a:spcPts val="0"/>
               </a:spcBef>
@@ -10511,9 +10879,6 @@
               </a:spcAft>
               <a:buNone/>
             </a:pPr>
-            <a:r>
-              <a:t/>
-            </a:r>
             <a:endParaRPr sz="1800">
               <a:solidFill>
                 <a:schemeClr val="lt1"/>
@@ -10541,21 +10906,23 @@
             <a:avLst/>
           </a:prstGeom>
           <a:noFill/>
-          <a:ln cap="flat" cmpd="sng" w="12050">
+          <a:ln w="12050" cap="flat" cmpd="sng">
             <a:solidFill>
               <a:srgbClr val="93C5D8"/>
             </a:solidFill>
             <a:prstDash val="solid"/>
             <a:miter lim="800000"/>
-            <a:headEnd len="sm" w="sm" type="none"/>
-            <a:tailEnd len="sm" w="sm" type="none"/>
+            <a:headEnd type="none" w="sm" len="sm"/>
+            <a:tailEnd type="none" w="sm" len="sm"/>
           </a:ln>
         </p:spPr>
       </p:cxnSp>
       <p:sp>
         <p:nvSpPr>
           <p:cNvPr id="10" name="Google Shape;10;p11"/>
-          <p:cNvSpPr txBox="1"/>
+          <p:cNvSpPr txBox="1">
+            <a:spLocks noGrp="1"/>
+          </p:cNvSpPr>
           <p:nvPr>
             <p:ph type="title"/>
           </p:nvPr>
@@ -10574,11 +10941,11 @@
           </a:ln>
         </p:spPr>
         <p:txBody>
-          <a:bodyPr anchorCtr="0" anchor="ctr" bIns="45700" lIns="91425" spcFirstLastPara="1" rIns="91425" wrap="square" tIns="45700">
+          <a:bodyPr spcFirstLastPara="1" wrap="square" lIns="91425" tIns="45700" rIns="91425" bIns="45700" anchor="ctr" anchorCtr="0">
             <a:normAutofit/>
           </a:bodyPr>
           <a:lstStyle>
-            <a:lvl1pPr lvl="0" marR="0" rtl="0" algn="l">
+            <a:lvl1pPr marR="0" lvl="0" algn="l" rtl="0">
               <a:spcBef>
                 <a:spcPts val="0"/>
               </a:spcBef>
@@ -10591,7 +10958,7 @@
               <a:buSzPts val="4100"/>
               <a:buFont typeface="Lucida Sans"/>
               <a:buNone/>
-              <a:defRPr b="1" i="0" sz="4100" u="none" cap="none" strike="noStrike">
+              <a:defRPr sz="4100" b="1" i="0" u="none" strike="noStrike" cap="none">
                 <a:solidFill>
                   <a:schemeClr val="dk2"/>
                 </a:solidFill>
@@ -10690,15 +11057,19 @@
               <a:defRPr sz="1800"/>
             </a:lvl9pPr>
           </a:lstStyle>
-          <a:p/>
+          <a:p>
+            <a:endParaRPr/>
+          </a:p>
         </p:txBody>
       </p:sp>
       <p:sp>
         <p:nvSpPr>
           <p:cNvPr id="11" name="Google Shape;11;p11"/>
-          <p:cNvSpPr txBox="1"/>
+          <p:cNvSpPr txBox="1">
+            <a:spLocks noGrp="1"/>
+          </p:cNvSpPr>
           <p:nvPr>
-            <p:ph idx="1" type="body"/>
+            <p:ph type="body" idx="1"/>
           </p:nvPr>
         </p:nvSpPr>
         <p:spPr>
@@ -10715,11 +11086,11 @@
           </a:ln>
         </p:spPr>
         <p:txBody>
-          <a:bodyPr anchorCtr="0" anchor="t" bIns="45700" lIns="91425" spcFirstLastPara="1" rIns="91425" wrap="square" tIns="45700">
+          <a:bodyPr spcFirstLastPara="1" wrap="square" lIns="91425" tIns="45700" rIns="91425" bIns="45700" anchor="t" anchorCtr="0">
             <a:normAutofit/>
           </a:bodyPr>
           <a:lstStyle>
-            <a:lvl1pPr indent="-345186" lvl="0" marL="457200" marR="0" rtl="0" algn="l">
+            <a:lvl1pPr marL="457200" marR="0" lvl="0" indent="-345186" algn="l" rtl="0">
               <a:spcBef>
                 <a:spcPts val="400"/>
               </a:spcBef>
@@ -10732,7 +11103,7 @@
               <a:buSzPts val="1836"/>
               <a:buFont typeface="Noto Sans Symbols"/>
               <a:buChar char="🞂"/>
-              <a:defRPr b="0" i="0" sz="2700" u="none" cap="none" strike="noStrike">
+              <a:defRPr sz="2700" b="0" i="0" u="none" strike="noStrike" cap="none">
                 <a:solidFill>
                   <a:schemeClr val="dk1"/>
                 </a:solidFill>
@@ -10742,7 +11113,7 @@
                 <a:sym typeface="Lucida Sans"/>
               </a:defRPr>
             </a:lvl1pPr>
-            <a:lvl2pPr indent="-374650" lvl="1" marL="914400" marR="0" rtl="0" algn="l">
+            <a:lvl2pPr marL="914400" marR="0" lvl="1" indent="-374650" algn="l" rtl="0">
               <a:spcBef>
                 <a:spcPts val="324"/>
               </a:spcBef>
@@ -10755,7 +11126,7 @@
               <a:buSzPts val="2300"/>
               <a:buFont typeface="Verdana"/>
               <a:buChar char="◦"/>
-              <a:defRPr b="0" i="0" sz="2300" u="none" cap="none" strike="noStrike">
+              <a:defRPr sz="2300" b="0" i="0" u="none" strike="noStrike" cap="none">
                 <a:solidFill>
                   <a:schemeClr val="dk1"/>
                 </a:solidFill>
@@ -10765,7 +11136,7 @@
                 <a:sym typeface="Lucida Sans"/>
               </a:defRPr>
             </a:lvl2pPr>
-            <a:lvl3pPr indent="-361950" lvl="2" marL="1371600" marR="0" rtl="0" algn="l">
+            <a:lvl3pPr marL="1371600" marR="0" lvl="2" indent="-361950" algn="l" rtl="0">
               <a:spcBef>
                 <a:spcPts val="350"/>
               </a:spcBef>
@@ -10778,7 +11149,7 @@
               <a:buSzPts val="2100"/>
               <a:buFont typeface="Noto Sans Symbols"/>
               <a:buChar char="●"/>
-              <a:defRPr b="0" i="0" sz="2100" u="none" cap="none" strike="noStrike">
+              <a:defRPr sz="2100" b="0" i="0" u="none" strike="noStrike" cap="none">
                 <a:solidFill>
                   <a:schemeClr val="dk1"/>
                 </a:solidFill>
@@ -10788,7 +11159,7 @@
                 <a:sym typeface="Lucida Sans"/>
               </a:defRPr>
             </a:lvl3pPr>
-            <a:lvl4pPr indent="-349250" lvl="3" marL="1828800" marR="0" rtl="0" algn="l">
+            <a:lvl4pPr marL="1828800" marR="0" lvl="3" indent="-349250" algn="l" rtl="0">
               <a:spcBef>
                 <a:spcPts val="350"/>
               </a:spcBef>
@@ -10801,7 +11172,7 @@
               <a:buSzPts val="1900"/>
               <a:buFont typeface="Noto Sans Symbols"/>
               <a:buChar char="●"/>
-              <a:defRPr b="0" i="0" sz="1900" u="none" cap="none" strike="noStrike">
+              <a:defRPr sz="1900" b="0" i="0" u="none" strike="noStrike" cap="none">
                 <a:solidFill>
                   <a:schemeClr val="dk1"/>
                 </a:solidFill>
@@ -10811,7 +11182,7 @@
                 <a:sym typeface="Lucida Sans"/>
               </a:defRPr>
             </a:lvl4pPr>
-            <a:lvl5pPr indent="-342900" lvl="4" marL="2286000" marR="0" rtl="0" algn="l">
+            <a:lvl5pPr marL="2286000" marR="0" lvl="4" indent="-342900" algn="l" rtl="0">
               <a:spcBef>
                 <a:spcPts val="350"/>
               </a:spcBef>
@@ -10824,7 +11195,7 @@
               <a:buSzPts val="1800"/>
               <a:buFont typeface="Noto Sans Symbols"/>
               <a:buChar char="●"/>
-              <a:defRPr b="0" i="0" sz="1800" u="none" cap="none" strike="noStrike">
+              <a:defRPr sz="1800" b="0" i="0" u="none" strike="noStrike" cap="none">
                 <a:solidFill>
                   <a:schemeClr val="dk1"/>
                 </a:solidFill>
@@ -10834,7 +11205,7 @@
                 <a:sym typeface="Lucida Sans"/>
               </a:defRPr>
             </a:lvl5pPr>
-            <a:lvl6pPr indent="-342900" lvl="5" marL="2743200" marR="0" rtl="0" algn="l">
+            <a:lvl6pPr marL="2743200" marR="0" lvl="5" indent="-342900" algn="l" rtl="0">
               <a:spcBef>
                 <a:spcPts val="350"/>
               </a:spcBef>
@@ -10847,7 +11218,7 @@
               <a:buSzPts val="1800"/>
               <a:buFont typeface="Noto Sans Symbols"/>
               <a:buChar char="■"/>
-              <a:defRPr b="0" i="0" sz="1800" u="none" cap="none" strike="noStrike">
+              <a:defRPr sz="1800" b="0" i="0" u="none" strike="noStrike" cap="none">
                 <a:solidFill>
                   <a:schemeClr val="dk1"/>
                 </a:solidFill>
@@ -10857,7 +11228,7 @@
                 <a:sym typeface="Lucida Sans"/>
               </a:defRPr>
             </a:lvl6pPr>
-            <a:lvl7pPr indent="-330200" lvl="6" marL="3200400" marR="0" rtl="0" algn="l">
+            <a:lvl7pPr marL="3200400" marR="0" lvl="6" indent="-330200" algn="l" rtl="0">
               <a:spcBef>
                 <a:spcPts val="350"/>
               </a:spcBef>
@@ -10870,7 +11241,7 @@
               <a:buSzPts val="1600"/>
               <a:buFont typeface="Noto Sans Symbols"/>
               <a:buChar char="■"/>
-              <a:defRPr b="0" i="0" sz="1600" u="none" cap="none" strike="noStrike">
+              <a:defRPr sz="1600" b="0" i="0" u="none" strike="noStrike" cap="none">
                 <a:solidFill>
                   <a:schemeClr val="dk1"/>
                 </a:solidFill>
@@ -10880,7 +11251,7 @@
                 <a:sym typeface="Lucida Sans"/>
               </a:defRPr>
             </a:lvl7pPr>
-            <a:lvl8pPr indent="-330200" lvl="7" marL="3657600" marR="0" rtl="0" algn="l">
+            <a:lvl8pPr marL="3657600" marR="0" lvl="7" indent="-330200" algn="l" rtl="0">
               <a:spcBef>
                 <a:spcPts val="350"/>
               </a:spcBef>
@@ -10893,7 +11264,7 @@
               <a:buSzPts val="1600"/>
               <a:buFont typeface="Noto Sans Symbols"/>
               <a:buChar char="■"/>
-              <a:defRPr b="0" i="0" sz="1600" u="none" cap="none" strike="noStrike">
+              <a:defRPr sz="1600" b="0" i="0" u="none" strike="noStrike" cap="none">
                 <a:solidFill>
                   <a:schemeClr val="dk1"/>
                 </a:solidFill>
@@ -10903,7 +11274,7 @@
                 <a:sym typeface="Lucida Sans"/>
               </a:defRPr>
             </a:lvl8pPr>
-            <a:lvl9pPr indent="-330200" lvl="8" marL="4114800" marR="0" rtl="0" algn="l">
+            <a:lvl9pPr marL="4114800" marR="0" lvl="8" indent="-330200" algn="l" rtl="0">
               <a:spcBef>
                 <a:spcPts val="350"/>
               </a:spcBef>
@@ -10916,7 +11287,7 @@
               <a:buSzPts val="1600"/>
               <a:buFont typeface="Noto Sans Symbols"/>
               <a:buChar char="■"/>
-              <a:defRPr b="0" i="0" sz="1600" u="none" cap="none" strike="noStrike">
+              <a:defRPr sz="1600" b="0" i="0" u="none" strike="noStrike" cap="none">
                 <a:solidFill>
                   <a:schemeClr val="dk1"/>
                 </a:solidFill>
@@ -10927,15 +11298,19 @@
               </a:defRPr>
             </a:lvl9pPr>
           </a:lstStyle>
-          <a:p/>
+          <a:p>
+            <a:endParaRPr/>
+          </a:p>
         </p:txBody>
       </p:sp>
       <p:sp>
         <p:nvSpPr>
           <p:cNvPr id="12" name="Google Shape;12;p11"/>
-          <p:cNvSpPr txBox="1"/>
+          <p:cNvSpPr txBox="1">
+            <a:spLocks noGrp="1"/>
+          </p:cNvSpPr>
           <p:nvPr>
-            <p:ph idx="10" type="dt"/>
+            <p:ph type="dt" idx="10"/>
           </p:nvPr>
         </p:nvSpPr>
         <p:spPr>
@@ -10952,11 +11327,11 @@
           </a:ln>
         </p:spPr>
         <p:txBody>
-          <a:bodyPr anchorCtr="0" anchor="b" bIns="45700" lIns="91425" spcFirstLastPara="1" rIns="91425" wrap="square" tIns="45700">
+          <a:bodyPr spcFirstLastPara="1" wrap="square" lIns="91425" tIns="45700" rIns="91425" bIns="45700" anchor="b" anchorCtr="0">
             <a:noAutofit/>
           </a:bodyPr>
           <a:lstStyle>
-            <a:lvl1pPr lvl="0" marR="0" rtl="0" algn="l">
+            <a:lvl1pPr marR="0" lvl="0" algn="l" rtl="0">
               <a:spcBef>
                 <a:spcPts val="0"/>
               </a:spcBef>
@@ -10975,16 +11350,16 @@
                 <a:sym typeface="Lucida Sans"/>
               </a:defRPr>
             </a:lvl1pPr>
-            <a:lvl2pPr lvl="1" marR="0" rtl="0" algn="l">
-              <a:spcBef>
-                <a:spcPts val="0"/>
-              </a:spcBef>
-              <a:spcAft>
-                <a:spcPts val="0"/>
-              </a:spcAft>
-              <a:buSzPts val="1400"/>
-              <a:buNone/>
-              <a:defRPr b="0" i="0" sz="1800" u="none" cap="none" strike="noStrike">
+            <a:lvl2pPr marR="0" lvl="1" algn="l" rtl="0">
+              <a:spcBef>
+                <a:spcPts val="0"/>
+              </a:spcBef>
+              <a:spcAft>
+                <a:spcPts val="0"/>
+              </a:spcAft>
+              <a:buSzPts val="1400"/>
+              <a:buNone/>
+              <a:defRPr sz="1800" b="0" i="0" u="none" strike="noStrike" cap="none">
                 <a:solidFill>
                   <a:schemeClr val="dk1"/>
                 </a:solidFill>
@@ -10994,16 +11369,16 @@
                 <a:sym typeface="Lucida Sans"/>
               </a:defRPr>
             </a:lvl2pPr>
-            <a:lvl3pPr lvl="2" marR="0" rtl="0" algn="l">
-              <a:spcBef>
-                <a:spcPts val="0"/>
-              </a:spcBef>
-              <a:spcAft>
-                <a:spcPts val="0"/>
-              </a:spcAft>
-              <a:buSzPts val="1400"/>
-              <a:buNone/>
-              <a:defRPr b="0" i="0" sz="1800" u="none" cap="none" strike="noStrike">
+            <a:lvl3pPr marR="0" lvl="2" algn="l" rtl="0">
+              <a:spcBef>
+                <a:spcPts val="0"/>
+              </a:spcBef>
+              <a:spcAft>
+                <a:spcPts val="0"/>
+              </a:spcAft>
+              <a:buSzPts val="1400"/>
+              <a:buNone/>
+              <a:defRPr sz="1800" b="0" i="0" u="none" strike="noStrike" cap="none">
                 <a:solidFill>
                   <a:schemeClr val="dk1"/>
                 </a:solidFill>
@@ -11013,16 +11388,16 @@
                 <a:sym typeface="Lucida Sans"/>
               </a:defRPr>
             </a:lvl3pPr>
-            <a:lvl4pPr lvl="3" marR="0" rtl="0" algn="l">
-              <a:spcBef>
-                <a:spcPts val="0"/>
-              </a:spcBef>
-              <a:spcAft>
-                <a:spcPts val="0"/>
-              </a:spcAft>
-              <a:buSzPts val="1400"/>
-              <a:buNone/>
-              <a:defRPr b="0" i="0" sz="1800" u="none" cap="none" strike="noStrike">
+            <a:lvl4pPr marR="0" lvl="3" algn="l" rtl="0">
+              <a:spcBef>
+                <a:spcPts val="0"/>
+              </a:spcBef>
+              <a:spcAft>
+                <a:spcPts val="0"/>
+              </a:spcAft>
+              <a:buSzPts val="1400"/>
+              <a:buNone/>
+              <a:defRPr sz="1800" b="0" i="0" u="none" strike="noStrike" cap="none">
                 <a:solidFill>
                   <a:schemeClr val="dk1"/>
                 </a:solidFill>
@@ -11032,16 +11407,16 @@
                 <a:sym typeface="Lucida Sans"/>
               </a:defRPr>
             </a:lvl4pPr>
-            <a:lvl5pPr lvl="4" marR="0" rtl="0" algn="l">
-              <a:spcBef>
-                <a:spcPts val="0"/>
-              </a:spcBef>
-              <a:spcAft>
-                <a:spcPts val="0"/>
-              </a:spcAft>
-              <a:buSzPts val="1400"/>
-              <a:buNone/>
-              <a:defRPr b="0" i="0" sz="1800" u="none" cap="none" strike="noStrike">
+            <a:lvl5pPr marR="0" lvl="4" algn="l" rtl="0">
+              <a:spcBef>
+                <a:spcPts val="0"/>
+              </a:spcBef>
+              <a:spcAft>
+                <a:spcPts val="0"/>
+              </a:spcAft>
+              <a:buSzPts val="1400"/>
+              <a:buNone/>
+              <a:defRPr sz="1800" b="0" i="0" u="none" strike="noStrike" cap="none">
                 <a:solidFill>
                   <a:schemeClr val="dk1"/>
                 </a:solidFill>
@@ -11051,16 +11426,16 @@
                 <a:sym typeface="Lucida Sans"/>
               </a:defRPr>
             </a:lvl5pPr>
-            <a:lvl6pPr lvl="5" marR="0" rtl="0" algn="l">
-              <a:spcBef>
-                <a:spcPts val="0"/>
-              </a:spcBef>
-              <a:spcAft>
-                <a:spcPts val="0"/>
-              </a:spcAft>
-              <a:buSzPts val="1400"/>
-              <a:buNone/>
-              <a:defRPr b="0" i="0" sz="1800" u="none" cap="none" strike="noStrike">
+            <a:lvl6pPr marR="0" lvl="5" algn="l" rtl="0">
+              <a:spcBef>
+                <a:spcPts val="0"/>
+              </a:spcBef>
+              <a:spcAft>
+                <a:spcPts val="0"/>
+              </a:spcAft>
+              <a:buSzPts val="1400"/>
+              <a:buNone/>
+              <a:defRPr sz="1800" b="0" i="0" u="none" strike="noStrike" cap="none">
                 <a:solidFill>
                   <a:schemeClr val="dk1"/>
                 </a:solidFill>
@@ -11070,16 +11445,16 @@
                 <a:sym typeface="Lucida Sans"/>
               </a:defRPr>
             </a:lvl6pPr>
-            <a:lvl7pPr lvl="6" marR="0" rtl="0" algn="l">
-              <a:spcBef>
-                <a:spcPts val="0"/>
-              </a:spcBef>
-              <a:spcAft>
-                <a:spcPts val="0"/>
-              </a:spcAft>
-              <a:buSzPts val="1400"/>
-              <a:buNone/>
-              <a:defRPr b="0" i="0" sz="1800" u="none" cap="none" strike="noStrike">
+            <a:lvl7pPr marR="0" lvl="6" algn="l" rtl="0">
+              <a:spcBef>
+                <a:spcPts val="0"/>
+              </a:spcBef>
+              <a:spcAft>
+                <a:spcPts val="0"/>
+              </a:spcAft>
+              <a:buSzPts val="1400"/>
+              <a:buNone/>
+              <a:defRPr sz="1800" b="0" i="0" u="none" strike="noStrike" cap="none">
                 <a:solidFill>
                   <a:schemeClr val="dk1"/>
                 </a:solidFill>
@@ -11089,16 +11464,16 @@
                 <a:sym typeface="Lucida Sans"/>
               </a:defRPr>
             </a:lvl7pPr>
-            <a:lvl8pPr lvl="7" marR="0" rtl="0" algn="l">
-              <a:spcBef>
-                <a:spcPts val="0"/>
-              </a:spcBef>
-              <a:spcAft>
-                <a:spcPts val="0"/>
-              </a:spcAft>
-              <a:buSzPts val="1400"/>
-              <a:buNone/>
-              <a:defRPr b="0" i="0" sz="1800" u="none" cap="none" strike="noStrike">
+            <a:lvl8pPr marR="0" lvl="7" algn="l" rtl="0">
+              <a:spcBef>
+                <a:spcPts val="0"/>
+              </a:spcBef>
+              <a:spcAft>
+                <a:spcPts val="0"/>
+              </a:spcAft>
+              <a:buSzPts val="1400"/>
+              <a:buNone/>
+              <a:defRPr sz="1800" b="0" i="0" u="none" strike="noStrike" cap="none">
                 <a:solidFill>
                   <a:schemeClr val="dk1"/>
                 </a:solidFill>
@@ -11108,16 +11483,16 @@
                 <a:sym typeface="Lucida Sans"/>
               </a:defRPr>
             </a:lvl8pPr>
-            <a:lvl9pPr lvl="8" marR="0" rtl="0" algn="l">
-              <a:spcBef>
-                <a:spcPts val="0"/>
-              </a:spcBef>
-              <a:spcAft>
-                <a:spcPts val="0"/>
-              </a:spcAft>
-              <a:buSzPts val="1400"/>
-              <a:buNone/>
-              <a:defRPr b="0" i="0" sz="1800" u="none" cap="none" strike="noStrike">
+            <a:lvl9pPr marR="0" lvl="8" algn="l" rtl="0">
+              <a:spcBef>
+                <a:spcPts val="0"/>
+              </a:spcBef>
+              <a:spcAft>
+                <a:spcPts val="0"/>
+              </a:spcAft>
+              <a:buSzPts val="1400"/>
+              <a:buNone/>
+              <a:defRPr sz="1800" b="0" i="0" u="none" strike="noStrike" cap="none">
                 <a:solidFill>
                   <a:schemeClr val="dk1"/>
                 </a:solidFill>
@@ -11128,15 +11503,19 @@
               </a:defRPr>
             </a:lvl9pPr>
           </a:lstStyle>
-          <a:p/>
+          <a:p>
+            <a:endParaRPr/>
+          </a:p>
         </p:txBody>
       </p:sp>
       <p:sp>
         <p:nvSpPr>
           <p:cNvPr id="13" name="Google Shape;13;p11"/>
-          <p:cNvSpPr txBox="1"/>
+          <p:cNvSpPr txBox="1">
+            <a:spLocks noGrp="1"/>
+          </p:cNvSpPr>
           <p:nvPr>
-            <p:ph idx="11" type="ftr"/>
+            <p:ph type="ftr" idx="11"/>
           </p:nvPr>
         </p:nvSpPr>
         <p:spPr>
@@ -11153,11 +11532,11 @@
           </a:ln>
         </p:spPr>
         <p:txBody>
-          <a:bodyPr anchorCtr="0" anchor="b" bIns="45700" lIns="91425" spcFirstLastPara="1" rIns="91425" wrap="square" tIns="45700">
+          <a:bodyPr spcFirstLastPara="1" wrap="square" lIns="91425" tIns="45700" rIns="91425" bIns="45700" anchor="b" anchorCtr="0">
             <a:noAutofit/>
           </a:bodyPr>
           <a:lstStyle>
-            <a:lvl1pPr lvl="0" marR="0" rtl="0" algn="r">
+            <a:lvl1pPr marR="0" lvl="0" algn="r" rtl="0">
               <a:spcBef>
                 <a:spcPts val="0"/>
               </a:spcBef>
@@ -11176,16 +11555,16 @@
                 <a:sym typeface="Lucida Sans"/>
               </a:defRPr>
             </a:lvl1pPr>
-            <a:lvl2pPr lvl="1" marR="0" rtl="0" algn="l">
-              <a:spcBef>
-                <a:spcPts val="0"/>
-              </a:spcBef>
-              <a:spcAft>
-                <a:spcPts val="0"/>
-              </a:spcAft>
-              <a:buSzPts val="1400"/>
-              <a:buNone/>
-              <a:defRPr b="0" i="0" sz="1800" u="none" cap="none" strike="noStrike">
+            <a:lvl2pPr marR="0" lvl="1" algn="l" rtl="0">
+              <a:spcBef>
+                <a:spcPts val="0"/>
+              </a:spcBef>
+              <a:spcAft>
+                <a:spcPts val="0"/>
+              </a:spcAft>
+              <a:buSzPts val="1400"/>
+              <a:buNone/>
+              <a:defRPr sz="1800" b="0" i="0" u="none" strike="noStrike" cap="none">
                 <a:solidFill>
                   <a:schemeClr val="dk1"/>
                 </a:solidFill>
@@ -11195,16 +11574,16 @@
                 <a:sym typeface="Lucida Sans"/>
               </a:defRPr>
             </a:lvl2pPr>
-            <a:lvl3pPr lvl="2" marR="0" rtl="0" algn="l">
-              <a:spcBef>
-                <a:spcPts val="0"/>
-              </a:spcBef>
-              <a:spcAft>
-                <a:spcPts val="0"/>
-              </a:spcAft>
-              <a:buSzPts val="1400"/>
-              <a:buNone/>
-              <a:defRPr b="0" i="0" sz="1800" u="none" cap="none" strike="noStrike">
+            <a:lvl3pPr marR="0" lvl="2" algn="l" rtl="0">
+              <a:spcBef>
+                <a:spcPts val="0"/>
+              </a:spcBef>
+              <a:spcAft>
+                <a:spcPts val="0"/>
+              </a:spcAft>
+              <a:buSzPts val="1400"/>
+              <a:buNone/>
+              <a:defRPr sz="1800" b="0" i="0" u="none" strike="noStrike" cap="none">
                 <a:solidFill>
                   <a:schemeClr val="dk1"/>
                 </a:solidFill>
@@ -11214,16 +11593,16 @@
                 <a:sym typeface="Lucida Sans"/>
               </a:defRPr>
             </a:lvl3pPr>
-            <a:lvl4pPr lvl="3" marR="0" rtl="0" algn="l">
-              <a:spcBef>
-                <a:spcPts val="0"/>
-              </a:spcBef>
-              <a:spcAft>
-                <a:spcPts val="0"/>
-              </a:spcAft>
-              <a:buSzPts val="1400"/>
-              <a:buNone/>
-              <a:defRPr b="0" i="0" sz="1800" u="none" cap="none" strike="noStrike">
+            <a:lvl4pPr marR="0" lvl="3" algn="l" rtl="0">
+              <a:spcBef>
+                <a:spcPts val="0"/>
+              </a:spcBef>
+              <a:spcAft>
+                <a:spcPts val="0"/>
+              </a:spcAft>
+              <a:buSzPts val="1400"/>
+              <a:buNone/>
+              <a:defRPr sz="1800" b="0" i="0" u="none" strike="noStrike" cap="none">
                 <a:solidFill>
                   <a:schemeClr val="dk1"/>
                 </a:solidFill>
@@ -11233,16 +11612,16 @@
                 <a:sym typeface="Lucida Sans"/>
               </a:defRPr>
             </a:lvl4pPr>
-            <a:lvl5pPr lvl="4" marR="0" rtl="0" algn="l">
-              <a:spcBef>
-                <a:spcPts val="0"/>
-              </a:spcBef>
-              <a:spcAft>
-                <a:spcPts val="0"/>
-              </a:spcAft>
-              <a:buSzPts val="1400"/>
-              <a:buNone/>
-              <a:defRPr b="0" i="0" sz="1800" u="none" cap="none" strike="noStrike">
+            <a:lvl5pPr marR="0" lvl="4" algn="l" rtl="0">
+              <a:spcBef>
+                <a:spcPts val="0"/>
+              </a:spcBef>
+              <a:spcAft>
+                <a:spcPts val="0"/>
+              </a:spcAft>
+              <a:buSzPts val="1400"/>
+              <a:buNone/>
+              <a:defRPr sz="1800" b="0" i="0" u="none" strike="noStrike" cap="none">
                 <a:solidFill>
                   <a:schemeClr val="dk1"/>
                 </a:solidFill>
@@ -11252,16 +11631,16 @@
                 <a:sym typeface="Lucida Sans"/>
               </a:defRPr>
             </a:lvl5pPr>
-            <a:lvl6pPr lvl="5" marR="0" rtl="0" algn="l">
-              <a:spcBef>
-                <a:spcPts val="0"/>
-              </a:spcBef>
-              <a:spcAft>
-                <a:spcPts val="0"/>
-              </a:spcAft>
-              <a:buSzPts val="1400"/>
-              <a:buNone/>
-              <a:defRPr b="0" i="0" sz="1800" u="none" cap="none" strike="noStrike">
+            <a:lvl6pPr marR="0" lvl="5" algn="l" rtl="0">
+              <a:spcBef>
+                <a:spcPts val="0"/>
+              </a:spcBef>
+              <a:spcAft>
+                <a:spcPts val="0"/>
+              </a:spcAft>
+              <a:buSzPts val="1400"/>
+              <a:buNone/>
+              <a:defRPr sz="1800" b="0" i="0" u="none" strike="noStrike" cap="none">
                 <a:solidFill>
                   <a:schemeClr val="dk1"/>
                 </a:solidFill>
@@ -11271,16 +11650,16 @@
                 <a:sym typeface="Lucida Sans"/>
               </a:defRPr>
             </a:lvl6pPr>
-            <a:lvl7pPr lvl="6" marR="0" rtl="0" algn="l">
-              <a:spcBef>
-                <a:spcPts val="0"/>
-              </a:spcBef>
-              <a:spcAft>
-                <a:spcPts val="0"/>
-              </a:spcAft>
-              <a:buSzPts val="1400"/>
-              <a:buNone/>
-              <a:defRPr b="0" i="0" sz="1800" u="none" cap="none" strike="noStrike">
+            <a:lvl7pPr marR="0" lvl="6" algn="l" rtl="0">
+              <a:spcBef>
+                <a:spcPts val="0"/>
+              </a:spcBef>
+              <a:spcAft>
+                <a:spcPts val="0"/>
+              </a:spcAft>
+              <a:buSzPts val="1400"/>
+              <a:buNone/>
+              <a:defRPr sz="1800" b="0" i="0" u="none" strike="noStrike" cap="none">
                 <a:solidFill>
                   <a:schemeClr val="dk1"/>
                 </a:solidFill>
@@ -11290,16 +11669,16 @@
                 <a:sym typeface="Lucida Sans"/>
               </a:defRPr>
             </a:lvl7pPr>
-            <a:lvl8pPr lvl="7" marR="0" rtl="0" algn="l">
-              <a:spcBef>
-                <a:spcPts val="0"/>
-              </a:spcBef>
-              <a:spcAft>
-                <a:spcPts val="0"/>
-              </a:spcAft>
-              <a:buSzPts val="1400"/>
-              <a:buNone/>
-              <a:defRPr b="0" i="0" sz="1800" u="none" cap="none" strike="noStrike">
+            <a:lvl8pPr marR="0" lvl="7" algn="l" rtl="0">
+              <a:spcBef>
+                <a:spcPts val="0"/>
+              </a:spcBef>
+              <a:spcAft>
+                <a:spcPts val="0"/>
+              </a:spcAft>
+              <a:buSzPts val="1400"/>
+              <a:buNone/>
+              <a:defRPr sz="1800" b="0" i="0" u="none" strike="noStrike" cap="none">
                 <a:solidFill>
                   <a:schemeClr val="dk1"/>
                 </a:solidFill>
@@ -11309,16 +11688,16 @@
                 <a:sym typeface="Lucida Sans"/>
               </a:defRPr>
             </a:lvl8pPr>
-            <a:lvl9pPr lvl="8" marR="0" rtl="0" algn="l">
-              <a:spcBef>
-                <a:spcPts val="0"/>
-              </a:spcBef>
-              <a:spcAft>
-                <a:spcPts val="0"/>
-              </a:spcAft>
-              <a:buSzPts val="1400"/>
-              <a:buNone/>
-              <a:defRPr b="0" i="0" sz="1800" u="none" cap="none" strike="noStrike">
+            <a:lvl9pPr marR="0" lvl="8" algn="l" rtl="0">
+              <a:spcBef>
+                <a:spcPts val="0"/>
+              </a:spcBef>
+              <a:spcAft>
+                <a:spcPts val="0"/>
+              </a:spcAft>
+              <a:buSzPts val="1400"/>
+              <a:buNone/>
+              <a:defRPr sz="1800" b="0" i="0" u="none" strike="noStrike" cap="none">
                 <a:solidFill>
                   <a:schemeClr val="dk1"/>
                 </a:solidFill>
@@ -11329,15 +11708,19 @@
               </a:defRPr>
             </a:lvl9pPr>
           </a:lstStyle>
-          <a:p/>
+          <a:p>
+            <a:endParaRPr/>
+          </a:p>
         </p:txBody>
       </p:sp>
       <p:sp>
         <p:nvSpPr>
           <p:cNvPr id="14" name="Google Shape;14;p11"/>
-          <p:cNvSpPr txBox="1"/>
+          <p:cNvSpPr txBox="1">
+            <a:spLocks noGrp="1"/>
+          </p:cNvSpPr>
           <p:nvPr>
-            <p:ph idx="12" type="sldNum"/>
+            <p:ph type="sldNum" idx="12"/>
           </p:nvPr>
         </p:nvSpPr>
         <p:spPr>
@@ -11354,16 +11737,16 @@
           </a:ln>
         </p:spPr>
         <p:txBody>
-          <a:bodyPr anchorCtr="0" anchor="b" bIns="45700" lIns="91425" spcFirstLastPara="1" rIns="91425" wrap="square" tIns="45700">
+          <a:bodyPr spcFirstLastPara="1" wrap="square" lIns="91425" tIns="45700" rIns="91425" bIns="45700" anchor="b" anchorCtr="0">
             <a:noAutofit/>
           </a:bodyPr>
           <a:lstStyle>
-            <a:lvl1pPr indent="0" lvl="0" marL="0" marR="0" rtl="0" algn="r">
-              <a:spcBef>
-                <a:spcPts val="0"/>
-              </a:spcBef>
-              <a:buNone/>
-              <a:defRPr b="0" sz="1000" u="none">
+            <a:lvl1pPr marL="0" marR="0" lvl="0" indent="0" algn="r" rtl="0">
+              <a:spcBef>
+                <a:spcPts val="0"/>
+              </a:spcBef>
+              <a:buNone/>
+              <a:defRPr sz="1000" b="0" u="none">
                 <a:solidFill>
                   <a:schemeClr val="dk1"/>
                 </a:solidFill>
@@ -11373,12 +11756,12 @@
                 <a:sym typeface="Lucida Sans"/>
               </a:defRPr>
             </a:lvl1pPr>
-            <a:lvl2pPr indent="0" lvl="1" marL="0" marR="0" rtl="0" algn="r">
-              <a:spcBef>
-                <a:spcPts val="0"/>
-              </a:spcBef>
-              <a:buNone/>
-              <a:defRPr b="0" sz="1000" u="none">
+            <a:lvl2pPr marL="0" marR="0" lvl="1" indent="0" algn="r" rtl="0">
+              <a:spcBef>
+                <a:spcPts val="0"/>
+              </a:spcBef>
+              <a:buNone/>
+              <a:defRPr sz="1000" b="0" u="none">
                 <a:solidFill>
                   <a:schemeClr val="dk1"/>
                 </a:solidFill>
@@ -11388,12 +11771,12 @@
                 <a:sym typeface="Lucida Sans"/>
               </a:defRPr>
             </a:lvl2pPr>
-            <a:lvl3pPr indent="0" lvl="2" marL="0" marR="0" rtl="0" algn="r">
-              <a:spcBef>
-                <a:spcPts val="0"/>
-              </a:spcBef>
-              <a:buNone/>
-              <a:defRPr b="0" sz="1000" u="none">
+            <a:lvl3pPr marL="0" marR="0" lvl="2" indent="0" algn="r" rtl="0">
+              <a:spcBef>
+                <a:spcPts val="0"/>
+              </a:spcBef>
+              <a:buNone/>
+              <a:defRPr sz="1000" b="0" u="none">
                 <a:solidFill>
                   <a:schemeClr val="dk1"/>
                 </a:solidFill>
@@ -11403,12 +11786,12 @@
                 <a:sym typeface="Lucida Sans"/>
               </a:defRPr>
             </a:lvl3pPr>
-            <a:lvl4pPr indent="0" lvl="3" marL="0" marR="0" rtl="0" algn="r">
-              <a:spcBef>
-                <a:spcPts val="0"/>
-              </a:spcBef>
-              <a:buNone/>
-              <a:defRPr b="0" sz="1000" u="none">
+            <a:lvl4pPr marL="0" marR="0" lvl="3" indent="0" algn="r" rtl="0">
+              <a:spcBef>
+                <a:spcPts val="0"/>
+              </a:spcBef>
+              <a:buNone/>
+              <a:defRPr sz="1000" b="0" u="none">
                 <a:solidFill>
                   <a:schemeClr val="dk1"/>
                 </a:solidFill>
@@ -11418,12 +11801,12 @@
                 <a:sym typeface="Lucida Sans"/>
               </a:defRPr>
             </a:lvl4pPr>
-            <a:lvl5pPr indent="0" lvl="4" marL="0" marR="0" rtl="0" algn="r">
-              <a:spcBef>
-                <a:spcPts val="0"/>
-              </a:spcBef>
-              <a:buNone/>
-              <a:defRPr b="0" sz="1000" u="none">
+            <a:lvl5pPr marL="0" marR="0" lvl="4" indent="0" algn="r" rtl="0">
+              <a:spcBef>
+                <a:spcPts val="0"/>
+              </a:spcBef>
+              <a:buNone/>
+              <a:defRPr sz="1000" b="0" u="none">
                 <a:solidFill>
                   <a:schemeClr val="dk1"/>
                 </a:solidFill>
@@ -11433,12 +11816,12 @@
                 <a:sym typeface="Lucida Sans"/>
               </a:defRPr>
             </a:lvl5pPr>
-            <a:lvl6pPr indent="0" lvl="5" marL="0" marR="0" rtl="0" algn="r">
-              <a:spcBef>
-                <a:spcPts val="0"/>
-              </a:spcBef>
-              <a:buNone/>
-              <a:defRPr b="0" sz="1000" u="none">
+            <a:lvl6pPr marL="0" marR="0" lvl="5" indent="0" algn="r" rtl="0">
+              <a:spcBef>
+                <a:spcPts val="0"/>
+              </a:spcBef>
+              <a:buNone/>
+              <a:defRPr sz="1000" b="0" u="none">
                 <a:solidFill>
                   <a:schemeClr val="dk1"/>
                 </a:solidFill>
@@ -11448,12 +11831,12 @@
                 <a:sym typeface="Lucida Sans"/>
               </a:defRPr>
             </a:lvl6pPr>
-            <a:lvl7pPr indent="0" lvl="6" marL="0" marR="0" rtl="0" algn="r">
-              <a:spcBef>
-                <a:spcPts val="0"/>
-              </a:spcBef>
-              <a:buNone/>
-              <a:defRPr b="0" sz="1000" u="none">
+            <a:lvl7pPr marL="0" marR="0" lvl="6" indent="0" algn="r" rtl="0">
+              <a:spcBef>
+                <a:spcPts val="0"/>
+              </a:spcBef>
+              <a:buNone/>
+              <a:defRPr sz="1000" b="0" u="none">
                 <a:solidFill>
                   <a:schemeClr val="dk1"/>
                 </a:solidFill>
@@ -11463,12 +11846,12 @@
                 <a:sym typeface="Lucida Sans"/>
               </a:defRPr>
             </a:lvl7pPr>
-            <a:lvl8pPr indent="0" lvl="7" marL="0" marR="0" rtl="0" algn="r">
-              <a:spcBef>
-                <a:spcPts val="0"/>
-              </a:spcBef>
-              <a:buNone/>
-              <a:defRPr b="0" sz="1000" u="none">
+            <a:lvl8pPr marL="0" marR="0" lvl="7" indent="0" algn="r" rtl="0">
+              <a:spcBef>
+                <a:spcPts val="0"/>
+              </a:spcBef>
+              <a:buNone/>
+              <a:defRPr sz="1000" b="0" u="none">
                 <a:solidFill>
                   <a:schemeClr val="dk1"/>
                 </a:solidFill>
@@ -11478,12 +11861,12 @@
                 <a:sym typeface="Lucida Sans"/>
               </a:defRPr>
             </a:lvl8pPr>
-            <a:lvl9pPr indent="0" lvl="8" marL="0" marR="0" rtl="0" algn="r">
-              <a:spcBef>
-                <a:spcPts val="0"/>
-              </a:spcBef>
-              <a:buNone/>
-              <a:defRPr b="0" sz="1000" u="none">
+            <a:lvl9pPr marL="0" marR="0" lvl="8" indent="0" algn="r" rtl="0">
+              <a:spcBef>
+                <a:spcPts val="0"/>
+              </a:spcBef>
+              <a:buNone/>
+              <a:defRPr sz="1000" b="0" u="none">
                 <a:solidFill>
                   <a:schemeClr val="dk1"/>
                 </a:solidFill>
@@ -11495,7 +11878,7 @@
             </a:lvl9pPr>
           </a:lstStyle>
           <a:p>
-            <a:pPr indent="0" lvl="0" marL="0" rtl="0" algn="r">
+            <a:pPr marL="0" lvl="0" indent="0" algn="r" rtl="0">
               <a:spcBef>
                 <a:spcPts val="0"/>
               </a:spcBef>
@@ -11506,6 +11889,15 @@
             </a:pPr>
             <a:fld id="{00000000-1234-1234-1234-123412341234}" type="slidenum">
               <a:rPr lang="ru-RU"/>
+              <a:pPr marL="0" lvl="0" indent="0" algn="r" rtl="0">
+                <a:spcBef>
+                  <a:spcPts val="0"/>
+                </a:spcBef>
+                <a:spcAft>
+                  <a:spcPts val="0"/>
+                </a:spcAft>
+                <a:buNone/>
+              </a:pPr>
               <a:t>‹#›</a:t>
             </a:fld>
             <a:endParaRPr/>
@@ -11514,24 +11906,24 @@
       </p:sp>
     </p:spTree>
   </p:cSld>
-  <p:clrMap accent1="accent1" accent2="accent2" accent3="accent3" accent4="accent4" accent5="accent5" accent6="accent6" bg1="lt1" bg2="dk2" tx1="dk1" tx2="lt2" folHlink="folHlink" hlink="hlink"/>
+  <p:clrMap bg1="lt1" tx1="dk1" bg2="dk2" tx2="lt2" accent1="accent1" accent2="accent2" accent3="accent3" accent4="accent4" accent5="accent5" accent6="accent6" hlink="hlink" folHlink="folHlink"/>
   <p:sldLayoutIdLst>
-    <p:sldLayoutId id="2147483649" r:id="rId2"/>
-    <p:sldLayoutId id="2147483650" r:id="rId3"/>
-    <p:sldLayoutId id="2147483651" r:id="rId4"/>
-    <p:sldLayoutId id="2147483652" r:id="rId5"/>
-    <p:sldLayoutId id="2147483653" r:id="rId6"/>
-    <p:sldLayoutId id="2147483654" r:id="rId7"/>
-    <p:sldLayoutId id="2147483655" r:id="rId8"/>
-    <p:sldLayoutId id="2147483656" r:id="rId9"/>
-    <p:sldLayoutId id="2147483657" r:id="rId10"/>
-    <p:sldLayoutId id="2147483658" r:id="rId11"/>
-    <p:sldLayoutId id="2147483659" r:id="rId12"/>
+    <p:sldLayoutId id="2147483649" r:id="rId1"/>
+    <p:sldLayoutId id="2147483650" r:id="rId2"/>
+    <p:sldLayoutId id="2147483651" r:id="rId3"/>
+    <p:sldLayoutId id="2147483652" r:id="rId4"/>
+    <p:sldLayoutId id="2147483653" r:id="rId5"/>
+    <p:sldLayoutId id="2147483654" r:id="rId6"/>
+    <p:sldLayoutId id="2147483655" r:id="rId7"/>
+    <p:sldLayoutId id="2147483656" r:id="rId8"/>
+    <p:sldLayoutId id="2147483657" r:id="rId9"/>
+    <p:sldLayoutId id="2147483658" r:id="rId10"/>
+    <p:sldLayoutId id="2147483659" r:id="rId11"/>
   </p:sldLayoutIdLst>
-  <p:hf dt="0" ftr="0" hdr="0" sldNum="0"/>
+  <p:hf sldNum="0" hdr="0" ftr="0" dt="0"/>
   <p:txStyles>
     <p:titleStyle>
-      <a:defPPr lvl="0" marR="0" rtl="0" algn="l">
+      <a:defPPr marR="0" lvl="0" algn="l" rtl="0">
         <a:lnSpc>
           <a:spcPct val="100000"/>
         </a:lnSpc>
@@ -11542,7 +11934,7 @@
           <a:spcPts val="0"/>
         </a:spcAft>
       </a:defPPr>
-      <a:lvl1pPr lvl="0" marR="0" rtl="0" algn="l">
+      <a:lvl1pPr marR="0" lvl="0" algn="l" rtl="0">
         <a:lnSpc>
           <a:spcPct val="100000"/>
         </a:lnSpc>
@@ -11556,7 +11948,7 @@
           <a:srgbClr val="000000"/>
         </a:buClr>
         <a:buFont typeface="Arial"/>
-        <a:defRPr b="0" i="0" sz="1400" u="none" cap="none" strike="noStrike">
+        <a:defRPr sz="1400" b="0" i="0" u="none" strike="noStrike" cap="none">
           <a:solidFill>
             <a:srgbClr val="000000"/>
           </a:solidFill>
@@ -11566,7 +11958,7 @@
           <a:sym typeface="Arial"/>
         </a:defRPr>
       </a:lvl1pPr>
-      <a:lvl2pPr lvl="1" marR="0" rtl="0" algn="l">
+      <a:lvl2pPr marR="0" lvl="1" algn="l" rtl="0">
         <a:lnSpc>
           <a:spcPct val="100000"/>
         </a:lnSpc>
@@ -11580,7 +11972,7 @@
           <a:srgbClr val="000000"/>
         </a:buClr>
         <a:buFont typeface="Arial"/>
-        <a:defRPr b="0" i="0" sz="1400" u="none" cap="none" strike="noStrike">
+        <a:defRPr sz="1400" b="0" i="0" u="none" strike="noStrike" cap="none">
           <a:solidFill>
             <a:srgbClr val="000000"/>
           </a:solidFill>
@@ -11590,7 +11982,7 @@
           <a:sym typeface="Arial"/>
         </a:defRPr>
       </a:lvl2pPr>
-      <a:lvl3pPr lvl="2" marR="0" rtl="0" algn="l">
+      <a:lvl3pPr marR="0" lvl="2" algn="l" rtl="0">
         <a:lnSpc>
           <a:spcPct val="100000"/>
         </a:lnSpc>
@@ -11604,7 +11996,7 @@
           <a:srgbClr val="000000"/>
         </a:buClr>
         <a:buFont typeface="Arial"/>
-        <a:defRPr b="0" i="0" sz="1400" u="none" cap="none" strike="noStrike">
+        <a:defRPr sz="1400" b="0" i="0" u="none" strike="noStrike" cap="none">
           <a:solidFill>
             <a:srgbClr val="000000"/>
           </a:solidFill>
@@ -11614,7 +12006,7 @@
           <a:sym typeface="Arial"/>
         </a:defRPr>
       </a:lvl3pPr>
-      <a:lvl4pPr lvl="3" marR="0" rtl="0" algn="l">
+      <a:lvl4pPr marR="0" lvl="3" algn="l" rtl="0">
         <a:lnSpc>
           <a:spcPct val="100000"/>
         </a:lnSpc>
@@ -11628,7 +12020,7 @@
           <a:srgbClr val="000000"/>
         </a:buClr>
         <a:buFont typeface="Arial"/>
-        <a:defRPr b="0" i="0" sz="1400" u="none" cap="none" strike="noStrike">
+        <a:defRPr sz="1400" b="0" i="0" u="none" strike="noStrike" cap="none">
           <a:solidFill>
             <a:srgbClr val="000000"/>
           </a:solidFill>
@@ -11638,7 +12030,7 @@
           <a:sym typeface="Arial"/>
         </a:defRPr>
       </a:lvl4pPr>
-      <a:lvl5pPr lvl="4" marR="0" rtl="0" algn="l">
+      <a:lvl5pPr marR="0" lvl="4" algn="l" rtl="0">
         <a:lnSpc>
           <a:spcPct val="100000"/>
         </a:lnSpc>
@@ -11652,7 +12044,7 @@
           <a:srgbClr val="000000"/>
         </a:buClr>
         <a:buFont typeface="Arial"/>
-        <a:defRPr b="0" i="0" sz="1400" u="none" cap="none" strike="noStrike">
+        <a:defRPr sz="1400" b="0" i="0" u="none" strike="noStrike" cap="none">
           <a:solidFill>
             <a:srgbClr val="000000"/>
           </a:solidFill>
@@ -11662,7 +12054,7 @@
           <a:sym typeface="Arial"/>
         </a:defRPr>
       </a:lvl5pPr>
-      <a:lvl6pPr lvl="5" marR="0" rtl="0" algn="l">
+      <a:lvl6pPr marR="0" lvl="5" algn="l" rtl="0">
         <a:lnSpc>
           <a:spcPct val="100000"/>
         </a:lnSpc>
@@ -11676,7 +12068,7 @@
           <a:srgbClr val="000000"/>
         </a:buClr>
         <a:buFont typeface="Arial"/>
-        <a:defRPr b="0" i="0" sz="1400" u="none" cap="none" strike="noStrike">
+        <a:defRPr sz="1400" b="0" i="0" u="none" strike="noStrike" cap="none">
           <a:solidFill>
             <a:srgbClr val="000000"/>
           </a:solidFill>
@@ -11686,7 +12078,7 @@
           <a:sym typeface="Arial"/>
         </a:defRPr>
       </a:lvl6pPr>
-      <a:lvl7pPr lvl="6" marR="0" rtl="0" algn="l">
+      <a:lvl7pPr marR="0" lvl="6" algn="l" rtl="0">
         <a:lnSpc>
           <a:spcPct val="100000"/>
         </a:lnSpc>
@@ -11700,7 +12092,7 @@
           <a:srgbClr val="000000"/>
         </a:buClr>
         <a:buFont typeface="Arial"/>
-        <a:defRPr b="0" i="0" sz="1400" u="none" cap="none" strike="noStrike">
+        <a:defRPr sz="1400" b="0" i="0" u="none" strike="noStrike" cap="none">
           <a:solidFill>
             <a:srgbClr val="000000"/>
           </a:solidFill>
@@ -11710,7 +12102,7 @@
           <a:sym typeface="Arial"/>
         </a:defRPr>
       </a:lvl7pPr>
-      <a:lvl8pPr lvl="7" marR="0" rtl="0" algn="l">
+      <a:lvl8pPr marR="0" lvl="7" algn="l" rtl="0">
         <a:lnSpc>
           <a:spcPct val="100000"/>
         </a:lnSpc>
@@ -11724,7 +12116,7 @@
           <a:srgbClr val="000000"/>
         </a:buClr>
         <a:buFont typeface="Arial"/>
-        <a:defRPr b="0" i="0" sz="1400" u="none" cap="none" strike="noStrike">
+        <a:defRPr sz="1400" b="0" i="0" u="none" strike="noStrike" cap="none">
           <a:solidFill>
             <a:srgbClr val="000000"/>
           </a:solidFill>
@@ -11734,7 +12126,7 @@
           <a:sym typeface="Arial"/>
         </a:defRPr>
       </a:lvl8pPr>
-      <a:lvl9pPr lvl="8" marR="0" rtl="0" algn="l">
+      <a:lvl9pPr marR="0" lvl="8" algn="l" rtl="0">
         <a:lnSpc>
           <a:spcPct val="100000"/>
         </a:lnSpc>
@@ -11748,7 +12140,7 @@
           <a:srgbClr val="000000"/>
         </a:buClr>
         <a:buFont typeface="Arial"/>
-        <a:defRPr b="0" i="0" sz="1400" u="none" cap="none" strike="noStrike">
+        <a:defRPr sz="1400" b="0" i="0" u="none" strike="noStrike" cap="none">
           <a:solidFill>
             <a:srgbClr val="000000"/>
           </a:solidFill>
@@ -11760,7 +12152,7 @@
       </a:lvl9pPr>
     </p:titleStyle>
     <p:bodyStyle>
-      <a:defPPr lvl="0" marR="0" rtl="0" algn="l">
+      <a:defPPr marR="0" lvl="0" algn="l" rtl="0">
         <a:lnSpc>
           <a:spcPct val="100000"/>
         </a:lnSpc>
@@ -11771,7 +12163,7 @@
           <a:spcPts val="0"/>
         </a:spcAft>
       </a:defPPr>
-      <a:lvl1pPr lvl="0" marR="0" rtl="0" algn="l">
+      <a:lvl1pPr marR="0" lvl="0" algn="l" rtl="0">
         <a:lnSpc>
           <a:spcPct val="100000"/>
         </a:lnSpc>
@@ -11785,7 +12177,7 @@
           <a:srgbClr val="000000"/>
         </a:buClr>
         <a:buFont typeface="Arial"/>
-        <a:defRPr b="0" i="0" sz="1400" u="none" cap="none" strike="noStrike">
+        <a:defRPr sz="1400" b="0" i="0" u="none" strike="noStrike" cap="none">
           <a:solidFill>
             <a:srgbClr val="000000"/>
           </a:solidFill>
@@ -11795,7 +12187,7 @@
           <a:sym typeface="Arial"/>
         </a:defRPr>
       </a:lvl1pPr>
-      <a:lvl2pPr lvl="1" marR="0" rtl="0" algn="l">
+      <a:lvl2pPr marR="0" lvl="1" algn="l" rtl="0">
         <a:lnSpc>
           <a:spcPct val="100000"/>
         </a:lnSpc>
@@ -11809,7 +12201,7 @@
           <a:srgbClr val="000000"/>
         </a:buClr>
         <a:buFont typeface="Arial"/>
-        <a:defRPr b="0" i="0" sz="1400" u="none" cap="none" strike="noStrike">
+        <a:defRPr sz="1400" b="0" i="0" u="none" strike="noStrike" cap="none">
           <a:solidFill>
             <a:srgbClr val="000000"/>
           </a:solidFill>
@@ -11819,7 +12211,7 @@
           <a:sym typeface="Arial"/>
         </a:defRPr>
       </a:lvl2pPr>
-      <a:lvl3pPr lvl="2" marR="0" rtl="0" algn="l">
+      <a:lvl3pPr marR="0" lvl="2" algn="l" rtl="0">
         <a:lnSpc>
           <a:spcPct val="100000"/>
         </a:lnSpc>
@@ -11833,7 +12225,7 @@
           <a:srgbClr val="000000"/>
         </a:buClr>
         <a:buFont typeface="Arial"/>
-        <a:defRPr b="0" i="0" sz="1400" u="none" cap="none" strike="noStrike">
+        <a:defRPr sz="1400" b="0" i="0" u="none" strike="noStrike" cap="none">
           <a:solidFill>
             <a:srgbClr val="000000"/>
           </a:solidFill>
@@ -11843,7 +12235,7 @@
           <a:sym typeface="Arial"/>
         </a:defRPr>
       </a:lvl3pPr>
-      <a:lvl4pPr lvl="3" marR="0" rtl="0" algn="l">
+      <a:lvl4pPr marR="0" lvl="3" algn="l" rtl="0">
         <a:lnSpc>
           <a:spcPct val="100000"/>
         </a:lnSpc>
@@ -11857,7 +12249,7 @@
           <a:srgbClr val="000000"/>
         </a:buClr>
         <a:buFont typeface="Arial"/>
-        <a:defRPr b="0" i="0" sz="1400" u="none" cap="none" strike="noStrike">
+        <a:defRPr sz="1400" b="0" i="0" u="none" strike="noStrike" cap="none">
           <a:solidFill>
             <a:srgbClr val="000000"/>
           </a:solidFill>
@@ -11867,7 +12259,7 @@
           <a:sym typeface="Arial"/>
         </a:defRPr>
       </a:lvl4pPr>
-      <a:lvl5pPr lvl="4" marR="0" rtl="0" algn="l">
+      <a:lvl5pPr marR="0" lvl="4" algn="l" rtl="0">
         <a:lnSpc>
           <a:spcPct val="100000"/>
         </a:lnSpc>
@@ -11881,7 +12273,7 @@
           <a:srgbClr val="000000"/>
         </a:buClr>
         <a:buFont typeface="Arial"/>
-        <a:defRPr b="0" i="0" sz="1400" u="none" cap="none" strike="noStrike">
+        <a:defRPr sz="1400" b="0" i="0" u="none" strike="noStrike" cap="none">
           <a:solidFill>
             <a:srgbClr val="000000"/>
           </a:solidFill>
@@ -11891,7 +12283,7 @@
           <a:sym typeface="Arial"/>
         </a:defRPr>
       </a:lvl5pPr>
-      <a:lvl6pPr lvl="5" marR="0" rtl="0" algn="l">
+      <a:lvl6pPr marR="0" lvl="5" algn="l" rtl="0">
         <a:lnSpc>
           <a:spcPct val="100000"/>
         </a:lnSpc>
@@ -11905,7 +12297,7 @@
           <a:srgbClr val="000000"/>
         </a:buClr>
         <a:buFont typeface="Arial"/>
-        <a:defRPr b="0" i="0" sz="1400" u="none" cap="none" strike="noStrike">
+        <a:defRPr sz="1400" b="0" i="0" u="none" strike="noStrike" cap="none">
           <a:solidFill>
             <a:srgbClr val="000000"/>
           </a:solidFill>
@@ -11915,7 +12307,7 @@
           <a:sym typeface="Arial"/>
         </a:defRPr>
       </a:lvl6pPr>
-      <a:lvl7pPr lvl="6" marR="0" rtl="0" algn="l">
+      <a:lvl7pPr marR="0" lvl="6" algn="l" rtl="0">
         <a:lnSpc>
           <a:spcPct val="100000"/>
         </a:lnSpc>
@@ -11929,7 +12321,7 @@
           <a:srgbClr val="000000"/>
         </a:buClr>
         <a:buFont typeface="Arial"/>
-        <a:defRPr b="0" i="0" sz="1400" u="none" cap="none" strike="noStrike">
+        <a:defRPr sz="1400" b="0" i="0" u="none" strike="noStrike" cap="none">
           <a:solidFill>
             <a:srgbClr val="000000"/>
           </a:solidFill>
@@ -11939,7 +12331,7 @@
           <a:sym typeface="Arial"/>
         </a:defRPr>
       </a:lvl7pPr>
-      <a:lvl8pPr lvl="7" marR="0" rtl="0" algn="l">
+      <a:lvl8pPr marR="0" lvl="7" algn="l" rtl="0">
         <a:lnSpc>
           <a:spcPct val="100000"/>
         </a:lnSpc>
@@ -11953,7 +12345,7 @@
           <a:srgbClr val="000000"/>
         </a:buClr>
         <a:buFont typeface="Arial"/>
-        <a:defRPr b="0" i="0" sz="1400" u="none" cap="none" strike="noStrike">
+        <a:defRPr sz="1400" b="0" i="0" u="none" strike="noStrike" cap="none">
           <a:solidFill>
             <a:srgbClr val="000000"/>
           </a:solidFill>
@@ -11963,7 +12355,7 @@
           <a:sym typeface="Arial"/>
         </a:defRPr>
       </a:lvl8pPr>
-      <a:lvl9pPr lvl="8" marR="0" rtl="0" algn="l">
+      <a:lvl9pPr marR="0" lvl="8" algn="l" rtl="0">
         <a:lnSpc>
           <a:spcPct val="100000"/>
         </a:lnSpc>
@@ -11977,7 +12369,7 @@
           <a:srgbClr val="000000"/>
         </a:buClr>
         <a:buFont typeface="Arial"/>
-        <a:defRPr b="0" i="0" sz="1400" u="none" cap="none" strike="noStrike">
+        <a:defRPr sz="1400" b="0" i="0" u="none" strike="noStrike" cap="none">
           <a:solidFill>
             <a:srgbClr val="000000"/>
           </a:solidFill>
@@ -11989,7 +12381,7 @@
       </a:lvl9pPr>
     </p:bodyStyle>
     <p:otherStyle>
-      <a:defPPr lvl="0" marR="0" rtl="0" algn="l">
+      <a:defPPr marR="0" lvl="0" algn="l" rtl="0">
         <a:lnSpc>
           <a:spcPct val="100000"/>
         </a:lnSpc>
@@ -12000,7 +12392,7 @@
           <a:spcPts val="0"/>
         </a:spcAft>
       </a:defPPr>
-      <a:lvl1pPr lvl="0" marR="0" rtl="0" algn="l">
+      <a:lvl1pPr marR="0" lvl="0" algn="l" rtl="0">
         <a:lnSpc>
           <a:spcPct val="100000"/>
         </a:lnSpc>
@@ -12014,7 +12406,7 @@
           <a:srgbClr val="000000"/>
         </a:buClr>
         <a:buFont typeface="Arial"/>
-        <a:defRPr b="0" i="0" sz="1400" u="none" cap="none" strike="noStrike">
+        <a:defRPr sz="1400" b="0" i="0" u="none" strike="noStrike" cap="none">
           <a:solidFill>
             <a:srgbClr val="000000"/>
           </a:solidFill>
@@ -12024,7 +12416,7 @@
           <a:sym typeface="Arial"/>
         </a:defRPr>
       </a:lvl1pPr>
-      <a:lvl2pPr lvl="1" marR="0" rtl="0" algn="l">
+      <a:lvl2pPr marR="0" lvl="1" algn="l" rtl="0">
         <a:lnSpc>
           <a:spcPct val="100000"/>
         </a:lnSpc>
@@ -12038,7 +12430,7 @@
           <a:srgbClr val="000000"/>
         </a:buClr>
         <a:buFont typeface="Arial"/>
-        <a:defRPr b="0" i="0" sz="1400" u="none" cap="none" strike="noStrike">
+        <a:defRPr sz="1400" b="0" i="0" u="none" strike="noStrike" cap="none">
           <a:solidFill>
             <a:srgbClr val="000000"/>
           </a:solidFill>
@@ -12048,7 +12440,7 @@
           <a:sym typeface="Arial"/>
         </a:defRPr>
       </a:lvl2pPr>
-      <a:lvl3pPr lvl="2" marR="0" rtl="0" algn="l">
+      <a:lvl3pPr marR="0" lvl="2" algn="l" rtl="0">
         <a:lnSpc>
           <a:spcPct val="100000"/>
         </a:lnSpc>
@@ -12062,7 +12454,7 @@
           <a:srgbClr val="000000"/>
         </a:buClr>
         <a:buFont typeface="Arial"/>
-        <a:defRPr b="0" i="0" sz="1400" u="none" cap="none" strike="noStrike">
+        <a:defRPr sz="1400" b="0" i="0" u="none" strike="noStrike" cap="none">
           <a:solidFill>
             <a:srgbClr val="000000"/>
           </a:solidFill>
@@ -12072,7 +12464,7 @@
           <a:sym typeface="Arial"/>
         </a:defRPr>
       </a:lvl3pPr>
-      <a:lvl4pPr lvl="3" marR="0" rtl="0" algn="l">
+      <a:lvl4pPr marR="0" lvl="3" algn="l" rtl="0">
         <a:lnSpc>
           <a:spcPct val="100000"/>
         </a:lnSpc>
@@ -12086,7 +12478,7 @@
           <a:srgbClr val="000000"/>
         </a:buClr>
         <a:buFont typeface="Arial"/>
-        <a:defRPr b="0" i="0" sz="1400" u="none" cap="none" strike="noStrike">
+        <a:defRPr sz="1400" b="0" i="0" u="none" strike="noStrike" cap="none">
           <a:solidFill>
             <a:srgbClr val="000000"/>
           </a:solidFill>
@@ -12096,7 +12488,7 @@
           <a:sym typeface="Arial"/>
         </a:defRPr>
       </a:lvl4pPr>
-      <a:lvl5pPr lvl="4" marR="0" rtl="0" algn="l">
+      <a:lvl5pPr marR="0" lvl="4" algn="l" rtl="0">
         <a:lnSpc>
           <a:spcPct val="100000"/>
         </a:lnSpc>
@@ -12110,7 +12502,7 @@
           <a:srgbClr val="000000"/>
         </a:buClr>
         <a:buFont typeface="Arial"/>
-        <a:defRPr b="0" i="0" sz="1400" u="none" cap="none" strike="noStrike">
+        <a:defRPr sz="1400" b="0" i="0" u="none" strike="noStrike" cap="none">
           <a:solidFill>
             <a:srgbClr val="000000"/>
           </a:solidFill>
@@ -12120,7 +12512,7 @@
           <a:sym typeface="Arial"/>
         </a:defRPr>
       </a:lvl5pPr>
-      <a:lvl6pPr lvl="5" marR="0" rtl="0" algn="l">
+      <a:lvl6pPr marR="0" lvl="5" algn="l" rtl="0">
         <a:lnSpc>
           <a:spcPct val="100000"/>
         </a:lnSpc>
@@ -12134,7 +12526,7 @@
           <a:srgbClr val="000000"/>
         </a:buClr>
         <a:buFont typeface="Arial"/>
-        <a:defRPr b="0" i="0" sz="1400" u="none" cap="none" strike="noStrike">
+        <a:defRPr sz="1400" b="0" i="0" u="none" strike="noStrike" cap="none">
           <a:solidFill>
             <a:srgbClr val="000000"/>
           </a:solidFill>
@@ -12144,7 +12536,7 @@
           <a:sym typeface="Arial"/>
         </a:defRPr>
       </a:lvl6pPr>
-      <a:lvl7pPr lvl="6" marR="0" rtl="0" algn="l">
+      <a:lvl7pPr marR="0" lvl="6" algn="l" rtl="0">
         <a:lnSpc>
           <a:spcPct val="100000"/>
         </a:lnSpc>
@@ -12158,7 +12550,7 @@
           <a:srgbClr val="000000"/>
         </a:buClr>
         <a:buFont typeface="Arial"/>
-        <a:defRPr b="0" i="0" sz="1400" u="none" cap="none" strike="noStrike">
+        <a:defRPr sz="1400" b="0" i="0" u="none" strike="noStrike" cap="none">
           <a:solidFill>
             <a:srgbClr val="000000"/>
           </a:solidFill>
@@ -12168,7 +12560,7 @@
           <a:sym typeface="Arial"/>
         </a:defRPr>
       </a:lvl7pPr>
-      <a:lvl8pPr lvl="7" marR="0" rtl="0" algn="l">
+      <a:lvl8pPr marR="0" lvl="7" algn="l" rtl="0">
         <a:lnSpc>
           <a:spcPct val="100000"/>
         </a:lnSpc>
@@ -12182,7 +12574,7 @@
           <a:srgbClr val="000000"/>
         </a:buClr>
         <a:buFont typeface="Arial"/>
-        <a:defRPr b="0" i="0" sz="1400" u="none" cap="none" strike="noStrike">
+        <a:defRPr sz="1400" b="0" i="0" u="none" strike="noStrike" cap="none">
           <a:solidFill>
             <a:srgbClr val="000000"/>
           </a:solidFill>
@@ -12192,7 +12584,7 @@
           <a:sym typeface="Arial"/>
         </a:defRPr>
       </a:lvl8pPr>
-      <a:lvl9pPr lvl="8" marR="0" rtl="0" algn="l">
+      <a:lvl9pPr marR="0" lvl="8" algn="l" rtl="0">
         <a:lnSpc>
           <a:spcPct val="100000"/>
         </a:lnSpc>
@@ -12206,7 +12598,7 @@
           <a:srgbClr val="000000"/>
         </a:buClr>
         <a:buFont typeface="Arial"/>
-        <a:defRPr b="0" i="0" sz="1400" u="none" cap="none" strike="noStrike">
+        <a:defRPr sz="1400" b="0" i="0" u="none" strike="noStrike" cap="none">
           <a:solidFill>
             <a:srgbClr val="000000"/>
           </a:solidFill>
@@ -12222,11 +12614,11 @@
 </file>
 
 <file path=ppt/slides/slide1.xml><?xml version="1.0" encoding="utf-8"?>
-<p:sld xmlns:a="http://schemas.openxmlformats.org/drawingml/2006/main" xmlns:r="http://schemas.openxmlformats.org/officeDocument/2006/relationships" xmlns:mc="http://schemas.openxmlformats.org/markup-compatibility/2006" xmlns:mv="urn:schemas-microsoft-com:mac:vml" xmlns:p="http://schemas.openxmlformats.org/presentationml/2006/main" xmlns:c="http://schemas.openxmlformats.org/drawingml/2006/chart" xmlns:dgm="http://schemas.openxmlformats.org/drawingml/2006/diagram" xmlns:o="urn:schemas-microsoft-com:office:office" xmlns:v="urn:schemas-microsoft-com:vml" xmlns:pvml="urn:schemas-microsoft-com:office:powerpoint" xmlns:com="http://schemas.openxmlformats.org/drawingml/2006/compatibility" xmlns:p14="http://schemas.microsoft.com/office/powerpoint/2010/main" xmlns:p15="http://schemas.microsoft.com/office/powerpoint/2012/main" xmlns:ahyp="http://schemas.microsoft.com/office/drawing/2018/hyperlinkcolor">
+<p:sld xmlns:a="http://schemas.openxmlformats.org/drawingml/2006/main" xmlns:r="http://schemas.openxmlformats.org/officeDocument/2006/relationships" xmlns:p="http://schemas.openxmlformats.org/presentationml/2006/main">
   <p:cSld>
     <p:spTree>
       <p:nvGrpSpPr>
-        <p:cNvPr id="101" name="Shape 101"/>
+        <p:cNvPr id="1" name="Shape 101"/>
         <p:cNvGrpSpPr/>
         <p:nvPr/>
       </p:nvGrpSpPr>
@@ -12241,7 +12633,9 @@
       <p:sp>
         <p:nvSpPr>
           <p:cNvPr id="102" name="Google Shape;102;p1"/>
-          <p:cNvSpPr txBox="1"/>
+          <p:cNvSpPr txBox="1">
+            <a:spLocks noGrp="1"/>
+          </p:cNvSpPr>
           <p:nvPr>
             <p:ph type="ctrTitle"/>
           </p:nvPr>
@@ -12260,12 +12654,12 @@
           </a:ln>
         </p:spPr>
         <p:txBody>
-          <a:bodyPr anchorCtr="0" anchor="b" bIns="45700" lIns="91425" spcFirstLastPara="1" rIns="91425" wrap="square" tIns="45700">
+          <a:bodyPr spcFirstLastPara="1" wrap="square" lIns="91425" tIns="45700" rIns="91425" bIns="45700" anchor="b" anchorCtr="0">
             <a:normAutofit fontScale="90000"/>
           </a:bodyPr>
           <a:lstStyle/>
           <a:p>
-            <a:pPr indent="0" lvl="0" marL="0" rtl="0" algn="r">
+            <a:pPr marL="0" lvl="0" indent="0" algn="r" rtl="0">
               <a:spcBef>
                 <a:spcPts val="0"/>
               </a:spcBef>
@@ -12290,9 +12684,11 @@
       <p:sp>
         <p:nvSpPr>
           <p:cNvPr id="103" name="Google Shape;103;p1"/>
-          <p:cNvSpPr txBox="1"/>
+          <p:cNvSpPr txBox="1">
+            <a:spLocks noGrp="1"/>
+          </p:cNvSpPr>
           <p:nvPr>
-            <p:ph idx="1" type="subTitle"/>
+            <p:ph type="subTitle" idx="1"/>
           </p:nvPr>
         </p:nvSpPr>
         <p:spPr>
@@ -12309,12 +12705,12 @@
           </a:ln>
         </p:spPr>
         <p:txBody>
-          <a:bodyPr anchorCtr="0" anchor="t" bIns="45700" lIns="45700" spcFirstLastPara="1" rIns="45700" wrap="square" tIns="45700">
+          <a:bodyPr spcFirstLastPara="1" wrap="square" lIns="45700" tIns="45700" rIns="45700" bIns="45700" anchor="t" anchorCtr="0">
             <a:normAutofit fontScale="40000" lnSpcReduction="20000"/>
           </a:bodyPr>
           <a:lstStyle/>
           <a:p>
-            <a:pPr indent="0" lvl="0" marL="0" marR="64008" rtl="0" algn="r">
+            <a:pPr marL="0" marR="64008" lvl="0" indent="0" algn="r" rtl="0">
               <a:spcBef>
                 <a:spcPts val="0"/>
               </a:spcBef>
@@ -12331,7 +12727,7 @@
             <a:endParaRPr/>
           </a:p>
           <a:p>
-            <a:pPr indent="0" lvl="0" marL="0" marR="64008" rtl="0" algn="r">
+            <a:pPr marL="0" marR="64008" lvl="0" indent="0" algn="r" rtl="0">
               <a:spcBef>
                 <a:spcPts val="400"/>
               </a:spcBef>
@@ -12348,7 +12744,7 @@
             <a:endParaRPr/>
           </a:p>
           <a:p>
-            <a:pPr indent="0" lvl="0" marL="0" marR="64008" rtl="0" algn="r">
+            <a:pPr marL="0" marR="64008" lvl="0" indent="0" algn="r" rtl="0">
               <a:spcBef>
                 <a:spcPts val="400"/>
               </a:spcBef>
@@ -12365,7 +12761,7 @@
             <a:endParaRPr/>
           </a:p>
           <a:p>
-            <a:pPr indent="0" lvl="0" marL="0" marR="64008" rtl="0" algn="r">
+            <a:pPr marL="0" marR="64008" lvl="0" indent="0" algn="r" rtl="0">
               <a:spcBef>
                 <a:spcPts val="400"/>
               </a:spcBef>
@@ -12382,7 +12778,7 @@
             <a:endParaRPr/>
           </a:p>
           <a:p>
-            <a:pPr indent="0" lvl="0" marL="0" marR="64008" rtl="0" algn="r">
+            <a:pPr marL="0" marR="64008" lvl="0" indent="0" algn="r" rtl="0">
               <a:spcBef>
                 <a:spcPts val="400"/>
               </a:spcBef>
@@ -12399,7 +12795,7 @@
             <a:endParaRPr/>
           </a:p>
           <a:p>
-            <a:pPr indent="0" lvl="0" marL="0" marR="64008" rtl="0" algn="r">
+            <a:pPr marL="0" marR="64008" lvl="0" indent="0" algn="r" rtl="0">
               <a:spcBef>
                 <a:spcPts val="400"/>
               </a:spcBef>
@@ -12426,11 +12822,11 @@
 </file>
 
 <file path=ppt/slides/slide10.xml><?xml version="1.0" encoding="utf-8"?>
-<p:sld xmlns:a="http://schemas.openxmlformats.org/drawingml/2006/main" xmlns:r="http://schemas.openxmlformats.org/officeDocument/2006/relationships" xmlns:mc="http://schemas.openxmlformats.org/markup-compatibility/2006" xmlns:mv="urn:schemas-microsoft-com:mac:vml" xmlns:p="http://schemas.openxmlformats.org/presentationml/2006/main" xmlns:c="http://schemas.openxmlformats.org/drawingml/2006/chart" xmlns:dgm="http://schemas.openxmlformats.org/drawingml/2006/diagram" xmlns:o="urn:schemas-microsoft-com:office:office" xmlns:v="urn:schemas-microsoft-com:vml" xmlns:pvml="urn:schemas-microsoft-com:office:powerpoint" xmlns:com="http://schemas.openxmlformats.org/drawingml/2006/compatibility" xmlns:p14="http://schemas.microsoft.com/office/powerpoint/2010/main" xmlns:p15="http://schemas.microsoft.com/office/powerpoint/2012/main" xmlns:ahyp="http://schemas.microsoft.com/office/drawing/2018/hyperlinkcolor">
+<p:sld xmlns:a="http://schemas.openxmlformats.org/drawingml/2006/main" xmlns:r="http://schemas.openxmlformats.org/officeDocument/2006/relationships" xmlns:p="http://schemas.openxmlformats.org/presentationml/2006/main">
   <p:cSld>
     <p:spTree>
       <p:nvGrpSpPr>
-        <p:cNvPr id="162" name="Shape 162"/>
+        <p:cNvPr id="1" name="Shape 162"/>
         <p:cNvGrpSpPr/>
         <p:nvPr/>
       </p:nvGrpSpPr>
@@ -12445,9 +12841,11 @@
       <p:sp>
         <p:nvSpPr>
           <p:cNvPr id="163" name="Google Shape;163;p10"/>
-          <p:cNvSpPr txBox="1"/>
+          <p:cNvSpPr txBox="1">
+            <a:spLocks noGrp="1"/>
+          </p:cNvSpPr>
           <p:nvPr>
-            <p:ph idx="1" type="body"/>
+            <p:ph type="body" idx="1"/>
           </p:nvPr>
         </p:nvSpPr>
         <p:spPr>
@@ -12464,12 +12862,12 @@
           </a:ln>
         </p:spPr>
         <p:txBody>
-          <a:bodyPr anchorCtr="0" anchor="t" bIns="45700" lIns="91425" spcFirstLastPara="1" rIns="91425" wrap="square" tIns="45700">
+          <a:bodyPr spcFirstLastPara="1" wrap="square" lIns="91425" tIns="45700" rIns="91425" bIns="45700" anchor="t" anchorCtr="0">
             <a:normAutofit/>
           </a:bodyPr>
           <a:lstStyle/>
           <a:p>
-            <a:pPr indent="-139446" lvl="0" marL="365760" rtl="0" algn="l">
+            <a:pPr marL="365760" lvl="0" indent="-139446" algn="l" rtl="0">
               <a:spcBef>
                 <a:spcPts val="0"/>
               </a:spcBef>
@@ -12479,9 +12877,6 @@
               <a:buSzPts val="1836"/>
               <a:buNone/>
             </a:pPr>
-            <a:r>
-              <a:t/>
-            </a:r>
             <a:endParaRPr/>
           </a:p>
         </p:txBody>
@@ -12489,7 +12884,9 @@
       <p:sp>
         <p:nvSpPr>
           <p:cNvPr id="164" name="Google Shape;164;p10"/>
-          <p:cNvSpPr txBox="1"/>
+          <p:cNvSpPr txBox="1">
+            <a:spLocks noGrp="1"/>
+          </p:cNvSpPr>
           <p:nvPr>
             <p:ph type="title"/>
           </p:nvPr>
@@ -12508,12 +12905,12 @@
           </a:ln>
         </p:spPr>
         <p:txBody>
-          <a:bodyPr anchorCtr="0" anchor="ctr" bIns="45700" lIns="91425" spcFirstLastPara="1" rIns="91425" wrap="square" tIns="45700">
+          <a:bodyPr spcFirstLastPara="1" wrap="square" lIns="91425" tIns="45700" rIns="91425" bIns="45700" anchor="ctr" anchorCtr="0">
             <a:normAutofit/>
           </a:bodyPr>
           <a:lstStyle/>
           <a:p>
-            <a:pPr indent="0" lvl="0" marL="0" rtl="0" algn="l">
+            <a:pPr marL="0" lvl="0" indent="0" algn="l" rtl="0">
               <a:spcBef>
                 <a:spcPts val="0"/>
               </a:spcBef>
@@ -12527,9 +12924,6 @@
               <a:buFont typeface="Lucida Sans"/>
               <a:buNone/>
             </a:pPr>
-            <a:r>
-              <a:t/>
-            </a:r>
             <a:endParaRPr/>
           </a:p>
         </p:txBody>
@@ -12543,11 +12937,11 @@
 </file>
 
 <file path=ppt/slides/slide2.xml><?xml version="1.0" encoding="utf-8"?>
-<p:sld xmlns:a="http://schemas.openxmlformats.org/drawingml/2006/main" xmlns:r="http://schemas.openxmlformats.org/officeDocument/2006/relationships" xmlns:mc="http://schemas.openxmlformats.org/markup-compatibility/2006" xmlns:mv="urn:schemas-microsoft-com:mac:vml" xmlns:p="http://schemas.openxmlformats.org/presentationml/2006/main" xmlns:c="http://schemas.openxmlformats.org/drawingml/2006/chart" xmlns:dgm="http://schemas.openxmlformats.org/drawingml/2006/diagram" xmlns:o="urn:schemas-microsoft-com:office:office" xmlns:v="urn:schemas-microsoft-com:vml" xmlns:pvml="urn:schemas-microsoft-com:office:powerpoint" xmlns:com="http://schemas.openxmlformats.org/drawingml/2006/compatibility" xmlns:p14="http://schemas.microsoft.com/office/powerpoint/2010/main" xmlns:p15="http://schemas.microsoft.com/office/powerpoint/2012/main" xmlns:ahyp="http://schemas.microsoft.com/office/drawing/2018/hyperlinkcolor">
+<p:sld xmlns:a="http://schemas.openxmlformats.org/drawingml/2006/main" xmlns:r="http://schemas.openxmlformats.org/officeDocument/2006/relationships" xmlns:p="http://schemas.openxmlformats.org/presentationml/2006/main">
   <p:cSld>
     <p:spTree>
       <p:nvGrpSpPr>
-        <p:cNvPr id="107" name="Shape 107"/>
+        <p:cNvPr id="1" name="Shape 107"/>
         <p:cNvGrpSpPr/>
         <p:nvPr/>
       </p:nvGrpSpPr>
@@ -12562,7 +12956,9 @@
       <p:sp>
         <p:nvSpPr>
           <p:cNvPr id="108" name="Google Shape;108;p2"/>
-          <p:cNvSpPr txBox="1"/>
+          <p:cNvSpPr txBox="1">
+            <a:spLocks noGrp="1"/>
+          </p:cNvSpPr>
           <p:nvPr>
             <p:ph type="title"/>
           </p:nvPr>
@@ -12581,12 +12977,12 @@
           </a:ln>
         </p:spPr>
         <p:txBody>
-          <a:bodyPr anchorCtr="0" anchor="ctr" bIns="45700" lIns="91425" spcFirstLastPara="1" rIns="91425" wrap="square" tIns="45700">
+          <a:bodyPr spcFirstLastPara="1" wrap="square" lIns="91425" tIns="45700" rIns="91425" bIns="45700" anchor="ctr" anchorCtr="0">
             <a:normAutofit/>
           </a:bodyPr>
           <a:lstStyle/>
           <a:p>
-            <a:pPr indent="0" lvl="0" marL="0" rtl="0" algn="ctr">
+            <a:pPr marL="0" lvl="0" indent="0" algn="ctr" rtl="0">
               <a:spcBef>
                 <a:spcPts val="0"/>
               </a:spcBef>
@@ -12628,12 +13024,12 @@
           </a:ln>
         </p:spPr>
         <p:txBody>
-          <a:bodyPr anchorCtr="0" anchor="t" bIns="91425" lIns="91425" spcFirstLastPara="1" rIns="91425" wrap="square" tIns="91425">
+          <a:bodyPr spcFirstLastPara="1" wrap="square" lIns="91425" tIns="91425" rIns="91425" bIns="91425" anchor="t" anchorCtr="0">
             <a:spAutoFit/>
           </a:bodyPr>
           <a:lstStyle/>
           <a:p>
-            <a:pPr indent="-419100" lvl="0" marL="457200" rtl="0" algn="l">
+            <a:pPr marL="457200" lvl="0" indent="-419100" algn="l" rtl="0">
               <a:spcBef>
                 <a:spcPts val="0"/>
               </a:spcBef>
@@ -12661,7 +13057,7 @@
             </a:endParaRPr>
           </a:p>
           <a:p>
-            <a:pPr indent="-419100" lvl="0" marL="457200" rtl="0" algn="l">
+            <a:pPr marL="457200" lvl="0" indent="-419100" algn="l" rtl="0">
               <a:spcBef>
                 <a:spcPts val="0"/>
               </a:spcBef>
@@ -12689,7 +13085,7 @@
             </a:endParaRPr>
           </a:p>
           <a:p>
-            <a:pPr indent="-419100" lvl="0" marL="457200" rtl="0" algn="l">
+            <a:pPr marL="457200" lvl="0" indent="-419100" algn="l" rtl="0">
               <a:spcBef>
                 <a:spcPts val="0"/>
               </a:spcBef>
@@ -12717,7 +13113,7 @@
             </a:endParaRPr>
           </a:p>
           <a:p>
-            <a:pPr indent="-419100" lvl="0" marL="457200" rtl="0" algn="l">
+            <a:pPr marL="457200" lvl="0" indent="-419100" algn="l" rtl="0">
               <a:spcBef>
                 <a:spcPts val="0"/>
               </a:spcBef>
@@ -12745,7 +13141,7 @@
             </a:endParaRPr>
           </a:p>
           <a:p>
-            <a:pPr indent="-419100" lvl="0" marL="457200" rtl="0" algn="l">
+            <a:pPr marL="457200" lvl="0" indent="-419100" algn="l" rtl="0">
               <a:spcBef>
                 <a:spcPts val="0"/>
               </a:spcBef>
@@ -12783,11 +13179,11 @@
 </file>
 
 <file path=ppt/slides/slide3.xml><?xml version="1.0" encoding="utf-8"?>
-<p:sld xmlns:a="http://schemas.openxmlformats.org/drawingml/2006/main" xmlns:r="http://schemas.openxmlformats.org/officeDocument/2006/relationships" xmlns:mc="http://schemas.openxmlformats.org/markup-compatibility/2006" xmlns:mv="urn:schemas-microsoft-com:mac:vml" xmlns:p="http://schemas.openxmlformats.org/presentationml/2006/main" xmlns:c="http://schemas.openxmlformats.org/drawingml/2006/chart" xmlns:dgm="http://schemas.openxmlformats.org/drawingml/2006/diagram" xmlns:o="urn:schemas-microsoft-com:office:office" xmlns:v="urn:schemas-microsoft-com:vml" xmlns:pvml="urn:schemas-microsoft-com:office:powerpoint" xmlns:com="http://schemas.openxmlformats.org/drawingml/2006/compatibility" xmlns:p14="http://schemas.microsoft.com/office/powerpoint/2010/main" xmlns:p15="http://schemas.microsoft.com/office/powerpoint/2012/main" xmlns:ahyp="http://schemas.microsoft.com/office/drawing/2018/hyperlinkcolor">
+<p:sld xmlns:a="http://schemas.openxmlformats.org/drawingml/2006/main" xmlns:r="http://schemas.openxmlformats.org/officeDocument/2006/relationships" xmlns:p="http://schemas.openxmlformats.org/presentationml/2006/main">
   <p:cSld>
     <p:spTree>
       <p:nvGrpSpPr>
-        <p:cNvPr id="113" name="Shape 113"/>
+        <p:cNvPr id="1" name="Shape 113"/>
         <p:cNvGrpSpPr/>
         <p:nvPr/>
       </p:nvGrpSpPr>
@@ -12802,9 +13198,11 @@
       <p:sp>
         <p:nvSpPr>
           <p:cNvPr id="114" name="Google Shape;114;p3"/>
-          <p:cNvSpPr txBox="1"/>
+          <p:cNvSpPr txBox="1">
+            <a:spLocks noGrp="1"/>
+          </p:cNvSpPr>
           <p:nvPr>
-            <p:ph idx="1" type="body"/>
+            <p:ph type="body" idx="1"/>
           </p:nvPr>
         </p:nvSpPr>
         <p:spPr>
@@ -12821,12 +13219,12 @@
           </a:ln>
         </p:spPr>
         <p:txBody>
-          <a:bodyPr anchorCtr="0" anchor="t" bIns="45700" lIns="91425" spcFirstLastPara="1" rIns="91425" wrap="square" tIns="45700">
+          <a:bodyPr spcFirstLastPara="1" wrap="square" lIns="91425" tIns="45700" rIns="91425" bIns="45700" anchor="t" anchorCtr="0">
             <a:normAutofit/>
           </a:bodyPr>
           <a:lstStyle/>
           <a:p>
-            <a:pPr indent="-139446" lvl="0" marL="365760" rtl="0" algn="l">
+            <a:pPr marL="365760" lvl="0" indent="-139446" algn="l" rtl="0">
               <a:spcBef>
                 <a:spcPts val="0"/>
               </a:spcBef>
@@ -12836,9 +13234,6 @@
               <a:buSzPts val="1836"/>
               <a:buNone/>
             </a:pPr>
-            <a:r>
-              <a:t/>
-            </a:r>
             <a:endParaRPr/>
           </a:p>
         </p:txBody>
@@ -12846,7 +13241,9 @@
       <p:sp>
         <p:nvSpPr>
           <p:cNvPr id="115" name="Google Shape;115;p3"/>
-          <p:cNvSpPr txBox="1"/>
+          <p:cNvSpPr txBox="1">
+            <a:spLocks noGrp="1"/>
+          </p:cNvSpPr>
           <p:nvPr>
             <p:ph type="title"/>
           </p:nvPr>
@@ -12865,12 +13262,12 @@
           </a:ln>
         </p:spPr>
         <p:txBody>
-          <a:bodyPr anchorCtr="0" anchor="ctr" bIns="45700" lIns="91425" spcFirstLastPara="1" rIns="91425" wrap="square" tIns="45700">
+          <a:bodyPr spcFirstLastPara="1" wrap="square" lIns="91425" tIns="45700" rIns="91425" bIns="45700" anchor="ctr" anchorCtr="0">
             <a:normAutofit/>
           </a:bodyPr>
           <a:lstStyle/>
           <a:p>
-            <a:pPr indent="0" lvl="0" marL="0" rtl="0" algn="ctr">
+            <a:pPr marL="0" lvl="0" indent="0" algn="ctr" rtl="0">
               <a:spcBef>
                 <a:spcPts val="0"/>
               </a:spcBef>
@@ -12902,7 +13299,7 @@
           <a:blip r:embed="rId3">
             <a:alphaModFix/>
           </a:blip>
-          <a:srcRect b="0" l="15247" r="0" t="0"/>
+          <a:srcRect l="15247"/>
           <a:stretch/>
         </p:blipFill>
         <p:spPr>
@@ -12928,11 +13325,11 @@
 </file>
 
 <file path=ppt/slides/slide4.xml><?xml version="1.0" encoding="utf-8"?>
-<p:sld xmlns:a="http://schemas.openxmlformats.org/drawingml/2006/main" xmlns:r="http://schemas.openxmlformats.org/officeDocument/2006/relationships" xmlns:mc="http://schemas.openxmlformats.org/markup-compatibility/2006" xmlns:mv="urn:schemas-microsoft-com:mac:vml" xmlns:p="http://schemas.openxmlformats.org/presentationml/2006/main" xmlns:c="http://schemas.openxmlformats.org/drawingml/2006/chart" xmlns:dgm="http://schemas.openxmlformats.org/drawingml/2006/diagram" xmlns:o="urn:schemas-microsoft-com:office:office" xmlns:v="urn:schemas-microsoft-com:vml" xmlns:pvml="urn:schemas-microsoft-com:office:powerpoint" xmlns:com="http://schemas.openxmlformats.org/drawingml/2006/compatibility" xmlns:p14="http://schemas.microsoft.com/office/powerpoint/2010/main" xmlns:p15="http://schemas.microsoft.com/office/powerpoint/2012/main" xmlns:ahyp="http://schemas.microsoft.com/office/drawing/2018/hyperlinkcolor">
+<p:sld xmlns:a="http://schemas.openxmlformats.org/drawingml/2006/main" xmlns:r="http://schemas.openxmlformats.org/officeDocument/2006/relationships" xmlns:p="http://schemas.openxmlformats.org/presentationml/2006/main">
   <p:cSld>
     <p:spTree>
       <p:nvGrpSpPr>
-        <p:cNvPr id="120" name="Shape 120"/>
+        <p:cNvPr id="1" name="Shape 120"/>
         <p:cNvGrpSpPr/>
         <p:nvPr/>
       </p:nvGrpSpPr>
@@ -12947,9 +13344,11 @@
       <p:sp>
         <p:nvSpPr>
           <p:cNvPr id="121" name="Google Shape;121;p4"/>
-          <p:cNvSpPr txBox="1"/>
+          <p:cNvSpPr txBox="1">
+            <a:spLocks noGrp="1"/>
+          </p:cNvSpPr>
           <p:nvPr>
-            <p:ph idx="1" type="body"/>
+            <p:ph type="body" idx="1"/>
           </p:nvPr>
         </p:nvSpPr>
         <p:spPr>
@@ -12966,12 +13365,12 @@
           </a:ln>
         </p:spPr>
         <p:txBody>
-          <a:bodyPr anchorCtr="0" anchor="t" bIns="45700" lIns="91425" spcFirstLastPara="1" rIns="91425" wrap="square" tIns="45700">
+          <a:bodyPr spcFirstLastPara="1" wrap="square" lIns="91425" tIns="45700" rIns="91425" bIns="45700" anchor="t" anchorCtr="0">
             <a:normAutofit/>
           </a:bodyPr>
           <a:lstStyle/>
           <a:p>
-            <a:pPr indent="-139446" lvl="0" marL="365760" rtl="0" algn="l">
+            <a:pPr marL="365760" lvl="0" indent="-139446" algn="l" rtl="0">
               <a:spcBef>
                 <a:spcPts val="0"/>
               </a:spcBef>
@@ -12981,9 +13380,6 @@
               <a:buSzPts val="1836"/>
               <a:buNone/>
             </a:pPr>
-            <a:r>
-              <a:t/>
-            </a:r>
             <a:endParaRPr/>
           </a:p>
         </p:txBody>
@@ -12991,7 +13387,9 @@
       <p:sp>
         <p:nvSpPr>
           <p:cNvPr id="122" name="Google Shape;122;p4"/>
-          <p:cNvSpPr txBox="1"/>
+          <p:cNvSpPr txBox="1">
+            <a:spLocks noGrp="1"/>
+          </p:cNvSpPr>
           <p:nvPr>
             <p:ph type="title"/>
           </p:nvPr>
@@ -13010,12 +13408,12 @@
           </a:ln>
         </p:spPr>
         <p:txBody>
-          <a:bodyPr anchorCtr="0" anchor="ctr" bIns="45700" lIns="91425" spcFirstLastPara="1" rIns="91425" wrap="square" tIns="45700">
+          <a:bodyPr spcFirstLastPara="1" wrap="square" lIns="91425" tIns="45700" rIns="91425" bIns="45700" anchor="ctr" anchorCtr="0">
             <a:normAutofit fontScale="90000"/>
           </a:bodyPr>
           <a:lstStyle/>
           <a:p>
-            <a:pPr indent="0" lvl="0" marL="0" rtl="0" algn="ctr">
+            <a:pPr marL="0" lvl="0" indent="0" algn="ctr" rtl="0">
               <a:spcBef>
                 <a:spcPts val="0"/>
               </a:spcBef>
@@ -13047,7 +13445,7 @@
           <a:blip r:embed="rId3">
             <a:alphaModFix/>
           </a:blip>
-          <a:srcRect b="0" l="0" r="0" t="0"/>
+          <a:srcRect/>
           <a:stretch/>
         </p:blipFill>
         <p:spPr>
@@ -13073,11 +13471,11 @@
 </file>
 
 <file path=ppt/slides/slide5.xml><?xml version="1.0" encoding="utf-8"?>
-<p:sld xmlns:a="http://schemas.openxmlformats.org/drawingml/2006/main" xmlns:r="http://schemas.openxmlformats.org/officeDocument/2006/relationships" xmlns:mc="http://schemas.openxmlformats.org/markup-compatibility/2006" xmlns:mv="urn:schemas-microsoft-com:mac:vml" xmlns:p="http://schemas.openxmlformats.org/presentationml/2006/main" xmlns:c="http://schemas.openxmlformats.org/drawingml/2006/chart" xmlns:dgm="http://schemas.openxmlformats.org/drawingml/2006/diagram" xmlns:o="urn:schemas-microsoft-com:office:office" xmlns:v="urn:schemas-microsoft-com:vml" xmlns:pvml="urn:schemas-microsoft-com:office:powerpoint" xmlns:com="http://schemas.openxmlformats.org/drawingml/2006/compatibility" xmlns:p14="http://schemas.microsoft.com/office/powerpoint/2010/main" xmlns:p15="http://schemas.microsoft.com/office/powerpoint/2012/main" xmlns:ahyp="http://schemas.microsoft.com/office/drawing/2018/hyperlinkcolor">
+<p:sld xmlns:a="http://schemas.openxmlformats.org/drawingml/2006/main" xmlns:r="http://schemas.openxmlformats.org/officeDocument/2006/relationships" xmlns:p="http://schemas.openxmlformats.org/presentationml/2006/main">
   <p:cSld>
     <p:spTree>
       <p:nvGrpSpPr>
-        <p:cNvPr id="127" name="Shape 127"/>
+        <p:cNvPr id="1" name="Shape 127"/>
         <p:cNvGrpSpPr/>
         <p:nvPr/>
       </p:nvGrpSpPr>
@@ -13092,9 +13490,11 @@
       <p:sp>
         <p:nvSpPr>
           <p:cNvPr id="128" name="Google Shape;128;p5"/>
-          <p:cNvSpPr txBox="1"/>
+          <p:cNvSpPr txBox="1">
+            <a:spLocks noGrp="1"/>
+          </p:cNvSpPr>
           <p:nvPr>
-            <p:ph idx="1" type="body"/>
+            <p:ph type="body" idx="1"/>
           </p:nvPr>
         </p:nvSpPr>
         <p:spPr>
@@ -13111,12 +13511,12 @@
           </a:ln>
         </p:spPr>
         <p:txBody>
-          <a:bodyPr anchorCtr="0" anchor="t" bIns="45700" lIns="91425" spcFirstLastPara="1" rIns="91425" wrap="square" tIns="45700">
+          <a:bodyPr spcFirstLastPara="1" wrap="square" lIns="91425" tIns="45700" rIns="91425" bIns="45700" anchor="t" anchorCtr="0">
             <a:normAutofit/>
           </a:bodyPr>
           <a:lstStyle/>
           <a:p>
-            <a:pPr indent="-139446" lvl="0" marL="365760" rtl="0" algn="l">
+            <a:pPr marL="365760" lvl="0" indent="-139446" algn="l" rtl="0">
               <a:spcBef>
                 <a:spcPts val="0"/>
               </a:spcBef>
@@ -13126,9 +13526,6 @@
               <a:buSzPts val="1836"/>
               <a:buNone/>
             </a:pPr>
-            <a:r>
-              <a:t/>
-            </a:r>
             <a:endParaRPr/>
           </a:p>
         </p:txBody>
@@ -13136,7 +13533,9 @@
       <p:sp>
         <p:nvSpPr>
           <p:cNvPr id="129" name="Google Shape;129;p5"/>
-          <p:cNvSpPr txBox="1"/>
+          <p:cNvSpPr txBox="1">
+            <a:spLocks noGrp="1"/>
+          </p:cNvSpPr>
           <p:nvPr>
             <p:ph type="title"/>
           </p:nvPr>
@@ -13155,12 +13554,12 @@
           </a:ln>
         </p:spPr>
         <p:txBody>
-          <a:bodyPr anchorCtr="0" anchor="ctr" bIns="45700" lIns="91425" spcFirstLastPara="1" rIns="91425" wrap="square" tIns="45700">
+          <a:bodyPr spcFirstLastPara="1" wrap="square" lIns="91425" tIns="45700" rIns="91425" bIns="45700" anchor="ctr" anchorCtr="0">
             <a:normAutofit/>
           </a:bodyPr>
           <a:lstStyle/>
           <a:p>
-            <a:pPr indent="0" lvl="0" marL="0" rtl="0" algn="ctr">
+            <a:pPr marL="0" lvl="0" indent="0" algn="ctr" rtl="0">
               <a:spcBef>
                 <a:spcPts val="0"/>
               </a:spcBef>
@@ -13192,7 +13591,7 @@
           <a:blip r:embed="rId3">
             <a:alphaModFix/>
           </a:blip>
-          <a:srcRect b="0" l="0" r="0" t="0"/>
+          <a:srcRect/>
           <a:stretch/>
         </p:blipFill>
         <p:spPr>
@@ -13218,11 +13617,11 @@
 </file>
 
 <file path=ppt/slides/slide6.xml><?xml version="1.0" encoding="utf-8"?>
-<p:sld xmlns:a="http://schemas.openxmlformats.org/drawingml/2006/main" xmlns:r="http://schemas.openxmlformats.org/officeDocument/2006/relationships" xmlns:mc="http://schemas.openxmlformats.org/markup-compatibility/2006" xmlns:mv="urn:schemas-microsoft-com:mac:vml" xmlns:p="http://schemas.openxmlformats.org/presentationml/2006/main" xmlns:c="http://schemas.openxmlformats.org/drawingml/2006/chart" xmlns:dgm="http://schemas.openxmlformats.org/drawingml/2006/diagram" xmlns:o="urn:schemas-microsoft-com:office:office" xmlns:v="urn:schemas-microsoft-com:vml" xmlns:pvml="urn:schemas-microsoft-com:office:powerpoint" xmlns:com="http://schemas.openxmlformats.org/drawingml/2006/compatibility" xmlns:p14="http://schemas.microsoft.com/office/powerpoint/2010/main" xmlns:p15="http://schemas.microsoft.com/office/powerpoint/2012/main" xmlns:ahyp="http://schemas.microsoft.com/office/drawing/2018/hyperlinkcolor">
+<p:sld xmlns:a="http://schemas.openxmlformats.org/drawingml/2006/main" xmlns:r="http://schemas.openxmlformats.org/officeDocument/2006/relationships" xmlns:p="http://schemas.openxmlformats.org/presentationml/2006/main">
   <p:cSld>
     <p:spTree>
       <p:nvGrpSpPr>
-        <p:cNvPr id="134" name="Shape 134"/>
+        <p:cNvPr id="1" name="Shape 134"/>
         <p:cNvGrpSpPr/>
         <p:nvPr/>
       </p:nvGrpSpPr>
@@ -13237,9 +13636,11 @@
       <p:sp>
         <p:nvSpPr>
           <p:cNvPr id="135" name="Google Shape;135;p6"/>
-          <p:cNvSpPr txBox="1"/>
+          <p:cNvSpPr txBox="1">
+            <a:spLocks noGrp="1"/>
+          </p:cNvSpPr>
           <p:nvPr>
-            <p:ph idx="1" type="body"/>
+            <p:ph type="body" idx="1"/>
           </p:nvPr>
         </p:nvSpPr>
         <p:spPr>
@@ -13256,12 +13657,12 @@
           </a:ln>
         </p:spPr>
         <p:txBody>
-          <a:bodyPr anchorCtr="0" anchor="t" bIns="45700" lIns="91425" spcFirstLastPara="1" rIns="91425" wrap="square" tIns="45700">
+          <a:bodyPr spcFirstLastPara="1" wrap="square" lIns="91425" tIns="45700" rIns="91425" bIns="45700" anchor="t" anchorCtr="0">
             <a:normAutofit/>
           </a:bodyPr>
           <a:lstStyle/>
           <a:p>
-            <a:pPr indent="-139446" lvl="0" marL="365760" rtl="0" algn="l">
+            <a:pPr marL="365760" lvl="0" indent="-139446" algn="l" rtl="0">
               <a:spcBef>
                 <a:spcPts val="0"/>
               </a:spcBef>
@@ -13271,9 +13672,6 @@
               <a:buSzPts val="1836"/>
               <a:buNone/>
             </a:pPr>
-            <a:r>
-              <a:t/>
-            </a:r>
             <a:endParaRPr/>
           </a:p>
         </p:txBody>
@@ -13281,7 +13679,9 @@
       <p:sp>
         <p:nvSpPr>
           <p:cNvPr id="136" name="Google Shape;136;p6"/>
-          <p:cNvSpPr txBox="1"/>
+          <p:cNvSpPr txBox="1">
+            <a:spLocks noGrp="1"/>
+          </p:cNvSpPr>
           <p:nvPr>
             <p:ph type="title"/>
           </p:nvPr>
@@ -13300,12 +13700,12 @@
           </a:ln>
         </p:spPr>
         <p:txBody>
-          <a:bodyPr anchorCtr="0" anchor="ctr" bIns="45700" lIns="91425" spcFirstLastPara="1" rIns="91425" wrap="square" tIns="45700">
+          <a:bodyPr spcFirstLastPara="1" wrap="square" lIns="91425" tIns="45700" rIns="91425" bIns="45700" anchor="ctr" anchorCtr="0">
             <a:normAutofit fontScale="90000"/>
           </a:bodyPr>
           <a:lstStyle/>
           <a:p>
-            <a:pPr indent="0" lvl="0" marL="0" rtl="0" algn="ctr">
+            <a:pPr marL="0" lvl="0" indent="0" algn="ctr" rtl="0">
               <a:spcBef>
                 <a:spcPts val="0"/>
               </a:spcBef>
@@ -13337,7 +13737,7 @@
           <a:blip r:embed="rId3">
             <a:alphaModFix/>
           </a:blip>
-          <a:srcRect b="0" l="0" r="0" t="0"/>
+          <a:srcRect/>
           <a:stretch/>
         </p:blipFill>
         <p:spPr>
@@ -13363,11 +13763,11 @@
 </file>
 
 <file path=ppt/slides/slide7.xml><?xml version="1.0" encoding="utf-8"?>
-<p:sld xmlns:a="http://schemas.openxmlformats.org/drawingml/2006/main" xmlns:r="http://schemas.openxmlformats.org/officeDocument/2006/relationships" xmlns:mc="http://schemas.openxmlformats.org/markup-compatibility/2006" xmlns:mv="urn:schemas-microsoft-com:mac:vml" xmlns:p="http://schemas.openxmlformats.org/presentationml/2006/main" xmlns:c="http://schemas.openxmlformats.org/drawingml/2006/chart" xmlns:dgm="http://schemas.openxmlformats.org/drawingml/2006/diagram" xmlns:o="urn:schemas-microsoft-com:office:office" xmlns:v="urn:schemas-microsoft-com:vml" xmlns:pvml="urn:schemas-microsoft-com:office:powerpoint" xmlns:com="http://schemas.openxmlformats.org/drawingml/2006/compatibility" xmlns:p14="http://schemas.microsoft.com/office/powerpoint/2010/main" xmlns:p15="http://schemas.microsoft.com/office/powerpoint/2012/main" xmlns:ahyp="http://schemas.microsoft.com/office/drawing/2018/hyperlinkcolor">
+<p:sld xmlns:a="http://schemas.openxmlformats.org/drawingml/2006/main" xmlns:r="http://schemas.openxmlformats.org/officeDocument/2006/relationships" xmlns:p="http://schemas.openxmlformats.org/presentationml/2006/main">
   <p:cSld>
     <p:spTree>
       <p:nvGrpSpPr>
-        <p:cNvPr id="141" name="Shape 141"/>
+        <p:cNvPr id="1" name="Shape 141"/>
         <p:cNvGrpSpPr/>
         <p:nvPr/>
       </p:nvGrpSpPr>
@@ -13382,9 +13782,11 @@
       <p:sp>
         <p:nvSpPr>
           <p:cNvPr id="142" name="Google Shape;142;p7"/>
-          <p:cNvSpPr txBox="1"/>
+          <p:cNvSpPr txBox="1">
+            <a:spLocks noGrp="1"/>
+          </p:cNvSpPr>
           <p:nvPr>
-            <p:ph idx="1" type="body"/>
+            <p:ph type="body" idx="1"/>
           </p:nvPr>
         </p:nvSpPr>
         <p:spPr>
@@ -13401,12 +13803,12 @@
           </a:ln>
         </p:spPr>
         <p:txBody>
-          <a:bodyPr anchorCtr="0" anchor="t" bIns="45700" lIns="91425" spcFirstLastPara="1" rIns="91425" wrap="square" tIns="45700">
+          <a:bodyPr spcFirstLastPara="1" wrap="square" lIns="91425" tIns="45700" rIns="91425" bIns="45700" anchor="t" anchorCtr="0">
             <a:normAutofit/>
           </a:bodyPr>
           <a:lstStyle/>
           <a:p>
-            <a:pPr indent="-139446" lvl="0" marL="365760" rtl="0" algn="l">
+            <a:pPr marL="365760" lvl="0" indent="-139446" algn="l" rtl="0">
               <a:spcBef>
                 <a:spcPts val="0"/>
               </a:spcBef>
@@ -13416,9 +13818,6 @@
               <a:buSzPts val="1836"/>
               <a:buNone/>
             </a:pPr>
-            <a:r>
-              <a:t/>
-            </a:r>
             <a:endParaRPr/>
           </a:p>
         </p:txBody>
@@ -13426,7 +13825,9 @@
       <p:sp>
         <p:nvSpPr>
           <p:cNvPr id="143" name="Google Shape;143;p7"/>
-          <p:cNvSpPr txBox="1"/>
+          <p:cNvSpPr txBox="1">
+            <a:spLocks noGrp="1"/>
+          </p:cNvSpPr>
           <p:nvPr>
             <p:ph type="title"/>
           </p:nvPr>
@@ -13445,12 +13846,12 @@
           </a:ln>
         </p:spPr>
         <p:txBody>
-          <a:bodyPr anchorCtr="0" anchor="ctr" bIns="45700" lIns="91425" spcFirstLastPara="1" rIns="91425" wrap="square" tIns="45700">
+          <a:bodyPr spcFirstLastPara="1" wrap="square" lIns="91425" tIns="45700" rIns="91425" bIns="45700" anchor="ctr" anchorCtr="0">
             <a:normAutofit/>
           </a:bodyPr>
           <a:lstStyle/>
           <a:p>
-            <a:pPr indent="0" lvl="0" marL="0" rtl="0" algn="ctr">
+            <a:pPr marL="0" lvl="0" indent="0" algn="ctr" rtl="0">
               <a:spcBef>
                 <a:spcPts val="0"/>
               </a:spcBef>
@@ -13482,7 +13883,7 @@
           <a:blip r:embed="rId3">
             <a:alphaModFix/>
           </a:blip>
-          <a:srcRect b="0" l="0" r="0" t="0"/>
+          <a:srcRect/>
           <a:stretch/>
         </p:blipFill>
         <p:spPr>
@@ -13508,11 +13909,11 @@
 </file>
 
 <file path=ppt/slides/slide8.xml><?xml version="1.0" encoding="utf-8"?>
-<p:sld xmlns:a="http://schemas.openxmlformats.org/drawingml/2006/main" xmlns:r="http://schemas.openxmlformats.org/officeDocument/2006/relationships" xmlns:mc="http://schemas.openxmlformats.org/markup-compatibility/2006" xmlns:mv="urn:schemas-microsoft-com:mac:vml" xmlns:p="http://schemas.openxmlformats.org/presentationml/2006/main" xmlns:c="http://schemas.openxmlformats.org/drawingml/2006/chart" xmlns:dgm="http://schemas.openxmlformats.org/drawingml/2006/diagram" xmlns:o="urn:schemas-microsoft-com:office:office" xmlns:v="urn:schemas-microsoft-com:vml" xmlns:pvml="urn:schemas-microsoft-com:office:powerpoint" xmlns:com="http://schemas.openxmlformats.org/drawingml/2006/compatibility" xmlns:p14="http://schemas.microsoft.com/office/powerpoint/2010/main" xmlns:p15="http://schemas.microsoft.com/office/powerpoint/2012/main" xmlns:ahyp="http://schemas.microsoft.com/office/drawing/2018/hyperlinkcolor">
+<p:sld xmlns:a="http://schemas.openxmlformats.org/drawingml/2006/main" xmlns:r="http://schemas.openxmlformats.org/officeDocument/2006/relationships" xmlns:p="http://schemas.openxmlformats.org/presentationml/2006/main">
   <p:cSld>
     <p:spTree>
       <p:nvGrpSpPr>
-        <p:cNvPr id="148" name="Shape 148"/>
+        <p:cNvPr id="1" name="Shape 148"/>
         <p:cNvGrpSpPr/>
         <p:nvPr/>
       </p:nvGrpSpPr>
@@ -13527,9 +13928,11 @@
       <p:sp>
         <p:nvSpPr>
           <p:cNvPr id="149" name="Google Shape;149;p8"/>
-          <p:cNvSpPr txBox="1"/>
+          <p:cNvSpPr txBox="1">
+            <a:spLocks noGrp="1"/>
+          </p:cNvSpPr>
           <p:nvPr>
-            <p:ph idx="1" type="body"/>
+            <p:ph type="body" idx="1"/>
           </p:nvPr>
         </p:nvSpPr>
         <p:spPr>
@@ -13546,12 +13949,12 @@
           </a:ln>
         </p:spPr>
         <p:txBody>
-          <a:bodyPr anchorCtr="0" anchor="t" bIns="45700" lIns="91425" spcFirstLastPara="1" rIns="91425" wrap="square" tIns="45700">
+          <a:bodyPr spcFirstLastPara="1" wrap="square" lIns="91425" tIns="45700" rIns="91425" bIns="45700" anchor="t" anchorCtr="0">
             <a:normAutofit/>
           </a:bodyPr>
           <a:lstStyle/>
           <a:p>
-            <a:pPr indent="-139446" lvl="0" marL="365760" rtl="0" algn="l">
+            <a:pPr marL="365760" lvl="0" indent="-139446" algn="l" rtl="0">
               <a:spcBef>
                 <a:spcPts val="0"/>
               </a:spcBef>
@@ -13561,9 +13964,6 @@
               <a:buSzPts val="1836"/>
               <a:buNone/>
             </a:pPr>
-            <a:r>
-              <a:t/>
-            </a:r>
             <a:endParaRPr/>
           </a:p>
         </p:txBody>
@@ -13571,7 +13971,9 @@
       <p:sp>
         <p:nvSpPr>
           <p:cNvPr id="150" name="Google Shape;150;p8"/>
-          <p:cNvSpPr txBox="1"/>
+          <p:cNvSpPr txBox="1">
+            <a:spLocks noGrp="1"/>
+          </p:cNvSpPr>
           <p:nvPr>
             <p:ph type="title"/>
           </p:nvPr>
@@ -13590,12 +13992,12 @@
           </a:ln>
         </p:spPr>
         <p:txBody>
-          <a:bodyPr anchorCtr="0" anchor="ctr" bIns="45700" lIns="91425" spcFirstLastPara="1" rIns="91425" wrap="square" tIns="45700">
+          <a:bodyPr spcFirstLastPara="1" wrap="square" lIns="91425" tIns="45700" rIns="91425" bIns="45700" anchor="ctr" anchorCtr="0">
             <a:normAutofit fontScale="90000"/>
           </a:bodyPr>
           <a:lstStyle/>
           <a:p>
-            <a:pPr indent="0" lvl="0" marL="0" rtl="0" algn="ctr">
+            <a:pPr marL="0" lvl="0" indent="0" algn="ctr" rtl="0">
               <a:spcBef>
                 <a:spcPts val="0"/>
               </a:spcBef>
@@ -13627,7 +14029,7 @@
           <a:blip r:embed="rId3">
             <a:alphaModFix/>
           </a:blip>
-          <a:srcRect b="0" l="0" r="0" t="0"/>
+          <a:srcRect/>
           <a:stretch/>
         </p:blipFill>
         <p:spPr>
@@ -13653,11 +14055,11 @@
 </file>
 
 <file path=ppt/slides/slide9.xml><?xml version="1.0" encoding="utf-8"?>
-<p:sld xmlns:a="http://schemas.openxmlformats.org/drawingml/2006/main" xmlns:r="http://schemas.openxmlformats.org/officeDocument/2006/relationships" xmlns:mc="http://schemas.openxmlformats.org/markup-compatibility/2006" xmlns:mv="urn:schemas-microsoft-com:mac:vml" xmlns:p="http://schemas.openxmlformats.org/presentationml/2006/main" xmlns:c="http://schemas.openxmlformats.org/drawingml/2006/chart" xmlns:dgm="http://schemas.openxmlformats.org/drawingml/2006/diagram" xmlns:o="urn:schemas-microsoft-com:office:office" xmlns:v="urn:schemas-microsoft-com:vml" xmlns:pvml="urn:schemas-microsoft-com:office:powerpoint" xmlns:com="http://schemas.openxmlformats.org/drawingml/2006/compatibility" xmlns:p14="http://schemas.microsoft.com/office/powerpoint/2010/main" xmlns:p15="http://schemas.microsoft.com/office/powerpoint/2012/main" xmlns:ahyp="http://schemas.microsoft.com/office/drawing/2018/hyperlinkcolor">
+<p:sld xmlns:a="http://schemas.openxmlformats.org/drawingml/2006/main" xmlns:r="http://schemas.openxmlformats.org/officeDocument/2006/relationships" xmlns:p="http://schemas.openxmlformats.org/presentationml/2006/main">
   <p:cSld>
     <p:spTree>
       <p:nvGrpSpPr>
-        <p:cNvPr id="155" name="Shape 155"/>
+        <p:cNvPr id="1" name="Shape 155"/>
         <p:cNvGrpSpPr/>
         <p:nvPr/>
       </p:nvGrpSpPr>
@@ -13672,9 +14074,11 @@
       <p:sp>
         <p:nvSpPr>
           <p:cNvPr id="156" name="Google Shape;156;p9"/>
-          <p:cNvSpPr txBox="1"/>
+          <p:cNvSpPr txBox="1">
+            <a:spLocks noGrp="1"/>
+          </p:cNvSpPr>
           <p:nvPr>
-            <p:ph idx="1" type="body"/>
+            <p:ph type="body" idx="1"/>
           </p:nvPr>
         </p:nvSpPr>
         <p:spPr>
@@ -13691,12 +14095,12 @@
           </a:ln>
         </p:spPr>
         <p:txBody>
-          <a:bodyPr anchorCtr="0" anchor="t" bIns="45700" lIns="91425" spcFirstLastPara="1" rIns="91425" wrap="square" tIns="45700">
+          <a:bodyPr spcFirstLastPara="1" wrap="square" lIns="91425" tIns="45700" rIns="91425" bIns="45700" anchor="t" anchorCtr="0">
             <a:normAutofit/>
           </a:bodyPr>
           <a:lstStyle/>
           <a:p>
-            <a:pPr indent="-139446" lvl="0" marL="365760" rtl="0" algn="l">
+            <a:pPr marL="365760" lvl="0" indent="-139446" algn="l" rtl="0">
               <a:spcBef>
                 <a:spcPts val="0"/>
               </a:spcBef>
@@ -13706,9 +14110,6 @@
               <a:buSzPts val="1836"/>
               <a:buNone/>
             </a:pPr>
-            <a:r>
-              <a:t/>
-            </a:r>
             <a:endParaRPr/>
           </a:p>
         </p:txBody>
@@ -13716,7 +14117,9 @@
       <p:sp>
         <p:nvSpPr>
           <p:cNvPr id="157" name="Google Shape;157;p9"/>
-          <p:cNvSpPr txBox="1"/>
+          <p:cNvSpPr txBox="1">
+            <a:spLocks noGrp="1"/>
+          </p:cNvSpPr>
           <p:nvPr>
             <p:ph type="title"/>
           </p:nvPr>
@@ -13735,12 +14138,12 @@
           </a:ln>
         </p:spPr>
         <p:txBody>
-          <a:bodyPr anchorCtr="0" anchor="ctr" bIns="45700" lIns="91425" spcFirstLastPara="1" rIns="91425" wrap="square" tIns="45700">
+          <a:bodyPr spcFirstLastPara="1" wrap="square" lIns="91425" tIns="45700" rIns="91425" bIns="45700" anchor="ctr" anchorCtr="0">
             <a:normAutofit fontScale="90000"/>
           </a:bodyPr>
           <a:lstStyle/>
           <a:p>
-            <a:pPr indent="0" lvl="0" marL="0" rtl="0" algn="ctr">
+            <a:pPr marL="0" lvl="0" indent="0" algn="ctr" rtl="0">
               <a:spcBef>
                 <a:spcPts val="0"/>
               </a:spcBef>
@@ -13764,29 +14167,26 @@
       </p:sp>
       <p:pic>
         <p:nvPicPr>
-          <p:cNvPr id="158" name="Google Shape;158;p9"/>
-          <p:cNvPicPr preferRelativeResize="0"/>
+          <p:cNvPr id="5" name="Рисунок 4" descr="db.png"/>
+          <p:cNvPicPr>
+            <a:picLocks noChangeAspect="1"/>
+          </p:cNvPicPr>
           <p:nvPr/>
         </p:nvPicPr>
-        <p:blipFill rotWithShape="1">
-          <a:blip r:embed="rId3">
-            <a:alphaModFix/>
-          </a:blip>
-          <a:srcRect b="0" l="3032" r="2217" t="4315"/>
-          <a:stretch/>
+        <p:blipFill>
+          <a:blip r:embed="rId3"/>
+          <a:stretch>
+            <a:fillRect/>
+          </a:stretch>
         </p:blipFill>
         <p:spPr>
           <a:xfrm>
-            <a:off x="457200" y="1054914"/>
-            <a:ext cx="8229600" cy="5378786"/>
+            <a:off x="549545" y="941894"/>
+            <a:ext cx="8263713" cy="5762958"/>
           </a:xfrm>
           <a:prstGeom prst="rect">
             <a:avLst/>
           </a:prstGeom>
-          <a:noFill/>
-          <a:ln>
-            <a:noFill/>
-          </a:ln>
         </p:spPr>
       </p:pic>
     </p:spTree>
@@ -13798,7 +14198,288 @@
 </file>
 
 <file path=ppt/theme/theme1.xml><?xml version="1.0" encoding="utf-8"?>
-<a:theme xmlns:a="http://schemas.openxmlformats.org/drawingml/2006/main" xmlns:r="http://schemas.openxmlformats.org/officeDocument/2006/relationships">
+<a:theme xmlns:a="http://schemas.openxmlformats.org/drawingml/2006/main" name="Открытая">
+  <a:themeElements>
+    <a:clrScheme name="Открытая">
+      <a:dk1>
+        <a:srgbClr val="000000"/>
+      </a:dk1>
+      <a:lt1>
+        <a:srgbClr val="FFFFFF"/>
+      </a:lt1>
+      <a:dk2>
+        <a:srgbClr val="464646"/>
+      </a:dk2>
+      <a:lt2>
+        <a:srgbClr val="DEF5FA"/>
+      </a:lt2>
+      <a:accent1>
+        <a:srgbClr val="2DA2BF"/>
+      </a:accent1>
+      <a:accent2>
+        <a:srgbClr val="DA1F28"/>
+      </a:accent2>
+      <a:accent3>
+        <a:srgbClr val="EB641B"/>
+      </a:accent3>
+      <a:accent4>
+        <a:srgbClr val="39639D"/>
+      </a:accent4>
+      <a:accent5>
+        <a:srgbClr val="474B78"/>
+      </a:accent5>
+      <a:accent6>
+        <a:srgbClr val="7D3C4A"/>
+      </a:accent6>
+      <a:hlink>
+        <a:srgbClr val="FF8119"/>
+      </a:hlink>
+      <a:folHlink>
+        <a:srgbClr val="44B9E8"/>
+      </a:folHlink>
+    </a:clrScheme>
+    <a:fontScheme name="Office">
+      <a:majorFont>
+        <a:latin typeface="Arial"/>
+        <a:ea typeface=""/>
+        <a:cs typeface=""/>
+        <a:font script="Jpan" typeface="ＭＳ Ｐゴシック"/>
+        <a:font script="Hang" typeface="맑은 고딕"/>
+        <a:font script="Hans" typeface="宋体"/>
+        <a:font script="Hant" typeface="新細明體"/>
+        <a:font script="Arab" typeface="Times New Roman"/>
+        <a:font script="Hebr" typeface="Times New Roman"/>
+        <a:font script="Thai" typeface="Angsana New"/>
+        <a:font script="Ethi" typeface="Nyala"/>
+        <a:font script="Beng" typeface="Vrinda"/>
+        <a:font script="Gujr" typeface="Shruti"/>
+        <a:font script="Khmr" typeface="MoolBoran"/>
+        <a:font script="Knda" typeface="Tunga"/>
+        <a:font script="Guru" typeface="Raavi"/>
+        <a:font script="Cans" typeface="Euphemia"/>
+        <a:font script="Cher" typeface="Plantagenet Cherokee"/>
+        <a:font script="Yiii" typeface="Microsoft Yi Baiti"/>
+        <a:font script="Tibt" typeface="Microsoft Himalaya"/>
+        <a:font script="Thaa" typeface="MV Boli"/>
+        <a:font script="Deva" typeface="Mangal"/>
+        <a:font script="Telu" typeface="Gautami"/>
+        <a:font script="Taml" typeface="Latha"/>
+        <a:font script="Syrc" typeface="Estrangelo Edessa"/>
+        <a:font script="Orya" typeface="Kalinga"/>
+        <a:font script="Mlym" typeface="Kartika"/>
+        <a:font script="Laoo" typeface="DokChampa"/>
+        <a:font script="Sinh" typeface="Iskoola Pota"/>
+        <a:font script="Mong" typeface="Mongolian Baiti"/>
+        <a:font script="Viet" typeface="Times New Roman"/>
+        <a:font script="Uigh" typeface="Microsoft Uighur"/>
+        <a:font script="Geor" typeface="Sylfaen"/>
+      </a:majorFont>
+      <a:minorFont>
+        <a:latin typeface="Arial"/>
+        <a:ea typeface=""/>
+        <a:cs typeface=""/>
+        <a:font script="Jpan" typeface="ＭＳ Ｐゴシック"/>
+        <a:font script="Hang" typeface="맑은 고딕"/>
+        <a:font script="Hans" typeface="宋体"/>
+        <a:font script="Hant" typeface="新細明體"/>
+        <a:font script="Arab" typeface="Arial"/>
+        <a:font script="Hebr" typeface="Arial"/>
+        <a:font script="Thai" typeface="Cordia New"/>
+        <a:font script="Ethi" typeface="Nyala"/>
+        <a:font script="Beng" typeface="Vrinda"/>
+        <a:font script="Gujr" typeface="Shruti"/>
+        <a:font script="Khmr" typeface="DaunPenh"/>
+        <a:font script="Knda" typeface="Tunga"/>
+        <a:font script="Guru" typeface="Raavi"/>
+        <a:font script="Cans" typeface="Euphemia"/>
+        <a:font script="Cher" typeface="Plantagenet Cherokee"/>
+        <a:font script="Yiii" typeface="Microsoft Yi Baiti"/>
+        <a:font script="Tibt" typeface="Microsoft Himalaya"/>
+        <a:font script="Thaa" typeface="MV Boli"/>
+        <a:font script="Deva" typeface="Mangal"/>
+        <a:font script="Telu" typeface="Gautami"/>
+        <a:font script="Taml" typeface="Latha"/>
+        <a:font script="Syrc" typeface="Estrangelo Edessa"/>
+        <a:font script="Orya" typeface="Kalinga"/>
+        <a:font script="Mlym" typeface="Kartika"/>
+        <a:font script="Laoo" typeface="DokChampa"/>
+        <a:font script="Sinh" typeface="Iskoola Pota"/>
+        <a:font script="Mong" typeface="Mongolian Baiti"/>
+        <a:font script="Viet" typeface="Arial"/>
+        <a:font script="Uigh" typeface="Microsoft Uighur"/>
+        <a:font script="Geor" typeface="Sylfaen"/>
+      </a:minorFont>
+    </a:fontScheme>
+    <a:fmtScheme name="Office">
+      <a:fillStyleLst>
+        <a:solidFill>
+          <a:schemeClr val="phClr"/>
+        </a:solidFill>
+        <a:gradFill rotWithShape="1">
+          <a:gsLst>
+            <a:gs pos="0">
+              <a:schemeClr val="phClr">
+                <a:tint val="50000"/>
+                <a:satMod val="300000"/>
+              </a:schemeClr>
+            </a:gs>
+            <a:gs pos="35000">
+              <a:schemeClr val="phClr">
+                <a:tint val="37000"/>
+                <a:satMod val="300000"/>
+              </a:schemeClr>
+            </a:gs>
+            <a:gs pos="100000">
+              <a:schemeClr val="phClr">
+                <a:tint val="15000"/>
+                <a:satMod val="350000"/>
+              </a:schemeClr>
+            </a:gs>
+          </a:gsLst>
+          <a:lin ang="16200000" scaled="1"/>
+        </a:gradFill>
+        <a:gradFill rotWithShape="1">
+          <a:gsLst>
+            <a:gs pos="0">
+              <a:schemeClr val="phClr">
+                <a:tint val="100000"/>
+                <a:shade val="100000"/>
+                <a:satMod val="130000"/>
+              </a:schemeClr>
+            </a:gs>
+            <a:gs pos="100000">
+              <a:schemeClr val="phClr">
+                <a:tint val="50000"/>
+                <a:shade val="100000"/>
+                <a:satMod val="350000"/>
+              </a:schemeClr>
+            </a:gs>
+          </a:gsLst>
+          <a:lin ang="16200000" scaled="0"/>
+        </a:gradFill>
+      </a:fillStyleLst>
+      <a:lnStyleLst>
+        <a:ln w="9525" cap="flat" cmpd="sng" algn="ctr">
+          <a:solidFill>
+            <a:schemeClr val="phClr">
+              <a:shade val="95000"/>
+              <a:satMod val="105000"/>
+            </a:schemeClr>
+          </a:solidFill>
+          <a:prstDash val="solid"/>
+        </a:ln>
+        <a:ln w="25400" cap="flat" cmpd="sng" algn="ctr">
+          <a:solidFill>
+            <a:schemeClr val="phClr"/>
+          </a:solidFill>
+          <a:prstDash val="solid"/>
+        </a:ln>
+        <a:ln w="38100" cap="flat" cmpd="sng" algn="ctr">
+          <a:solidFill>
+            <a:schemeClr val="phClr"/>
+          </a:solidFill>
+          <a:prstDash val="solid"/>
+        </a:ln>
+      </a:lnStyleLst>
+      <a:effectStyleLst>
+        <a:effectStyle>
+          <a:effectLst>
+            <a:outerShdw blurRad="40000" dist="20000" dir="5400000" rotWithShape="0">
+              <a:srgbClr val="000000">
+                <a:alpha val="38000"/>
+              </a:srgbClr>
+            </a:outerShdw>
+          </a:effectLst>
+        </a:effectStyle>
+        <a:effectStyle>
+          <a:effectLst>
+            <a:outerShdw blurRad="40000" dist="23000" dir="5400000" rotWithShape="0">
+              <a:srgbClr val="000000">
+                <a:alpha val="35000"/>
+              </a:srgbClr>
+            </a:outerShdw>
+          </a:effectLst>
+        </a:effectStyle>
+        <a:effectStyle>
+          <a:effectLst>
+            <a:outerShdw blurRad="40000" dist="23000" dir="5400000" rotWithShape="0">
+              <a:srgbClr val="000000">
+                <a:alpha val="35000"/>
+              </a:srgbClr>
+            </a:outerShdw>
+          </a:effectLst>
+          <a:scene3d>
+            <a:camera prst="orthographicFront">
+              <a:rot lat="0" lon="0" rev="0"/>
+            </a:camera>
+            <a:lightRig rig="threePt" dir="t">
+              <a:rot lat="0" lon="0" rev="1200000"/>
+            </a:lightRig>
+          </a:scene3d>
+          <a:sp3d>
+            <a:bevelT w="63500" h="25400"/>
+          </a:sp3d>
+        </a:effectStyle>
+      </a:effectStyleLst>
+      <a:bgFillStyleLst>
+        <a:solidFill>
+          <a:schemeClr val="phClr"/>
+        </a:solidFill>
+        <a:gradFill rotWithShape="1">
+          <a:gsLst>
+            <a:gs pos="0">
+              <a:schemeClr val="phClr">
+                <a:tint val="40000"/>
+                <a:satMod val="350000"/>
+              </a:schemeClr>
+            </a:gs>
+            <a:gs pos="40000">
+              <a:schemeClr val="phClr">
+                <a:tint val="45000"/>
+                <a:shade val="99000"/>
+                <a:satMod val="350000"/>
+              </a:schemeClr>
+            </a:gs>
+            <a:gs pos="100000">
+              <a:schemeClr val="phClr">
+                <a:shade val="20000"/>
+                <a:satMod val="255000"/>
+              </a:schemeClr>
+            </a:gs>
+          </a:gsLst>
+          <a:path path="circle">
+            <a:fillToRect l="50000" t="-80000" r="50000" b="180000"/>
+          </a:path>
+        </a:gradFill>
+        <a:gradFill rotWithShape="1">
+          <a:gsLst>
+            <a:gs pos="0">
+              <a:schemeClr val="phClr">
+                <a:tint val="80000"/>
+                <a:satMod val="300000"/>
+              </a:schemeClr>
+            </a:gs>
+            <a:gs pos="100000">
+              <a:schemeClr val="phClr">
+                <a:shade val="30000"/>
+                <a:satMod val="200000"/>
+              </a:schemeClr>
+            </a:gs>
+          </a:gsLst>
+          <a:path path="circle">
+            <a:fillToRect l="50000" t="50000" r="50000" b="50000"/>
+          </a:path>
+        </a:gradFill>
+      </a:bgFillStyleLst>
+    </a:fmtScheme>
+  </a:themeElements>
+  <a:objectDefaults/>
+  <a:extraClrSchemeLst/>
+</a:theme>
+</file>
+
+<file path=ppt/theme/theme2.xml><?xml version="1.0" encoding="utf-8"?>
+<a:theme xmlns:a="http://schemas.openxmlformats.org/drawingml/2006/main">
   <a:themeElements>
     <a:clrScheme name="Default">
       <a:dk1>
@@ -14073,284 +14754,7 @@
       </a:bgFillStyleLst>
     </a:fmtScheme>
   </a:themeElements>
-</a:theme>
-</file>
-
-<file path=ppt/theme/theme2.xml><?xml version="1.0" encoding="utf-8"?>
-<a:theme xmlns:a="http://schemas.openxmlformats.org/drawingml/2006/main" xmlns:r="http://schemas.openxmlformats.org/officeDocument/2006/relationships" name="Открытая">
-  <a:themeElements>
-    <a:clrScheme name="Открытая">
-      <a:dk1>
-        <a:srgbClr val="000000"/>
-      </a:dk1>
-      <a:lt1>
-        <a:srgbClr val="FFFFFF"/>
-      </a:lt1>
-      <a:dk2>
-        <a:srgbClr val="464646"/>
-      </a:dk2>
-      <a:lt2>
-        <a:srgbClr val="DEF5FA"/>
-      </a:lt2>
-      <a:accent1>
-        <a:srgbClr val="2DA2BF"/>
-      </a:accent1>
-      <a:accent2>
-        <a:srgbClr val="DA1F28"/>
-      </a:accent2>
-      <a:accent3>
-        <a:srgbClr val="EB641B"/>
-      </a:accent3>
-      <a:accent4>
-        <a:srgbClr val="39639D"/>
-      </a:accent4>
-      <a:accent5>
-        <a:srgbClr val="474B78"/>
-      </a:accent5>
-      <a:accent6>
-        <a:srgbClr val="7D3C4A"/>
-      </a:accent6>
-      <a:hlink>
-        <a:srgbClr val="FF8119"/>
-      </a:hlink>
-      <a:folHlink>
-        <a:srgbClr val="44B9E8"/>
-      </a:folHlink>
-    </a:clrScheme>
-    <a:fontScheme name="Office">
-      <a:majorFont>
-        <a:latin typeface="Arial"/>
-        <a:ea typeface=""/>
-        <a:cs typeface=""/>
-        <a:font script="Jpan" typeface="ＭＳ Ｐゴシック"/>
-        <a:font script="Hang" typeface="맑은 고딕"/>
-        <a:font script="Hans" typeface="宋体"/>
-        <a:font script="Hant" typeface="新細明體"/>
-        <a:font script="Arab" typeface="Times New Roman"/>
-        <a:font script="Hebr" typeface="Times New Roman"/>
-        <a:font script="Thai" typeface="Angsana New"/>
-        <a:font script="Ethi" typeface="Nyala"/>
-        <a:font script="Beng" typeface="Vrinda"/>
-        <a:font script="Gujr" typeface="Shruti"/>
-        <a:font script="Khmr" typeface="MoolBoran"/>
-        <a:font script="Knda" typeface="Tunga"/>
-        <a:font script="Guru" typeface="Raavi"/>
-        <a:font script="Cans" typeface="Euphemia"/>
-        <a:font script="Cher" typeface="Plantagenet Cherokee"/>
-        <a:font script="Yiii" typeface="Microsoft Yi Baiti"/>
-        <a:font script="Tibt" typeface="Microsoft Himalaya"/>
-        <a:font script="Thaa" typeface="MV Boli"/>
-        <a:font script="Deva" typeface="Mangal"/>
-        <a:font script="Telu" typeface="Gautami"/>
-        <a:font script="Taml" typeface="Latha"/>
-        <a:font script="Syrc" typeface="Estrangelo Edessa"/>
-        <a:font script="Orya" typeface="Kalinga"/>
-        <a:font script="Mlym" typeface="Kartika"/>
-        <a:font script="Laoo" typeface="DokChampa"/>
-        <a:font script="Sinh" typeface="Iskoola Pota"/>
-        <a:font script="Mong" typeface="Mongolian Baiti"/>
-        <a:font script="Viet" typeface="Times New Roman"/>
-        <a:font script="Uigh" typeface="Microsoft Uighur"/>
-        <a:font script="Geor" typeface="Sylfaen"/>
-      </a:majorFont>
-      <a:minorFont>
-        <a:latin typeface="Arial"/>
-        <a:ea typeface=""/>
-        <a:cs typeface=""/>
-        <a:font script="Jpan" typeface="ＭＳ Ｐゴシック"/>
-        <a:font script="Hang" typeface="맑은 고딕"/>
-        <a:font script="Hans" typeface="宋体"/>
-        <a:font script="Hant" typeface="新細明體"/>
-        <a:font script="Arab" typeface="Arial"/>
-        <a:font script="Hebr" typeface="Arial"/>
-        <a:font script="Thai" typeface="Cordia New"/>
-        <a:font script="Ethi" typeface="Nyala"/>
-        <a:font script="Beng" typeface="Vrinda"/>
-        <a:font script="Gujr" typeface="Shruti"/>
-        <a:font script="Khmr" typeface="DaunPenh"/>
-        <a:font script="Knda" typeface="Tunga"/>
-        <a:font script="Guru" typeface="Raavi"/>
-        <a:font script="Cans" typeface="Euphemia"/>
-        <a:font script="Cher" typeface="Plantagenet Cherokee"/>
-        <a:font script="Yiii" typeface="Microsoft Yi Baiti"/>
-        <a:font script="Tibt" typeface="Microsoft Himalaya"/>
-        <a:font script="Thaa" typeface="MV Boli"/>
-        <a:font script="Deva" typeface="Mangal"/>
-        <a:font script="Telu" typeface="Gautami"/>
-        <a:font script="Taml" typeface="Latha"/>
-        <a:font script="Syrc" typeface="Estrangelo Edessa"/>
-        <a:font script="Orya" typeface="Kalinga"/>
-        <a:font script="Mlym" typeface="Kartika"/>
-        <a:font script="Laoo" typeface="DokChampa"/>
-        <a:font script="Sinh" typeface="Iskoola Pota"/>
-        <a:font script="Mong" typeface="Mongolian Baiti"/>
-        <a:font script="Viet" typeface="Arial"/>
-        <a:font script="Uigh" typeface="Microsoft Uighur"/>
-        <a:font script="Geor" typeface="Sylfaen"/>
-      </a:minorFont>
-    </a:fontScheme>
-    <a:fmtScheme name="Office">
-      <a:fillStyleLst>
-        <a:solidFill>
-          <a:schemeClr val="phClr"/>
-        </a:solidFill>
-        <a:gradFill rotWithShape="1">
-          <a:gsLst>
-            <a:gs pos="0">
-              <a:schemeClr val="phClr">
-                <a:tint val="50000"/>
-                <a:satMod val="300000"/>
-              </a:schemeClr>
-            </a:gs>
-            <a:gs pos="35000">
-              <a:schemeClr val="phClr">
-                <a:tint val="37000"/>
-                <a:satMod val="300000"/>
-              </a:schemeClr>
-            </a:gs>
-            <a:gs pos="100000">
-              <a:schemeClr val="phClr">
-                <a:tint val="15000"/>
-                <a:satMod val="350000"/>
-              </a:schemeClr>
-            </a:gs>
-          </a:gsLst>
-          <a:lin ang="16200000" scaled="1"/>
-        </a:gradFill>
-        <a:gradFill rotWithShape="1">
-          <a:gsLst>
-            <a:gs pos="0">
-              <a:schemeClr val="phClr">
-                <a:tint val="100000"/>
-                <a:shade val="100000"/>
-                <a:satMod val="130000"/>
-              </a:schemeClr>
-            </a:gs>
-            <a:gs pos="100000">
-              <a:schemeClr val="phClr">
-                <a:tint val="50000"/>
-                <a:shade val="100000"/>
-                <a:satMod val="350000"/>
-              </a:schemeClr>
-            </a:gs>
-          </a:gsLst>
-          <a:lin ang="16200000" scaled="0"/>
-        </a:gradFill>
-      </a:fillStyleLst>
-      <a:lnStyleLst>
-        <a:ln w="9525" cap="flat" cmpd="sng" algn="ctr">
-          <a:solidFill>
-            <a:schemeClr val="phClr">
-              <a:shade val="95000"/>
-              <a:satMod val="105000"/>
-            </a:schemeClr>
-          </a:solidFill>
-          <a:prstDash val="solid"/>
-        </a:ln>
-        <a:ln w="25400" cap="flat" cmpd="sng" algn="ctr">
-          <a:solidFill>
-            <a:schemeClr val="phClr"/>
-          </a:solidFill>
-          <a:prstDash val="solid"/>
-        </a:ln>
-        <a:ln w="38100" cap="flat" cmpd="sng" algn="ctr">
-          <a:solidFill>
-            <a:schemeClr val="phClr"/>
-          </a:solidFill>
-          <a:prstDash val="solid"/>
-        </a:ln>
-      </a:lnStyleLst>
-      <a:effectStyleLst>
-        <a:effectStyle>
-          <a:effectLst>
-            <a:outerShdw blurRad="40000" dist="20000" dir="5400000" rotWithShape="0">
-              <a:srgbClr val="000000">
-                <a:alpha val="38000"/>
-              </a:srgbClr>
-            </a:outerShdw>
-          </a:effectLst>
-        </a:effectStyle>
-        <a:effectStyle>
-          <a:effectLst>
-            <a:outerShdw blurRad="40000" dist="23000" dir="5400000" rotWithShape="0">
-              <a:srgbClr val="000000">
-                <a:alpha val="35000"/>
-              </a:srgbClr>
-            </a:outerShdw>
-          </a:effectLst>
-        </a:effectStyle>
-        <a:effectStyle>
-          <a:effectLst>
-            <a:outerShdw blurRad="40000" dist="23000" dir="5400000" rotWithShape="0">
-              <a:srgbClr val="000000">
-                <a:alpha val="35000"/>
-              </a:srgbClr>
-            </a:outerShdw>
-          </a:effectLst>
-          <a:scene3d>
-            <a:camera prst="orthographicFront">
-              <a:rot lat="0" lon="0" rev="0"/>
-            </a:camera>
-            <a:lightRig rig="threePt" dir="t">
-              <a:rot lat="0" lon="0" rev="1200000"/>
-            </a:lightRig>
-          </a:scene3d>
-          <a:sp3d>
-            <a:bevelT w="63500" h="25400"/>
-          </a:sp3d>
-        </a:effectStyle>
-      </a:effectStyleLst>
-      <a:bgFillStyleLst>
-        <a:solidFill>
-          <a:schemeClr val="phClr"/>
-        </a:solidFill>
-        <a:gradFill rotWithShape="1">
-          <a:gsLst>
-            <a:gs pos="0">
-              <a:schemeClr val="phClr">
-                <a:tint val="40000"/>
-                <a:satMod val="350000"/>
-              </a:schemeClr>
-            </a:gs>
-            <a:gs pos="40000">
-              <a:schemeClr val="phClr">
-                <a:tint val="45000"/>
-                <a:shade val="99000"/>
-                <a:satMod val="350000"/>
-              </a:schemeClr>
-            </a:gs>
-            <a:gs pos="100000">
-              <a:schemeClr val="phClr">
-                <a:shade val="20000"/>
-                <a:satMod val="255000"/>
-              </a:schemeClr>
-            </a:gs>
-          </a:gsLst>
-          <a:path path="circle">
-            <a:fillToRect l="50000" t="-80000" r="50000" b="180000"/>
-          </a:path>
-        </a:gradFill>
-        <a:gradFill rotWithShape="1">
-          <a:gsLst>
-            <a:gs pos="0">
-              <a:schemeClr val="phClr">
-                <a:tint val="80000"/>
-                <a:satMod val="300000"/>
-              </a:schemeClr>
-            </a:gs>
-            <a:gs pos="100000">
-              <a:schemeClr val="phClr">
-                <a:shade val="30000"/>
-                <a:satMod val="200000"/>
-              </a:schemeClr>
-            </a:gs>
-          </a:gsLst>
-          <a:path path="circle">
-            <a:fillToRect l="50000" t="50000" r="50000" b="50000"/>
-          </a:path>
-        </a:gradFill>
-      </a:bgFillStyleLst>
-    </a:fmtScheme>
-  </a:themeElements>
+  <a:objectDefaults/>
+  <a:extraClrSchemeLst/>
 </a:theme>
 </file>
--- a/Документы по проекту/презентация.pptx
+++ b/Документы по проекту/презентация.pptx
@@ -14,8 +14,6 @@
     <p:sldId id="259" r:id="rId9"/>
     <p:sldId id="260" r:id="rId10"/>
     <p:sldId id="261" r:id="rId11"/>
-    <p:sldId id="262" r:id="rId12"/>
-    <p:sldId id="263" r:id="rId13"/>
   </p:sldIdLst>
   <p:sldSz cy="6858000" cx="9144000"/>
   <p:notesSz cx="6858000" cy="9144000"/>
@@ -264,7 +262,7 @@
       </p15:sldGuideLst>
     </p:ext>
     <p:ext uri="GoogleSlidesCustomDataVersion2">
-      <go:slidesCustomData xmlns:go="http://customooxmlschemas.google.com/" r:id="rId14" roundtripDataSignature="AMtx7miC2gyQFg3SbVKBLm+r3VNcarnXTw=="/>
+      <go:slidesCustomData xmlns:go="http://customooxmlschemas.google.com/" r:id="rId12" roundtripDataSignature="AMtx7miXi+zPgqX9A+x6VFNPj3o9aQr+qQ=="/>
     </p:ext>
   </p:extLst>
 </p:presentation>
@@ -913,7 +911,7 @@
       </p:grpSpPr>
       <p:sp>
         <p:nvSpPr>
-          <p:cNvPr id="111" name="Google Shape;111;p4:notes"/>
+          <p:cNvPr id="111" name="Google Shape;111;p9:notes"/>
           <p:cNvSpPr txBox="1"/>
           <p:nvPr>
             <p:ph idx="1" type="body"/>
@@ -952,7 +950,7 @@
       </p:sp>
       <p:sp>
         <p:nvSpPr>
-          <p:cNvPr id="112" name="Google Shape;112;p4:notes"/>
+          <p:cNvPr id="112" name="Google Shape;112;p9:notes"/>
           <p:cNvSpPr/>
           <p:nvPr>
             <p:ph idx="2" type="sldImg"/>
@@ -998,7 +996,7 @@
   <p:cSld>
     <p:spTree>
       <p:nvGrpSpPr>
-        <p:cNvPr id="117" name="Shape 117"/>
+        <p:cNvPr id="123" name="Shape 123"/>
         <p:cNvGrpSpPr/>
         <p:nvPr/>
       </p:nvGrpSpPr>
@@ -1012,46 +1010,7 @@
       </p:grpSpPr>
       <p:sp>
         <p:nvSpPr>
-          <p:cNvPr id="118" name="Google Shape;118;p5:notes"/>
-          <p:cNvSpPr txBox="1"/>
-          <p:nvPr>
-            <p:ph idx="1" type="body"/>
-          </p:nvPr>
-        </p:nvSpPr>
-        <p:spPr>
-          <a:xfrm>
-            <a:off x="685800" y="4343400"/>
-            <a:ext cx="5486400" cy="4114800"/>
-          </a:xfrm>
-          <a:prstGeom prst="rect">
-            <a:avLst/>
-          </a:prstGeom>
-        </p:spPr>
-        <p:txBody>
-          <a:bodyPr anchorCtr="0" anchor="t" bIns="91425" lIns="91425" spcFirstLastPara="1" rIns="91425" wrap="square" tIns="91425">
-            <a:noAutofit/>
-          </a:bodyPr>
-          <a:lstStyle/>
-          <a:p>
-            <a:pPr indent="0" lvl="0" marL="0" rtl="0" algn="l">
-              <a:spcBef>
-                <a:spcPts val="0"/>
-              </a:spcBef>
-              <a:spcAft>
-                <a:spcPts val="0"/>
-              </a:spcAft>
-              <a:buNone/>
-            </a:pPr>
-            <a:r>
-              <a:t/>
-            </a:r>
-            <a:endParaRPr/>
-          </a:p>
-        </p:txBody>
-      </p:sp>
-      <p:sp>
-        <p:nvSpPr>
-          <p:cNvPr id="119" name="Google Shape;119;p5:notes"/>
+          <p:cNvPr id="124" name="Google Shape;124;g256f84d2f98_1_0:notes"/>
           <p:cNvSpPr/>
           <p:nvPr>
             <p:ph idx="2" type="sldImg"/>
@@ -1060,7 +1019,7 @@
         <p:spPr>
           <a:xfrm>
             <a:off x="1143225" y="685800"/>
-            <a:ext cx="4572225" cy="3429000"/>
+            <a:ext cx="4572300" cy="3429000"/>
           </a:xfrm>
           <a:custGeom>
             <a:rect b="b" l="l" r="r" t="t"/>
@@ -1084,34 +1043,9 @@
           </a:custGeom>
         </p:spPr>
       </p:sp>
-    </p:spTree>
-  </p:cSld>
-  <p:clrMapOvr>
-    <a:masterClrMapping/>
-  </p:clrMapOvr>
-</p:notes>
-</file>
-
-<file path=ppt/notesSlides/notesSlide5.xml><?xml version="1.0" encoding="utf-8"?>
-<p:notes xmlns:a="http://schemas.openxmlformats.org/drawingml/2006/main" xmlns:r="http://schemas.openxmlformats.org/officeDocument/2006/relationships" xmlns:mc="http://schemas.openxmlformats.org/markup-compatibility/2006" xmlns:mv="urn:schemas-microsoft-com:mac:vml" xmlns:p="http://schemas.openxmlformats.org/presentationml/2006/main" xmlns:c="http://schemas.openxmlformats.org/drawingml/2006/chart" xmlns:dgm="http://schemas.openxmlformats.org/drawingml/2006/diagram" xmlns:o="urn:schemas-microsoft-com:office:office" xmlns:v="urn:schemas-microsoft-com:vml" xmlns:pvml="urn:schemas-microsoft-com:office:powerpoint" xmlns:com="http://schemas.openxmlformats.org/drawingml/2006/compatibility" xmlns:p14="http://schemas.microsoft.com/office/powerpoint/2010/main" xmlns:p15="http://schemas.microsoft.com/office/powerpoint/2012/main" xmlns:ahyp="http://schemas.microsoft.com/office/drawing/2018/hyperlinkcolor" showMasterPhAnim="0" showMasterSp="0">
-  <p:cSld>
-    <p:spTree>
-      <p:nvGrpSpPr>
-        <p:cNvPr id="124" name="Shape 124"/>
-        <p:cNvGrpSpPr/>
-        <p:nvPr/>
-      </p:nvGrpSpPr>
-      <p:grpSpPr>
-        <a:xfrm>
-          <a:off x="0" y="0"/>
-          <a:ext cx="0" cy="0"/>
-          <a:chOff x="0" y="0"/>
-          <a:chExt cx="0" cy="0"/>
-        </a:xfrm>
-      </p:grpSpPr>
       <p:sp>
         <p:nvSpPr>
-          <p:cNvPr id="125" name="Google Shape;125;p6:notes"/>
+          <p:cNvPr id="125" name="Google Shape;125;g256f84d2f98_1_0:notes"/>
           <p:cNvSpPr txBox="1"/>
           <p:nvPr>
             <p:ph idx="1" type="body"/>
@@ -1142,6 +1076,71 @@
               <a:buNone/>
             </a:pPr>
             <a:r>
+              <a:rPr lang="ru-RU"/>
+              <a:t>В SADT-модели центральным объектом является некое событие, демонстрирующее обязательные этапы прохождения жизненного цикла, в данной схеме этот блок подписан как Activity. Слева от этого блока следует вход, демонстрирующий прошлый этап жизненного цикла. Снизу блока указывается оперирующее лицо данного события, на схеме этот дополнительный блок указывается желтым цветом и подписан как Person. Сверху указываются элементы управления, на схеме этот блок серого цвета и означает физический документ, который и регулирует выполнение события. Ну и  по правую сторону блока уже указывается выход, который и подразумевает в себе следующие этапы выполнения жизненного цикла. В конкретном примере на слайде, выходом из события Activity у нас является Физический объект (Product) и Запись в базе данных (Entity).</a:t>
+            </a:r>
+            <a:endParaRPr/>
+          </a:p>
+        </p:txBody>
+      </p:sp>
+    </p:spTree>
+  </p:cSld>
+  <p:clrMapOvr>
+    <a:masterClrMapping/>
+  </p:clrMapOvr>
+</p:notes>
+</file>
+
+<file path=ppt/notesSlides/notesSlide5.xml><?xml version="1.0" encoding="utf-8"?>
+<p:notes xmlns:a="http://schemas.openxmlformats.org/drawingml/2006/main" xmlns:r="http://schemas.openxmlformats.org/officeDocument/2006/relationships" xmlns:mc="http://schemas.openxmlformats.org/markup-compatibility/2006" xmlns:mv="urn:schemas-microsoft-com:mac:vml" xmlns:p="http://schemas.openxmlformats.org/presentationml/2006/main" xmlns:c="http://schemas.openxmlformats.org/drawingml/2006/chart" xmlns:dgm="http://schemas.openxmlformats.org/drawingml/2006/diagram" xmlns:o="urn:schemas-microsoft-com:office:office" xmlns:v="urn:schemas-microsoft-com:vml" xmlns:pvml="urn:schemas-microsoft-com:office:powerpoint" xmlns:com="http://schemas.openxmlformats.org/drawingml/2006/compatibility" xmlns:p14="http://schemas.microsoft.com/office/powerpoint/2010/main" xmlns:p15="http://schemas.microsoft.com/office/powerpoint/2012/main" xmlns:ahyp="http://schemas.microsoft.com/office/drawing/2018/hyperlinkcolor" showMasterPhAnim="0" showMasterSp="0">
+  <p:cSld>
+    <p:spTree>
+      <p:nvGrpSpPr>
+        <p:cNvPr id="130" name="Shape 130"/>
+        <p:cNvGrpSpPr/>
+        <p:nvPr/>
+      </p:nvGrpSpPr>
+      <p:grpSpPr>
+        <a:xfrm>
+          <a:off x="0" y="0"/>
+          <a:ext cx="0" cy="0"/>
+          <a:chOff x="0" y="0"/>
+          <a:chExt cx="0" cy="0"/>
+        </a:xfrm>
+      </p:grpSpPr>
+      <p:sp>
+        <p:nvSpPr>
+          <p:cNvPr id="131" name="Google Shape;131;p4:notes"/>
+          <p:cNvSpPr txBox="1"/>
+          <p:nvPr>
+            <p:ph idx="1" type="body"/>
+          </p:nvPr>
+        </p:nvSpPr>
+        <p:spPr>
+          <a:xfrm>
+            <a:off x="685800" y="4343400"/>
+            <a:ext cx="5486400" cy="4114800"/>
+          </a:xfrm>
+          <a:prstGeom prst="rect">
+            <a:avLst/>
+          </a:prstGeom>
+        </p:spPr>
+        <p:txBody>
+          <a:bodyPr anchorCtr="0" anchor="t" bIns="91425" lIns="91425" spcFirstLastPara="1" rIns="91425" wrap="square" tIns="91425">
+            <a:noAutofit/>
+          </a:bodyPr>
+          <a:lstStyle/>
+          <a:p>
+            <a:pPr indent="0" lvl="0" marL="0" rtl="0" algn="l">
+              <a:spcBef>
+                <a:spcPts val="0"/>
+              </a:spcBef>
+              <a:spcAft>
+                <a:spcPts val="0"/>
+              </a:spcAft>
+              <a:buNone/>
+            </a:pPr>
+            <a:r>
               <a:t/>
             </a:r>
             <a:endParaRPr/>
@@ -1150,7 +1149,7 @@
       </p:sp>
       <p:sp>
         <p:nvSpPr>
-          <p:cNvPr id="126" name="Google Shape;126;p6:notes"/>
+          <p:cNvPr id="132" name="Google Shape;132;p4:notes"/>
           <p:cNvSpPr/>
           <p:nvPr>
             <p:ph idx="2" type="sldImg"/>
@@ -1196,7 +1195,7 @@
   <p:cSld>
     <p:spTree>
       <p:nvGrpSpPr>
-        <p:cNvPr id="131" name="Shape 131"/>
+        <p:cNvPr id="137" name="Shape 137"/>
         <p:cNvGrpSpPr/>
         <p:nvPr/>
       </p:nvGrpSpPr>
@@ -1210,7 +1209,7 @@
       </p:grpSpPr>
       <p:sp>
         <p:nvSpPr>
-          <p:cNvPr id="132" name="Google Shape;132;p7:notes"/>
+          <p:cNvPr id="138" name="Google Shape;138;p5:notes"/>
           <p:cNvSpPr txBox="1"/>
           <p:nvPr>
             <p:ph idx="1" type="body"/>
@@ -1249,210 +1248,7 @@
       </p:sp>
       <p:sp>
         <p:nvSpPr>
-          <p:cNvPr id="133" name="Google Shape;133;p7:notes"/>
-          <p:cNvSpPr/>
-          <p:nvPr>
-            <p:ph idx="2" type="sldImg"/>
-          </p:nvPr>
-        </p:nvSpPr>
-        <p:spPr>
-          <a:xfrm>
-            <a:off x="1143225" y="685800"/>
-            <a:ext cx="4572225" cy="3429000"/>
-          </a:xfrm>
-          <a:custGeom>
-            <a:rect b="b" l="l" r="r" t="t"/>
-            <a:pathLst>
-              <a:path extrusionOk="0" h="120000" w="120000">
-                <a:moveTo>
-                  <a:pt x="0" y="0"/>
-                </a:moveTo>
-                <a:lnTo>
-                  <a:pt x="120000" y="0"/>
-                </a:lnTo>
-                <a:lnTo>
-                  <a:pt x="120000" y="120000"/>
-                </a:lnTo>
-                <a:lnTo>
-                  <a:pt x="0" y="120000"/>
-                </a:lnTo>
-                <a:close/>
-              </a:path>
-            </a:pathLst>
-          </a:custGeom>
-        </p:spPr>
-      </p:sp>
-    </p:spTree>
-  </p:cSld>
-  <p:clrMapOvr>
-    <a:masterClrMapping/>
-  </p:clrMapOvr>
-</p:notes>
-</file>
-
-<file path=ppt/notesSlides/notesSlide7.xml><?xml version="1.0" encoding="utf-8"?>
-<p:notes xmlns:a="http://schemas.openxmlformats.org/drawingml/2006/main" xmlns:r="http://schemas.openxmlformats.org/officeDocument/2006/relationships" xmlns:mc="http://schemas.openxmlformats.org/markup-compatibility/2006" xmlns:mv="urn:schemas-microsoft-com:mac:vml" xmlns:p="http://schemas.openxmlformats.org/presentationml/2006/main" xmlns:c="http://schemas.openxmlformats.org/drawingml/2006/chart" xmlns:dgm="http://schemas.openxmlformats.org/drawingml/2006/diagram" xmlns:o="urn:schemas-microsoft-com:office:office" xmlns:v="urn:schemas-microsoft-com:vml" xmlns:pvml="urn:schemas-microsoft-com:office:powerpoint" xmlns:com="http://schemas.openxmlformats.org/drawingml/2006/compatibility" xmlns:p14="http://schemas.microsoft.com/office/powerpoint/2010/main" xmlns:p15="http://schemas.microsoft.com/office/powerpoint/2012/main" xmlns:ahyp="http://schemas.microsoft.com/office/drawing/2018/hyperlinkcolor" showMasterPhAnim="0" showMasterSp="0">
-  <p:cSld>
-    <p:spTree>
-      <p:nvGrpSpPr>
-        <p:cNvPr id="138" name="Shape 138"/>
-        <p:cNvGrpSpPr/>
-        <p:nvPr/>
-      </p:nvGrpSpPr>
-      <p:grpSpPr>
-        <a:xfrm>
-          <a:off x="0" y="0"/>
-          <a:ext cx="0" cy="0"/>
-          <a:chOff x="0" y="0"/>
-          <a:chExt cx="0" cy="0"/>
-        </a:xfrm>
-      </p:grpSpPr>
-      <p:sp>
-        <p:nvSpPr>
-          <p:cNvPr id="139" name="Google Shape;139;p8:notes"/>
-          <p:cNvSpPr txBox="1"/>
-          <p:nvPr>
-            <p:ph idx="1" type="body"/>
-          </p:nvPr>
-        </p:nvSpPr>
-        <p:spPr>
-          <a:xfrm>
-            <a:off x="685800" y="4343400"/>
-            <a:ext cx="5486400" cy="4114800"/>
-          </a:xfrm>
-          <a:prstGeom prst="rect">
-            <a:avLst/>
-          </a:prstGeom>
-        </p:spPr>
-        <p:txBody>
-          <a:bodyPr anchorCtr="0" anchor="t" bIns="91425" lIns="91425" spcFirstLastPara="1" rIns="91425" wrap="square" tIns="91425">
-            <a:noAutofit/>
-          </a:bodyPr>
-          <a:lstStyle/>
-          <a:p>
-            <a:pPr indent="0" lvl="0" marL="0" rtl="0" algn="l">
-              <a:spcBef>
-                <a:spcPts val="0"/>
-              </a:spcBef>
-              <a:spcAft>
-                <a:spcPts val="0"/>
-              </a:spcAft>
-              <a:buNone/>
-            </a:pPr>
-            <a:r>
-              <a:t/>
-            </a:r>
-            <a:endParaRPr/>
-          </a:p>
-        </p:txBody>
-      </p:sp>
-      <p:sp>
-        <p:nvSpPr>
-          <p:cNvPr id="140" name="Google Shape;140;p8:notes"/>
-          <p:cNvSpPr/>
-          <p:nvPr>
-            <p:ph idx="2" type="sldImg"/>
-          </p:nvPr>
-        </p:nvSpPr>
-        <p:spPr>
-          <a:xfrm>
-            <a:off x="1143225" y="685800"/>
-            <a:ext cx="4572225" cy="3429000"/>
-          </a:xfrm>
-          <a:custGeom>
-            <a:rect b="b" l="l" r="r" t="t"/>
-            <a:pathLst>
-              <a:path extrusionOk="0" h="120000" w="120000">
-                <a:moveTo>
-                  <a:pt x="0" y="0"/>
-                </a:moveTo>
-                <a:lnTo>
-                  <a:pt x="120000" y="0"/>
-                </a:lnTo>
-                <a:lnTo>
-                  <a:pt x="120000" y="120000"/>
-                </a:lnTo>
-                <a:lnTo>
-                  <a:pt x="0" y="120000"/>
-                </a:lnTo>
-                <a:close/>
-              </a:path>
-            </a:pathLst>
-          </a:custGeom>
-        </p:spPr>
-      </p:sp>
-    </p:spTree>
-  </p:cSld>
-  <p:clrMapOvr>
-    <a:masterClrMapping/>
-  </p:clrMapOvr>
-</p:notes>
-</file>
-
-<file path=ppt/notesSlides/notesSlide8.xml><?xml version="1.0" encoding="utf-8"?>
-<p:notes xmlns:a="http://schemas.openxmlformats.org/drawingml/2006/main" xmlns:r="http://schemas.openxmlformats.org/officeDocument/2006/relationships" xmlns:mc="http://schemas.openxmlformats.org/markup-compatibility/2006" xmlns:mv="urn:schemas-microsoft-com:mac:vml" xmlns:p="http://schemas.openxmlformats.org/presentationml/2006/main" xmlns:c="http://schemas.openxmlformats.org/drawingml/2006/chart" xmlns:dgm="http://schemas.openxmlformats.org/drawingml/2006/diagram" xmlns:o="urn:schemas-microsoft-com:office:office" xmlns:v="urn:schemas-microsoft-com:vml" xmlns:pvml="urn:schemas-microsoft-com:office:powerpoint" xmlns:com="http://schemas.openxmlformats.org/drawingml/2006/compatibility" xmlns:p14="http://schemas.microsoft.com/office/powerpoint/2010/main" xmlns:p15="http://schemas.microsoft.com/office/powerpoint/2012/main" xmlns:ahyp="http://schemas.microsoft.com/office/drawing/2018/hyperlinkcolor" showMasterPhAnim="0" showMasterSp="0">
-  <p:cSld>
-    <p:spTree>
-      <p:nvGrpSpPr>
-        <p:cNvPr id="145" name="Shape 145"/>
-        <p:cNvGrpSpPr/>
-        <p:nvPr/>
-      </p:nvGrpSpPr>
-      <p:grpSpPr>
-        <a:xfrm>
-          <a:off x="0" y="0"/>
-          <a:ext cx="0" cy="0"/>
-          <a:chOff x="0" y="0"/>
-          <a:chExt cx="0" cy="0"/>
-        </a:xfrm>
-      </p:grpSpPr>
-      <p:sp>
-        <p:nvSpPr>
-          <p:cNvPr id="146" name="Google Shape;146;p9:notes"/>
-          <p:cNvSpPr txBox="1"/>
-          <p:nvPr>
-            <p:ph idx="1" type="body"/>
-          </p:nvPr>
-        </p:nvSpPr>
-        <p:spPr>
-          <a:xfrm>
-            <a:off x="685800" y="4343400"/>
-            <a:ext cx="5486400" cy="4114800"/>
-          </a:xfrm>
-          <a:prstGeom prst="rect">
-            <a:avLst/>
-          </a:prstGeom>
-        </p:spPr>
-        <p:txBody>
-          <a:bodyPr anchorCtr="0" anchor="t" bIns="91425" lIns="91425" spcFirstLastPara="1" rIns="91425" wrap="square" tIns="91425">
-            <a:noAutofit/>
-          </a:bodyPr>
-          <a:lstStyle/>
-          <a:p>
-            <a:pPr indent="0" lvl="0" marL="0" rtl="0" algn="l">
-              <a:spcBef>
-                <a:spcPts val="0"/>
-              </a:spcBef>
-              <a:spcAft>
-                <a:spcPts val="0"/>
-              </a:spcAft>
-              <a:buNone/>
-            </a:pPr>
-            <a:r>
-              <a:rPr lang="ru-RU" sz="1200">
-                <a:solidFill>
-                  <a:schemeClr val="dk1"/>
-                </a:solidFill>
-              </a:rPr>
-              <a:t>Для хранения данных в ИС используется реляционная база данных. На экране представлена логическая модель, в ней имеется 11 сущностей, редактирование которых разделено между отделом закупок и отделом технического обслуживания, главной сущностью является </a:t>
-            </a:r>
-            <a:endParaRPr/>
-          </a:p>
-        </p:txBody>
-      </p:sp>
-      <p:sp>
-        <p:nvSpPr>
-          <p:cNvPr id="147" name="Google Shape;147;p9:notes"/>
+          <p:cNvPr id="139" name="Google Shape;139;p5:notes"/>
           <p:cNvSpPr/>
           <p:nvPr>
             <p:ph idx="2" type="sldImg"/>
@@ -12497,7 +12293,693 @@
       </p:grpSpPr>
       <p:sp>
         <p:nvSpPr>
-          <p:cNvPr id="114" name="Google Shape;114;p4"/>
+          <p:cNvPr id="114" name="Google Shape;114;p9"/>
+          <p:cNvSpPr txBox="1"/>
+          <p:nvPr>
+            <p:ph type="title"/>
+          </p:nvPr>
+        </p:nvSpPr>
+        <p:spPr>
+          <a:xfrm>
+            <a:off x="457200" y="-12"/>
+            <a:ext cx="8229600" cy="1143000"/>
+          </a:xfrm>
+          <a:prstGeom prst="rect">
+            <a:avLst/>
+          </a:prstGeom>
+          <a:noFill/>
+          <a:ln>
+            <a:noFill/>
+          </a:ln>
+        </p:spPr>
+        <p:txBody>
+          <a:bodyPr anchorCtr="0" anchor="ctr" bIns="45700" lIns="91425" spcFirstLastPara="1" rIns="91425" wrap="square" tIns="45700">
+            <a:normAutofit/>
+          </a:bodyPr>
+          <a:lstStyle/>
+          <a:p>
+            <a:pPr indent="0" lvl="0" marL="0" rtl="0" algn="ctr">
+              <a:spcBef>
+                <a:spcPts val="0"/>
+              </a:spcBef>
+              <a:spcAft>
+                <a:spcPts val="0"/>
+              </a:spcAft>
+              <a:buClr>
+                <a:schemeClr val="dk2"/>
+              </a:buClr>
+              <a:buSzPts val="4100"/>
+              <a:buFont typeface="Lucida Sans"/>
+              <a:buNone/>
+            </a:pPr>
+            <a:r>
+              <a:rPr lang="ru-RU"/>
+              <a:t>Технологии</a:t>
+            </a:r>
+            <a:endParaRPr/>
+          </a:p>
+        </p:txBody>
+      </p:sp>
+      <p:sp>
+        <p:nvSpPr>
+          <p:cNvPr id="115" name="Google Shape;115;p9"/>
+          <p:cNvSpPr txBox="1"/>
+          <p:nvPr/>
+        </p:nvSpPr>
+        <p:spPr>
+          <a:xfrm>
+            <a:off x="175550" y="1015225"/>
+            <a:ext cx="4660500" cy="4802400"/>
+          </a:xfrm>
+          <a:prstGeom prst="rect">
+            <a:avLst/>
+          </a:prstGeom>
+          <a:noFill/>
+          <a:ln>
+            <a:noFill/>
+          </a:ln>
+        </p:spPr>
+        <p:txBody>
+          <a:bodyPr anchorCtr="0" anchor="t" bIns="91425" lIns="91425" spcFirstLastPara="1" rIns="91425" wrap="square" tIns="91425">
+            <a:spAutoFit/>
+          </a:bodyPr>
+          <a:lstStyle/>
+          <a:p>
+            <a:pPr indent="0" lvl="0" marL="0" rtl="0" algn="l">
+              <a:spcBef>
+                <a:spcPts val="0"/>
+              </a:spcBef>
+              <a:spcAft>
+                <a:spcPts val="0"/>
+              </a:spcAft>
+              <a:buNone/>
+            </a:pPr>
+            <a:r>
+              <a:rPr lang="ru-RU" sz="3000">
+                <a:latin typeface="Lucida Sans"/>
+                <a:ea typeface="Lucida Sans"/>
+                <a:cs typeface="Lucida Sans"/>
+                <a:sym typeface="Lucida Sans"/>
+              </a:rPr>
+              <a:t>База данных</a:t>
+            </a:r>
+            <a:endParaRPr sz="3000">
+              <a:latin typeface="Lucida Sans"/>
+              <a:ea typeface="Lucida Sans"/>
+              <a:cs typeface="Lucida Sans"/>
+              <a:sym typeface="Lucida Sans"/>
+            </a:endParaRPr>
+          </a:p>
+          <a:p>
+            <a:pPr indent="0" lvl="0" marL="0" rtl="0" algn="l">
+              <a:spcBef>
+                <a:spcPts val="0"/>
+              </a:spcBef>
+              <a:spcAft>
+                <a:spcPts val="0"/>
+              </a:spcAft>
+              <a:buNone/>
+            </a:pPr>
+            <a:r>
+              <a:rPr lang="ru-RU" sz="3000">
+                <a:latin typeface="Lucida Sans"/>
+                <a:ea typeface="Lucida Sans"/>
+                <a:cs typeface="Lucida Sans"/>
+                <a:sym typeface="Lucida Sans"/>
+              </a:rPr>
+              <a:t>	MySQL SQL</a:t>
+            </a:r>
+            <a:endParaRPr sz="3000">
+              <a:latin typeface="Lucida Sans"/>
+              <a:ea typeface="Lucida Sans"/>
+              <a:cs typeface="Lucida Sans"/>
+              <a:sym typeface="Lucida Sans"/>
+            </a:endParaRPr>
+          </a:p>
+          <a:p>
+            <a:pPr indent="457200" lvl="0" marL="0" rtl="0" algn="l">
+              <a:spcBef>
+                <a:spcPts val="0"/>
+              </a:spcBef>
+              <a:spcAft>
+                <a:spcPts val="0"/>
+              </a:spcAft>
+              <a:buNone/>
+            </a:pPr>
+            <a:r>
+              <a:rPr lang="ru-RU" sz="3000">
+                <a:latin typeface="Lucida Sans"/>
+                <a:ea typeface="Lucida Sans"/>
+                <a:cs typeface="Lucida Sans"/>
+                <a:sym typeface="Lucida Sans"/>
+              </a:rPr>
+              <a:t>phpMyAdmin</a:t>
+            </a:r>
+            <a:endParaRPr sz="3000">
+              <a:latin typeface="Lucida Sans"/>
+              <a:ea typeface="Lucida Sans"/>
+              <a:cs typeface="Lucida Sans"/>
+              <a:sym typeface="Lucida Sans"/>
+            </a:endParaRPr>
+          </a:p>
+          <a:p>
+            <a:pPr indent="0" lvl="0" marL="0" rtl="0" algn="l">
+              <a:spcBef>
+                <a:spcPts val="0"/>
+              </a:spcBef>
+              <a:spcAft>
+                <a:spcPts val="0"/>
+              </a:spcAft>
+              <a:buNone/>
+            </a:pPr>
+            <a:r>
+              <a:rPr lang="ru-RU" sz="3000">
+                <a:latin typeface="Lucida Sans"/>
+                <a:ea typeface="Lucida Sans"/>
+                <a:cs typeface="Lucida Sans"/>
+                <a:sym typeface="Lucida Sans"/>
+              </a:rPr>
+              <a:t>Приложение</a:t>
+            </a:r>
+            <a:endParaRPr sz="3000">
+              <a:latin typeface="Lucida Sans"/>
+              <a:ea typeface="Lucida Sans"/>
+              <a:cs typeface="Lucida Sans"/>
+              <a:sym typeface="Lucida Sans"/>
+            </a:endParaRPr>
+          </a:p>
+          <a:p>
+            <a:pPr indent="0" lvl="0" marL="0" rtl="0" algn="l">
+              <a:spcBef>
+                <a:spcPts val="0"/>
+              </a:spcBef>
+              <a:spcAft>
+                <a:spcPts val="0"/>
+              </a:spcAft>
+              <a:buNone/>
+            </a:pPr>
+            <a:r>
+              <a:rPr lang="ru-RU" sz="3000">
+                <a:latin typeface="Lucida Sans"/>
+                <a:ea typeface="Lucida Sans"/>
+                <a:cs typeface="Lucida Sans"/>
+                <a:sym typeface="Lucida Sans"/>
+              </a:rPr>
+              <a:t>	C# Entity Framework</a:t>
+            </a:r>
+            <a:endParaRPr sz="3000">
+              <a:latin typeface="Lucida Sans"/>
+              <a:ea typeface="Lucida Sans"/>
+              <a:cs typeface="Lucida Sans"/>
+              <a:sym typeface="Lucida Sans"/>
+            </a:endParaRPr>
+          </a:p>
+          <a:p>
+            <a:pPr indent="0" lvl="0" marL="0" rtl="0" algn="l">
+              <a:spcBef>
+                <a:spcPts val="0"/>
+              </a:spcBef>
+              <a:spcAft>
+                <a:spcPts val="0"/>
+              </a:spcAft>
+              <a:buNone/>
+            </a:pPr>
+            <a:r>
+              <a:rPr lang="ru-RU" sz="3000">
+                <a:latin typeface="Lucida Sans"/>
+                <a:ea typeface="Lucida Sans"/>
+                <a:cs typeface="Lucida Sans"/>
+                <a:sym typeface="Lucida Sans"/>
+              </a:rPr>
+              <a:t>	Visual Studio</a:t>
+            </a:r>
+            <a:endParaRPr sz="3000">
+              <a:latin typeface="Lucida Sans"/>
+              <a:ea typeface="Lucida Sans"/>
+              <a:cs typeface="Lucida Sans"/>
+              <a:sym typeface="Lucida Sans"/>
+            </a:endParaRPr>
+          </a:p>
+          <a:p>
+            <a:pPr indent="0" lvl="0" marL="0" rtl="0" algn="l">
+              <a:spcBef>
+                <a:spcPts val="0"/>
+              </a:spcBef>
+              <a:spcAft>
+                <a:spcPts val="0"/>
+              </a:spcAft>
+              <a:buNone/>
+            </a:pPr>
+            <a:r>
+              <a:rPr lang="ru-RU" sz="3000">
+                <a:latin typeface="Lucida Sans"/>
+                <a:ea typeface="Lucida Sans"/>
+                <a:cs typeface="Lucida Sans"/>
+                <a:sym typeface="Lucida Sans"/>
+              </a:rPr>
+              <a:t>	Windows Forms</a:t>
+            </a:r>
+            <a:endParaRPr sz="3000">
+              <a:latin typeface="Lucida Sans"/>
+              <a:ea typeface="Lucida Sans"/>
+              <a:cs typeface="Lucida Sans"/>
+              <a:sym typeface="Lucida Sans"/>
+            </a:endParaRPr>
+          </a:p>
+          <a:p>
+            <a:pPr indent="0" lvl="0" marL="0" rtl="0" algn="l">
+              <a:spcBef>
+                <a:spcPts val="0"/>
+              </a:spcBef>
+              <a:spcAft>
+                <a:spcPts val="0"/>
+              </a:spcAft>
+              <a:buNone/>
+            </a:pPr>
+            <a:r>
+              <a:rPr lang="ru-RU" sz="3000">
+                <a:latin typeface="Lucida Sans"/>
+                <a:ea typeface="Lucida Sans"/>
+                <a:cs typeface="Lucida Sans"/>
+                <a:sym typeface="Lucida Sans"/>
+              </a:rPr>
+              <a:t>Сканер</a:t>
+            </a:r>
+            <a:endParaRPr sz="3000">
+              <a:latin typeface="Lucida Sans"/>
+              <a:ea typeface="Lucida Sans"/>
+              <a:cs typeface="Lucida Sans"/>
+              <a:sym typeface="Lucida Sans"/>
+            </a:endParaRPr>
+          </a:p>
+          <a:p>
+            <a:pPr indent="0" lvl="0" marL="0" rtl="0" algn="l">
+              <a:spcBef>
+                <a:spcPts val="0"/>
+              </a:spcBef>
+              <a:spcAft>
+                <a:spcPts val="0"/>
+              </a:spcAft>
+              <a:buNone/>
+            </a:pPr>
+            <a:r>
+              <a:rPr lang="ru-RU" sz="3000">
+                <a:latin typeface="Lucida Sans"/>
+                <a:ea typeface="Lucida Sans"/>
+                <a:cs typeface="Lucida Sans"/>
+                <a:sym typeface="Lucida Sans"/>
+              </a:rPr>
+              <a:t>	Python WMI </a:t>
+            </a:r>
+            <a:endParaRPr sz="3000">
+              <a:latin typeface="Lucida Sans"/>
+              <a:ea typeface="Lucida Sans"/>
+              <a:cs typeface="Lucida Sans"/>
+              <a:sym typeface="Lucida Sans"/>
+            </a:endParaRPr>
+          </a:p>
+          <a:p>
+            <a:pPr indent="457200" lvl="0" marL="0" rtl="0" algn="l">
+              <a:spcBef>
+                <a:spcPts val="0"/>
+              </a:spcBef>
+              <a:spcAft>
+                <a:spcPts val="0"/>
+              </a:spcAft>
+              <a:buNone/>
+            </a:pPr>
+            <a:r>
+              <a:rPr lang="ru-RU" sz="3000">
+                <a:latin typeface="Lucida Sans"/>
+                <a:ea typeface="Lucida Sans"/>
+                <a:cs typeface="Lucida Sans"/>
+                <a:sym typeface="Lucida Sans"/>
+              </a:rPr>
+              <a:t>IDLE JSON</a:t>
+            </a:r>
+            <a:endParaRPr sz="3000">
+              <a:latin typeface="Lucida Sans"/>
+              <a:ea typeface="Lucida Sans"/>
+              <a:cs typeface="Lucida Sans"/>
+              <a:sym typeface="Lucida Sans"/>
+            </a:endParaRPr>
+          </a:p>
+        </p:txBody>
+      </p:sp>
+      <p:pic>
+        <p:nvPicPr>
+          <p:cNvPr id="116" name="Google Shape;116;p9"/>
+          <p:cNvPicPr preferRelativeResize="0"/>
+          <p:nvPr/>
+        </p:nvPicPr>
+        <p:blipFill rotWithShape="1">
+          <a:blip r:embed="rId3">
+            <a:alphaModFix/>
+          </a:blip>
+          <a:srcRect b="16285" l="20513" r="25801" t="19040"/>
+          <a:stretch/>
+        </p:blipFill>
+        <p:spPr>
+          <a:xfrm>
+            <a:off x="4836038" y="3005822"/>
+            <a:ext cx="1150436" cy="1268864"/>
+          </a:xfrm>
+          <a:prstGeom prst="rect">
+            <a:avLst/>
+          </a:prstGeom>
+          <a:noFill/>
+          <a:ln>
+            <a:noFill/>
+          </a:ln>
+        </p:spPr>
+      </p:pic>
+      <p:pic>
+        <p:nvPicPr>
+          <p:cNvPr id="117" name="Google Shape;117;p9"/>
+          <p:cNvPicPr preferRelativeResize="0"/>
+          <p:nvPr/>
+        </p:nvPicPr>
+        <p:blipFill rotWithShape="1">
+          <a:blip r:embed="rId4">
+            <a:alphaModFix/>
+          </a:blip>
+          <a:srcRect b="45622" l="25311" r="26079" t="13599"/>
+          <a:stretch/>
+        </p:blipFill>
+        <p:spPr>
+          <a:xfrm>
+            <a:off x="6084925" y="3280275"/>
+            <a:ext cx="1716326" cy="719925"/>
+          </a:xfrm>
+          <a:prstGeom prst="rect">
+            <a:avLst/>
+          </a:prstGeom>
+          <a:noFill/>
+          <a:ln>
+            <a:noFill/>
+          </a:ln>
+        </p:spPr>
+      </p:pic>
+      <p:pic>
+        <p:nvPicPr>
+          <p:cNvPr id="118" name="Google Shape;118;p9"/>
+          <p:cNvPicPr preferRelativeResize="0"/>
+          <p:nvPr/>
+        </p:nvPicPr>
+        <p:blipFill>
+          <a:blip r:embed="rId5">
+            <a:alphaModFix/>
+          </a:blip>
+          <a:stretch>
+            <a:fillRect/>
+          </a:stretch>
+        </p:blipFill>
+        <p:spPr>
+          <a:xfrm>
+            <a:off x="4836050" y="1275575"/>
+            <a:ext cx="2093809" cy="1143001"/>
+          </a:xfrm>
+          <a:prstGeom prst="rect">
+            <a:avLst/>
+          </a:prstGeom>
+          <a:noFill/>
+          <a:ln>
+            <a:noFill/>
+          </a:ln>
+        </p:spPr>
+      </p:pic>
+      <p:pic>
+        <p:nvPicPr>
+          <p:cNvPr id="119" name="Google Shape;119;p9"/>
+          <p:cNvPicPr preferRelativeResize="0"/>
+          <p:nvPr/>
+        </p:nvPicPr>
+        <p:blipFill rotWithShape="1">
+          <a:blip r:embed="rId6">
+            <a:alphaModFix/>
+          </a:blip>
+          <a:srcRect b="19138" l="19081" r="21362" t="21034"/>
+          <a:stretch/>
+        </p:blipFill>
+        <p:spPr>
+          <a:xfrm>
+            <a:off x="5366950" y="4548763"/>
+            <a:ext cx="1263227" cy="1268874"/>
+          </a:xfrm>
+          <a:prstGeom prst="rect">
+            <a:avLst/>
+          </a:prstGeom>
+          <a:noFill/>
+          <a:ln>
+            <a:noFill/>
+          </a:ln>
+        </p:spPr>
+      </p:pic>
+      <p:pic>
+        <p:nvPicPr>
+          <p:cNvPr id="120" name="Google Shape;120;p9"/>
+          <p:cNvPicPr preferRelativeResize="0"/>
+          <p:nvPr/>
+        </p:nvPicPr>
+        <p:blipFill rotWithShape="1">
+          <a:blip r:embed="rId7">
+            <a:alphaModFix/>
+          </a:blip>
+          <a:srcRect b="0" l="0" r="55861" t="0"/>
+          <a:stretch/>
+        </p:blipFill>
+        <p:spPr>
+          <a:xfrm>
+            <a:off x="6929838" y="4495212"/>
+            <a:ext cx="1388205" cy="1376000"/>
+          </a:xfrm>
+          <a:prstGeom prst="rect">
+            <a:avLst/>
+          </a:prstGeom>
+          <a:noFill/>
+          <a:ln>
+            <a:noFill/>
+          </a:ln>
+        </p:spPr>
+      </p:pic>
+      <p:pic>
+        <p:nvPicPr>
+          <p:cNvPr id="121" name="Google Shape;121;p9"/>
+          <p:cNvPicPr preferRelativeResize="0"/>
+          <p:nvPr/>
+        </p:nvPicPr>
+        <p:blipFill rotWithShape="1">
+          <a:blip r:embed="rId8">
+            <a:alphaModFix/>
+          </a:blip>
+          <a:srcRect b="31826" l="17235" r="48588" t="35967"/>
+          <a:stretch/>
+        </p:blipFill>
+        <p:spPr>
+          <a:xfrm>
+            <a:off x="7899700" y="3176113"/>
+            <a:ext cx="985124" cy="928274"/>
+          </a:xfrm>
+          <a:prstGeom prst="rect">
+            <a:avLst/>
+          </a:prstGeom>
+          <a:noFill/>
+          <a:ln>
+            <a:noFill/>
+          </a:ln>
+        </p:spPr>
+      </p:pic>
+      <p:pic>
+        <p:nvPicPr>
+          <p:cNvPr id="122" name="Google Shape;122;p9"/>
+          <p:cNvPicPr preferRelativeResize="0"/>
+          <p:nvPr/>
+        </p:nvPicPr>
+        <p:blipFill rotWithShape="1">
+          <a:blip r:embed="rId9">
+            <a:alphaModFix/>
+          </a:blip>
+          <a:srcRect b="13660" l="9901" r="7718" t="13015"/>
+          <a:stretch/>
+        </p:blipFill>
+        <p:spPr>
+          <a:xfrm>
+            <a:off x="7168500" y="1206409"/>
+            <a:ext cx="1716325" cy="1018479"/>
+          </a:xfrm>
+          <a:prstGeom prst="rect">
+            <a:avLst/>
+          </a:prstGeom>
+          <a:noFill/>
+          <a:ln>
+            <a:noFill/>
+          </a:ln>
+        </p:spPr>
+      </p:pic>
+    </p:spTree>
+  </p:cSld>
+  <p:clrMapOvr>
+    <a:masterClrMapping/>
+  </p:clrMapOvr>
+</p:sld>
+</file>
+
+<file path=ppt/slides/slide4.xml><?xml version="1.0" encoding="utf-8"?>
+<p:sld xmlns:a="http://schemas.openxmlformats.org/drawingml/2006/main" xmlns:r="http://schemas.openxmlformats.org/officeDocument/2006/relationships" xmlns:mc="http://schemas.openxmlformats.org/markup-compatibility/2006" xmlns:mv="urn:schemas-microsoft-com:mac:vml" xmlns:p="http://schemas.openxmlformats.org/presentationml/2006/main" xmlns:c="http://schemas.openxmlformats.org/drawingml/2006/chart" xmlns:dgm="http://schemas.openxmlformats.org/drawingml/2006/diagram" xmlns:o="urn:schemas-microsoft-com:office:office" xmlns:v="urn:schemas-microsoft-com:vml" xmlns:pvml="urn:schemas-microsoft-com:office:powerpoint" xmlns:com="http://schemas.openxmlformats.org/drawingml/2006/compatibility" xmlns:p14="http://schemas.microsoft.com/office/powerpoint/2010/main" xmlns:p15="http://schemas.microsoft.com/office/powerpoint/2012/main" xmlns:ahyp="http://schemas.microsoft.com/office/drawing/2018/hyperlinkcolor">
+  <p:cSld>
+    <p:spTree>
+      <p:nvGrpSpPr>
+        <p:cNvPr id="126" name="Shape 126"/>
+        <p:cNvGrpSpPr/>
+        <p:nvPr/>
+      </p:nvGrpSpPr>
+      <p:grpSpPr>
+        <a:xfrm>
+          <a:off x="0" y="0"/>
+          <a:ext cx="0" cy="0"/>
+          <a:chOff x="0" y="0"/>
+          <a:chExt cx="0" cy="0"/>
+        </a:xfrm>
+      </p:grpSpPr>
+      <p:sp>
+        <p:nvSpPr>
+          <p:cNvPr id="127" name="Google Shape;127;g256f84d2f98_1_0"/>
+          <p:cNvSpPr txBox="1"/>
+          <p:nvPr>
+            <p:ph idx="1" type="body"/>
+          </p:nvPr>
+        </p:nvSpPr>
+        <p:spPr>
+          <a:xfrm>
+            <a:off x="457200" y="1481328"/>
+            <a:ext cx="8229600" cy="4526100"/>
+          </a:xfrm>
+          <a:prstGeom prst="rect">
+            <a:avLst/>
+          </a:prstGeom>
+        </p:spPr>
+        <p:txBody>
+          <a:bodyPr anchorCtr="0" anchor="t" bIns="45700" lIns="91425" spcFirstLastPara="1" rIns="91425" wrap="square" tIns="45700">
+            <a:normAutofit/>
+          </a:bodyPr>
+          <a:lstStyle/>
+          <a:p>
+            <a:pPr indent="0" lvl="0" marL="0" marR="139700" rtl="0" algn="just">
+              <a:lnSpc>
+                <a:spcPct val="123000"/>
+              </a:lnSpc>
+              <a:spcBef>
+                <a:spcPts val="300"/>
+              </a:spcBef>
+              <a:spcAft>
+                <a:spcPts val="0"/>
+              </a:spcAft>
+              <a:buNone/>
+            </a:pPr>
+            <a:r>
+              <a:rPr lang="ru-RU" sz="2000"/>
+              <a:t>SADT (Structured Analysis and Design Technique) - технология структурного анализа и проектирования. Методология предназначена для представления функций системы и анализа требований и применяется на этапах "жизненного цикла" системы.</a:t>
+            </a:r>
+            <a:endParaRPr sz="2000"/>
+          </a:p>
+        </p:txBody>
+      </p:sp>
+      <p:sp>
+        <p:nvSpPr>
+          <p:cNvPr id="128" name="Google Shape;128;g256f84d2f98_1_0"/>
+          <p:cNvSpPr txBox="1"/>
+          <p:nvPr>
+            <p:ph type="title"/>
+          </p:nvPr>
+        </p:nvSpPr>
+        <p:spPr>
+          <a:xfrm>
+            <a:off x="457200" y="274638"/>
+            <a:ext cx="8229600" cy="1143000"/>
+          </a:xfrm>
+          <a:prstGeom prst="rect">
+            <a:avLst/>
+          </a:prstGeom>
+        </p:spPr>
+        <p:txBody>
+          <a:bodyPr anchorCtr="0" anchor="ctr" bIns="45700" lIns="91425" spcFirstLastPara="1" rIns="91425" wrap="square" tIns="45700">
+            <a:normAutofit/>
+          </a:bodyPr>
+          <a:lstStyle/>
+          <a:p>
+            <a:pPr indent="0" lvl="0" marL="0" rtl="0" algn="l">
+              <a:spcBef>
+                <a:spcPts val="0"/>
+              </a:spcBef>
+              <a:spcAft>
+                <a:spcPts val="0"/>
+              </a:spcAft>
+              <a:buNone/>
+            </a:pPr>
+            <a:r>
+              <a:rPr lang="ru-RU"/>
+              <a:t>Жизненный цикл: Модель SADT</a:t>
+            </a:r>
+            <a:endParaRPr/>
+          </a:p>
+        </p:txBody>
+      </p:sp>
+      <p:pic>
+        <p:nvPicPr>
+          <p:cNvPr id="129" name="Google Shape;129;g256f84d2f98_1_0"/>
+          <p:cNvPicPr preferRelativeResize="0"/>
+          <p:nvPr/>
+        </p:nvPicPr>
+        <p:blipFill>
+          <a:blip r:embed="rId3">
+            <a:alphaModFix/>
+          </a:blip>
+          <a:stretch>
+            <a:fillRect/>
+          </a:stretch>
+        </p:blipFill>
+        <p:spPr>
+          <a:xfrm>
+            <a:off x="1737188" y="3100550"/>
+            <a:ext cx="5669624" cy="3190675"/>
+          </a:xfrm>
+          <a:prstGeom prst="rect">
+            <a:avLst/>
+          </a:prstGeom>
+          <a:noFill/>
+          <a:ln>
+            <a:noFill/>
+          </a:ln>
+        </p:spPr>
+      </p:pic>
+    </p:spTree>
+  </p:cSld>
+  <p:clrMapOvr>
+    <a:masterClrMapping/>
+  </p:clrMapOvr>
+</p:sld>
+</file>
+
+<file path=ppt/slides/slide5.xml><?xml version="1.0" encoding="utf-8"?>
+<p:sld xmlns:a="http://schemas.openxmlformats.org/drawingml/2006/main" xmlns:r="http://schemas.openxmlformats.org/officeDocument/2006/relationships" xmlns:mc="http://schemas.openxmlformats.org/markup-compatibility/2006" xmlns:mv="urn:schemas-microsoft-com:mac:vml" xmlns:p="http://schemas.openxmlformats.org/presentationml/2006/main" xmlns:c="http://schemas.openxmlformats.org/drawingml/2006/chart" xmlns:dgm="http://schemas.openxmlformats.org/drawingml/2006/diagram" xmlns:o="urn:schemas-microsoft-com:office:office" xmlns:v="urn:schemas-microsoft-com:vml" xmlns:pvml="urn:schemas-microsoft-com:office:powerpoint" xmlns:com="http://schemas.openxmlformats.org/drawingml/2006/compatibility" xmlns:p14="http://schemas.microsoft.com/office/powerpoint/2010/main" xmlns:p15="http://schemas.microsoft.com/office/powerpoint/2012/main" xmlns:ahyp="http://schemas.microsoft.com/office/drawing/2018/hyperlinkcolor">
+  <p:cSld>
+    <p:spTree>
+      <p:nvGrpSpPr>
+        <p:cNvPr id="133" name="Shape 133"/>
+        <p:cNvGrpSpPr/>
+        <p:nvPr/>
+      </p:nvGrpSpPr>
+      <p:grpSpPr>
+        <a:xfrm>
+          <a:off x="0" y="0"/>
+          <a:ext cx="0" cy="0"/>
+          <a:chOff x="0" y="0"/>
+          <a:chExt cx="0" cy="0"/>
+        </a:xfrm>
+      </p:grpSpPr>
+      <p:sp>
+        <p:nvSpPr>
+          <p:cNvPr id="134" name="Google Shape;134;p4"/>
           <p:cNvSpPr txBox="1"/>
           <p:nvPr>
             <p:ph idx="1" type="body"/>
@@ -12541,7 +13023,7 @@
       </p:sp>
       <p:sp>
         <p:nvSpPr>
-          <p:cNvPr id="115" name="Google Shape;115;p4"/>
+          <p:cNvPr id="135" name="Google Shape;135;p4"/>
           <p:cNvSpPr txBox="1"/>
           <p:nvPr>
             <p:ph type="title"/>
@@ -12590,7 +13072,7 @@
       </p:sp>
       <p:pic>
         <p:nvPicPr>
-          <p:cNvPr id="116" name="Google Shape;116;p4"/>
+          <p:cNvPr id="136" name="Google Shape;136;p4"/>
           <p:cNvPicPr preferRelativeResize="0"/>
           <p:nvPr/>
         </p:nvPicPr>
@@ -12624,12 +13106,12 @@
 </p:sld>
 </file>
 
-<file path=ppt/slides/slide4.xml><?xml version="1.0" encoding="utf-8"?>
+<file path=ppt/slides/slide6.xml><?xml version="1.0" encoding="utf-8"?>
 <p:sld xmlns:a="http://schemas.openxmlformats.org/drawingml/2006/main" xmlns:r="http://schemas.openxmlformats.org/officeDocument/2006/relationships" xmlns:mc="http://schemas.openxmlformats.org/markup-compatibility/2006" xmlns:mv="urn:schemas-microsoft-com:mac:vml" xmlns:p="http://schemas.openxmlformats.org/presentationml/2006/main" xmlns:c="http://schemas.openxmlformats.org/drawingml/2006/chart" xmlns:dgm="http://schemas.openxmlformats.org/drawingml/2006/diagram" xmlns:o="urn:schemas-microsoft-com:office:office" xmlns:v="urn:schemas-microsoft-com:vml" xmlns:pvml="urn:schemas-microsoft-com:office:powerpoint" xmlns:com="http://schemas.openxmlformats.org/drawingml/2006/compatibility" xmlns:p14="http://schemas.microsoft.com/office/powerpoint/2010/main" xmlns:p15="http://schemas.microsoft.com/office/powerpoint/2012/main" xmlns:ahyp="http://schemas.microsoft.com/office/drawing/2018/hyperlinkcolor">
   <p:cSld>
     <p:spTree>
       <p:nvGrpSpPr>
-        <p:cNvPr id="120" name="Shape 120"/>
+        <p:cNvPr id="140" name="Shape 140"/>
         <p:cNvGrpSpPr/>
         <p:nvPr/>
       </p:nvGrpSpPr>
@@ -12643,7 +13125,7 @@
       </p:grpSpPr>
       <p:sp>
         <p:nvSpPr>
-          <p:cNvPr id="121" name="Google Shape;121;p5"/>
+          <p:cNvPr id="141" name="Google Shape;141;p5"/>
           <p:cNvSpPr txBox="1"/>
           <p:nvPr>
             <p:ph idx="1" type="body"/>
@@ -12687,7 +13169,7 @@
       </p:sp>
       <p:sp>
         <p:nvSpPr>
-          <p:cNvPr id="122" name="Google Shape;122;p5"/>
+          <p:cNvPr id="142" name="Google Shape;142;p5"/>
           <p:cNvSpPr txBox="1"/>
           <p:nvPr>
             <p:ph type="title"/>
@@ -12736,7 +13218,7 @@
       </p:sp>
       <p:pic>
         <p:nvPicPr>
-          <p:cNvPr id="123" name="Google Shape;123;p5"/>
+          <p:cNvPr id="143" name="Google Shape;143;p5"/>
           <p:cNvPicPr preferRelativeResize="0"/>
           <p:nvPr/>
         </p:nvPicPr>
@@ -12752,994 +13234,6 @@
           <a:xfrm>
             <a:off x="336613" y="2041925"/>
             <a:ext cx="8470776" cy="2569901"/>
-          </a:xfrm>
-          <a:prstGeom prst="rect">
-            <a:avLst/>
-          </a:prstGeom>
-          <a:noFill/>
-          <a:ln>
-            <a:noFill/>
-          </a:ln>
-        </p:spPr>
-      </p:pic>
-    </p:spTree>
-  </p:cSld>
-  <p:clrMapOvr>
-    <a:masterClrMapping/>
-  </p:clrMapOvr>
-</p:sld>
-</file>
-
-<file path=ppt/slides/slide5.xml><?xml version="1.0" encoding="utf-8"?>
-<p:sld xmlns:a="http://schemas.openxmlformats.org/drawingml/2006/main" xmlns:r="http://schemas.openxmlformats.org/officeDocument/2006/relationships" xmlns:mc="http://schemas.openxmlformats.org/markup-compatibility/2006" xmlns:mv="urn:schemas-microsoft-com:mac:vml" xmlns:p="http://schemas.openxmlformats.org/presentationml/2006/main" xmlns:c="http://schemas.openxmlformats.org/drawingml/2006/chart" xmlns:dgm="http://schemas.openxmlformats.org/drawingml/2006/diagram" xmlns:o="urn:schemas-microsoft-com:office:office" xmlns:v="urn:schemas-microsoft-com:vml" xmlns:pvml="urn:schemas-microsoft-com:office:powerpoint" xmlns:com="http://schemas.openxmlformats.org/drawingml/2006/compatibility" xmlns:p14="http://schemas.microsoft.com/office/powerpoint/2010/main" xmlns:p15="http://schemas.microsoft.com/office/powerpoint/2012/main" xmlns:ahyp="http://schemas.microsoft.com/office/drawing/2018/hyperlinkcolor">
-  <p:cSld>
-    <p:spTree>
-      <p:nvGrpSpPr>
-        <p:cNvPr id="127" name="Shape 127"/>
-        <p:cNvGrpSpPr/>
-        <p:nvPr/>
-      </p:nvGrpSpPr>
-      <p:grpSpPr>
-        <a:xfrm>
-          <a:off x="0" y="0"/>
-          <a:ext cx="0" cy="0"/>
-          <a:chOff x="0" y="0"/>
-          <a:chExt cx="0" cy="0"/>
-        </a:xfrm>
-      </p:grpSpPr>
-      <p:sp>
-        <p:nvSpPr>
-          <p:cNvPr id="128" name="Google Shape;128;p6"/>
-          <p:cNvSpPr txBox="1"/>
-          <p:nvPr>
-            <p:ph idx="1" type="body"/>
-          </p:nvPr>
-        </p:nvSpPr>
-        <p:spPr>
-          <a:xfrm>
-            <a:off x="457200" y="1481328"/>
-            <a:ext cx="8229600" cy="4525963"/>
-          </a:xfrm>
-          <a:prstGeom prst="rect">
-            <a:avLst/>
-          </a:prstGeom>
-          <a:noFill/>
-          <a:ln>
-            <a:noFill/>
-          </a:ln>
-        </p:spPr>
-        <p:txBody>
-          <a:bodyPr anchorCtr="0" anchor="t" bIns="45700" lIns="91425" spcFirstLastPara="1" rIns="91425" wrap="square" tIns="45700">
-            <a:normAutofit/>
-          </a:bodyPr>
-          <a:lstStyle/>
-          <a:p>
-            <a:pPr indent="-139446" lvl="0" marL="365760" rtl="0" algn="l">
-              <a:spcBef>
-                <a:spcPts val="0"/>
-              </a:spcBef>
-              <a:spcAft>
-                <a:spcPts val="0"/>
-              </a:spcAft>
-              <a:buSzPts val="1836"/>
-              <a:buNone/>
-            </a:pPr>
-            <a:r>
-              <a:t/>
-            </a:r>
-            <a:endParaRPr/>
-          </a:p>
-        </p:txBody>
-      </p:sp>
-      <p:sp>
-        <p:nvSpPr>
-          <p:cNvPr id="129" name="Google Shape;129;p6"/>
-          <p:cNvSpPr txBox="1"/>
-          <p:nvPr>
-            <p:ph type="title"/>
-          </p:nvPr>
-        </p:nvSpPr>
-        <p:spPr>
-          <a:xfrm>
-            <a:off x="457200" y="274638"/>
-            <a:ext cx="8229600" cy="1143000"/>
-          </a:xfrm>
-          <a:prstGeom prst="rect">
-            <a:avLst/>
-          </a:prstGeom>
-          <a:noFill/>
-          <a:ln>
-            <a:noFill/>
-          </a:ln>
-        </p:spPr>
-        <p:txBody>
-          <a:bodyPr anchorCtr="0" anchor="ctr" bIns="45700" lIns="91425" spcFirstLastPara="1" rIns="91425" wrap="square" tIns="45700">
-            <a:normAutofit fontScale="90000"/>
-          </a:bodyPr>
-          <a:lstStyle/>
-          <a:p>
-            <a:pPr indent="0" lvl="0" marL="0" rtl="0" algn="ctr">
-              <a:spcBef>
-                <a:spcPts val="0"/>
-              </a:spcBef>
-              <a:spcAft>
-                <a:spcPts val="0"/>
-              </a:spcAft>
-              <a:buClr>
-                <a:schemeClr val="dk2"/>
-              </a:buClr>
-              <a:buSzPct val="100000"/>
-              <a:buFont typeface="Lucida Sans"/>
-              <a:buNone/>
-            </a:pPr>
-            <a:r>
-              <a:rPr lang="ru-RU"/>
-              <a:t>Жизненный цикл: Эксплуатация</a:t>
-            </a:r>
-            <a:endParaRPr/>
-          </a:p>
-        </p:txBody>
-      </p:sp>
-      <p:pic>
-        <p:nvPicPr>
-          <p:cNvPr id="130" name="Google Shape;130;p6"/>
-          <p:cNvPicPr preferRelativeResize="0"/>
-          <p:nvPr/>
-        </p:nvPicPr>
-        <p:blipFill>
-          <a:blip r:embed="rId3">
-            <a:alphaModFix/>
-          </a:blip>
-          <a:stretch>
-            <a:fillRect/>
-          </a:stretch>
-        </p:blipFill>
-        <p:spPr>
-          <a:xfrm>
-            <a:off x="1190025" y="1077400"/>
-            <a:ext cx="6512651" cy="5626975"/>
-          </a:xfrm>
-          <a:prstGeom prst="rect">
-            <a:avLst/>
-          </a:prstGeom>
-          <a:noFill/>
-          <a:ln>
-            <a:noFill/>
-          </a:ln>
-        </p:spPr>
-      </p:pic>
-    </p:spTree>
-  </p:cSld>
-  <p:clrMapOvr>
-    <a:masterClrMapping/>
-  </p:clrMapOvr>
-</p:sld>
-</file>
-
-<file path=ppt/slides/slide6.xml><?xml version="1.0" encoding="utf-8"?>
-<p:sld xmlns:a="http://schemas.openxmlformats.org/drawingml/2006/main" xmlns:r="http://schemas.openxmlformats.org/officeDocument/2006/relationships" xmlns:mc="http://schemas.openxmlformats.org/markup-compatibility/2006" xmlns:mv="urn:schemas-microsoft-com:mac:vml" xmlns:p="http://schemas.openxmlformats.org/presentationml/2006/main" xmlns:c="http://schemas.openxmlformats.org/drawingml/2006/chart" xmlns:dgm="http://schemas.openxmlformats.org/drawingml/2006/diagram" xmlns:o="urn:schemas-microsoft-com:office:office" xmlns:v="urn:schemas-microsoft-com:vml" xmlns:pvml="urn:schemas-microsoft-com:office:powerpoint" xmlns:com="http://schemas.openxmlformats.org/drawingml/2006/compatibility" xmlns:p14="http://schemas.microsoft.com/office/powerpoint/2010/main" xmlns:p15="http://schemas.microsoft.com/office/powerpoint/2012/main" xmlns:ahyp="http://schemas.microsoft.com/office/drawing/2018/hyperlinkcolor">
-  <p:cSld>
-    <p:spTree>
-      <p:nvGrpSpPr>
-        <p:cNvPr id="134" name="Shape 134"/>
-        <p:cNvGrpSpPr/>
-        <p:nvPr/>
-      </p:nvGrpSpPr>
-      <p:grpSpPr>
-        <a:xfrm>
-          <a:off x="0" y="0"/>
-          <a:ext cx="0" cy="0"/>
-          <a:chOff x="0" y="0"/>
-          <a:chExt cx="0" cy="0"/>
-        </a:xfrm>
-      </p:grpSpPr>
-      <p:sp>
-        <p:nvSpPr>
-          <p:cNvPr id="135" name="Google Shape;135;p7"/>
-          <p:cNvSpPr txBox="1"/>
-          <p:nvPr>
-            <p:ph idx="1" type="body"/>
-          </p:nvPr>
-        </p:nvSpPr>
-        <p:spPr>
-          <a:xfrm>
-            <a:off x="457200" y="1481328"/>
-            <a:ext cx="8229600" cy="4525963"/>
-          </a:xfrm>
-          <a:prstGeom prst="rect">
-            <a:avLst/>
-          </a:prstGeom>
-          <a:noFill/>
-          <a:ln>
-            <a:noFill/>
-          </a:ln>
-        </p:spPr>
-        <p:txBody>
-          <a:bodyPr anchorCtr="0" anchor="t" bIns="45700" lIns="91425" spcFirstLastPara="1" rIns="91425" wrap="square" tIns="45700">
-            <a:normAutofit/>
-          </a:bodyPr>
-          <a:lstStyle/>
-          <a:p>
-            <a:pPr indent="-139446" lvl="0" marL="365760" rtl="0" algn="l">
-              <a:spcBef>
-                <a:spcPts val="0"/>
-              </a:spcBef>
-              <a:spcAft>
-                <a:spcPts val="0"/>
-              </a:spcAft>
-              <a:buSzPts val="1836"/>
-              <a:buNone/>
-            </a:pPr>
-            <a:r>
-              <a:t/>
-            </a:r>
-            <a:endParaRPr/>
-          </a:p>
-        </p:txBody>
-      </p:sp>
-      <p:sp>
-        <p:nvSpPr>
-          <p:cNvPr id="136" name="Google Shape;136;p7"/>
-          <p:cNvSpPr txBox="1"/>
-          <p:nvPr>
-            <p:ph type="title"/>
-          </p:nvPr>
-        </p:nvSpPr>
-        <p:spPr>
-          <a:xfrm>
-            <a:off x="457200" y="274638"/>
-            <a:ext cx="8229600" cy="1143000"/>
-          </a:xfrm>
-          <a:prstGeom prst="rect">
-            <a:avLst/>
-          </a:prstGeom>
-          <a:noFill/>
-          <a:ln>
-            <a:noFill/>
-          </a:ln>
-        </p:spPr>
-        <p:txBody>
-          <a:bodyPr anchorCtr="0" anchor="ctr" bIns="45700" lIns="91425" spcFirstLastPara="1" rIns="91425" wrap="square" tIns="45700">
-            <a:normAutofit/>
-          </a:bodyPr>
-          <a:lstStyle/>
-          <a:p>
-            <a:pPr indent="0" lvl="0" marL="0" rtl="0" algn="ctr">
-              <a:spcBef>
-                <a:spcPts val="0"/>
-              </a:spcBef>
-              <a:spcAft>
-                <a:spcPts val="0"/>
-              </a:spcAft>
-              <a:buClr>
-                <a:schemeClr val="dk2"/>
-              </a:buClr>
-              <a:buSzPts val="4100"/>
-              <a:buFont typeface="Lucida Sans"/>
-              <a:buNone/>
-            </a:pPr>
-            <a:r>
-              <a:rPr lang="ru-RU"/>
-              <a:t>Жизненный цикл: Сервис</a:t>
-            </a:r>
-            <a:endParaRPr/>
-          </a:p>
-        </p:txBody>
-      </p:sp>
-      <p:pic>
-        <p:nvPicPr>
-          <p:cNvPr id="137" name="Google Shape;137;p7"/>
-          <p:cNvPicPr preferRelativeResize="0"/>
-          <p:nvPr/>
-        </p:nvPicPr>
-        <p:blipFill>
-          <a:blip r:embed="rId3">
-            <a:alphaModFix/>
-          </a:blip>
-          <a:stretch>
-            <a:fillRect/>
-          </a:stretch>
-        </p:blipFill>
-        <p:spPr>
-          <a:xfrm>
-            <a:off x="148050" y="2255675"/>
-            <a:ext cx="8847900" cy="2143000"/>
-          </a:xfrm>
-          <a:prstGeom prst="rect">
-            <a:avLst/>
-          </a:prstGeom>
-          <a:noFill/>
-          <a:ln>
-            <a:noFill/>
-          </a:ln>
-        </p:spPr>
-      </p:pic>
-    </p:spTree>
-  </p:cSld>
-  <p:clrMapOvr>
-    <a:masterClrMapping/>
-  </p:clrMapOvr>
-</p:sld>
-</file>
-
-<file path=ppt/slides/slide7.xml><?xml version="1.0" encoding="utf-8"?>
-<p:sld xmlns:a="http://schemas.openxmlformats.org/drawingml/2006/main" xmlns:r="http://schemas.openxmlformats.org/officeDocument/2006/relationships" xmlns:mc="http://schemas.openxmlformats.org/markup-compatibility/2006" xmlns:mv="urn:schemas-microsoft-com:mac:vml" xmlns:p="http://schemas.openxmlformats.org/presentationml/2006/main" xmlns:c="http://schemas.openxmlformats.org/drawingml/2006/chart" xmlns:dgm="http://schemas.openxmlformats.org/drawingml/2006/diagram" xmlns:o="urn:schemas-microsoft-com:office:office" xmlns:v="urn:schemas-microsoft-com:vml" xmlns:pvml="urn:schemas-microsoft-com:office:powerpoint" xmlns:com="http://schemas.openxmlformats.org/drawingml/2006/compatibility" xmlns:p14="http://schemas.microsoft.com/office/powerpoint/2010/main" xmlns:p15="http://schemas.microsoft.com/office/powerpoint/2012/main" xmlns:ahyp="http://schemas.microsoft.com/office/drawing/2018/hyperlinkcolor">
-  <p:cSld>
-    <p:spTree>
-      <p:nvGrpSpPr>
-        <p:cNvPr id="141" name="Shape 141"/>
-        <p:cNvGrpSpPr/>
-        <p:nvPr/>
-      </p:nvGrpSpPr>
-      <p:grpSpPr>
-        <a:xfrm>
-          <a:off x="0" y="0"/>
-          <a:ext cx="0" cy="0"/>
-          <a:chOff x="0" y="0"/>
-          <a:chExt cx="0" cy="0"/>
-        </a:xfrm>
-      </p:grpSpPr>
-      <p:sp>
-        <p:nvSpPr>
-          <p:cNvPr id="142" name="Google Shape;142;p8"/>
-          <p:cNvSpPr txBox="1"/>
-          <p:nvPr>
-            <p:ph idx="1" type="body"/>
-          </p:nvPr>
-        </p:nvSpPr>
-        <p:spPr>
-          <a:xfrm>
-            <a:off x="457200" y="1481328"/>
-            <a:ext cx="8229600" cy="4525963"/>
-          </a:xfrm>
-          <a:prstGeom prst="rect">
-            <a:avLst/>
-          </a:prstGeom>
-          <a:noFill/>
-          <a:ln>
-            <a:noFill/>
-          </a:ln>
-        </p:spPr>
-        <p:txBody>
-          <a:bodyPr anchorCtr="0" anchor="t" bIns="45700" lIns="91425" spcFirstLastPara="1" rIns="91425" wrap="square" tIns="45700">
-            <a:normAutofit/>
-          </a:bodyPr>
-          <a:lstStyle/>
-          <a:p>
-            <a:pPr indent="-139446" lvl="0" marL="365760" rtl="0" algn="l">
-              <a:spcBef>
-                <a:spcPts val="0"/>
-              </a:spcBef>
-              <a:spcAft>
-                <a:spcPts val="0"/>
-              </a:spcAft>
-              <a:buSzPts val="1836"/>
-              <a:buNone/>
-            </a:pPr>
-            <a:r>
-              <a:t/>
-            </a:r>
-            <a:endParaRPr/>
-          </a:p>
-        </p:txBody>
-      </p:sp>
-      <p:sp>
-        <p:nvSpPr>
-          <p:cNvPr id="143" name="Google Shape;143;p8"/>
-          <p:cNvSpPr txBox="1"/>
-          <p:nvPr>
-            <p:ph type="title"/>
-          </p:nvPr>
-        </p:nvSpPr>
-        <p:spPr>
-          <a:xfrm>
-            <a:off x="457200" y="274638"/>
-            <a:ext cx="8229600" cy="1143000"/>
-          </a:xfrm>
-          <a:prstGeom prst="rect">
-            <a:avLst/>
-          </a:prstGeom>
-          <a:noFill/>
-          <a:ln>
-            <a:noFill/>
-          </a:ln>
-        </p:spPr>
-        <p:txBody>
-          <a:bodyPr anchorCtr="0" anchor="ctr" bIns="45700" lIns="91425" spcFirstLastPara="1" rIns="91425" wrap="square" tIns="45700">
-            <a:normAutofit fontScale="90000"/>
-          </a:bodyPr>
-          <a:lstStyle/>
-          <a:p>
-            <a:pPr indent="0" lvl="0" marL="0" rtl="0" algn="ctr">
-              <a:spcBef>
-                <a:spcPts val="0"/>
-              </a:spcBef>
-              <a:spcAft>
-                <a:spcPts val="0"/>
-              </a:spcAft>
-              <a:buClr>
-                <a:schemeClr val="dk2"/>
-              </a:buClr>
-              <a:buSzPct val="100000"/>
-              <a:buFont typeface="Lucida Sans"/>
-              <a:buNone/>
-            </a:pPr>
-            <a:r>
-              <a:rPr lang="ru-RU"/>
-              <a:t>Жизненный цикл: Вывод из Эксплуатации</a:t>
-            </a:r>
-            <a:endParaRPr/>
-          </a:p>
-        </p:txBody>
-      </p:sp>
-      <p:pic>
-        <p:nvPicPr>
-          <p:cNvPr id="144" name="Google Shape;144;p8"/>
-          <p:cNvPicPr preferRelativeResize="0"/>
-          <p:nvPr/>
-        </p:nvPicPr>
-        <p:blipFill>
-          <a:blip r:embed="rId3">
-            <a:alphaModFix/>
-          </a:blip>
-          <a:stretch>
-            <a:fillRect/>
-          </a:stretch>
-        </p:blipFill>
-        <p:spPr>
-          <a:xfrm>
-            <a:off x="0" y="2013115"/>
-            <a:ext cx="9143999" cy="2831771"/>
-          </a:xfrm>
-          <a:prstGeom prst="rect">
-            <a:avLst/>
-          </a:prstGeom>
-          <a:noFill/>
-          <a:ln>
-            <a:noFill/>
-          </a:ln>
-        </p:spPr>
-      </p:pic>
-    </p:spTree>
-  </p:cSld>
-  <p:clrMapOvr>
-    <a:masterClrMapping/>
-  </p:clrMapOvr>
-</p:sld>
-</file>
-
-<file path=ppt/slides/slide8.xml><?xml version="1.0" encoding="utf-8"?>
-<p:sld xmlns:a="http://schemas.openxmlformats.org/drawingml/2006/main" xmlns:r="http://schemas.openxmlformats.org/officeDocument/2006/relationships" xmlns:mc="http://schemas.openxmlformats.org/markup-compatibility/2006" xmlns:mv="urn:schemas-microsoft-com:mac:vml" xmlns:p="http://schemas.openxmlformats.org/presentationml/2006/main" xmlns:c="http://schemas.openxmlformats.org/drawingml/2006/chart" xmlns:dgm="http://schemas.openxmlformats.org/drawingml/2006/diagram" xmlns:o="urn:schemas-microsoft-com:office:office" xmlns:v="urn:schemas-microsoft-com:vml" xmlns:pvml="urn:schemas-microsoft-com:office:powerpoint" xmlns:com="http://schemas.openxmlformats.org/drawingml/2006/compatibility" xmlns:p14="http://schemas.microsoft.com/office/powerpoint/2010/main" xmlns:p15="http://schemas.microsoft.com/office/powerpoint/2012/main" xmlns:ahyp="http://schemas.microsoft.com/office/drawing/2018/hyperlinkcolor">
-  <p:cSld>
-    <p:spTree>
-      <p:nvGrpSpPr>
-        <p:cNvPr id="148" name="Shape 148"/>
-        <p:cNvGrpSpPr/>
-        <p:nvPr/>
-      </p:nvGrpSpPr>
-      <p:grpSpPr>
-        <a:xfrm>
-          <a:off x="0" y="0"/>
-          <a:ext cx="0" cy="0"/>
-          <a:chOff x="0" y="0"/>
-          <a:chExt cx="0" cy="0"/>
-        </a:xfrm>
-      </p:grpSpPr>
-      <p:sp>
-        <p:nvSpPr>
-          <p:cNvPr id="149" name="Google Shape;149;p9"/>
-          <p:cNvSpPr txBox="1"/>
-          <p:nvPr>
-            <p:ph type="title"/>
-          </p:nvPr>
-        </p:nvSpPr>
-        <p:spPr>
-          <a:xfrm>
-            <a:off x="457200" y="-12"/>
-            <a:ext cx="8229600" cy="1143000"/>
-          </a:xfrm>
-          <a:prstGeom prst="rect">
-            <a:avLst/>
-          </a:prstGeom>
-          <a:noFill/>
-          <a:ln>
-            <a:noFill/>
-          </a:ln>
-        </p:spPr>
-        <p:txBody>
-          <a:bodyPr anchorCtr="0" anchor="ctr" bIns="45700" lIns="91425" spcFirstLastPara="1" rIns="91425" wrap="square" tIns="45700">
-            <a:normAutofit/>
-          </a:bodyPr>
-          <a:lstStyle/>
-          <a:p>
-            <a:pPr indent="0" lvl="0" marL="0" rtl="0" algn="ctr">
-              <a:spcBef>
-                <a:spcPts val="0"/>
-              </a:spcBef>
-              <a:spcAft>
-                <a:spcPts val="0"/>
-              </a:spcAft>
-              <a:buClr>
-                <a:schemeClr val="dk2"/>
-              </a:buClr>
-              <a:buSzPts val="4100"/>
-              <a:buFont typeface="Lucida Sans"/>
-              <a:buNone/>
-            </a:pPr>
-            <a:r>
-              <a:rPr lang="ru-RU"/>
-              <a:t>Технологии</a:t>
-            </a:r>
-            <a:endParaRPr/>
-          </a:p>
-        </p:txBody>
-      </p:sp>
-      <p:sp>
-        <p:nvSpPr>
-          <p:cNvPr id="150" name="Google Shape;150;p9"/>
-          <p:cNvSpPr txBox="1"/>
-          <p:nvPr/>
-        </p:nvSpPr>
-        <p:spPr>
-          <a:xfrm>
-            <a:off x="175550" y="1015225"/>
-            <a:ext cx="4660500" cy="4802400"/>
-          </a:xfrm>
-          <a:prstGeom prst="rect">
-            <a:avLst/>
-          </a:prstGeom>
-          <a:noFill/>
-          <a:ln>
-            <a:noFill/>
-          </a:ln>
-        </p:spPr>
-        <p:txBody>
-          <a:bodyPr anchorCtr="0" anchor="t" bIns="91425" lIns="91425" spcFirstLastPara="1" rIns="91425" wrap="square" tIns="91425">
-            <a:spAutoFit/>
-          </a:bodyPr>
-          <a:lstStyle/>
-          <a:p>
-            <a:pPr indent="0" lvl="0" marL="0" rtl="0" algn="l">
-              <a:spcBef>
-                <a:spcPts val="0"/>
-              </a:spcBef>
-              <a:spcAft>
-                <a:spcPts val="0"/>
-              </a:spcAft>
-              <a:buNone/>
-            </a:pPr>
-            <a:r>
-              <a:rPr lang="ru-RU" sz="3000">
-                <a:latin typeface="Lucida Sans"/>
-                <a:ea typeface="Lucida Sans"/>
-                <a:cs typeface="Lucida Sans"/>
-                <a:sym typeface="Lucida Sans"/>
-              </a:rPr>
-              <a:t>База данных</a:t>
-            </a:r>
-            <a:endParaRPr sz="3000">
-              <a:latin typeface="Lucida Sans"/>
-              <a:ea typeface="Lucida Sans"/>
-              <a:cs typeface="Lucida Sans"/>
-              <a:sym typeface="Lucida Sans"/>
-            </a:endParaRPr>
-          </a:p>
-          <a:p>
-            <a:pPr indent="0" lvl="0" marL="0" rtl="0" algn="l">
-              <a:spcBef>
-                <a:spcPts val="0"/>
-              </a:spcBef>
-              <a:spcAft>
-                <a:spcPts val="0"/>
-              </a:spcAft>
-              <a:buNone/>
-            </a:pPr>
-            <a:r>
-              <a:rPr lang="ru-RU" sz="3000">
-                <a:latin typeface="Lucida Sans"/>
-                <a:ea typeface="Lucida Sans"/>
-                <a:cs typeface="Lucida Sans"/>
-                <a:sym typeface="Lucida Sans"/>
-              </a:rPr>
-              <a:t>	MySQL SQL</a:t>
-            </a:r>
-            <a:endParaRPr sz="3000">
-              <a:latin typeface="Lucida Sans"/>
-              <a:ea typeface="Lucida Sans"/>
-              <a:cs typeface="Lucida Sans"/>
-              <a:sym typeface="Lucida Sans"/>
-            </a:endParaRPr>
-          </a:p>
-          <a:p>
-            <a:pPr indent="457200" lvl="0" marL="0" rtl="0" algn="l">
-              <a:spcBef>
-                <a:spcPts val="0"/>
-              </a:spcBef>
-              <a:spcAft>
-                <a:spcPts val="0"/>
-              </a:spcAft>
-              <a:buNone/>
-            </a:pPr>
-            <a:r>
-              <a:rPr lang="ru-RU" sz="3000">
-                <a:latin typeface="Lucida Sans"/>
-                <a:ea typeface="Lucida Sans"/>
-                <a:cs typeface="Lucida Sans"/>
-                <a:sym typeface="Lucida Sans"/>
-              </a:rPr>
-              <a:t>phpMyAdmin</a:t>
-            </a:r>
-            <a:endParaRPr sz="3000">
-              <a:latin typeface="Lucida Sans"/>
-              <a:ea typeface="Lucida Sans"/>
-              <a:cs typeface="Lucida Sans"/>
-              <a:sym typeface="Lucida Sans"/>
-            </a:endParaRPr>
-          </a:p>
-          <a:p>
-            <a:pPr indent="0" lvl="0" marL="0" rtl="0" algn="l">
-              <a:spcBef>
-                <a:spcPts val="0"/>
-              </a:spcBef>
-              <a:spcAft>
-                <a:spcPts val="0"/>
-              </a:spcAft>
-              <a:buNone/>
-            </a:pPr>
-            <a:r>
-              <a:rPr lang="ru-RU" sz="3000">
-                <a:latin typeface="Lucida Sans"/>
-                <a:ea typeface="Lucida Sans"/>
-                <a:cs typeface="Lucida Sans"/>
-                <a:sym typeface="Lucida Sans"/>
-              </a:rPr>
-              <a:t>Приложение</a:t>
-            </a:r>
-            <a:endParaRPr sz="3000">
-              <a:latin typeface="Lucida Sans"/>
-              <a:ea typeface="Lucida Sans"/>
-              <a:cs typeface="Lucida Sans"/>
-              <a:sym typeface="Lucida Sans"/>
-            </a:endParaRPr>
-          </a:p>
-          <a:p>
-            <a:pPr indent="0" lvl="0" marL="0" rtl="0" algn="l">
-              <a:spcBef>
-                <a:spcPts val="0"/>
-              </a:spcBef>
-              <a:spcAft>
-                <a:spcPts val="0"/>
-              </a:spcAft>
-              <a:buNone/>
-            </a:pPr>
-            <a:r>
-              <a:rPr lang="ru-RU" sz="3000">
-                <a:latin typeface="Lucida Sans"/>
-                <a:ea typeface="Lucida Sans"/>
-                <a:cs typeface="Lucida Sans"/>
-                <a:sym typeface="Lucida Sans"/>
-              </a:rPr>
-              <a:t>	C# Entity Framework</a:t>
-            </a:r>
-            <a:endParaRPr sz="3000">
-              <a:latin typeface="Lucida Sans"/>
-              <a:ea typeface="Lucida Sans"/>
-              <a:cs typeface="Lucida Sans"/>
-              <a:sym typeface="Lucida Sans"/>
-            </a:endParaRPr>
-          </a:p>
-          <a:p>
-            <a:pPr indent="0" lvl="0" marL="0" rtl="0" algn="l">
-              <a:spcBef>
-                <a:spcPts val="0"/>
-              </a:spcBef>
-              <a:spcAft>
-                <a:spcPts val="0"/>
-              </a:spcAft>
-              <a:buNone/>
-            </a:pPr>
-            <a:r>
-              <a:rPr lang="ru-RU" sz="3000">
-                <a:latin typeface="Lucida Sans"/>
-                <a:ea typeface="Lucida Sans"/>
-                <a:cs typeface="Lucida Sans"/>
-                <a:sym typeface="Lucida Sans"/>
-              </a:rPr>
-              <a:t>	Visual Studio</a:t>
-            </a:r>
-            <a:endParaRPr sz="3000">
-              <a:latin typeface="Lucida Sans"/>
-              <a:ea typeface="Lucida Sans"/>
-              <a:cs typeface="Lucida Sans"/>
-              <a:sym typeface="Lucida Sans"/>
-            </a:endParaRPr>
-          </a:p>
-          <a:p>
-            <a:pPr indent="0" lvl="0" marL="0" rtl="0" algn="l">
-              <a:spcBef>
-                <a:spcPts val="0"/>
-              </a:spcBef>
-              <a:spcAft>
-                <a:spcPts val="0"/>
-              </a:spcAft>
-              <a:buNone/>
-            </a:pPr>
-            <a:r>
-              <a:rPr lang="ru-RU" sz="3000">
-                <a:latin typeface="Lucida Sans"/>
-                <a:ea typeface="Lucida Sans"/>
-                <a:cs typeface="Lucida Sans"/>
-                <a:sym typeface="Lucida Sans"/>
-              </a:rPr>
-              <a:t>	Windows Forms</a:t>
-            </a:r>
-            <a:endParaRPr sz="3000">
-              <a:latin typeface="Lucida Sans"/>
-              <a:ea typeface="Lucida Sans"/>
-              <a:cs typeface="Lucida Sans"/>
-              <a:sym typeface="Lucida Sans"/>
-            </a:endParaRPr>
-          </a:p>
-          <a:p>
-            <a:pPr indent="0" lvl="0" marL="0" rtl="0" algn="l">
-              <a:spcBef>
-                <a:spcPts val="0"/>
-              </a:spcBef>
-              <a:spcAft>
-                <a:spcPts val="0"/>
-              </a:spcAft>
-              <a:buNone/>
-            </a:pPr>
-            <a:r>
-              <a:rPr lang="ru-RU" sz="3000">
-                <a:latin typeface="Lucida Sans"/>
-                <a:ea typeface="Lucida Sans"/>
-                <a:cs typeface="Lucida Sans"/>
-                <a:sym typeface="Lucida Sans"/>
-              </a:rPr>
-              <a:t>Сканер</a:t>
-            </a:r>
-            <a:endParaRPr sz="3000">
-              <a:latin typeface="Lucida Sans"/>
-              <a:ea typeface="Lucida Sans"/>
-              <a:cs typeface="Lucida Sans"/>
-              <a:sym typeface="Lucida Sans"/>
-            </a:endParaRPr>
-          </a:p>
-          <a:p>
-            <a:pPr indent="0" lvl="0" marL="0" rtl="0" algn="l">
-              <a:spcBef>
-                <a:spcPts val="0"/>
-              </a:spcBef>
-              <a:spcAft>
-                <a:spcPts val="0"/>
-              </a:spcAft>
-              <a:buNone/>
-            </a:pPr>
-            <a:r>
-              <a:rPr lang="ru-RU" sz="3000">
-                <a:latin typeface="Lucida Sans"/>
-                <a:ea typeface="Lucida Sans"/>
-                <a:cs typeface="Lucida Sans"/>
-                <a:sym typeface="Lucida Sans"/>
-              </a:rPr>
-              <a:t>	Python WMI </a:t>
-            </a:r>
-            <a:endParaRPr sz="3000">
-              <a:latin typeface="Lucida Sans"/>
-              <a:ea typeface="Lucida Sans"/>
-              <a:cs typeface="Lucida Sans"/>
-              <a:sym typeface="Lucida Sans"/>
-            </a:endParaRPr>
-          </a:p>
-          <a:p>
-            <a:pPr indent="457200" lvl="0" marL="0" rtl="0" algn="l">
-              <a:spcBef>
-                <a:spcPts val="0"/>
-              </a:spcBef>
-              <a:spcAft>
-                <a:spcPts val="0"/>
-              </a:spcAft>
-              <a:buNone/>
-            </a:pPr>
-            <a:r>
-              <a:rPr lang="ru-RU" sz="3000">
-                <a:latin typeface="Lucida Sans"/>
-                <a:ea typeface="Lucida Sans"/>
-                <a:cs typeface="Lucida Sans"/>
-                <a:sym typeface="Lucida Sans"/>
-              </a:rPr>
-              <a:t>IDLE JSON</a:t>
-            </a:r>
-            <a:endParaRPr sz="3000">
-              <a:latin typeface="Lucida Sans"/>
-              <a:ea typeface="Lucida Sans"/>
-              <a:cs typeface="Lucida Sans"/>
-              <a:sym typeface="Lucida Sans"/>
-            </a:endParaRPr>
-          </a:p>
-        </p:txBody>
-      </p:sp>
-      <p:pic>
-        <p:nvPicPr>
-          <p:cNvPr id="151" name="Google Shape;151;p9"/>
-          <p:cNvPicPr preferRelativeResize="0"/>
-          <p:nvPr/>
-        </p:nvPicPr>
-        <p:blipFill rotWithShape="1">
-          <a:blip r:embed="rId3">
-            <a:alphaModFix/>
-          </a:blip>
-          <a:srcRect b="16285" l="20513" r="25801" t="19040"/>
-          <a:stretch/>
-        </p:blipFill>
-        <p:spPr>
-          <a:xfrm>
-            <a:off x="4836038" y="3005822"/>
-            <a:ext cx="1150436" cy="1268864"/>
-          </a:xfrm>
-          <a:prstGeom prst="rect">
-            <a:avLst/>
-          </a:prstGeom>
-          <a:noFill/>
-          <a:ln>
-            <a:noFill/>
-          </a:ln>
-        </p:spPr>
-      </p:pic>
-      <p:pic>
-        <p:nvPicPr>
-          <p:cNvPr id="152" name="Google Shape;152;p9"/>
-          <p:cNvPicPr preferRelativeResize="0"/>
-          <p:nvPr/>
-        </p:nvPicPr>
-        <p:blipFill rotWithShape="1">
-          <a:blip r:embed="rId4">
-            <a:alphaModFix/>
-          </a:blip>
-          <a:srcRect b="45622" l="25311" r="26079" t="13599"/>
-          <a:stretch/>
-        </p:blipFill>
-        <p:spPr>
-          <a:xfrm>
-            <a:off x="6084925" y="3280275"/>
-            <a:ext cx="1716326" cy="719925"/>
-          </a:xfrm>
-          <a:prstGeom prst="rect">
-            <a:avLst/>
-          </a:prstGeom>
-          <a:noFill/>
-          <a:ln>
-            <a:noFill/>
-          </a:ln>
-        </p:spPr>
-      </p:pic>
-      <p:pic>
-        <p:nvPicPr>
-          <p:cNvPr id="153" name="Google Shape;153;p9"/>
-          <p:cNvPicPr preferRelativeResize="0"/>
-          <p:nvPr/>
-        </p:nvPicPr>
-        <p:blipFill>
-          <a:blip r:embed="rId5">
-            <a:alphaModFix/>
-          </a:blip>
-          <a:stretch>
-            <a:fillRect/>
-          </a:stretch>
-        </p:blipFill>
-        <p:spPr>
-          <a:xfrm>
-            <a:off x="4836050" y="1275575"/>
-            <a:ext cx="2093809" cy="1143001"/>
-          </a:xfrm>
-          <a:prstGeom prst="rect">
-            <a:avLst/>
-          </a:prstGeom>
-          <a:noFill/>
-          <a:ln>
-            <a:noFill/>
-          </a:ln>
-        </p:spPr>
-      </p:pic>
-      <p:pic>
-        <p:nvPicPr>
-          <p:cNvPr id="154" name="Google Shape;154;p9"/>
-          <p:cNvPicPr preferRelativeResize="0"/>
-          <p:nvPr/>
-        </p:nvPicPr>
-        <p:blipFill rotWithShape="1">
-          <a:blip r:embed="rId6">
-            <a:alphaModFix/>
-          </a:blip>
-          <a:srcRect b="19138" l="19081" r="21362" t="21034"/>
-          <a:stretch/>
-        </p:blipFill>
-        <p:spPr>
-          <a:xfrm>
-            <a:off x="5366950" y="4548763"/>
-            <a:ext cx="1263227" cy="1268874"/>
-          </a:xfrm>
-          <a:prstGeom prst="rect">
-            <a:avLst/>
-          </a:prstGeom>
-          <a:noFill/>
-          <a:ln>
-            <a:noFill/>
-          </a:ln>
-        </p:spPr>
-      </p:pic>
-      <p:pic>
-        <p:nvPicPr>
-          <p:cNvPr id="155" name="Google Shape;155;p9"/>
-          <p:cNvPicPr preferRelativeResize="0"/>
-          <p:nvPr/>
-        </p:nvPicPr>
-        <p:blipFill rotWithShape="1">
-          <a:blip r:embed="rId7">
-            <a:alphaModFix/>
-          </a:blip>
-          <a:srcRect b="0" l="0" r="55861" t="0"/>
-          <a:stretch/>
-        </p:blipFill>
-        <p:spPr>
-          <a:xfrm>
-            <a:off x="6929838" y="4495212"/>
-            <a:ext cx="1388205" cy="1376000"/>
-          </a:xfrm>
-          <a:prstGeom prst="rect">
-            <a:avLst/>
-          </a:prstGeom>
-          <a:noFill/>
-          <a:ln>
-            <a:noFill/>
-          </a:ln>
-        </p:spPr>
-      </p:pic>
-      <p:pic>
-        <p:nvPicPr>
-          <p:cNvPr id="156" name="Google Shape;156;p9"/>
-          <p:cNvPicPr preferRelativeResize="0"/>
-          <p:nvPr/>
-        </p:nvPicPr>
-        <p:blipFill rotWithShape="1">
-          <a:blip r:embed="rId8">
-            <a:alphaModFix/>
-          </a:blip>
-          <a:srcRect b="31826" l="17235" r="48588" t="35967"/>
-          <a:stretch/>
-        </p:blipFill>
-        <p:spPr>
-          <a:xfrm>
-            <a:off x="7899700" y="3176113"/>
-            <a:ext cx="985124" cy="928274"/>
-          </a:xfrm>
-          <a:prstGeom prst="rect">
-            <a:avLst/>
-          </a:prstGeom>
-          <a:noFill/>
-          <a:ln>
-            <a:noFill/>
-          </a:ln>
-        </p:spPr>
-      </p:pic>
-      <p:pic>
-        <p:nvPicPr>
-          <p:cNvPr id="157" name="Google Shape;157;p9"/>
-          <p:cNvPicPr preferRelativeResize="0"/>
-          <p:nvPr/>
-        </p:nvPicPr>
-        <p:blipFill rotWithShape="1">
-          <a:blip r:embed="rId9">
-            <a:alphaModFix/>
-          </a:blip>
-          <a:srcRect b="13660" l="9901" r="7718" t="13015"/>
-          <a:stretch/>
-        </p:blipFill>
-        <p:spPr>
-          <a:xfrm>
-            <a:off x="7168500" y="1206409"/>
-            <a:ext cx="1716325" cy="1018479"/>
           </a:xfrm>
           <a:prstGeom prst="rect">
             <a:avLst/>
